--- a/Phần 5-Quản lý State với Redux.pptx
+++ b/Phần 5-Quản lý State với Redux.pptx
@@ -10,6 +10,9 @@
     <p:sldId id="264" r:id="rId4"/>
     <p:sldId id="265" r:id="rId5"/>
     <p:sldId id="266" r:id="rId6"/>
+    <p:sldId id="267" r:id="rId7"/>
+    <p:sldId id="268" r:id="rId8"/>
+    <p:sldId id="269" r:id="rId9"/>
   </p:sldIdLst>
   <p:sldSz cx="12192000" cy="6858000"/>
   <p:notesSz cx="6858000" cy="9144000"/>
@@ -873,7 +876,7 @@
             <a:fld id="{B61BEF0D-F0BB-DE4B-95CE-6DB70DBA9567}" type="datetimeFigureOut">
               <a:rPr lang="en-US" dirty="0"/>
               <a:pPr/>
-              <a:t>3/18/2019</a:t>
+              <a:t>3/18/19</a:t>
             </a:fld>
             <a:endParaRPr lang="en-US" dirty="0"/>
           </a:p>
@@ -1121,7 +1124,7 @@
             <a:fld id="{B61BEF0D-F0BB-DE4B-95CE-6DB70DBA9567}" type="datetimeFigureOut">
               <a:rPr lang="en-US" dirty="0"/>
               <a:pPr/>
-              <a:t>3/18/2019</a:t>
+              <a:t>3/18/19</a:t>
             </a:fld>
             <a:endParaRPr lang="en-US" dirty="0"/>
           </a:p>
@@ -1432,7 +1435,7 @@
             <a:fld id="{B61BEF0D-F0BB-DE4B-95CE-6DB70DBA9567}" type="datetimeFigureOut">
               <a:rPr lang="en-US" dirty="0"/>
               <a:pPr/>
-              <a:t>3/18/2019</a:t>
+              <a:t>3/18/19</a:t>
             </a:fld>
             <a:endParaRPr lang="en-US" dirty="0"/>
           </a:p>
@@ -1762,7 +1765,7 @@
             <a:fld id="{B61BEF0D-F0BB-DE4B-95CE-6DB70DBA9567}" type="datetimeFigureOut">
               <a:rPr lang="en-US" dirty="0"/>
               <a:pPr/>
-              <a:t>3/18/2019</a:t>
+              <a:t>3/18/19</a:t>
             </a:fld>
             <a:endParaRPr lang="en-US" dirty="0"/>
           </a:p>
@@ -2073,7 +2076,7 @@
             <a:fld id="{B61BEF0D-F0BB-DE4B-95CE-6DB70DBA9567}" type="datetimeFigureOut">
               <a:rPr lang="en-US" dirty="0"/>
               <a:pPr/>
-              <a:t>3/18/2019</a:t>
+              <a:t>3/18/19</a:t>
             </a:fld>
             <a:endParaRPr lang="en-US" dirty="0"/>
           </a:p>
@@ -2463,7 +2466,7 @@
             <a:fld id="{B61BEF0D-F0BB-DE4B-95CE-6DB70DBA9567}" type="datetimeFigureOut">
               <a:rPr lang="en-US" dirty="0"/>
               <a:pPr/>
-              <a:t>3/18/2019</a:t>
+              <a:t>3/18/19</a:t>
             </a:fld>
             <a:endParaRPr lang="en-US" dirty="0"/>
           </a:p>
@@ -2630,7 +2633,7 @@
             <a:fld id="{55C6B4A9-1611-4792-9094-5F34BCA07E0B}" type="datetimeFigureOut">
               <a:rPr lang="en-US" dirty="0"/>
               <a:pPr/>
-              <a:t>3/18/2019</a:t>
+              <a:t>3/18/19</a:t>
             </a:fld>
             <a:endParaRPr lang="en-US" dirty="0"/>
           </a:p>
@@ -2807,7 +2810,7 @@
             <a:fld id="{B61BEF0D-F0BB-DE4B-95CE-6DB70DBA9567}" type="datetimeFigureOut">
               <a:rPr lang="en-US" dirty="0"/>
               <a:pPr/>
-              <a:t>3/18/2019</a:t>
+              <a:t>3/18/19</a:t>
             </a:fld>
             <a:endParaRPr lang="en-US" dirty="0"/>
           </a:p>
@@ -2974,7 +2977,7 @@
             <a:fld id="{42A54C80-263E-416B-A8E0-580EDEADCBDC}" type="datetimeFigureOut">
               <a:rPr lang="en-US" dirty="0"/>
               <a:pPr/>
-              <a:t>3/18/2019</a:t>
+              <a:t>3/18/19</a:t>
             </a:fld>
             <a:endParaRPr lang="en-US" dirty="0"/>
           </a:p>
@@ -3218,7 +3221,7 @@
             <a:fld id="{B61BEF0D-F0BB-DE4B-95CE-6DB70DBA9567}" type="datetimeFigureOut">
               <a:rPr lang="en-US" dirty="0"/>
               <a:pPr/>
-              <a:t>3/18/2019</a:t>
+              <a:t>3/18/19</a:t>
             </a:fld>
             <a:endParaRPr lang="en-US" dirty="0"/>
           </a:p>
@@ -3447,7 +3450,7 @@
             <a:fld id="{42A54C80-263E-416B-A8E0-580EDEADCBDC}" type="datetimeFigureOut">
               <a:rPr lang="en-US" dirty="0"/>
               <a:pPr/>
-              <a:t>3/18/2019</a:t>
+              <a:t>3/18/19</a:t>
             </a:fld>
             <a:endParaRPr lang="en-US" dirty="0"/>
           </a:p>
@@ -3818,7 +3821,7 @@
             <a:fld id="{B61BEF0D-F0BB-DE4B-95CE-6DB70DBA9567}" type="datetimeFigureOut">
               <a:rPr lang="en-US" dirty="0"/>
               <a:pPr/>
-              <a:t>3/18/2019</a:t>
+              <a:t>3/18/19</a:t>
             </a:fld>
             <a:endParaRPr lang="en-US" dirty="0"/>
           </a:p>
@@ -3938,7 +3941,7 @@
             <a:fld id="{B61BEF0D-F0BB-DE4B-95CE-6DB70DBA9567}" type="datetimeFigureOut">
               <a:rPr lang="en-US" dirty="0"/>
               <a:pPr/>
-              <a:t>3/18/2019</a:t>
+              <a:t>3/18/19</a:t>
             </a:fld>
             <a:endParaRPr lang="en-US" dirty="0"/>
           </a:p>
@@ -4030,7 +4033,7 @@
             <a:fld id="{B61BEF0D-F0BB-DE4B-95CE-6DB70DBA9567}" type="datetimeFigureOut">
               <a:rPr lang="en-US" dirty="0"/>
               <a:pPr/>
-              <a:t>3/18/2019</a:t>
+              <a:t>3/18/19</a:t>
             </a:fld>
             <a:endParaRPr lang="en-US" dirty="0"/>
           </a:p>
@@ -4282,7 +4285,7 @@
             <a:fld id="{42A54C80-263E-416B-A8E0-580EDEADCBDC}" type="datetimeFigureOut">
               <a:rPr lang="en-US" dirty="0"/>
               <a:pPr/>
-              <a:t>3/18/2019</a:t>
+              <a:t>3/18/19</a:t>
             </a:fld>
             <a:endParaRPr lang="en-US" dirty="0"/>
           </a:p>
@@ -4585,7 +4588,7 @@
             <a:fld id="{B61BEF0D-F0BB-DE4B-95CE-6DB70DBA9567}" type="datetimeFigureOut">
               <a:rPr lang="en-US" dirty="0"/>
               <a:pPr/>
-              <a:t>3/18/2019</a:t>
+              <a:t>3/18/19</a:t>
             </a:fld>
             <a:endParaRPr lang="en-US" dirty="0"/>
           </a:p>
@@ -5283,7 +5286,7 @@
             <a:fld id="{B61BEF0D-F0BB-DE4B-95CE-6DB70DBA9567}" type="datetimeFigureOut">
               <a:rPr lang="en-US" dirty="0"/>
               <a:pPr/>
-              <a:t>3/18/2019</a:t>
+              <a:t>3/18/19</a:t>
             </a:fld>
             <a:endParaRPr lang="en-US" dirty="0"/>
           </a:p>
@@ -5959,6 +5962,7 @@
                 <a:solidFill>
                   <a:schemeClr val="tx1"/>
                 </a:solidFill>
+                <a:latin typeface="Arial" panose="020B0604020202020204" pitchFamily="34" charset="0"/>
                 <a:cs typeface="Arial" panose="020B0604020202020204" pitchFamily="34" charset="0"/>
               </a:rPr>
               <a:t>Redux js là một thư viện Javascript giúp quản lý </a:t>
@@ -5968,6 +5972,7 @@
                 <a:solidFill>
                   <a:schemeClr val="tx1"/>
                 </a:solidFill>
+                <a:latin typeface="Arial" panose="020B0604020202020204" pitchFamily="34" charset="0"/>
                 <a:cs typeface="Arial" panose="020B0604020202020204" pitchFamily="34" charset="0"/>
               </a:rPr>
               <a:t>State </a:t>
@@ -5977,6 +5982,7 @@
                 <a:solidFill>
                   <a:schemeClr val="tx1"/>
                 </a:solidFill>
+                <a:latin typeface="Arial" panose="020B0604020202020204" pitchFamily="34" charset="0"/>
                 <a:cs typeface="Arial" panose="020B0604020202020204" pitchFamily="34" charset="0"/>
               </a:rPr>
               <a:t>trong</a:t>
@@ -5986,6 +5992,7 @@
                 <a:solidFill>
                   <a:schemeClr val="tx1"/>
                 </a:solidFill>
+                <a:latin typeface="Arial" panose="020B0604020202020204" pitchFamily="34" charset="0"/>
                 <a:cs typeface="Arial" panose="020B0604020202020204" pitchFamily="34" charset="0"/>
               </a:rPr>
               <a:t> 1 </a:t>
@@ -5995,6 +6002,7 @@
                 <a:solidFill>
                   <a:schemeClr val="tx1"/>
                 </a:solidFill>
+                <a:latin typeface="Arial" panose="020B0604020202020204" pitchFamily="34" charset="0"/>
                 <a:cs typeface="Arial" panose="020B0604020202020204" pitchFamily="34" charset="0"/>
               </a:rPr>
               <a:t>ứng</a:t>
@@ -6004,6 +6012,7 @@
                 <a:solidFill>
                   <a:schemeClr val="tx1"/>
                 </a:solidFill>
+                <a:latin typeface="Arial" panose="020B0604020202020204" pitchFamily="34" charset="0"/>
                 <a:cs typeface="Arial" panose="020B0604020202020204" pitchFamily="34" charset="0"/>
               </a:rPr>
               <a:t> </a:t>
@@ -6013,6 +6022,7 @@
                 <a:solidFill>
                   <a:schemeClr val="tx1"/>
                 </a:solidFill>
+                <a:latin typeface="Arial" panose="020B0604020202020204" pitchFamily="34" charset="0"/>
                 <a:cs typeface="Arial" panose="020B0604020202020204" pitchFamily="34" charset="0"/>
               </a:rPr>
               <a:t>dụng</a:t>
@@ -6022,6 +6032,7 @@
                 <a:solidFill>
                   <a:schemeClr val="tx1"/>
                 </a:solidFill>
+                <a:latin typeface="Arial" panose="020B0604020202020204" pitchFamily="34" charset="0"/>
                 <a:cs typeface="Arial" panose="020B0604020202020204" pitchFamily="34" charset="0"/>
               </a:rPr>
               <a:t> ReactJS</a:t>
@@ -6031,6 +6042,7 @@
                 <a:solidFill>
                   <a:schemeClr val="tx1"/>
                 </a:solidFill>
+                <a:latin typeface="Arial" panose="020B0604020202020204" pitchFamily="34" charset="0"/>
                 <a:cs typeface="Arial" panose="020B0604020202020204" pitchFamily="34" charset="0"/>
               </a:rPr>
               <a:t>.</a:t>
@@ -6039,6 +6051,7 @@
               <a:solidFill>
                 <a:schemeClr val="tx1"/>
               </a:solidFill>
+              <a:latin typeface="Arial" panose="020B0604020202020204" pitchFamily="34" charset="0"/>
               <a:cs typeface="Arial" panose="020B0604020202020204" pitchFamily="34" charset="0"/>
             </a:endParaRPr>
           </a:p>
@@ -6056,6 +6069,7 @@
                 <a:solidFill>
                   <a:schemeClr val="tx1"/>
                 </a:solidFill>
+                <a:latin typeface="Arial" panose="020B0604020202020204" pitchFamily="34" charset="0"/>
                 <a:cs typeface="Arial" panose="020B0604020202020204" pitchFamily="34" charset="0"/>
               </a:rPr>
               <a:t>Redux là bộ đôi kết hợp hoàn hảo với React</a:t>
@@ -6065,6 +6079,7 @@
                 <a:solidFill>
                   <a:schemeClr val="tx1"/>
                 </a:solidFill>
+                <a:latin typeface="Arial" panose="020B0604020202020204" pitchFamily="34" charset="0"/>
                 <a:cs typeface="Arial" panose="020B0604020202020204" pitchFamily="34" charset="0"/>
               </a:rPr>
               <a:t>:</a:t>
@@ -6084,6 +6099,7 @@
                 <a:solidFill>
                   <a:schemeClr val="tx1"/>
                 </a:solidFill>
+                <a:latin typeface="Arial" panose="020B0604020202020204" pitchFamily="34" charset="0"/>
                 <a:cs typeface="Arial" panose="020B0604020202020204" pitchFamily="34" charset="0"/>
               </a:rPr>
               <a:t>- </a:t>
@@ -6093,6 +6109,7 @@
                 <a:solidFill>
                   <a:schemeClr val="tx1"/>
                 </a:solidFill>
+                <a:latin typeface="Arial" panose="020B0604020202020204" pitchFamily="34" charset="0"/>
                 <a:cs typeface="Arial" panose="020B0604020202020204" pitchFamily="34" charset="0"/>
               </a:rPr>
               <a:t>State của toàn bộ </a:t>
@@ -6102,6 +6119,7 @@
                 <a:solidFill>
                   <a:schemeClr val="tx1"/>
                 </a:solidFill>
+                <a:latin typeface="Arial" panose="020B0604020202020204" pitchFamily="34" charset="0"/>
                 <a:cs typeface="Arial" panose="020B0604020202020204" pitchFamily="34" charset="0"/>
               </a:rPr>
               <a:t>App </a:t>
@@ -6111,6 +6129,7 @@
                 <a:solidFill>
                   <a:schemeClr val="tx1"/>
                 </a:solidFill>
+                <a:latin typeface="Arial" panose="020B0604020202020204" pitchFamily="34" charset="0"/>
                 <a:cs typeface="Arial" panose="020B0604020202020204" pitchFamily="34" charset="0"/>
               </a:rPr>
               <a:t>được chứa trong một object Store duy nhất</a:t>
@@ -6119,6 +6138,7 @@
               <a:solidFill>
                 <a:schemeClr val="tx1"/>
               </a:solidFill>
+              <a:latin typeface="Arial" panose="020B0604020202020204" pitchFamily="34" charset="0"/>
               <a:cs typeface="Arial" panose="020B0604020202020204" pitchFamily="34" charset="0"/>
             </a:endParaRPr>
           </a:p>
@@ -6136,6 +6156,7 @@
                 <a:solidFill>
                   <a:schemeClr val="tx1"/>
                 </a:solidFill>
+                <a:latin typeface="Arial" panose="020B0604020202020204" pitchFamily="34" charset="0"/>
                 <a:cs typeface="Arial" panose="020B0604020202020204" pitchFamily="34" charset="0"/>
               </a:rPr>
               <a:t>- Đ</a:t>
@@ -6145,6 +6166,7 @@
                 <a:solidFill>
                   <a:schemeClr val="tx1"/>
                 </a:solidFill>
+                <a:latin typeface="Arial" panose="020B0604020202020204" pitchFamily="34" charset="0"/>
                 <a:cs typeface="Arial" panose="020B0604020202020204" pitchFamily="34" charset="0"/>
               </a:rPr>
               <a:t>ể thay đổi State của </a:t>
@@ -6154,6 +6176,7 @@
                 <a:solidFill>
                   <a:schemeClr val="tx1"/>
                 </a:solidFill>
+                <a:latin typeface="Arial" panose="020B0604020202020204" pitchFamily="34" charset="0"/>
                 <a:cs typeface="Arial" panose="020B0604020202020204" pitchFamily="34" charset="0"/>
               </a:rPr>
               <a:t>cần</a:t>
@@ -6163,6 +6186,7 @@
                 <a:solidFill>
                   <a:schemeClr val="tx1"/>
                 </a:solidFill>
+                <a:latin typeface="Arial" panose="020B0604020202020204" pitchFamily="34" charset="0"/>
                 <a:cs typeface="Arial" panose="020B0604020202020204" pitchFamily="34" charset="0"/>
               </a:rPr>
               <a:t> phát</a:t>
@@ -6172,6 +6196,7 @@
                 <a:solidFill>
                   <a:schemeClr val="tx1"/>
                 </a:solidFill>
+                <a:latin typeface="Arial" panose="020B0604020202020204" pitchFamily="34" charset="0"/>
                 <a:cs typeface="Arial" panose="020B0604020202020204" pitchFamily="34" charset="0"/>
               </a:rPr>
               <a:t>(dispatch)</a:t>
@@ -6181,6 +6206,7 @@
                 <a:solidFill>
                   <a:schemeClr val="tx1"/>
                 </a:solidFill>
+                <a:latin typeface="Arial" panose="020B0604020202020204" pitchFamily="34" charset="0"/>
                 <a:cs typeface="Arial" panose="020B0604020202020204" pitchFamily="34" charset="0"/>
               </a:rPr>
               <a:t> một Action</a:t>
@@ -6189,6 +6215,7 @@
               <a:solidFill>
                 <a:schemeClr val="tx1"/>
               </a:solidFill>
+              <a:latin typeface="Arial" panose="020B0604020202020204" pitchFamily="34" charset="0"/>
               <a:cs typeface="Arial" panose="020B0604020202020204" pitchFamily="34" charset="0"/>
             </a:endParaRPr>
           </a:p>
@@ -6206,6 +6233,7 @@
                 <a:solidFill>
                   <a:schemeClr val="tx1"/>
                 </a:solidFill>
+                <a:latin typeface="Arial" panose="020B0604020202020204" pitchFamily="34" charset="0"/>
                 <a:cs typeface="Arial" panose="020B0604020202020204" pitchFamily="34" charset="0"/>
               </a:rPr>
               <a:t>- </a:t>
@@ -6215,6 +6243,7 @@
                 <a:solidFill>
                   <a:schemeClr val="tx1"/>
                 </a:solidFill>
+                <a:latin typeface="Arial" panose="020B0604020202020204" pitchFamily="34" charset="0"/>
                 <a:cs typeface="Arial" panose="020B0604020202020204" pitchFamily="34" charset="0"/>
               </a:rPr>
               <a:t>Để chỉ ra cách mà State được biến đổi bởi Action</a:t>
@@ -6224,6 +6253,7 @@
                 <a:solidFill>
                   <a:schemeClr val="tx1"/>
                 </a:solidFill>
+                <a:latin typeface="Arial" panose="020B0604020202020204" pitchFamily="34" charset="0"/>
                 <a:cs typeface="Arial" panose="020B0604020202020204" pitchFamily="34" charset="0"/>
               </a:rPr>
               <a:t>(</a:t>
@@ -6233,6 +6263,7 @@
                 <a:solidFill>
                   <a:schemeClr val="tx1"/>
                 </a:solidFill>
+                <a:latin typeface="Arial" panose="020B0604020202020204" pitchFamily="34" charset="0"/>
                 <a:cs typeface="Arial" panose="020B0604020202020204" pitchFamily="34" charset="0"/>
               </a:rPr>
               <a:t>từ</a:t>
@@ -6242,6 +6273,7 @@
                 <a:solidFill>
                   <a:schemeClr val="tx1"/>
                 </a:solidFill>
+                <a:latin typeface="Arial" panose="020B0604020202020204" pitchFamily="34" charset="0"/>
                 <a:cs typeface="Arial" panose="020B0604020202020204" pitchFamily="34" charset="0"/>
               </a:rPr>
               <a:t> State </a:t>
@@ -6251,6 +6283,7 @@
                 <a:solidFill>
                   <a:schemeClr val="tx1"/>
                 </a:solidFill>
+                <a:latin typeface="Arial" panose="020B0604020202020204" pitchFamily="34" charset="0"/>
                 <a:cs typeface="Arial" panose="020B0604020202020204" pitchFamily="34" charset="0"/>
               </a:rPr>
               <a:t>cũ</a:t>
@@ -6260,6 +6293,7 @@
                 <a:solidFill>
                   <a:schemeClr val="tx1"/>
                 </a:solidFill>
+                <a:latin typeface="Arial" panose="020B0604020202020204" pitchFamily="34" charset="0"/>
                 <a:cs typeface="Arial" panose="020B0604020202020204" pitchFamily="34" charset="0"/>
               </a:rPr>
               <a:t> sang State </a:t>
@@ -6269,6 +6303,7 @@
                 <a:solidFill>
                   <a:schemeClr val="tx1"/>
                 </a:solidFill>
+                <a:latin typeface="Arial" panose="020B0604020202020204" pitchFamily="34" charset="0"/>
                 <a:cs typeface="Arial" panose="020B0604020202020204" pitchFamily="34" charset="0"/>
               </a:rPr>
               <a:t>mới</a:t>
@@ -6278,6 +6313,7 @@
                 <a:solidFill>
                   <a:schemeClr val="tx1"/>
                 </a:solidFill>
+                <a:latin typeface="Arial" panose="020B0604020202020204" pitchFamily="34" charset="0"/>
                 <a:cs typeface="Arial" panose="020B0604020202020204" pitchFamily="34" charset="0"/>
               </a:rPr>
               <a:t>), ta </a:t>
@@ -6287,6 +6323,7 @@
                 <a:solidFill>
                   <a:schemeClr val="tx1"/>
                 </a:solidFill>
+                <a:latin typeface="Arial" panose="020B0604020202020204" pitchFamily="34" charset="0"/>
                 <a:cs typeface="Arial" panose="020B0604020202020204" pitchFamily="34" charset="0"/>
               </a:rPr>
               <a:t>dùng</a:t>
@@ -6296,6 +6333,7 @@
                 <a:solidFill>
                   <a:schemeClr val="tx1"/>
                 </a:solidFill>
+                <a:latin typeface="Arial" panose="020B0604020202020204" pitchFamily="34" charset="0"/>
                 <a:cs typeface="Arial" panose="020B0604020202020204" pitchFamily="34" charset="0"/>
               </a:rPr>
               <a:t> </a:t>
@@ -6305,6 +6343,7 @@
                 <a:solidFill>
                   <a:schemeClr val="tx1"/>
                 </a:solidFill>
+                <a:latin typeface="Arial" panose="020B0604020202020204" pitchFamily="34" charset="0"/>
                 <a:cs typeface="Arial" panose="020B0604020202020204" pitchFamily="34" charset="0"/>
               </a:rPr>
               <a:t>các</a:t>
@@ -6314,6 +6353,7 @@
                 <a:solidFill>
                   <a:schemeClr val="tx1"/>
                 </a:solidFill>
+                <a:latin typeface="Arial" panose="020B0604020202020204" pitchFamily="34" charset="0"/>
                 <a:cs typeface="Arial" panose="020B0604020202020204" pitchFamily="34" charset="0"/>
               </a:rPr>
               <a:t> </a:t>
@@ -6323,6 +6363,7 @@
                 <a:solidFill>
                   <a:schemeClr val="tx1"/>
                 </a:solidFill>
+                <a:latin typeface="Arial" panose="020B0604020202020204" pitchFamily="34" charset="0"/>
                 <a:cs typeface="Arial" panose="020B0604020202020204" pitchFamily="34" charset="0"/>
               </a:rPr>
               <a:t>hàm</a:t>
@@ -6332,6 +6373,7 @@
                 <a:solidFill>
                   <a:schemeClr val="tx1"/>
                 </a:solidFill>
+                <a:latin typeface="Arial" panose="020B0604020202020204" pitchFamily="34" charset="0"/>
                 <a:cs typeface="Arial" panose="020B0604020202020204" pitchFamily="34" charset="0"/>
               </a:rPr>
               <a:t> </a:t>
@@ -6341,6 +6383,7 @@
                 <a:solidFill>
                   <a:schemeClr val="tx1"/>
                 </a:solidFill>
+                <a:latin typeface="Arial" panose="020B0604020202020204" pitchFamily="34" charset="0"/>
                 <a:cs typeface="Arial" panose="020B0604020202020204" pitchFamily="34" charset="0"/>
               </a:rPr>
               <a:t>gọi</a:t>
@@ -6350,6 +6393,7 @@
                 <a:solidFill>
                   <a:schemeClr val="tx1"/>
                 </a:solidFill>
+                <a:latin typeface="Arial" panose="020B0604020202020204" pitchFamily="34" charset="0"/>
                 <a:cs typeface="Arial" panose="020B0604020202020204" pitchFamily="34" charset="0"/>
               </a:rPr>
               <a:t> </a:t>
@@ -6359,6 +6403,7 @@
                 <a:solidFill>
                   <a:schemeClr val="tx1"/>
                 </a:solidFill>
+                <a:latin typeface="Arial" panose="020B0604020202020204" pitchFamily="34" charset="0"/>
                 <a:cs typeface="Arial" panose="020B0604020202020204" pitchFamily="34" charset="0"/>
               </a:rPr>
               <a:t>là</a:t>
@@ -6368,6 +6413,7 @@
                 <a:solidFill>
                   <a:schemeClr val="tx1"/>
                 </a:solidFill>
+                <a:latin typeface="Arial" panose="020B0604020202020204" pitchFamily="34" charset="0"/>
                 <a:cs typeface="Arial" panose="020B0604020202020204" pitchFamily="34" charset="0"/>
               </a:rPr>
               <a:t> </a:t>
@@ -6377,6 +6423,7 @@
                 <a:solidFill>
                   <a:schemeClr val="tx1"/>
                 </a:solidFill>
+                <a:latin typeface="Arial" panose="020B0604020202020204" pitchFamily="34" charset="0"/>
                 <a:cs typeface="Arial" panose="020B0604020202020204" pitchFamily="34" charset="0"/>
               </a:rPr>
               <a:t>Reducer</a:t>
@@ -6386,6 +6433,7 @@
                 <a:solidFill>
                   <a:schemeClr val="tx1"/>
                 </a:solidFill>
+                <a:latin typeface="Arial" panose="020B0604020202020204" pitchFamily="34" charset="0"/>
                 <a:cs typeface="Arial" panose="020B0604020202020204" pitchFamily="34" charset="0"/>
               </a:rPr>
               <a:t>s</a:t>
@@ -6914,6 +6962,7 @@
                 <a:solidFill>
                   <a:schemeClr val="tx1"/>
                 </a:solidFill>
+                <a:latin typeface="Arial" panose="020B0604020202020204" pitchFamily="34" charset="0"/>
                 <a:cs typeface="Arial" panose="020B0604020202020204" pitchFamily="34" charset="0"/>
               </a:rPr>
               <a:t>Action</a:t>
@@ -6923,15 +6972,17 @@
                 <a:solidFill>
                   <a:schemeClr val="tx1"/>
                 </a:solidFill>
-                <a:cs typeface="Arial" panose="020B0604020202020204" pitchFamily="34" charset="0"/>
-              </a:rPr>
-              <a:t>: Là nơi mang các thông tin dung</a:t>
-            </a:r>
-            <a:r>
-              <a:rPr lang="en-US" sz="2000" dirty="0">
-                <a:solidFill>
-                  <a:schemeClr val="tx1"/>
-                </a:solidFill>
+                <a:latin typeface="Arial" panose="020B0604020202020204" pitchFamily="34" charset="0"/>
+                <a:cs typeface="Arial" panose="020B0604020202020204" pitchFamily="34" charset="0"/>
+              </a:rPr>
+              <a:t>: Là nơi mang các thông tin </a:t>
+            </a:r>
+            <a:r>
+              <a:rPr lang="en-US" sz="2000" dirty="0">
+                <a:solidFill>
+                  <a:schemeClr val="tx1"/>
+                </a:solidFill>
+                <a:latin typeface="Arial" panose="020B0604020202020204" pitchFamily="34" charset="0"/>
                 <a:cs typeface="Arial" panose="020B0604020202020204" pitchFamily="34" charset="0"/>
               </a:rPr>
               <a:t>(VD: user </a:t>
@@ -6941,6 +6992,7 @@
                 <a:solidFill>
                   <a:schemeClr val="tx1"/>
                 </a:solidFill>
+                <a:latin typeface="Arial" panose="020B0604020202020204" pitchFamily="34" charset="0"/>
                 <a:cs typeface="Arial" panose="020B0604020202020204" pitchFamily="34" charset="0"/>
               </a:rPr>
               <a:t>bấm</a:t>
@@ -6950,6 +7002,7 @@
                 <a:solidFill>
                   <a:schemeClr val="tx1"/>
                 </a:solidFill>
+                <a:latin typeface="Arial" panose="020B0604020202020204" pitchFamily="34" charset="0"/>
                 <a:cs typeface="Arial" panose="020B0604020202020204" pitchFamily="34" charset="0"/>
               </a:rPr>
               <a:t> </a:t>
@@ -6959,6 +7012,7 @@
                 <a:solidFill>
                   <a:schemeClr val="tx1"/>
                 </a:solidFill>
+                <a:latin typeface="Arial" panose="020B0604020202020204" pitchFamily="34" charset="0"/>
                 <a:cs typeface="Arial" panose="020B0604020202020204" pitchFamily="34" charset="0"/>
               </a:rPr>
               <a:t>nút</a:t>
@@ -6968,6 +7022,7 @@
                 <a:solidFill>
                   <a:schemeClr val="tx1"/>
                 </a:solidFill>
+                <a:latin typeface="Arial" panose="020B0604020202020204" pitchFamily="34" charset="0"/>
                 <a:cs typeface="Arial" panose="020B0604020202020204" pitchFamily="34" charset="0"/>
               </a:rPr>
               <a:t> “Add New Product”)</a:t>
@@ -6977,15 +7032,17 @@
                 <a:solidFill>
                   <a:schemeClr val="tx1"/>
                 </a:solidFill>
-                <a:cs typeface="Arial" panose="020B0604020202020204" pitchFamily="34" charset="0"/>
-              </a:rPr>
-              <a:t> để gửi từ </a:t>
-            </a:r>
-            <a:r>
-              <a:rPr lang="en-US" sz="2000" dirty="0">
-                <a:solidFill>
-                  <a:schemeClr val="tx1"/>
-                </a:solidFill>
+                <a:latin typeface="Arial" panose="020B0604020202020204" pitchFamily="34" charset="0"/>
+                <a:cs typeface="Arial" panose="020B0604020202020204" pitchFamily="34" charset="0"/>
+              </a:rPr>
+              <a:t> gửi từ </a:t>
+            </a:r>
+            <a:r>
+              <a:rPr lang="en-US" sz="2000" dirty="0">
+                <a:solidFill>
+                  <a:schemeClr val="tx1"/>
+                </a:solidFill>
+                <a:latin typeface="Arial" panose="020B0604020202020204" pitchFamily="34" charset="0"/>
                 <a:cs typeface="Arial" panose="020B0604020202020204" pitchFamily="34" charset="0"/>
               </a:rPr>
               <a:t>App </a:t>
@@ -6995,6 +7052,7 @@
                 <a:solidFill>
                   <a:schemeClr val="tx1"/>
                 </a:solidFill>
+                <a:latin typeface="Arial" panose="020B0604020202020204" pitchFamily="34" charset="0"/>
                 <a:cs typeface="Arial" panose="020B0604020202020204" pitchFamily="34" charset="0"/>
               </a:rPr>
               <a:t>đến Store. Các thông tin này là 1 object</a:t>
@@ -7004,6 +7062,7 @@
                 <a:solidFill>
                   <a:schemeClr val="tx1"/>
                 </a:solidFill>
+                <a:latin typeface="Arial" panose="020B0604020202020204" pitchFamily="34" charset="0"/>
                 <a:cs typeface="Arial" panose="020B0604020202020204" pitchFamily="34" charset="0"/>
               </a:rPr>
               <a:t>(</a:t>
@@ -7013,6 +7072,7 @@
                 <a:solidFill>
                   <a:schemeClr val="tx1"/>
                 </a:solidFill>
+                <a:latin typeface="Arial" panose="020B0604020202020204" pitchFamily="34" charset="0"/>
                 <a:cs typeface="Arial" panose="020B0604020202020204" pitchFamily="34" charset="0"/>
               </a:rPr>
               <a:t>hoặc</a:t>
@@ -7022,6 +7082,7 @@
                 <a:solidFill>
                   <a:schemeClr val="tx1"/>
                 </a:solidFill>
+                <a:latin typeface="Arial" panose="020B0604020202020204" pitchFamily="34" charset="0"/>
                 <a:cs typeface="Arial" panose="020B0604020202020204" pitchFamily="34" charset="0"/>
               </a:rPr>
               <a:t> “arrow function”)</a:t>
@@ -7031,6 +7092,7 @@
                 <a:solidFill>
                   <a:schemeClr val="tx1"/>
                 </a:solidFill>
+                <a:latin typeface="Arial" panose="020B0604020202020204" pitchFamily="34" charset="0"/>
                 <a:cs typeface="Arial" panose="020B0604020202020204" pitchFamily="34" charset="0"/>
               </a:rPr>
               <a:t> mô tả những gì đã xảy ra.</a:t>
@@ -7039,6 +7101,7 @@
               <a:solidFill>
                 <a:schemeClr val="tx1"/>
               </a:solidFill>
+              <a:latin typeface="Arial" panose="020B0604020202020204" pitchFamily="34" charset="0"/>
               <a:cs typeface="Arial" panose="020B0604020202020204" pitchFamily="34" charset="0"/>
             </a:endParaRPr>
           </a:p>
@@ -7056,6 +7119,7 @@
                 <a:solidFill>
                   <a:schemeClr val="tx1"/>
                 </a:solidFill>
+                <a:latin typeface="Arial" panose="020B0604020202020204" pitchFamily="34" charset="0"/>
                 <a:cs typeface="Arial" panose="020B0604020202020204" pitchFamily="34" charset="0"/>
               </a:rPr>
               <a:t>Reducer</a:t>
@@ -7065,6 +7129,7 @@
                 <a:solidFill>
                   <a:schemeClr val="tx1"/>
                 </a:solidFill>
+                <a:latin typeface="Arial" panose="020B0604020202020204" pitchFamily="34" charset="0"/>
                 <a:cs typeface="Arial" panose="020B0604020202020204" pitchFamily="34" charset="0"/>
               </a:rPr>
               <a:t>: Là </a:t>
@@ -7074,6 +7139,7 @@
                 <a:solidFill>
                   <a:schemeClr val="tx1"/>
                 </a:solidFill>
+                <a:latin typeface="Arial" panose="020B0604020202020204" pitchFamily="34" charset="0"/>
                 <a:cs typeface="Arial" panose="020B0604020202020204" pitchFamily="34" charset="0"/>
               </a:rPr>
               <a:t>hàm</a:t>
@@ -7083,6 +7149,7 @@
                 <a:solidFill>
                   <a:schemeClr val="tx1"/>
                 </a:solidFill>
+                <a:latin typeface="Arial" panose="020B0604020202020204" pitchFamily="34" charset="0"/>
                 <a:cs typeface="Arial" panose="020B0604020202020204" pitchFamily="34" charset="0"/>
               </a:rPr>
               <a:t>(functions) </a:t>
@@ -7092,6 +7159,7 @@
                 <a:solidFill>
                   <a:schemeClr val="tx1"/>
                 </a:solidFill>
+                <a:latin typeface="Arial" panose="020B0604020202020204" pitchFamily="34" charset="0"/>
                 <a:cs typeface="Arial" panose="020B0604020202020204" pitchFamily="34" charset="0"/>
               </a:rPr>
               <a:t>xác</a:t>
@@ -7101,6 +7169,7 @@
                 <a:solidFill>
                   <a:schemeClr val="tx1"/>
                 </a:solidFill>
+                <a:latin typeface="Arial" panose="020B0604020202020204" pitchFamily="34" charset="0"/>
                 <a:cs typeface="Arial" panose="020B0604020202020204" pitchFamily="34" charset="0"/>
               </a:rPr>
               <a:t> </a:t>
@@ -7110,6 +7179,7 @@
                 <a:solidFill>
                   <a:schemeClr val="tx1"/>
                 </a:solidFill>
+                <a:latin typeface="Arial" panose="020B0604020202020204" pitchFamily="34" charset="0"/>
                 <a:cs typeface="Arial" panose="020B0604020202020204" pitchFamily="34" charset="0"/>
               </a:rPr>
               <a:t>định</a:t>
@@ -7119,6 +7189,7 @@
                 <a:solidFill>
                   <a:schemeClr val="tx1"/>
                 </a:solidFill>
+                <a:latin typeface="Arial" panose="020B0604020202020204" pitchFamily="34" charset="0"/>
                 <a:cs typeface="Arial" panose="020B0604020202020204" pitchFamily="34" charset="0"/>
               </a:rPr>
               <a:t> </a:t>
@@ -7128,6 +7199,7 @@
                 <a:solidFill>
                   <a:schemeClr val="tx1"/>
                 </a:solidFill>
+                <a:latin typeface="Arial" panose="020B0604020202020204" pitchFamily="34" charset="0"/>
                 <a:cs typeface="Arial" panose="020B0604020202020204" pitchFamily="34" charset="0"/>
               </a:rPr>
               <a:t>State thay đổi như thế nào</a:t>
@@ -7137,6 +7209,7 @@
                 <a:solidFill>
                   <a:schemeClr val="tx1"/>
                 </a:solidFill>
+                <a:latin typeface="Arial" panose="020B0604020202020204" pitchFamily="34" charset="0"/>
                 <a:cs typeface="Arial" panose="020B0604020202020204" pitchFamily="34" charset="0"/>
               </a:rPr>
               <a:t>(</a:t>
@@ -7146,6 +7219,7 @@
                 <a:solidFill>
                   <a:schemeClr val="tx1"/>
                 </a:solidFill>
+                <a:latin typeface="Arial" panose="020B0604020202020204" pitchFamily="34" charset="0"/>
                 <a:cs typeface="Arial" panose="020B0604020202020204" pitchFamily="34" charset="0"/>
               </a:rPr>
               <a:t>từ</a:t>
@@ -7155,6 +7229,7 @@
                 <a:solidFill>
                   <a:schemeClr val="tx1"/>
                 </a:solidFill>
+                <a:latin typeface="Arial" panose="020B0604020202020204" pitchFamily="34" charset="0"/>
                 <a:cs typeface="Arial" panose="020B0604020202020204" pitchFamily="34" charset="0"/>
               </a:rPr>
               <a:t> </a:t>
@@ -7164,6 +7239,7 @@
                 <a:solidFill>
                   <a:schemeClr val="tx1"/>
                 </a:solidFill>
+                <a:latin typeface="Arial" panose="020B0604020202020204" pitchFamily="34" charset="0"/>
                 <a:cs typeface="Arial" panose="020B0604020202020204" pitchFamily="34" charset="0"/>
               </a:rPr>
               <a:t>oldState</a:t>
@@ -7173,6 +7249,7 @@
                 <a:solidFill>
                   <a:schemeClr val="tx1"/>
                 </a:solidFill>
+                <a:latin typeface="Arial" panose="020B0604020202020204" pitchFamily="34" charset="0"/>
                 <a:cs typeface="Arial" panose="020B0604020202020204" pitchFamily="34" charset="0"/>
               </a:rPr>
               <a:t> sang </a:t>
@@ -7182,6 +7259,7 @@
                 <a:solidFill>
                   <a:schemeClr val="tx1"/>
                 </a:solidFill>
+                <a:latin typeface="Arial" panose="020B0604020202020204" pitchFamily="34" charset="0"/>
                 <a:cs typeface="Arial" panose="020B0604020202020204" pitchFamily="34" charset="0"/>
               </a:rPr>
               <a:t>newState</a:t>
@@ -7191,6 +7269,7 @@
                 <a:solidFill>
                   <a:schemeClr val="tx1"/>
                 </a:solidFill>
+                <a:latin typeface="Arial" panose="020B0604020202020204" pitchFamily="34" charset="0"/>
                 <a:cs typeface="Arial" panose="020B0604020202020204" pitchFamily="34" charset="0"/>
               </a:rPr>
               <a:t>).</a:t>
@@ -7200,6 +7279,7 @@
                 <a:solidFill>
                   <a:schemeClr val="tx1"/>
                 </a:solidFill>
+                <a:latin typeface="Arial" panose="020B0604020202020204" pitchFamily="34" charset="0"/>
                 <a:cs typeface="Arial" panose="020B0604020202020204" pitchFamily="34" charset="0"/>
               </a:rPr>
               <a:t>Giả</a:t>
@@ -7209,6 +7289,7 @@
                 <a:solidFill>
                   <a:schemeClr val="tx1"/>
                 </a:solidFill>
+                <a:latin typeface="Arial" panose="020B0604020202020204" pitchFamily="34" charset="0"/>
                 <a:cs typeface="Arial" panose="020B0604020202020204" pitchFamily="34" charset="0"/>
               </a:rPr>
               <a:t> </a:t>
@@ -7218,6 +7299,7 @@
                 <a:solidFill>
                   <a:schemeClr val="tx1"/>
                 </a:solidFill>
+                <a:latin typeface="Arial" panose="020B0604020202020204" pitchFamily="34" charset="0"/>
                 <a:cs typeface="Arial" panose="020B0604020202020204" pitchFamily="34" charset="0"/>
               </a:rPr>
               <a:t>sử</a:t>
@@ -7227,6 +7309,7 @@
                 <a:solidFill>
                   <a:schemeClr val="tx1"/>
                 </a:solidFill>
+                <a:latin typeface="Arial" panose="020B0604020202020204" pitchFamily="34" charset="0"/>
                 <a:cs typeface="Arial" panose="020B0604020202020204" pitchFamily="34" charset="0"/>
               </a:rPr>
               <a:t> App </a:t>
@@ -7236,6 +7319,7 @@
                 <a:solidFill>
                   <a:schemeClr val="tx1"/>
                 </a:solidFill>
+                <a:latin typeface="Arial" panose="020B0604020202020204" pitchFamily="34" charset="0"/>
                 <a:cs typeface="Arial" panose="020B0604020202020204" pitchFamily="34" charset="0"/>
               </a:rPr>
               <a:t>có</a:t>
@@ -7245,6 +7329,7 @@
                 <a:solidFill>
                   <a:schemeClr val="tx1"/>
                 </a:solidFill>
+                <a:latin typeface="Arial" panose="020B0604020202020204" pitchFamily="34" charset="0"/>
                 <a:cs typeface="Arial" panose="020B0604020202020204" pitchFamily="34" charset="0"/>
               </a:rPr>
               <a:t> 2 Models </a:t>
@@ -7254,6 +7339,7 @@
                 <a:solidFill>
                   <a:schemeClr val="tx1"/>
                 </a:solidFill>
+                <a:latin typeface="Arial" panose="020B0604020202020204" pitchFamily="34" charset="0"/>
                 <a:cs typeface="Arial" panose="020B0604020202020204" pitchFamily="34" charset="0"/>
               </a:rPr>
               <a:t>là</a:t>
@@ -7263,6 +7349,7 @@
                 <a:solidFill>
                   <a:schemeClr val="tx1"/>
                 </a:solidFill>
+                <a:latin typeface="Arial" panose="020B0604020202020204" pitchFamily="34" charset="0"/>
                 <a:cs typeface="Arial" panose="020B0604020202020204" pitchFamily="34" charset="0"/>
               </a:rPr>
               <a:t> Products </a:t>
@@ -7272,6 +7359,7 @@
                 <a:solidFill>
                   <a:schemeClr val="tx1"/>
                 </a:solidFill>
+                <a:latin typeface="Arial" panose="020B0604020202020204" pitchFamily="34" charset="0"/>
                 <a:cs typeface="Arial" panose="020B0604020202020204" pitchFamily="34" charset="0"/>
               </a:rPr>
               <a:t>và</a:t>
@@ -7281,6 +7369,7 @@
                 <a:solidFill>
                   <a:schemeClr val="tx1"/>
                 </a:solidFill>
+                <a:latin typeface="Arial" panose="020B0604020202020204" pitchFamily="34" charset="0"/>
                 <a:cs typeface="Arial" panose="020B0604020202020204" pitchFamily="34" charset="0"/>
               </a:rPr>
               <a:t> Users, </a:t>
@@ -7290,6 +7379,7 @@
                 <a:solidFill>
                   <a:schemeClr val="tx1"/>
                 </a:solidFill>
+                <a:latin typeface="Arial" panose="020B0604020202020204" pitchFamily="34" charset="0"/>
                 <a:cs typeface="Arial" panose="020B0604020202020204" pitchFamily="34" charset="0"/>
               </a:rPr>
               <a:t>có</a:t>
@@ -7299,6 +7389,7 @@
                 <a:solidFill>
                   <a:schemeClr val="tx1"/>
                 </a:solidFill>
+                <a:latin typeface="Arial" panose="020B0604020202020204" pitchFamily="34" charset="0"/>
                 <a:cs typeface="Arial" panose="020B0604020202020204" pitchFamily="34" charset="0"/>
               </a:rPr>
               <a:t> </a:t>
@@ -7308,6 +7399,7 @@
                 <a:solidFill>
                   <a:schemeClr val="tx1"/>
                 </a:solidFill>
+                <a:latin typeface="Arial" panose="020B0604020202020204" pitchFamily="34" charset="0"/>
                 <a:cs typeface="Arial" panose="020B0604020202020204" pitchFamily="34" charset="0"/>
               </a:rPr>
               <a:t>các</a:t>
@@ -7317,6 +7409,7 @@
                 <a:solidFill>
                   <a:schemeClr val="tx1"/>
                 </a:solidFill>
+                <a:latin typeface="Arial" panose="020B0604020202020204" pitchFamily="34" charset="0"/>
                 <a:cs typeface="Arial" panose="020B0604020202020204" pitchFamily="34" charset="0"/>
               </a:rPr>
               <a:t> </a:t>
@@ -7326,6 +7419,7 @@
                 <a:solidFill>
                   <a:schemeClr val="tx1"/>
                 </a:solidFill>
+                <a:latin typeface="Arial" panose="020B0604020202020204" pitchFamily="34" charset="0"/>
                 <a:cs typeface="Arial" panose="020B0604020202020204" pitchFamily="34" charset="0"/>
               </a:rPr>
               <a:t>chức</a:t>
@@ -7335,6 +7429,7 @@
                 <a:solidFill>
                   <a:schemeClr val="tx1"/>
                 </a:solidFill>
+                <a:latin typeface="Arial" panose="020B0604020202020204" pitchFamily="34" charset="0"/>
                 <a:cs typeface="Arial" panose="020B0604020202020204" pitchFamily="34" charset="0"/>
               </a:rPr>
               <a:t> </a:t>
@@ -7344,6 +7439,7 @@
                 <a:solidFill>
                   <a:schemeClr val="tx1"/>
                 </a:solidFill>
+                <a:latin typeface="Arial" panose="020B0604020202020204" pitchFamily="34" charset="0"/>
                 <a:cs typeface="Arial" panose="020B0604020202020204" pitchFamily="34" charset="0"/>
               </a:rPr>
               <a:t>năng</a:t>
@@ -7353,6 +7449,7 @@
                 <a:solidFill>
                   <a:schemeClr val="tx1"/>
                 </a:solidFill>
+                <a:latin typeface="Arial" panose="020B0604020202020204" pitchFamily="34" charset="0"/>
                 <a:cs typeface="Arial" panose="020B0604020202020204" pitchFamily="34" charset="0"/>
               </a:rPr>
               <a:t> CRUD(</a:t>
@@ -7362,6 +7459,7 @@
                 <a:solidFill>
                   <a:schemeClr val="tx1"/>
                 </a:solidFill>
+                <a:latin typeface="Arial" panose="020B0604020202020204" pitchFamily="34" charset="0"/>
                 <a:cs typeface="Arial" panose="020B0604020202020204" pitchFamily="34" charset="0"/>
               </a:rPr>
               <a:t>đọc</a:t>
@@ -7371,6 +7469,7 @@
                 <a:solidFill>
                   <a:schemeClr val="tx1"/>
                 </a:solidFill>
+                <a:latin typeface="Arial" panose="020B0604020202020204" pitchFamily="34" charset="0"/>
                 <a:cs typeface="Arial" panose="020B0604020202020204" pitchFamily="34" charset="0"/>
               </a:rPr>
               <a:t>, </a:t>
@@ -7380,6 +7479,7 @@
                 <a:solidFill>
                   <a:schemeClr val="tx1"/>
                 </a:solidFill>
+                <a:latin typeface="Arial" panose="020B0604020202020204" pitchFamily="34" charset="0"/>
                 <a:cs typeface="Arial" panose="020B0604020202020204" pitchFamily="34" charset="0"/>
               </a:rPr>
               <a:t>thêm</a:t>
@@ -7389,6 +7489,7 @@
                 <a:solidFill>
                   <a:schemeClr val="tx1"/>
                 </a:solidFill>
+                <a:latin typeface="Arial" panose="020B0604020202020204" pitchFamily="34" charset="0"/>
                 <a:cs typeface="Arial" panose="020B0604020202020204" pitchFamily="34" charset="0"/>
               </a:rPr>
               <a:t>, </a:t>
@@ -7398,6 +7499,7 @@
                 <a:solidFill>
                   <a:schemeClr val="tx1"/>
                 </a:solidFill>
+                <a:latin typeface="Arial" panose="020B0604020202020204" pitchFamily="34" charset="0"/>
                 <a:cs typeface="Arial" panose="020B0604020202020204" pitchFamily="34" charset="0"/>
               </a:rPr>
               <a:t>sửa</a:t>
@@ -7407,6 +7509,7 @@
                 <a:solidFill>
                   <a:schemeClr val="tx1"/>
                 </a:solidFill>
+                <a:latin typeface="Arial" panose="020B0604020202020204" pitchFamily="34" charset="0"/>
                 <a:cs typeface="Arial" panose="020B0604020202020204" pitchFamily="34" charset="0"/>
               </a:rPr>
               <a:t>, </a:t>
@@ -7416,6 +7519,7 @@
                 <a:solidFill>
                   <a:schemeClr val="tx1"/>
                 </a:solidFill>
+                <a:latin typeface="Arial" panose="020B0604020202020204" pitchFamily="34" charset="0"/>
                 <a:cs typeface="Arial" panose="020B0604020202020204" pitchFamily="34" charset="0"/>
               </a:rPr>
               <a:t>xóa</a:t>
@@ -7425,6 +7529,7 @@
                 <a:solidFill>
                   <a:schemeClr val="tx1"/>
                 </a:solidFill>
+                <a:latin typeface="Arial" panose="020B0604020202020204" pitchFamily="34" charset="0"/>
                 <a:cs typeface="Arial" panose="020B0604020202020204" pitchFamily="34" charset="0"/>
               </a:rPr>
               <a:t>, </a:t>
@@ -7434,6 +7539,7 @@
                 <a:solidFill>
                   <a:schemeClr val="tx1"/>
                 </a:solidFill>
+                <a:latin typeface="Arial" panose="020B0604020202020204" pitchFamily="34" charset="0"/>
                 <a:cs typeface="Arial" panose="020B0604020202020204" pitchFamily="34" charset="0"/>
               </a:rPr>
               <a:t>cập</a:t>
@@ -7443,6 +7549,7 @@
                 <a:solidFill>
                   <a:schemeClr val="tx1"/>
                 </a:solidFill>
+                <a:latin typeface="Arial" panose="020B0604020202020204" pitchFamily="34" charset="0"/>
                 <a:cs typeface="Arial" panose="020B0604020202020204" pitchFamily="34" charset="0"/>
               </a:rPr>
               <a:t> </a:t>
@@ -7452,6 +7559,7 @@
                 <a:solidFill>
                   <a:schemeClr val="tx1"/>
                 </a:solidFill>
+                <a:latin typeface="Arial" panose="020B0604020202020204" pitchFamily="34" charset="0"/>
                 <a:cs typeface="Arial" panose="020B0604020202020204" pitchFamily="34" charset="0"/>
               </a:rPr>
               <a:t>nhật</a:t>
@@ -7461,6 +7569,7 @@
                 <a:solidFill>
                   <a:schemeClr val="tx1"/>
                 </a:solidFill>
+                <a:latin typeface="Arial" panose="020B0604020202020204" pitchFamily="34" charset="0"/>
                 <a:cs typeface="Arial" panose="020B0604020202020204" pitchFamily="34" charset="0"/>
               </a:rPr>
               <a:t>), ta </a:t>
@@ -7470,6 +7579,7 @@
                 <a:solidFill>
                   <a:schemeClr val="tx1"/>
                 </a:solidFill>
+                <a:latin typeface="Arial" panose="020B0604020202020204" pitchFamily="34" charset="0"/>
                 <a:cs typeface="Arial" panose="020B0604020202020204" pitchFamily="34" charset="0"/>
               </a:rPr>
               <a:t>sẽ</a:t>
@@ -7479,6 +7589,7 @@
                 <a:solidFill>
                   <a:schemeClr val="tx1"/>
                 </a:solidFill>
+                <a:latin typeface="Arial" panose="020B0604020202020204" pitchFamily="34" charset="0"/>
                 <a:cs typeface="Arial" panose="020B0604020202020204" pitchFamily="34" charset="0"/>
               </a:rPr>
               <a:t> </a:t>
@@ -7488,6 +7599,7 @@
                 <a:solidFill>
                   <a:schemeClr val="tx1"/>
                 </a:solidFill>
+                <a:latin typeface="Arial" panose="020B0604020202020204" pitchFamily="34" charset="0"/>
                 <a:cs typeface="Arial" panose="020B0604020202020204" pitchFamily="34" charset="0"/>
               </a:rPr>
               <a:t>có</a:t>
@@ -7497,6 +7609,7 @@
                 <a:solidFill>
                   <a:schemeClr val="tx1"/>
                 </a:solidFill>
+                <a:latin typeface="Arial" panose="020B0604020202020204" pitchFamily="34" charset="0"/>
                 <a:cs typeface="Arial" panose="020B0604020202020204" pitchFamily="34" charset="0"/>
               </a:rPr>
               <a:t> 2 Reducers </a:t>
@@ -7506,6 +7619,7 @@
                 <a:solidFill>
                   <a:schemeClr val="tx1"/>
                 </a:solidFill>
+                <a:latin typeface="Arial" panose="020B0604020202020204" pitchFamily="34" charset="0"/>
                 <a:cs typeface="Arial" panose="020B0604020202020204" pitchFamily="34" charset="0"/>
               </a:rPr>
               <a:t>là</a:t>
@@ -7515,6 +7629,7 @@
                 <a:solidFill>
                   <a:schemeClr val="tx1"/>
                 </a:solidFill>
+                <a:latin typeface="Arial" panose="020B0604020202020204" pitchFamily="34" charset="0"/>
                 <a:cs typeface="Arial" panose="020B0604020202020204" pitchFamily="34" charset="0"/>
               </a:rPr>
               <a:t> </a:t>
@@ -7524,6 +7639,7 @@
                 <a:solidFill>
                   <a:schemeClr val="tx1"/>
                 </a:solidFill>
+                <a:latin typeface="Arial" panose="020B0604020202020204" pitchFamily="34" charset="0"/>
                 <a:cs typeface="Arial" panose="020B0604020202020204" pitchFamily="34" charset="0"/>
               </a:rPr>
               <a:t>ProductReducer</a:t>
@@ -7533,6 +7649,7 @@
                 <a:solidFill>
                   <a:schemeClr val="tx1"/>
                 </a:solidFill>
+                <a:latin typeface="Arial" panose="020B0604020202020204" pitchFamily="34" charset="0"/>
                 <a:cs typeface="Arial" panose="020B0604020202020204" pitchFamily="34" charset="0"/>
               </a:rPr>
               <a:t> </a:t>
@@ -7542,6 +7659,7 @@
                 <a:solidFill>
                   <a:schemeClr val="tx1"/>
                 </a:solidFill>
+                <a:latin typeface="Arial" panose="020B0604020202020204" pitchFamily="34" charset="0"/>
                 <a:cs typeface="Arial" panose="020B0604020202020204" pitchFamily="34" charset="0"/>
               </a:rPr>
               <a:t>và</a:t>
@@ -7551,6 +7669,7 @@
                 <a:solidFill>
                   <a:schemeClr val="tx1"/>
                 </a:solidFill>
+                <a:latin typeface="Arial" panose="020B0604020202020204" pitchFamily="34" charset="0"/>
                 <a:cs typeface="Arial" panose="020B0604020202020204" pitchFamily="34" charset="0"/>
               </a:rPr>
               <a:t> </a:t>
@@ -7560,6 +7679,7 @@
                 <a:solidFill>
                   <a:schemeClr val="tx1"/>
                 </a:solidFill>
+                <a:latin typeface="Arial" panose="020B0604020202020204" pitchFamily="34" charset="0"/>
                 <a:cs typeface="Arial" panose="020B0604020202020204" pitchFamily="34" charset="0"/>
               </a:rPr>
               <a:t>UserReducer</a:t>
@@ -7568,6 +7688,7 @@
               <a:solidFill>
                 <a:schemeClr val="tx1"/>
               </a:solidFill>
+              <a:latin typeface="Arial" panose="020B0604020202020204" pitchFamily="34" charset="0"/>
               <a:cs typeface="Arial" panose="020B0604020202020204" pitchFamily="34" charset="0"/>
             </a:endParaRPr>
           </a:p>
@@ -7585,6 +7706,7 @@
                 <a:solidFill>
                   <a:schemeClr val="tx1"/>
                 </a:solidFill>
+                <a:latin typeface="Arial" panose="020B0604020202020204" pitchFamily="34" charset="0"/>
                 <a:cs typeface="Arial" panose="020B0604020202020204" pitchFamily="34" charset="0"/>
               </a:rPr>
               <a:t>Store</a:t>
@@ -7594,6 +7716,7 @@
                 <a:solidFill>
                   <a:schemeClr val="tx1"/>
                 </a:solidFill>
+                <a:latin typeface="Arial" panose="020B0604020202020204" pitchFamily="34" charset="0"/>
                 <a:cs typeface="Arial" panose="020B0604020202020204" pitchFamily="34" charset="0"/>
               </a:rPr>
               <a:t>: Là nơi </a:t>
@@ -7603,6 +7726,7 @@
                 <a:solidFill>
                   <a:schemeClr val="tx1"/>
                 </a:solidFill>
+                <a:latin typeface="Arial" panose="020B0604020202020204" pitchFamily="34" charset="0"/>
                 <a:cs typeface="Arial" panose="020B0604020202020204" pitchFamily="34" charset="0"/>
               </a:rPr>
               <a:t>chứa</a:t>
@@ -7612,6 +7736,7 @@
                 <a:solidFill>
                   <a:schemeClr val="tx1"/>
                 </a:solidFill>
+                <a:latin typeface="Arial" panose="020B0604020202020204" pitchFamily="34" charset="0"/>
                 <a:cs typeface="Arial" panose="020B0604020202020204" pitchFamily="34" charset="0"/>
               </a:rPr>
               <a:t> </a:t>
@@ -7621,6 +7746,7 @@
                 <a:solidFill>
                   <a:schemeClr val="tx1"/>
                 </a:solidFill>
+                <a:latin typeface="Arial" panose="020B0604020202020204" pitchFamily="34" charset="0"/>
                 <a:cs typeface="Arial" panose="020B0604020202020204" pitchFamily="34" charset="0"/>
               </a:rPr>
               <a:t>và</a:t>
@@ -7630,6 +7756,7 @@
                 <a:solidFill>
                   <a:schemeClr val="tx1"/>
                 </a:solidFill>
+                <a:latin typeface="Arial" panose="020B0604020202020204" pitchFamily="34" charset="0"/>
                 <a:cs typeface="Arial" panose="020B0604020202020204" pitchFamily="34" charset="0"/>
               </a:rPr>
               <a:t> </a:t>
@@ -7639,6 +7766,7 @@
                 <a:solidFill>
                   <a:schemeClr val="tx1"/>
                 </a:solidFill>
+                <a:latin typeface="Arial" panose="020B0604020202020204" pitchFamily="34" charset="0"/>
                 <a:cs typeface="Arial" panose="020B0604020202020204" pitchFamily="34" charset="0"/>
               </a:rPr>
               <a:t>quản lý State, cho phép truy cập State qua getState(), update State qua dispatch(action), đăng kí </a:t>
@@ -7648,6 +7776,7 @@
                 <a:solidFill>
                   <a:schemeClr val="tx1"/>
                 </a:solidFill>
+                <a:latin typeface="Arial" panose="020B0604020202020204" pitchFamily="34" charset="0"/>
                 <a:cs typeface="Arial" panose="020B0604020202020204" pitchFamily="34" charset="0"/>
               </a:rPr>
               <a:t>lắng</a:t>
@@ -7657,6 +7786,7 @@
                 <a:solidFill>
                   <a:schemeClr val="tx1"/>
                 </a:solidFill>
+                <a:latin typeface="Arial" panose="020B0604020202020204" pitchFamily="34" charset="0"/>
                 <a:cs typeface="Arial" panose="020B0604020202020204" pitchFamily="34" charset="0"/>
               </a:rPr>
               <a:t> </a:t>
@@ -7666,6 +7796,7 @@
                 <a:solidFill>
                   <a:schemeClr val="tx1"/>
                 </a:solidFill>
+                <a:latin typeface="Arial" panose="020B0604020202020204" pitchFamily="34" charset="0"/>
                 <a:cs typeface="Arial" panose="020B0604020202020204" pitchFamily="34" charset="0"/>
               </a:rPr>
               <a:t>nghe</a:t>
@@ -7675,6 +7806,7 @@
                 <a:solidFill>
                   <a:schemeClr val="tx1"/>
                 </a:solidFill>
+                <a:latin typeface="Arial" panose="020B0604020202020204" pitchFamily="34" charset="0"/>
                 <a:cs typeface="Arial" panose="020B0604020202020204" pitchFamily="34" charset="0"/>
               </a:rPr>
               <a:t> state </a:t>
@@ -7684,6 +7816,7 @@
                 <a:solidFill>
                   <a:schemeClr val="tx1"/>
                 </a:solidFill>
+                <a:latin typeface="Arial" panose="020B0604020202020204" pitchFamily="34" charset="0"/>
                 <a:cs typeface="Arial" panose="020B0604020202020204" pitchFamily="34" charset="0"/>
               </a:rPr>
               <a:t>thay</a:t>
@@ -7693,6 +7826,7 @@
                 <a:solidFill>
                   <a:schemeClr val="tx1"/>
                 </a:solidFill>
+                <a:latin typeface="Arial" panose="020B0604020202020204" pitchFamily="34" charset="0"/>
                 <a:cs typeface="Arial" panose="020B0604020202020204" pitchFamily="34" charset="0"/>
               </a:rPr>
               <a:t> </a:t>
@@ -7702,6 +7836,7 @@
                 <a:solidFill>
                   <a:schemeClr val="tx1"/>
                 </a:solidFill>
+                <a:latin typeface="Arial" panose="020B0604020202020204" pitchFamily="34" charset="0"/>
                 <a:cs typeface="Arial" panose="020B0604020202020204" pitchFamily="34" charset="0"/>
               </a:rPr>
               <a:t>đổi</a:t>
@@ -7711,6 +7846,7 @@
                 <a:solidFill>
                   <a:schemeClr val="tx1"/>
                 </a:solidFill>
+                <a:latin typeface="Arial" panose="020B0604020202020204" pitchFamily="34" charset="0"/>
                 <a:cs typeface="Arial" panose="020B0604020202020204" pitchFamily="34" charset="0"/>
               </a:rPr>
               <a:t>,</a:t>
@@ -7720,6 +7856,7 @@
                 <a:solidFill>
                   <a:schemeClr val="tx1"/>
                 </a:solidFill>
+                <a:latin typeface="Arial" panose="020B0604020202020204" pitchFamily="34" charset="0"/>
                 <a:cs typeface="Arial" panose="020B0604020202020204" pitchFamily="34" charset="0"/>
               </a:rPr>
               <a:t> qua subscribe(listener)</a:t>
@@ -7728,6 +7865,7 @@
               <a:solidFill>
                 <a:schemeClr val="tx1"/>
               </a:solidFill>
+              <a:latin typeface="Arial" panose="020B0604020202020204" pitchFamily="34" charset="0"/>
               <a:cs typeface="Arial" panose="020B0604020202020204" pitchFamily="34" charset="0"/>
             </a:endParaRPr>
           </a:p>
@@ -7745,6 +7883,7 @@
                 <a:solidFill>
                   <a:schemeClr val="tx1"/>
                 </a:solidFill>
+                <a:latin typeface="Arial" panose="020B0604020202020204" pitchFamily="34" charset="0"/>
                 <a:cs typeface="Arial" panose="020B0604020202020204" pitchFamily="34" charset="0"/>
               </a:rPr>
               <a:t>Container</a:t>
@@ -7754,6 +7893,7 @@
                 <a:solidFill>
                   <a:schemeClr val="tx1"/>
                 </a:solidFill>
+                <a:latin typeface="Arial" panose="020B0604020202020204" pitchFamily="34" charset="0"/>
                 <a:cs typeface="Arial" panose="020B0604020202020204" pitchFamily="34" charset="0"/>
               </a:rPr>
               <a:t>: </a:t>
@@ -7763,6 +7903,7 @@
                 <a:solidFill>
                   <a:schemeClr val="tx1"/>
                 </a:solidFill>
+                <a:latin typeface="Arial" panose="020B0604020202020204" pitchFamily="34" charset="0"/>
                 <a:cs typeface="Arial" panose="020B0604020202020204" pitchFamily="34" charset="0"/>
               </a:rPr>
               <a:t>Là</a:t>
@@ -7772,6 +7913,7 @@
                 <a:solidFill>
                   <a:schemeClr val="tx1"/>
                 </a:solidFill>
+                <a:latin typeface="Arial" panose="020B0604020202020204" pitchFamily="34" charset="0"/>
                 <a:cs typeface="Arial" panose="020B0604020202020204" pitchFamily="34" charset="0"/>
               </a:rPr>
               <a:t> </a:t>
@@ -7781,6 +7923,7 @@
                 <a:solidFill>
                   <a:schemeClr val="tx1"/>
                 </a:solidFill>
+                <a:latin typeface="Arial" panose="020B0604020202020204" pitchFamily="34" charset="0"/>
                 <a:cs typeface="Arial" panose="020B0604020202020204" pitchFamily="34" charset="0"/>
               </a:rPr>
               <a:t>các</a:t>
@@ -7790,6 +7933,7 @@
                 <a:solidFill>
                   <a:schemeClr val="tx1"/>
                 </a:solidFill>
+                <a:latin typeface="Arial" panose="020B0604020202020204" pitchFamily="34" charset="0"/>
                 <a:cs typeface="Arial" panose="020B0604020202020204" pitchFamily="34" charset="0"/>
               </a:rPr>
               <a:t> Component, </a:t>
@@ -7799,6 +7943,7 @@
                 <a:solidFill>
                   <a:schemeClr val="tx1"/>
                 </a:solidFill>
+                <a:latin typeface="Arial" panose="020B0604020202020204" pitchFamily="34" charset="0"/>
                 <a:cs typeface="Arial" panose="020B0604020202020204" pitchFamily="34" charset="0"/>
               </a:rPr>
               <a:t>nh</a:t>
@@ -7808,6 +7953,7 @@
                 <a:solidFill>
                   <a:schemeClr val="tx1"/>
                 </a:solidFill>
+                <a:latin typeface="Arial" panose="020B0604020202020204" pitchFamily="34" charset="0"/>
                 <a:cs typeface="Arial" panose="020B0604020202020204" pitchFamily="34" charset="0"/>
               </a:rPr>
               <a:t>ư</a:t>
@@ -7817,6 +7963,7 @@
                 <a:solidFill>
                   <a:schemeClr val="tx1"/>
                 </a:solidFill>
+                <a:latin typeface="Arial" panose="020B0604020202020204" pitchFamily="34" charset="0"/>
                 <a:cs typeface="Arial" panose="020B0604020202020204" pitchFamily="34" charset="0"/>
               </a:rPr>
               <a:t>ng </a:t>
@@ -7826,6 +7973,7 @@
                 <a:solidFill>
                   <a:schemeClr val="tx1"/>
                 </a:solidFill>
+                <a:latin typeface="Arial" panose="020B0604020202020204" pitchFamily="34" charset="0"/>
                 <a:cs typeface="Arial" panose="020B0604020202020204" pitchFamily="34" charset="0"/>
               </a:rPr>
               <a:t>các</a:t>
@@ -7835,6 +7983,7 @@
                 <a:solidFill>
                   <a:schemeClr val="tx1"/>
                 </a:solidFill>
+                <a:latin typeface="Arial" panose="020B0604020202020204" pitchFamily="34" charset="0"/>
                 <a:cs typeface="Arial" panose="020B0604020202020204" pitchFamily="34" charset="0"/>
               </a:rPr>
               <a:t> state </a:t>
@@ -7844,6 +7993,7 @@
                 <a:solidFill>
                   <a:schemeClr val="tx1"/>
                 </a:solidFill>
+                <a:latin typeface="Arial" panose="020B0604020202020204" pitchFamily="34" charset="0"/>
                 <a:cs typeface="Arial" panose="020B0604020202020204" pitchFamily="34" charset="0"/>
               </a:rPr>
               <a:t>đã</a:t>
@@ -7853,6 +8003,7 @@
                 <a:solidFill>
                   <a:schemeClr val="tx1"/>
                 </a:solidFill>
+                <a:latin typeface="Arial" panose="020B0604020202020204" pitchFamily="34" charset="0"/>
                 <a:cs typeface="Arial" panose="020B0604020202020204" pitchFamily="34" charset="0"/>
               </a:rPr>
               <a:t> đ</a:t>
@@ -7862,6 +8013,7 @@
                 <a:solidFill>
                   <a:schemeClr val="tx1"/>
                 </a:solidFill>
+                <a:latin typeface="Arial" panose="020B0604020202020204" pitchFamily="34" charset="0"/>
                 <a:cs typeface="Arial" panose="020B0604020202020204" pitchFamily="34" charset="0"/>
               </a:rPr>
               <a:t>ư</a:t>
@@ -7871,6 +8023,7 @@
                 <a:solidFill>
                   <a:schemeClr val="tx1"/>
                 </a:solidFill>
+                <a:latin typeface="Arial" panose="020B0604020202020204" pitchFamily="34" charset="0"/>
                 <a:cs typeface="Arial" panose="020B0604020202020204" pitchFamily="34" charset="0"/>
               </a:rPr>
               <a:t>ợc</a:t>
@@ -7880,6 +8033,7 @@
                 <a:solidFill>
                   <a:schemeClr val="tx1"/>
                 </a:solidFill>
+                <a:latin typeface="Arial" panose="020B0604020202020204" pitchFamily="34" charset="0"/>
                 <a:cs typeface="Arial" panose="020B0604020202020204" pitchFamily="34" charset="0"/>
               </a:rPr>
               <a:t> </a:t>
@@ -7889,6 +8043,7 @@
                 <a:solidFill>
                   <a:schemeClr val="tx1"/>
                 </a:solidFill>
+                <a:latin typeface="Arial" panose="020B0604020202020204" pitchFamily="34" charset="0"/>
                 <a:cs typeface="Arial" panose="020B0604020202020204" pitchFamily="34" charset="0"/>
               </a:rPr>
               <a:t>chuyển</a:t>
@@ -7898,6 +8053,7 @@
                 <a:solidFill>
                   <a:schemeClr val="tx1"/>
                 </a:solidFill>
+                <a:latin typeface="Arial" panose="020B0604020202020204" pitchFamily="34" charset="0"/>
                 <a:cs typeface="Arial" panose="020B0604020202020204" pitchFamily="34" charset="0"/>
               </a:rPr>
               <a:t> </a:t>
@@ -7907,6 +8063,7 @@
                 <a:solidFill>
                   <a:schemeClr val="tx1"/>
                 </a:solidFill>
+                <a:latin typeface="Arial" panose="020B0604020202020204" pitchFamily="34" charset="0"/>
                 <a:cs typeface="Arial" panose="020B0604020202020204" pitchFamily="34" charset="0"/>
               </a:rPr>
               <a:t>hết</a:t>
@@ -7916,6 +8073,7 @@
                 <a:solidFill>
                   <a:schemeClr val="tx1"/>
                 </a:solidFill>
+                <a:latin typeface="Arial" panose="020B0604020202020204" pitchFamily="34" charset="0"/>
                 <a:cs typeface="Arial" panose="020B0604020202020204" pitchFamily="34" charset="0"/>
               </a:rPr>
               <a:t> </a:t>
@@ -7925,6 +8083,7 @@
                 <a:solidFill>
                   <a:schemeClr val="tx1"/>
                 </a:solidFill>
+                <a:latin typeface="Arial" panose="020B0604020202020204" pitchFamily="34" charset="0"/>
                 <a:cs typeface="Arial" panose="020B0604020202020204" pitchFamily="34" charset="0"/>
               </a:rPr>
               <a:t>thành</a:t>
@@ -7934,6 +8093,7 @@
                 <a:solidFill>
                   <a:schemeClr val="tx1"/>
                 </a:solidFill>
+                <a:latin typeface="Arial" panose="020B0604020202020204" pitchFamily="34" charset="0"/>
                 <a:cs typeface="Arial" panose="020B0604020202020204" pitchFamily="34" charset="0"/>
               </a:rPr>
               <a:t> </a:t>
@@ -7943,6 +8103,7 @@
                 <a:solidFill>
                   <a:schemeClr val="tx1"/>
                 </a:solidFill>
+                <a:latin typeface="Arial" panose="020B0604020202020204" pitchFamily="34" charset="0"/>
                 <a:cs typeface="Arial" panose="020B0604020202020204" pitchFamily="34" charset="0"/>
               </a:rPr>
               <a:t>các</a:t>
@@ -7952,6 +8113,7 @@
                 <a:solidFill>
                   <a:schemeClr val="tx1"/>
                 </a:solidFill>
+                <a:latin typeface="Arial" panose="020B0604020202020204" pitchFamily="34" charset="0"/>
                 <a:cs typeface="Arial" panose="020B0604020202020204" pitchFamily="34" charset="0"/>
               </a:rPr>
               <a:t> props. </a:t>
@@ -7961,6 +8123,7 @@
                 <a:solidFill>
                   <a:schemeClr val="tx1"/>
                 </a:solidFill>
+                <a:latin typeface="Arial" panose="020B0604020202020204" pitchFamily="34" charset="0"/>
                 <a:cs typeface="Arial" panose="020B0604020202020204" pitchFamily="34" charset="0"/>
               </a:rPr>
               <a:t>Thay</a:t>
@@ -7970,6 +8133,7 @@
                 <a:solidFill>
                   <a:schemeClr val="tx1"/>
                 </a:solidFill>
+                <a:latin typeface="Arial" panose="020B0604020202020204" pitchFamily="34" charset="0"/>
                 <a:cs typeface="Arial" panose="020B0604020202020204" pitchFamily="34" charset="0"/>
               </a:rPr>
               <a:t> </a:t>
@@ -7979,6 +8143,7 @@
                 <a:solidFill>
                   <a:schemeClr val="tx1"/>
                 </a:solidFill>
+                <a:latin typeface="Arial" panose="020B0604020202020204" pitchFamily="34" charset="0"/>
                 <a:cs typeface="Arial" panose="020B0604020202020204" pitchFamily="34" charset="0"/>
               </a:rPr>
               <a:t>vì</a:t>
@@ -7988,6 +8153,7 @@
                 <a:solidFill>
                   <a:schemeClr val="tx1"/>
                 </a:solidFill>
+                <a:latin typeface="Arial" panose="020B0604020202020204" pitchFamily="34" charset="0"/>
                 <a:cs typeface="Arial" panose="020B0604020202020204" pitchFamily="34" charset="0"/>
               </a:rPr>
               <a:t> update state, </a:t>
@@ -7997,6 +8163,7 @@
                 <a:solidFill>
                   <a:schemeClr val="tx1"/>
                 </a:solidFill>
+                <a:latin typeface="Arial" panose="020B0604020202020204" pitchFamily="34" charset="0"/>
                 <a:cs typeface="Arial" panose="020B0604020202020204" pitchFamily="34" charset="0"/>
               </a:rPr>
               <a:t>các</a:t>
@@ -8006,6 +8173,7 @@
                 <a:solidFill>
                   <a:schemeClr val="tx1"/>
                 </a:solidFill>
+                <a:latin typeface="Arial" panose="020B0604020202020204" pitchFamily="34" charset="0"/>
                 <a:cs typeface="Arial" panose="020B0604020202020204" pitchFamily="34" charset="0"/>
               </a:rPr>
               <a:t> Container </a:t>
@@ -8015,6 +8183,7 @@
                 <a:solidFill>
                   <a:schemeClr val="tx1"/>
                 </a:solidFill>
+                <a:latin typeface="Arial" panose="020B0604020202020204" pitchFamily="34" charset="0"/>
                 <a:cs typeface="Arial" panose="020B0604020202020204" pitchFamily="34" charset="0"/>
               </a:rPr>
               <a:t>này</a:t>
@@ -8024,6 +8193,7 @@
                 <a:solidFill>
                   <a:schemeClr val="tx1"/>
                 </a:solidFill>
+                <a:latin typeface="Arial" panose="020B0604020202020204" pitchFamily="34" charset="0"/>
                 <a:cs typeface="Arial" panose="020B0604020202020204" pitchFamily="34" charset="0"/>
               </a:rPr>
               <a:t> </a:t>
@@ -8033,6 +8203,7 @@
                 <a:solidFill>
                   <a:schemeClr val="tx1"/>
                 </a:solidFill>
+                <a:latin typeface="Arial" panose="020B0604020202020204" pitchFamily="34" charset="0"/>
                 <a:cs typeface="Arial" panose="020B0604020202020204" pitchFamily="34" charset="0"/>
               </a:rPr>
               <a:t>sẽ</a:t>
@@ -8042,6 +8213,7 @@
                 <a:solidFill>
                   <a:schemeClr val="tx1"/>
                 </a:solidFill>
+                <a:latin typeface="Arial" panose="020B0604020202020204" pitchFamily="34" charset="0"/>
                 <a:cs typeface="Arial" panose="020B0604020202020204" pitchFamily="34" charset="0"/>
               </a:rPr>
               <a:t> update props </a:t>
@@ -8051,6 +8223,7 @@
                 <a:solidFill>
                   <a:schemeClr val="tx1"/>
                 </a:solidFill>
+                <a:latin typeface="Arial" panose="020B0604020202020204" pitchFamily="34" charset="0"/>
                 <a:cs typeface="Arial" panose="020B0604020202020204" pitchFamily="34" charset="0"/>
               </a:rPr>
               <a:t>khi</a:t>
@@ -8060,6 +8233,7 @@
                 <a:solidFill>
                   <a:schemeClr val="tx1"/>
                 </a:solidFill>
+                <a:latin typeface="Arial" panose="020B0604020202020204" pitchFamily="34" charset="0"/>
                 <a:cs typeface="Arial" panose="020B0604020202020204" pitchFamily="34" charset="0"/>
               </a:rPr>
               <a:t> </a:t>
@@ -8069,6 +8243,7 @@
                 <a:solidFill>
                   <a:schemeClr val="tx1"/>
                 </a:solidFill>
+                <a:latin typeface="Arial" panose="020B0604020202020204" pitchFamily="34" charset="0"/>
                 <a:cs typeface="Arial" panose="020B0604020202020204" pitchFamily="34" charset="0"/>
               </a:rPr>
               <a:t>có</a:t>
@@ -8078,6 +8253,7 @@
                 <a:solidFill>
                   <a:schemeClr val="tx1"/>
                 </a:solidFill>
+                <a:latin typeface="Arial" panose="020B0604020202020204" pitchFamily="34" charset="0"/>
                 <a:cs typeface="Arial" panose="020B0604020202020204" pitchFamily="34" charset="0"/>
               </a:rPr>
               <a:t> action đ</a:t>
@@ -8087,6 +8263,7 @@
                 <a:solidFill>
                   <a:schemeClr val="tx1"/>
                 </a:solidFill>
+                <a:latin typeface="Arial" panose="020B0604020202020204" pitchFamily="34" charset="0"/>
                 <a:cs typeface="Arial" panose="020B0604020202020204" pitchFamily="34" charset="0"/>
               </a:rPr>
               <a:t>ư</a:t>
@@ -8096,6 +8273,7 @@
                 <a:solidFill>
                   <a:schemeClr val="tx1"/>
                 </a:solidFill>
+                <a:latin typeface="Arial" panose="020B0604020202020204" pitchFamily="34" charset="0"/>
                 <a:cs typeface="Arial" panose="020B0604020202020204" pitchFamily="34" charset="0"/>
               </a:rPr>
               <a:t>ợc</a:t>
@@ -8105,6 +8283,7 @@
                 <a:solidFill>
                   <a:schemeClr val="tx1"/>
                 </a:solidFill>
+                <a:latin typeface="Arial" panose="020B0604020202020204" pitchFamily="34" charset="0"/>
                 <a:cs typeface="Arial" panose="020B0604020202020204" pitchFamily="34" charset="0"/>
               </a:rPr>
               <a:t> dispatch</a:t>
@@ -8124,6 +8303,7 @@
                 <a:solidFill>
                   <a:schemeClr val="tx1"/>
                 </a:solidFill>
+                <a:latin typeface="Arial" panose="020B0604020202020204" pitchFamily="34" charset="0"/>
                 <a:cs typeface="Arial" panose="020B0604020202020204" pitchFamily="34" charset="0"/>
               </a:rPr>
               <a:t>Provider</a:t>
@@ -8133,6 +8313,7 @@
                 <a:solidFill>
                   <a:schemeClr val="tx1"/>
                 </a:solidFill>
+                <a:latin typeface="Arial" panose="020B0604020202020204" pitchFamily="34" charset="0"/>
                 <a:cs typeface="Arial" panose="020B0604020202020204" pitchFamily="34" charset="0"/>
               </a:rPr>
               <a:t>: </a:t>
@@ -8142,6 +8323,7 @@
                 <a:solidFill>
                   <a:schemeClr val="tx1"/>
                 </a:solidFill>
+                <a:latin typeface="Arial" panose="020B0604020202020204" pitchFamily="34" charset="0"/>
                 <a:cs typeface="Arial" panose="020B0604020202020204" pitchFamily="34" charset="0"/>
               </a:rPr>
               <a:t>Tất</a:t>
@@ -8151,6 +8333,7 @@
                 <a:solidFill>
                   <a:schemeClr val="tx1"/>
                 </a:solidFill>
+                <a:latin typeface="Arial" panose="020B0604020202020204" pitchFamily="34" charset="0"/>
                 <a:cs typeface="Arial" panose="020B0604020202020204" pitchFamily="34" charset="0"/>
               </a:rPr>
               <a:t> </a:t>
@@ -8160,6 +8343,7 @@
                 <a:solidFill>
                   <a:schemeClr val="tx1"/>
                 </a:solidFill>
+                <a:latin typeface="Arial" panose="020B0604020202020204" pitchFamily="34" charset="0"/>
                 <a:cs typeface="Arial" panose="020B0604020202020204" pitchFamily="34" charset="0"/>
               </a:rPr>
               <a:t>cả</a:t>
@@ -8169,6 +8353,7 @@
                 <a:solidFill>
                   <a:schemeClr val="tx1"/>
                 </a:solidFill>
+                <a:latin typeface="Arial" panose="020B0604020202020204" pitchFamily="34" charset="0"/>
                 <a:cs typeface="Arial" panose="020B0604020202020204" pitchFamily="34" charset="0"/>
               </a:rPr>
               <a:t> Container “</a:t>
@@ -8178,6 +8363,7 @@
                 <a:solidFill>
                   <a:schemeClr val="tx1"/>
                 </a:solidFill>
+                <a:latin typeface="Arial" panose="020B0604020202020204" pitchFamily="34" charset="0"/>
                 <a:cs typeface="Arial" panose="020B0604020202020204" pitchFamily="34" charset="0"/>
               </a:rPr>
               <a:t>tham</a:t>
@@ -8187,6 +8373,7 @@
                 <a:solidFill>
                   <a:schemeClr val="tx1"/>
                 </a:solidFill>
+                <a:latin typeface="Arial" panose="020B0604020202020204" pitchFamily="34" charset="0"/>
                 <a:cs typeface="Arial" panose="020B0604020202020204" pitchFamily="34" charset="0"/>
               </a:rPr>
               <a:t> </a:t>
@@ -8196,6 +8383,7 @@
                 <a:solidFill>
                   <a:schemeClr val="tx1"/>
                 </a:solidFill>
+                <a:latin typeface="Arial" panose="020B0604020202020204" pitchFamily="34" charset="0"/>
                 <a:cs typeface="Arial" panose="020B0604020202020204" pitchFamily="34" charset="0"/>
               </a:rPr>
               <a:t>gia</a:t>
@@ -8205,6 +8393,7 @@
                 <a:solidFill>
                   <a:schemeClr val="tx1"/>
                 </a:solidFill>
+                <a:latin typeface="Arial" panose="020B0604020202020204" pitchFamily="34" charset="0"/>
                 <a:cs typeface="Arial" panose="020B0604020202020204" pitchFamily="34" charset="0"/>
               </a:rPr>
               <a:t>” Redux </a:t>
@@ -8214,6 +8403,7 @@
                 <a:solidFill>
                   <a:schemeClr val="tx1"/>
                 </a:solidFill>
+                <a:latin typeface="Arial" panose="020B0604020202020204" pitchFamily="34" charset="0"/>
                 <a:cs typeface="Arial" panose="020B0604020202020204" pitchFamily="34" charset="0"/>
               </a:rPr>
               <a:t>phải</a:t>
@@ -8223,6 +8413,7 @@
                 <a:solidFill>
                   <a:schemeClr val="tx1"/>
                 </a:solidFill>
+                <a:latin typeface="Arial" panose="020B0604020202020204" pitchFamily="34" charset="0"/>
                 <a:cs typeface="Arial" panose="020B0604020202020204" pitchFamily="34" charset="0"/>
               </a:rPr>
               <a:t> </a:t>
@@ -8232,6 +8423,7 @@
                 <a:solidFill>
                   <a:schemeClr val="tx1"/>
                 </a:solidFill>
+                <a:latin typeface="Arial" panose="020B0604020202020204" pitchFamily="34" charset="0"/>
                 <a:cs typeface="Arial" panose="020B0604020202020204" pitchFamily="34" charset="0"/>
               </a:rPr>
               <a:t>trở</a:t>
@@ -8241,6 +8433,7 @@
                 <a:solidFill>
                   <a:schemeClr val="tx1"/>
                 </a:solidFill>
+                <a:latin typeface="Arial" panose="020B0604020202020204" pitchFamily="34" charset="0"/>
                 <a:cs typeface="Arial" panose="020B0604020202020204" pitchFamily="34" charset="0"/>
               </a:rPr>
               <a:t> </a:t>
@@ -8250,6 +8443,7 @@
                 <a:solidFill>
                   <a:schemeClr val="tx1"/>
                 </a:solidFill>
+                <a:latin typeface="Arial" panose="020B0604020202020204" pitchFamily="34" charset="0"/>
                 <a:cs typeface="Arial" panose="020B0604020202020204" pitchFamily="34" charset="0"/>
               </a:rPr>
               <a:t>thành</a:t>
@@ -8259,6 +8453,7 @@
                 <a:solidFill>
                   <a:schemeClr val="tx1"/>
                 </a:solidFill>
+                <a:latin typeface="Arial" panose="020B0604020202020204" pitchFamily="34" charset="0"/>
                 <a:cs typeface="Arial" panose="020B0604020202020204" pitchFamily="34" charset="0"/>
               </a:rPr>
               <a:t> con(child) </a:t>
@@ -8268,6 +8463,7 @@
                 <a:solidFill>
                   <a:schemeClr val="tx1"/>
                 </a:solidFill>
+                <a:latin typeface="Arial" panose="020B0604020202020204" pitchFamily="34" charset="0"/>
                 <a:cs typeface="Arial" panose="020B0604020202020204" pitchFamily="34" charset="0"/>
               </a:rPr>
               <a:t>của</a:t>
@@ -8277,6 +8473,7 @@
                 <a:solidFill>
                   <a:schemeClr val="tx1"/>
                 </a:solidFill>
+                <a:latin typeface="Arial" panose="020B0604020202020204" pitchFamily="34" charset="0"/>
                 <a:cs typeface="Arial" panose="020B0604020202020204" pitchFamily="34" charset="0"/>
               </a:rPr>
               <a:t> Provider</a:t>
@@ -8440,6 +8637,7 @@
                 <a:solidFill>
                   <a:schemeClr val="tx1"/>
                 </a:solidFill>
+                <a:latin typeface="Arial" panose="020B0604020202020204" pitchFamily="34" charset="0"/>
                 <a:cs typeface="Arial" panose="020B0604020202020204" pitchFamily="34" charset="0"/>
               </a:rPr>
               <a:t>Action</a:t>
@@ -8449,6 +8647,7 @@
                 <a:solidFill>
                   <a:schemeClr val="tx1"/>
                 </a:solidFill>
+                <a:latin typeface="Arial" panose="020B0604020202020204" pitchFamily="34" charset="0"/>
                 <a:cs typeface="Arial" panose="020B0604020202020204" pitchFamily="34" charset="0"/>
               </a:rPr>
               <a:t>: </a:t>
@@ -8458,6 +8657,7 @@
                 <a:solidFill>
                   <a:schemeClr val="tx1"/>
                 </a:solidFill>
+                <a:latin typeface="Arial" panose="020B0604020202020204" pitchFamily="34" charset="0"/>
                 <a:cs typeface="Arial" panose="020B0604020202020204" pitchFamily="34" charset="0"/>
               </a:rPr>
               <a:t>Là</a:t>
@@ -8467,6 +8667,7 @@
                 <a:solidFill>
                   <a:schemeClr val="tx1"/>
                 </a:solidFill>
+                <a:latin typeface="Arial" panose="020B0604020202020204" pitchFamily="34" charset="0"/>
                 <a:cs typeface="Arial" panose="020B0604020202020204" pitchFamily="34" charset="0"/>
               </a:rPr>
               <a:t> function </a:t>
@@ -8476,6 +8677,7 @@
                 <a:solidFill>
                   <a:schemeClr val="tx1"/>
                 </a:solidFill>
+                <a:latin typeface="Arial" panose="020B0604020202020204" pitchFamily="34" charset="0"/>
                 <a:cs typeface="Arial" panose="020B0604020202020204" pitchFamily="34" charset="0"/>
               </a:rPr>
               <a:t>trả</a:t>
@@ -8485,6 +8687,7 @@
                 <a:solidFill>
                   <a:schemeClr val="tx1"/>
                 </a:solidFill>
+                <a:latin typeface="Arial" panose="020B0604020202020204" pitchFamily="34" charset="0"/>
                 <a:cs typeface="Arial" panose="020B0604020202020204" pitchFamily="34" charset="0"/>
               </a:rPr>
               <a:t> </a:t>
@@ -8494,6 +8697,7 @@
                 <a:solidFill>
                   <a:schemeClr val="tx1"/>
                 </a:solidFill>
+                <a:latin typeface="Arial" panose="020B0604020202020204" pitchFamily="34" charset="0"/>
                 <a:cs typeface="Arial" panose="020B0604020202020204" pitchFamily="34" charset="0"/>
               </a:rPr>
               <a:t>về</a:t>
@@ -8503,6 +8707,7 @@
                 <a:solidFill>
                   <a:schemeClr val="tx1"/>
                 </a:solidFill>
+                <a:latin typeface="Arial" panose="020B0604020202020204" pitchFamily="34" charset="0"/>
                 <a:cs typeface="Arial" panose="020B0604020202020204" pitchFamily="34" charset="0"/>
               </a:rPr>
               <a:t> object </a:t>
@@ -8512,6 +8717,7 @@
                 <a:solidFill>
                   <a:schemeClr val="tx1"/>
                 </a:solidFill>
+                <a:latin typeface="Arial" panose="020B0604020202020204" pitchFamily="34" charset="0"/>
                 <a:cs typeface="Arial" panose="020B0604020202020204" pitchFamily="34" charset="0"/>
               </a:rPr>
               <a:t>gồm</a:t>
@@ -8521,6 +8727,7 @@
                 <a:solidFill>
                   <a:schemeClr val="tx1"/>
                 </a:solidFill>
+                <a:latin typeface="Arial" panose="020B0604020202020204" pitchFamily="34" charset="0"/>
                 <a:cs typeface="Arial" panose="020B0604020202020204" pitchFamily="34" charset="0"/>
               </a:rPr>
               <a:t> 2 </a:t>
@@ -8530,6 +8737,7 @@
                 <a:solidFill>
                   <a:schemeClr val="tx1"/>
                 </a:solidFill>
+                <a:latin typeface="Arial" panose="020B0604020202020204" pitchFamily="34" charset="0"/>
                 <a:cs typeface="Arial" panose="020B0604020202020204" pitchFamily="34" charset="0"/>
               </a:rPr>
               <a:t>thành</a:t>
@@ -8539,6 +8747,7 @@
                 <a:solidFill>
                   <a:schemeClr val="tx1"/>
                 </a:solidFill>
+                <a:latin typeface="Arial" panose="020B0604020202020204" pitchFamily="34" charset="0"/>
                 <a:cs typeface="Arial" panose="020B0604020202020204" pitchFamily="34" charset="0"/>
               </a:rPr>
               <a:t> </a:t>
@@ -8548,6 +8757,7 @@
                 <a:solidFill>
                   <a:schemeClr val="tx1"/>
                 </a:solidFill>
+                <a:latin typeface="Arial" panose="020B0604020202020204" pitchFamily="34" charset="0"/>
                 <a:cs typeface="Arial" panose="020B0604020202020204" pitchFamily="34" charset="0"/>
               </a:rPr>
               <a:t>phần</a:t>
@@ -8557,6 +8767,7 @@
                 <a:solidFill>
                   <a:schemeClr val="tx1"/>
                 </a:solidFill>
+                <a:latin typeface="Arial" panose="020B0604020202020204" pitchFamily="34" charset="0"/>
                 <a:cs typeface="Arial" panose="020B0604020202020204" pitchFamily="34" charset="0"/>
               </a:rPr>
               <a:t>:</a:t>
@@ -8576,6 +8787,7 @@
                 <a:solidFill>
                   <a:schemeClr val="tx1"/>
                 </a:solidFill>
+                <a:latin typeface="Arial" panose="020B0604020202020204" pitchFamily="34" charset="0"/>
                 <a:cs typeface="Arial" panose="020B0604020202020204" pitchFamily="34" charset="0"/>
               </a:rPr>
               <a:t>1. type: </a:t>
@@ -8585,6 +8797,7 @@
                 <a:solidFill>
                   <a:schemeClr val="tx1"/>
                 </a:solidFill>
+                <a:latin typeface="Arial" panose="020B0604020202020204" pitchFamily="34" charset="0"/>
                 <a:cs typeface="Arial" panose="020B0604020202020204" pitchFamily="34" charset="0"/>
               </a:rPr>
               <a:t>Kiểu</a:t>
@@ -8594,6 +8807,7 @@
                 <a:solidFill>
                   <a:schemeClr val="tx1"/>
                 </a:solidFill>
+                <a:latin typeface="Arial" panose="020B0604020202020204" pitchFamily="34" charset="0"/>
                 <a:cs typeface="Arial" panose="020B0604020202020204" pitchFamily="34" charset="0"/>
               </a:rPr>
               <a:t> </a:t>
@@ -8603,6 +8817,7 @@
                 <a:solidFill>
                   <a:schemeClr val="tx1"/>
                 </a:solidFill>
+                <a:latin typeface="Arial" panose="020B0604020202020204" pitchFamily="34" charset="0"/>
                 <a:cs typeface="Arial" panose="020B0604020202020204" pitchFamily="34" charset="0"/>
               </a:rPr>
               <a:t>dữ</a:t>
@@ -8612,6 +8827,7 @@
                 <a:solidFill>
                   <a:schemeClr val="tx1"/>
                 </a:solidFill>
+                <a:latin typeface="Arial" panose="020B0604020202020204" pitchFamily="34" charset="0"/>
                 <a:cs typeface="Arial" panose="020B0604020202020204" pitchFamily="34" charset="0"/>
               </a:rPr>
               <a:t> </a:t>
@@ -8621,6 +8837,7 @@
                 <a:solidFill>
                   <a:schemeClr val="tx1"/>
                 </a:solidFill>
+                <a:latin typeface="Arial" panose="020B0604020202020204" pitchFamily="34" charset="0"/>
                 <a:cs typeface="Arial" panose="020B0604020202020204" pitchFamily="34" charset="0"/>
               </a:rPr>
               <a:t>liệu</a:t>
@@ -8630,6 +8847,7 @@
                 <a:solidFill>
                   <a:schemeClr val="tx1"/>
                 </a:solidFill>
+                <a:latin typeface="Arial" panose="020B0604020202020204" pitchFamily="34" charset="0"/>
                 <a:cs typeface="Arial" panose="020B0604020202020204" pitchFamily="34" charset="0"/>
               </a:rPr>
               <a:t> string, </a:t>
@@ -8639,6 +8857,7 @@
                 <a:solidFill>
                   <a:schemeClr val="tx1"/>
                 </a:solidFill>
+                <a:latin typeface="Arial" panose="020B0604020202020204" pitchFamily="34" charset="0"/>
                 <a:cs typeface="Arial" panose="020B0604020202020204" pitchFamily="34" charset="0"/>
               </a:rPr>
               <a:t>là</a:t>
@@ -8648,6 +8867,7 @@
                 <a:solidFill>
                   <a:schemeClr val="tx1"/>
                 </a:solidFill>
+                <a:latin typeface="Arial" panose="020B0604020202020204" pitchFamily="34" charset="0"/>
                 <a:cs typeface="Arial" panose="020B0604020202020204" pitchFamily="34" charset="0"/>
               </a:rPr>
               <a:t> </a:t>
@@ -8657,6 +8877,7 @@
                 <a:solidFill>
                   <a:schemeClr val="tx1"/>
                 </a:solidFill>
+                <a:latin typeface="Arial" panose="020B0604020202020204" pitchFamily="34" charset="0"/>
                 <a:cs typeface="Arial" panose="020B0604020202020204" pitchFamily="34" charset="0"/>
               </a:rPr>
               <a:t>tên</a:t>
@@ -8666,6 +8887,7 @@
                 <a:solidFill>
                   <a:schemeClr val="tx1"/>
                 </a:solidFill>
+                <a:latin typeface="Arial" panose="020B0604020202020204" pitchFamily="34" charset="0"/>
                 <a:cs typeface="Arial" panose="020B0604020202020204" pitchFamily="34" charset="0"/>
               </a:rPr>
               <a:t> </a:t>
@@ -8675,6 +8897,7 @@
                 <a:solidFill>
                   <a:schemeClr val="tx1"/>
                 </a:solidFill>
+                <a:latin typeface="Arial" panose="020B0604020202020204" pitchFamily="34" charset="0"/>
                 <a:cs typeface="Arial" panose="020B0604020202020204" pitchFamily="34" charset="0"/>
               </a:rPr>
               <a:t>của</a:t>
@@ -8684,6 +8907,7 @@
                 <a:solidFill>
                   <a:schemeClr val="tx1"/>
                 </a:solidFill>
+                <a:latin typeface="Arial" panose="020B0604020202020204" pitchFamily="34" charset="0"/>
                 <a:cs typeface="Arial" panose="020B0604020202020204" pitchFamily="34" charset="0"/>
               </a:rPr>
               <a:t> action. VD “ADD_NEW_PRODUCT”</a:t>
@@ -8703,6 +8927,7 @@
                 <a:solidFill>
                   <a:schemeClr val="tx1"/>
                 </a:solidFill>
+                <a:latin typeface="Arial" panose="020B0604020202020204" pitchFamily="34" charset="0"/>
                 <a:cs typeface="Arial" panose="020B0604020202020204" pitchFamily="34" charset="0"/>
               </a:rPr>
               <a:t>2.  Payload, </a:t>
@@ -8712,6 +8937,7 @@
                 <a:solidFill>
                   <a:schemeClr val="tx1"/>
                 </a:solidFill>
+                <a:latin typeface="Arial" panose="020B0604020202020204" pitchFamily="34" charset="0"/>
                 <a:cs typeface="Arial" panose="020B0604020202020204" pitchFamily="34" charset="0"/>
               </a:rPr>
               <a:t>gồm</a:t>
@@ -8721,6 +8947,7 @@
                 <a:solidFill>
                   <a:schemeClr val="tx1"/>
                 </a:solidFill>
+                <a:latin typeface="Arial" panose="020B0604020202020204" pitchFamily="34" charset="0"/>
                 <a:cs typeface="Arial" panose="020B0604020202020204" pitchFamily="34" charset="0"/>
               </a:rPr>
               <a:t> </a:t>
@@ -8730,6 +8957,7 @@
                 <a:solidFill>
                   <a:schemeClr val="tx1"/>
                 </a:solidFill>
+                <a:latin typeface="Arial" panose="020B0604020202020204" pitchFamily="34" charset="0"/>
                 <a:cs typeface="Arial" panose="020B0604020202020204" pitchFamily="34" charset="0"/>
               </a:rPr>
               <a:t>nhiều</a:t>
@@ -8739,6 +8967,7 @@
                 <a:solidFill>
                   <a:schemeClr val="tx1"/>
                 </a:solidFill>
+                <a:latin typeface="Arial" panose="020B0604020202020204" pitchFamily="34" charset="0"/>
                 <a:cs typeface="Arial" panose="020B0604020202020204" pitchFamily="34" charset="0"/>
               </a:rPr>
               <a:t> attribute </a:t>
@@ -8748,6 +8977,7 @@
                 <a:solidFill>
                   <a:schemeClr val="tx1"/>
                 </a:solidFill>
+                <a:latin typeface="Arial" panose="020B0604020202020204" pitchFamily="34" charset="0"/>
                 <a:cs typeface="Arial" panose="020B0604020202020204" pitchFamily="34" charset="0"/>
               </a:rPr>
               <a:t>hoặc</a:t>
@@ -8757,6 +8987,7 @@
                 <a:solidFill>
                   <a:schemeClr val="tx1"/>
                 </a:solidFill>
+                <a:latin typeface="Arial" panose="020B0604020202020204" pitchFamily="34" charset="0"/>
                 <a:cs typeface="Arial" panose="020B0604020202020204" pitchFamily="34" charset="0"/>
               </a:rPr>
               <a:t> </a:t>
@@ -8766,6 +8997,7 @@
                 <a:solidFill>
                   <a:schemeClr val="tx1"/>
                 </a:solidFill>
+                <a:latin typeface="Arial" panose="020B0604020202020204" pitchFamily="34" charset="0"/>
                 <a:cs typeface="Arial" panose="020B0604020202020204" pitchFamily="34" charset="0"/>
               </a:rPr>
               <a:t>đối</a:t>
@@ -8775,6 +9007,7 @@
                 <a:solidFill>
                   <a:schemeClr val="tx1"/>
                 </a:solidFill>
+                <a:latin typeface="Arial" panose="020B0604020202020204" pitchFamily="34" charset="0"/>
                 <a:cs typeface="Arial" panose="020B0604020202020204" pitchFamily="34" charset="0"/>
               </a:rPr>
               <a:t> t</a:t>
@@ -8784,6 +9017,7 @@
                 <a:solidFill>
                   <a:schemeClr val="tx1"/>
                 </a:solidFill>
+                <a:latin typeface="Arial" panose="020B0604020202020204" pitchFamily="34" charset="0"/>
                 <a:cs typeface="Arial" panose="020B0604020202020204" pitchFamily="34" charset="0"/>
               </a:rPr>
               <a:t>ư</a:t>
@@ -8793,6 +9027,7 @@
                 <a:solidFill>
                   <a:schemeClr val="tx1"/>
                 </a:solidFill>
+                <a:latin typeface="Arial" panose="020B0604020202020204" pitchFamily="34" charset="0"/>
                 <a:cs typeface="Arial" panose="020B0604020202020204" pitchFamily="34" charset="0"/>
               </a:rPr>
               <a:t>ợng.VD</a:t>
@@ -8802,6 +9037,7 @@
                 <a:solidFill>
                   <a:schemeClr val="tx1"/>
                 </a:solidFill>
+                <a:latin typeface="Arial" panose="020B0604020202020204" pitchFamily="34" charset="0"/>
                 <a:cs typeface="Arial" panose="020B0604020202020204" pitchFamily="34" charset="0"/>
               </a:rPr>
               <a:t>: </a:t>
@@ -8811,6 +9047,7 @@
                 <a:solidFill>
                   <a:schemeClr val="tx1"/>
                 </a:solidFill>
+                <a:latin typeface="Arial" panose="020B0604020202020204" pitchFamily="34" charset="0"/>
                 <a:cs typeface="Arial" panose="020B0604020202020204" pitchFamily="34" charset="0"/>
               </a:rPr>
               <a:t>productName</a:t>
@@ -8820,6 +9057,7 @@
                 <a:solidFill>
                   <a:schemeClr val="tx1"/>
                 </a:solidFill>
+                <a:latin typeface="Arial" panose="020B0604020202020204" pitchFamily="34" charset="0"/>
                 <a:cs typeface="Arial" panose="020B0604020202020204" pitchFamily="34" charset="0"/>
               </a:rPr>
               <a:t>, year, {</a:t>
@@ -8829,6 +9067,7 @@
                 <a:solidFill>
                   <a:schemeClr val="tx1"/>
                 </a:solidFill>
+                <a:latin typeface="Arial" panose="020B0604020202020204" pitchFamily="34" charset="0"/>
                 <a:cs typeface="Arial" panose="020B0604020202020204" pitchFamily="34" charset="0"/>
               </a:rPr>
               <a:t>productName</a:t>
@@ -8838,6 +9077,7 @@
                 <a:solidFill>
                   <a:schemeClr val="tx1"/>
                 </a:solidFill>
+                <a:latin typeface="Arial" panose="020B0604020202020204" pitchFamily="34" charset="0"/>
                 <a:cs typeface="Arial" panose="020B0604020202020204" pitchFamily="34" charset="0"/>
               </a:rPr>
               <a:t>, year}</a:t>
@@ -8857,6 +9097,7 @@
                 <a:solidFill>
                   <a:schemeClr val="tx1"/>
                 </a:solidFill>
+                <a:latin typeface="Arial" panose="020B0604020202020204" pitchFamily="34" charset="0"/>
                 <a:cs typeface="Arial" panose="020B0604020202020204" pitchFamily="34" charset="0"/>
               </a:rPr>
               <a:t>VD:</a:t>
@@ -8876,6 +9117,7 @@
                 <a:solidFill>
                   <a:schemeClr val="tx1"/>
                 </a:solidFill>
+                <a:latin typeface="Arial" panose="020B0604020202020204" pitchFamily="34" charset="0"/>
                 <a:cs typeface="Arial" panose="020B0604020202020204" pitchFamily="34" charset="0"/>
               </a:rPr>
               <a:t>export function </a:t>
@@ -8885,6 +9127,7 @@
                 <a:solidFill>
                   <a:schemeClr val="tx1"/>
                 </a:solidFill>
+                <a:latin typeface="Arial" panose="020B0604020202020204" pitchFamily="34" charset="0"/>
                 <a:cs typeface="Arial" panose="020B0604020202020204" pitchFamily="34" charset="0"/>
               </a:rPr>
               <a:t>addNewProduct</a:t>
@@ -8894,6 +9137,7 @@
                 <a:solidFill>
                   <a:schemeClr val="tx1"/>
                 </a:solidFill>
+                <a:latin typeface="Arial" panose="020B0604020202020204" pitchFamily="34" charset="0"/>
                 <a:cs typeface="Arial" panose="020B0604020202020204" pitchFamily="34" charset="0"/>
               </a:rPr>
               <a:t>(</a:t>
@@ -8903,6 +9147,7 @@
                 <a:solidFill>
                   <a:schemeClr val="tx1"/>
                 </a:solidFill>
+                <a:latin typeface="Arial" panose="020B0604020202020204" pitchFamily="34" charset="0"/>
                 <a:cs typeface="Arial" panose="020B0604020202020204" pitchFamily="34" charset="0"/>
               </a:rPr>
               <a:t>productName</a:t>
@@ -8912,6 +9157,7 @@
                 <a:solidFill>
                   <a:schemeClr val="tx1"/>
                 </a:solidFill>
+                <a:latin typeface="Arial" panose="020B0604020202020204" pitchFamily="34" charset="0"/>
                 <a:cs typeface="Arial" panose="020B0604020202020204" pitchFamily="34" charset="0"/>
               </a:rPr>
               <a:t>, year, description) {</a:t>
@@ -8931,6 +9177,7 @@
                 <a:solidFill>
                   <a:schemeClr val="tx1"/>
                 </a:solidFill>
+                <a:latin typeface="Arial" panose="020B0604020202020204" pitchFamily="34" charset="0"/>
                 <a:cs typeface="Arial" panose="020B0604020202020204" pitchFamily="34" charset="0"/>
               </a:rPr>
               <a:t>  return { </a:t>
@@ -8940,6 +9187,7 @@
                 <a:solidFill>
                   <a:schemeClr val="tx1"/>
                 </a:solidFill>
+                <a:latin typeface="Arial" panose="020B0604020202020204" pitchFamily="34" charset="0"/>
                 <a:cs typeface="Arial" panose="020B0604020202020204" pitchFamily="34" charset="0"/>
               </a:rPr>
               <a:t>type</a:t>
@@ -8949,6 +9197,7 @@
                 <a:solidFill>
                   <a:schemeClr val="tx1"/>
                 </a:solidFill>
+                <a:latin typeface="Arial" panose="020B0604020202020204" pitchFamily="34" charset="0"/>
                 <a:cs typeface="Arial" panose="020B0604020202020204" pitchFamily="34" charset="0"/>
               </a:rPr>
               <a:t>: </a:t>
@@ -8958,6 +9207,7 @@
                 <a:solidFill>
                   <a:schemeClr val="tx1"/>
                 </a:solidFill>
+                <a:latin typeface="Arial" panose="020B0604020202020204" pitchFamily="34" charset="0"/>
                 <a:cs typeface="Arial" panose="020B0604020202020204" pitchFamily="34" charset="0"/>
               </a:rPr>
               <a:t>“ADD_NEW_PRODUCT”</a:t>
@@ -8967,6 +9217,7 @@
                 <a:solidFill>
                   <a:schemeClr val="tx1"/>
                 </a:solidFill>
+                <a:latin typeface="Arial" panose="020B0604020202020204" pitchFamily="34" charset="0"/>
                 <a:cs typeface="Arial" panose="020B0604020202020204" pitchFamily="34" charset="0"/>
               </a:rPr>
               <a:t>, </a:t>
@@ -8976,6 +9227,7 @@
                 <a:solidFill>
                   <a:schemeClr val="tx1"/>
                 </a:solidFill>
+                <a:latin typeface="Arial" panose="020B0604020202020204" pitchFamily="34" charset="0"/>
                 <a:cs typeface="Arial" panose="020B0604020202020204" pitchFamily="34" charset="0"/>
               </a:rPr>
               <a:t>productName</a:t>
@@ -8985,6 +9237,7 @@
                 <a:solidFill>
                   <a:schemeClr val="tx1"/>
                 </a:solidFill>
+                <a:latin typeface="Arial" panose="020B0604020202020204" pitchFamily="34" charset="0"/>
                 <a:cs typeface="Arial" panose="020B0604020202020204" pitchFamily="34" charset="0"/>
               </a:rPr>
               <a:t>, year, description }</a:t>
@@ -9004,6 +9257,7 @@
                 <a:solidFill>
                   <a:schemeClr val="tx1"/>
                 </a:solidFill>
+                <a:latin typeface="Arial" panose="020B0604020202020204" pitchFamily="34" charset="0"/>
                 <a:cs typeface="Arial" panose="020B0604020202020204" pitchFamily="34" charset="0"/>
               </a:rPr>
               <a:t>}</a:t>
@@ -9013,6 +9267,7 @@
                 <a:solidFill>
                   <a:schemeClr val="tx1"/>
                 </a:solidFill>
+                <a:latin typeface="Arial" panose="020B0604020202020204" pitchFamily="34" charset="0"/>
                 <a:cs typeface="Arial" panose="020B0604020202020204" pitchFamily="34" charset="0"/>
               </a:rPr>
               <a:t>//</a:t>
@@ -9022,6 +9277,7 @@
                 <a:solidFill>
                   <a:schemeClr val="tx1"/>
                 </a:solidFill>
+                <a:latin typeface="Arial" panose="020B0604020202020204" pitchFamily="34" charset="0"/>
                 <a:cs typeface="Arial" panose="020B0604020202020204" pitchFamily="34" charset="0"/>
               </a:rPr>
               <a:t>Hoặc</a:t>
@@ -9031,6 +9287,7 @@
                 <a:solidFill>
                   <a:schemeClr val="tx1"/>
                 </a:solidFill>
+                <a:latin typeface="Arial" panose="020B0604020202020204" pitchFamily="34" charset="0"/>
                 <a:cs typeface="Arial" panose="020B0604020202020204" pitchFamily="34" charset="0"/>
               </a:rPr>
               <a:t>:</a:t>
@@ -9050,6 +9307,7 @@
                 <a:solidFill>
                   <a:schemeClr val="tx1"/>
                 </a:solidFill>
+                <a:latin typeface="Arial" panose="020B0604020202020204" pitchFamily="34" charset="0"/>
                 <a:cs typeface="Arial" panose="020B0604020202020204" pitchFamily="34" charset="0"/>
               </a:rPr>
               <a:t>const </a:t>
@@ -9059,6 +9317,7 @@
                 <a:solidFill>
                   <a:schemeClr val="tx1"/>
                 </a:solidFill>
+                <a:latin typeface="Arial" panose="020B0604020202020204" pitchFamily="34" charset="0"/>
                 <a:cs typeface="Arial" panose="020B0604020202020204" pitchFamily="34" charset="0"/>
               </a:rPr>
               <a:t>addNewProduct</a:t>
@@ -9068,6 +9327,7 @@
                 <a:solidFill>
                   <a:schemeClr val="tx1"/>
                 </a:solidFill>
+                <a:latin typeface="Arial" panose="020B0604020202020204" pitchFamily="34" charset="0"/>
                 <a:cs typeface="Arial" panose="020B0604020202020204" pitchFamily="34" charset="0"/>
               </a:rPr>
               <a:t> </a:t>
@@ -9077,6 +9337,7 @@
                 <a:solidFill>
                   <a:schemeClr val="tx1"/>
                 </a:solidFill>
+                <a:latin typeface="Arial" panose="020B0604020202020204" pitchFamily="34" charset="0"/>
                 <a:cs typeface="Arial" panose="020B0604020202020204" pitchFamily="34" charset="0"/>
               </a:rPr>
               <a:t>= (</a:t>
@@ -9086,6 +9347,7 @@
                 <a:solidFill>
                   <a:schemeClr val="tx1"/>
                 </a:solidFill>
+                <a:latin typeface="Arial" panose="020B0604020202020204" pitchFamily="34" charset="0"/>
                 <a:cs typeface="Arial" panose="020B0604020202020204" pitchFamily="34" charset="0"/>
               </a:rPr>
               <a:t>newProduct</a:t>
@@ -9095,6 +9357,7 @@
                 <a:solidFill>
                   <a:schemeClr val="tx1"/>
                 </a:solidFill>
+                <a:latin typeface="Arial" panose="020B0604020202020204" pitchFamily="34" charset="0"/>
                 <a:cs typeface="Arial" panose="020B0604020202020204" pitchFamily="34" charset="0"/>
               </a:rPr>
               <a:t>) =&gt; {</a:t>
@@ -9104,6 +9367,7 @@
                 <a:solidFill>
                   <a:schemeClr val="tx1"/>
                 </a:solidFill>
+                <a:latin typeface="Arial" panose="020B0604020202020204" pitchFamily="34" charset="0"/>
                 <a:cs typeface="Arial" panose="020B0604020202020204" pitchFamily="34" charset="0"/>
               </a:rPr>
               <a:t>type</a:t>
@@ -9113,6 +9377,7 @@
                 <a:solidFill>
                   <a:schemeClr val="tx1"/>
                 </a:solidFill>
+                <a:latin typeface="Arial" panose="020B0604020202020204" pitchFamily="34" charset="0"/>
                 <a:cs typeface="Arial" panose="020B0604020202020204" pitchFamily="34" charset="0"/>
               </a:rPr>
               <a:t>: </a:t>
@@ -9122,6 +9387,7 @@
                 <a:solidFill>
                   <a:schemeClr val="tx1"/>
                 </a:solidFill>
+                <a:latin typeface="Arial" panose="020B0604020202020204" pitchFamily="34" charset="0"/>
                 <a:cs typeface="Arial" panose="020B0604020202020204" pitchFamily="34" charset="0"/>
               </a:rPr>
               <a:t>“ADD_NEW_PRODUCT”</a:t>
@@ -9131,6 +9397,7 @@
                 <a:solidFill>
                   <a:schemeClr val="tx1"/>
                 </a:solidFill>
+                <a:latin typeface="Arial" panose="020B0604020202020204" pitchFamily="34" charset="0"/>
                 <a:cs typeface="Arial" panose="020B0604020202020204" pitchFamily="34" charset="0"/>
               </a:rPr>
               <a:t>, </a:t>
@@ -9140,6 +9407,7 @@
                 <a:solidFill>
                   <a:schemeClr val="tx1"/>
                 </a:solidFill>
+                <a:latin typeface="Arial" panose="020B0604020202020204" pitchFamily="34" charset="0"/>
                 <a:cs typeface="Arial" panose="020B0604020202020204" pitchFamily="34" charset="0"/>
               </a:rPr>
               <a:t>newProduct</a:t>
@@ -9149,6 +9417,7 @@
                 <a:solidFill>
                   <a:schemeClr val="tx1"/>
                 </a:solidFill>
+                <a:latin typeface="Arial" panose="020B0604020202020204" pitchFamily="34" charset="0"/>
                 <a:cs typeface="Arial" panose="020B0604020202020204" pitchFamily="34" charset="0"/>
               </a:rPr>
               <a:t>}</a:t>
@@ -9309,6 +9578,7 @@
                 <a:solidFill>
                   <a:schemeClr val="tx1"/>
                 </a:solidFill>
+                <a:latin typeface="Arial" panose="020B0604020202020204" pitchFamily="34" charset="0"/>
                 <a:cs typeface="Arial" panose="020B0604020202020204" pitchFamily="34" charset="0"/>
               </a:rPr>
               <a:t>Reducers</a:t>
@@ -9318,6 +9588,7 @@
                 <a:solidFill>
                   <a:schemeClr val="tx1"/>
                 </a:solidFill>
+                <a:latin typeface="Arial" panose="020B0604020202020204" pitchFamily="34" charset="0"/>
                 <a:cs typeface="Arial" panose="020B0604020202020204" pitchFamily="34" charset="0"/>
               </a:rPr>
               <a:t>: </a:t>
@@ -9327,6 +9598,7 @@
                 <a:solidFill>
                   <a:schemeClr val="tx1"/>
                 </a:solidFill>
+                <a:latin typeface="Arial" panose="020B0604020202020204" pitchFamily="34" charset="0"/>
                 <a:cs typeface="Arial" panose="020B0604020202020204" pitchFamily="34" charset="0"/>
               </a:rPr>
               <a:t>Là</a:t>
@@ -9336,6 +9608,7 @@
                 <a:solidFill>
                   <a:schemeClr val="tx1"/>
                 </a:solidFill>
+                <a:latin typeface="Arial" panose="020B0604020202020204" pitchFamily="34" charset="0"/>
                 <a:cs typeface="Arial" panose="020B0604020202020204" pitchFamily="34" charset="0"/>
               </a:rPr>
               <a:t> </a:t>
@@ -9345,6 +9618,7 @@
                 <a:solidFill>
                   <a:schemeClr val="tx1"/>
                 </a:solidFill>
+                <a:latin typeface="Arial" panose="020B0604020202020204" pitchFamily="34" charset="0"/>
                 <a:cs typeface="Arial" panose="020B0604020202020204" pitchFamily="34" charset="0"/>
               </a:rPr>
               <a:t>các</a:t>
@@ -9354,6 +9628,7 @@
                 <a:solidFill>
                   <a:schemeClr val="tx1"/>
                 </a:solidFill>
+                <a:latin typeface="Arial" panose="020B0604020202020204" pitchFamily="34" charset="0"/>
                 <a:cs typeface="Arial" panose="020B0604020202020204" pitchFamily="34" charset="0"/>
               </a:rPr>
               <a:t> function </a:t>
@@ -9363,6 +9638,7 @@
                 <a:solidFill>
                   <a:schemeClr val="tx1"/>
                 </a:solidFill>
+                <a:latin typeface="Arial" panose="020B0604020202020204" pitchFamily="34" charset="0"/>
                 <a:cs typeface="Arial" panose="020B0604020202020204" pitchFamily="34" charset="0"/>
               </a:rPr>
               <a:t>với</a:t>
@@ -9372,6 +9648,7 @@
                 <a:solidFill>
                   <a:schemeClr val="tx1"/>
                 </a:solidFill>
+                <a:latin typeface="Arial" panose="020B0604020202020204" pitchFamily="34" charset="0"/>
                 <a:cs typeface="Arial" panose="020B0604020202020204" pitchFamily="34" charset="0"/>
               </a:rPr>
               <a:t> </a:t>
@@ -9381,6 +9658,7 @@
                 <a:solidFill>
                   <a:schemeClr val="tx1"/>
                 </a:solidFill>
+                <a:latin typeface="Arial" panose="020B0604020202020204" pitchFamily="34" charset="0"/>
                 <a:cs typeface="Arial" panose="020B0604020202020204" pitchFamily="34" charset="0"/>
               </a:rPr>
               <a:t>input</a:t>
@@ -9390,6 +9668,7 @@
                 <a:solidFill>
                   <a:schemeClr val="tx1"/>
                 </a:solidFill>
+                <a:latin typeface="Arial" panose="020B0604020202020204" pitchFamily="34" charset="0"/>
                 <a:cs typeface="Arial" panose="020B0604020202020204" pitchFamily="34" charset="0"/>
               </a:rPr>
               <a:t> </a:t>
@@ -9399,6 +9678,7 @@
                 <a:solidFill>
                   <a:schemeClr val="tx1"/>
                 </a:solidFill>
+                <a:latin typeface="Arial" panose="020B0604020202020204" pitchFamily="34" charset="0"/>
                 <a:cs typeface="Arial" panose="020B0604020202020204" pitchFamily="34" charset="0"/>
               </a:rPr>
               <a:t>là</a:t>
@@ -9408,6 +9688,7 @@
                 <a:solidFill>
                   <a:schemeClr val="tx1"/>
                 </a:solidFill>
+                <a:latin typeface="Arial" panose="020B0604020202020204" pitchFamily="34" charset="0"/>
                 <a:cs typeface="Arial" panose="020B0604020202020204" pitchFamily="34" charset="0"/>
               </a:rPr>
               <a:t> “old state”, </a:t>
@@ -9417,6 +9698,7 @@
                 <a:solidFill>
                   <a:schemeClr val="tx1"/>
                 </a:solidFill>
+                <a:latin typeface="Arial" panose="020B0604020202020204" pitchFamily="34" charset="0"/>
                 <a:cs typeface="Arial" panose="020B0604020202020204" pitchFamily="34" charset="0"/>
               </a:rPr>
               <a:t>output</a:t>
@@ -9426,6 +9708,7 @@
                 <a:solidFill>
                   <a:schemeClr val="tx1"/>
                 </a:solidFill>
+                <a:latin typeface="Arial" panose="020B0604020202020204" pitchFamily="34" charset="0"/>
                 <a:cs typeface="Arial" panose="020B0604020202020204" pitchFamily="34" charset="0"/>
               </a:rPr>
               <a:t> </a:t>
@@ -9435,6 +9718,7 @@
                 <a:solidFill>
                   <a:schemeClr val="tx1"/>
                 </a:solidFill>
+                <a:latin typeface="Arial" panose="020B0604020202020204" pitchFamily="34" charset="0"/>
                 <a:cs typeface="Arial" panose="020B0604020202020204" pitchFamily="34" charset="0"/>
               </a:rPr>
               <a:t>là</a:t>
@@ -9444,6 +9728,7 @@
                 <a:solidFill>
                   <a:schemeClr val="tx1"/>
                 </a:solidFill>
+                <a:latin typeface="Arial" panose="020B0604020202020204" pitchFamily="34" charset="0"/>
                 <a:cs typeface="Arial" panose="020B0604020202020204" pitchFamily="34" charset="0"/>
               </a:rPr>
               <a:t> “new state”</a:t>
@@ -9460,6 +9745,7 @@
                 <a:solidFill>
                   <a:schemeClr val="tx1"/>
                 </a:solidFill>
+                <a:latin typeface="Arial" panose="020B0604020202020204" pitchFamily="34" charset="0"/>
                 <a:cs typeface="Arial" panose="020B0604020202020204" pitchFamily="34" charset="0"/>
               </a:rPr>
               <a:t>function </a:t>
@@ -9469,6 +9755,7 @@
                 <a:solidFill>
                   <a:schemeClr val="tx1"/>
                 </a:solidFill>
+                <a:latin typeface="Arial" panose="020B0604020202020204" pitchFamily="34" charset="0"/>
                 <a:cs typeface="Arial" panose="020B0604020202020204" pitchFamily="34" charset="0"/>
               </a:rPr>
               <a:t>productReducer</a:t>
@@ -9478,6 +9765,7 @@
                 <a:solidFill>
                   <a:schemeClr val="tx1"/>
                 </a:solidFill>
+                <a:latin typeface="Arial" panose="020B0604020202020204" pitchFamily="34" charset="0"/>
                 <a:cs typeface="Arial" panose="020B0604020202020204" pitchFamily="34" charset="0"/>
               </a:rPr>
               <a:t>(state = </a:t>
@@ -9487,6 +9775,7 @@
                 <a:solidFill>
                   <a:schemeClr val="tx1"/>
                 </a:solidFill>
+                <a:latin typeface="Arial" panose="020B0604020202020204" pitchFamily="34" charset="0"/>
                 <a:cs typeface="Arial" panose="020B0604020202020204" pitchFamily="34" charset="0"/>
               </a:rPr>
               <a:t>initialState</a:t>
@@ -9496,6 +9785,7 @@
                 <a:solidFill>
                   <a:schemeClr val="tx1"/>
                 </a:solidFill>
+                <a:latin typeface="Arial" panose="020B0604020202020204" pitchFamily="34" charset="0"/>
                 <a:cs typeface="Arial" panose="020B0604020202020204" pitchFamily="34" charset="0"/>
               </a:rPr>
               <a:t>, action) {</a:t>
@@ -9512,6 +9802,7 @@
                 <a:solidFill>
                   <a:schemeClr val="tx1"/>
                 </a:solidFill>
+                <a:latin typeface="Arial" panose="020B0604020202020204" pitchFamily="34" charset="0"/>
                 <a:cs typeface="Arial" panose="020B0604020202020204" pitchFamily="34" charset="0"/>
               </a:rPr>
               <a:t>  switch (</a:t>
@@ -9521,6 +9812,7 @@
                 <a:solidFill>
                   <a:schemeClr val="tx1"/>
                 </a:solidFill>
+                <a:latin typeface="Arial" panose="020B0604020202020204" pitchFamily="34" charset="0"/>
                 <a:cs typeface="Arial" panose="020B0604020202020204" pitchFamily="34" charset="0"/>
               </a:rPr>
               <a:t>action.type</a:t>
@@ -9530,6 +9822,7 @@
                 <a:solidFill>
                   <a:schemeClr val="tx1"/>
                 </a:solidFill>
+                <a:latin typeface="Arial" panose="020B0604020202020204" pitchFamily="34" charset="0"/>
                 <a:cs typeface="Arial" panose="020B0604020202020204" pitchFamily="34" charset="0"/>
               </a:rPr>
               <a:t>) {</a:t>
@@ -9546,6 +9839,7 @@
                 <a:solidFill>
                   <a:schemeClr val="tx1"/>
                 </a:solidFill>
+                <a:latin typeface="Arial" panose="020B0604020202020204" pitchFamily="34" charset="0"/>
                 <a:cs typeface="Arial" panose="020B0604020202020204" pitchFamily="34" charset="0"/>
               </a:rPr>
               <a:t>	case “ADD_NEW_PRODUCT”:</a:t>
@@ -9562,6 +9856,7 @@
                 <a:solidFill>
                   <a:schemeClr val="tx1"/>
                 </a:solidFill>
+                <a:latin typeface="Arial" panose="020B0604020202020204" pitchFamily="34" charset="0"/>
                 <a:cs typeface="Arial" panose="020B0604020202020204" pitchFamily="34" charset="0"/>
               </a:rPr>
               <a:t>      return </a:t>
@@ -9571,6 +9866,7 @@
                 <a:solidFill>
                   <a:schemeClr val="tx1"/>
                 </a:solidFill>
+                <a:latin typeface="Arial" panose="020B0604020202020204" pitchFamily="34" charset="0"/>
                 <a:cs typeface="Arial" panose="020B0604020202020204" pitchFamily="34" charset="0"/>
               </a:rPr>
               <a:t>Object.assign</a:t>
@@ -9580,6 +9876,7 @@
                 <a:solidFill>
                   <a:schemeClr val="tx1"/>
                 </a:solidFill>
+                <a:latin typeface="Arial" panose="020B0604020202020204" pitchFamily="34" charset="0"/>
                 <a:cs typeface="Arial" panose="020B0604020202020204" pitchFamily="34" charset="0"/>
               </a:rPr>
               <a:t>({}, state, {</a:t>
@@ -9596,6 +9893,7 @@
                 <a:solidFill>
                   <a:schemeClr val="tx1"/>
                 </a:solidFill>
+                <a:latin typeface="Arial" panose="020B0604020202020204" pitchFamily="34" charset="0"/>
                 <a:cs typeface="Arial" panose="020B0604020202020204" pitchFamily="34" charset="0"/>
               </a:rPr>
               <a:t>        products: [...</a:t>
@@ -9605,6 +9903,7 @@
                 <a:solidFill>
                   <a:schemeClr val="tx1"/>
                 </a:solidFill>
+                <a:latin typeface="Arial" panose="020B0604020202020204" pitchFamily="34" charset="0"/>
                 <a:cs typeface="Arial" panose="020B0604020202020204" pitchFamily="34" charset="0"/>
               </a:rPr>
               <a:t>state.todos</a:t>
@@ -9614,6 +9913,7 @@
                 <a:solidFill>
                   <a:schemeClr val="tx1"/>
                 </a:solidFill>
+                <a:latin typeface="Arial" panose="020B0604020202020204" pitchFamily="34" charset="0"/>
                 <a:cs typeface="Arial" panose="020B0604020202020204" pitchFamily="34" charset="0"/>
               </a:rPr>
               <a:t>, {</a:t>
@@ -9623,6 +9923,7 @@
                 <a:solidFill>
                   <a:schemeClr val="tx1"/>
                 </a:solidFill>
+                <a:latin typeface="Arial" panose="020B0604020202020204" pitchFamily="34" charset="0"/>
                 <a:cs typeface="Arial" panose="020B0604020202020204" pitchFamily="34" charset="0"/>
               </a:rPr>
               <a:t>productName</a:t>
@@ -9632,6 +9933,7 @@
                 <a:solidFill>
                   <a:schemeClr val="tx1"/>
                 </a:solidFill>
+                <a:latin typeface="Arial" panose="020B0604020202020204" pitchFamily="34" charset="0"/>
                 <a:cs typeface="Arial" panose="020B0604020202020204" pitchFamily="34" charset="0"/>
               </a:rPr>
               <a:t>: </a:t>
@@ -9641,6 +9943,7 @@
                 <a:solidFill>
                   <a:schemeClr val="tx1"/>
                 </a:solidFill>
+                <a:latin typeface="Arial" panose="020B0604020202020204" pitchFamily="34" charset="0"/>
                 <a:cs typeface="Arial" panose="020B0604020202020204" pitchFamily="34" charset="0"/>
               </a:rPr>
               <a:t>action.productName</a:t>
@@ -9650,6 +9953,7 @@
                 <a:solidFill>
                   <a:schemeClr val="tx1"/>
                 </a:solidFill>
+                <a:latin typeface="Arial" panose="020B0604020202020204" pitchFamily="34" charset="0"/>
                 <a:cs typeface="Arial" panose="020B0604020202020204" pitchFamily="34" charset="0"/>
               </a:rPr>
               <a:t>, year: </a:t>
@@ -9659,6 +9963,7 @@
                 <a:solidFill>
                   <a:schemeClr val="tx1"/>
                 </a:solidFill>
+                <a:latin typeface="Arial" panose="020B0604020202020204" pitchFamily="34" charset="0"/>
                 <a:cs typeface="Arial" panose="020B0604020202020204" pitchFamily="34" charset="0"/>
               </a:rPr>
               <a:t>action.year</a:t>
@@ -9668,6 +9973,7 @@
                 <a:solidFill>
                   <a:schemeClr val="tx1"/>
                 </a:solidFill>
+                <a:latin typeface="Arial" panose="020B0604020202020204" pitchFamily="34" charset="0"/>
                 <a:cs typeface="Arial" panose="020B0604020202020204" pitchFamily="34" charset="0"/>
               </a:rPr>
               <a:t>}]</a:t>
@@ -9684,6 +9990,7 @@
                 <a:solidFill>
                   <a:schemeClr val="tx1"/>
                 </a:solidFill>
+                <a:latin typeface="Arial" panose="020B0604020202020204" pitchFamily="34" charset="0"/>
                 <a:cs typeface="Arial" panose="020B0604020202020204" pitchFamily="34" charset="0"/>
               </a:rPr>
               <a:t>      })</a:t>
@@ -9700,6 +10007,7 @@
                 <a:solidFill>
                   <a:schemeClr val="tx1"/>
                 </a:solidFill>
+                <a:latin typeface="Arial" panose="020B0604020202020204" pitchFamily="34" charset="0"/>
                 <a:cs typeface="Arial" panose="020B0604020202020204" pitchFamily="34" charset="0"/>
               </a:rPr>
               <a:t>    default: //Tr</a:t>
@@ -9709,6 +10017,7 @@
                 <a:solidFill>
                   <a:schemeClr val="tx1"/>
                 </a:solidFill>
+                <a:latin typeface="Arial" panose="020B0604020202020204" pitchFamily="34" charset="0"/>
                 <a:cs typeface="Arial" panose="020B0604020202020204" pitchFamily="34" charset="0"/>
               </a:rPr>
               <a:t>ư</a:t>
@@ -9718,6 +10027,7 @@
                 <a:solidFill>
                   <a:schemeClr val="tx1"/>
                 </a:solidFill>
+                <a:latin typeface="Arial" panose="020B0604020202020204" pitchFamily="34" charset="0"/>
                 <a:cs typeface="Arial" panose="020B0604020202020204" pitchFamily="34" charset="0"/>
               </a:rPr>
               <a:t>ờng</a:t>
@@ -9727,6 +10037,7 @@
                 <a:solidFill>
                   <a:schemeClr val="tx1"/>
                 </a:solidFill>
+                <a:latin typeface="Arial" panose="020B0604020202020204" pitchFamily="34" charset="0"/>
                 <a:cs typeface="Arial" panose="020B0604020202020204" pitchFamily="34" charset="0"/>
               </a:rPr>
               <a:t> </a:t>
@@ -9736,6 +10047,7 @@
                 <a:solidFill>
                   <a:schemeClr val="tx1"/>
                 </a:solidFill>
+                <a:latin typeface="Arial" panose="020B0604020202020204" pitchFamily="34" charset="0"/>
                 <a:cs typeface="Arial" panose="020B0604020202020204" pitchFamily="34" charset="0"/>
               </a:rPr>
               <a:t>hợp</a:t>
@@ -9745,6 +10057,7 @@
                 <a:solidFill>
                   <a:schemeClr val="tx1"/>
                 </a:solidFill>
+                <a:latin typeface="Arial" panose="020B0604020202020204" pitchFamily="34" charset="0"/>
                 <a:cs typeface="Arial" panose="020B0604020202020204" pitchFamily="34" charset="0"/>
               </a:rPr>
               <a:t> ko </a:t>
@@ -9754,6 +10067,7 @@
                 <a:solidFill>
                   <a:schemeClr val="tx1"/>
                 </a:solidFill>
+                <a:latin typeface="Arial" panose="020B0604020202020204" pitchFamily="34" charset="0"/>
                 <a:cs typeface="Arial" panose="020B0604020202020204" pitchFamily="34" charset="0"/>
               </a:rPr>
               <a:t>có</a:t>
@@ -9763,6 +10077,7 @@
                 <a:solidFill>
                   <a:schemeClr val="tx1"/>
                 </a:solidFill>
+                <a:latin typeface="Arial" panose="020B0604020202020204" pitchFamily="34" charset="0"/>
                 <a:cs typeface="Arial" panose="020B0604020202020204" pitchFamily="34" charset="0"/>
               </a:rPr>
               <a:t> action </a:t>
@@ -9772,6 +10087,7 @@
                 <a:solidFill>
                   <a:schemeClr val="tx1"/>
                 </a:solidFill>
+                <a:latin typeface="Arial" panose="020B0604020202020204" pitchFamily="34" charset="0"/>
                 <a:cs typeface="Arial" panose="020B0604020202020204" pitchFamily="34" charset="0"/>
               </a:rPr>
               <a:t>nào</a:t>
@@ -9781,6 +10097,7 @@
                 <a:solidFill>
                   <a:schemeClr val="tx1"/>
                 </a:solidFill>
+                <a:latin typeface="Arial" panose="020B0604020202020204" pitchFamily="34" charset="0"/>
                 <a:cs typeface="Arial" panose="020B0604020202020204" pitchFamily="34" charset="0"/>
               </a:rPr>
               <a:t> </a:t>
@@ -9790,6 +10107,7 @@
                 <a:solidFill>
                   <a:schemeClr val="tx1"/>
                 </a:solidFill>
+                <a:latin typeface="Arial" panose="020B0604020202020204" pitchFamily="34" charset="0"/>
                 <a:cs typeface="Arial" panose="020B0604020202020204" pitchFamily="34" charset="0"/>
               </a:rPr>
               <a:t>thỏa</a:t>
@@ -9799,6 +10117,7 @@
                 <a:solidFill>
                   <a:schemeClr val="tx1"/>
                 </a:solidFill>
+                <a:latin typeface="Arial" panose="020B0604020202020204" pitchFamily="34" charset="0"/>
                 <a:cs typeface="Arial" panose="020B0604020202020204" pitchFamily="34" charset="0"/>
               </a:rPr>
               <a:t> </a:t>
@@ -9808,6 +10127,7 @@
                 <a:solidFill>
                   <a:schemeClr val="tx1"/>
                 </a:solidFill>
+                <a:latin typeface="Arial" panose="020B0604020202020204" pitchFamily="34" charset="0"/>
                 <a:cs typeface="Arial" panose="020B0604020202020204" pitchFamily="34" charset="0"/>
               </a:rPr>
               <a:t>mãn</a:t>
@@ -9817,6 +10137,7 @@
                 <a:solidFill>
                   <a:schemeClr val="tx1"/>
                 </a:solidFill>
+                <a:latin typeface="Arial" panose="020B0604020202020204" pitchFamily="34" charset="0"/>
                 <a:cs typeface="Arial" panose="020B0604020202020204" pitchFamily="34" charset="0"/>
               </a:rPr>
               <a:t>, “new state” = “old state”</a:t>
@@ -9833,6 +10154,7 @@
                 <a:solidFill>
                   <a:schemeClr val="tx1"/>
                 </a:solidFill>
+                <a:latin typeface="Arial" panose="020B0604020202020204" pitchFamily="34" charset="0"/>
                 <a:cs typeface="Arial" panose="020B0604020202020204" pitchFamily="34" charset="0"/>
               </a:rPr>
               <a:t>      return state</a:t>
@@ -9849,6 +10171,7 @@
                 <a:solidFill>
                   <a:schemeClr val="tx1"/>
                 </a:solidFill>
+                <a:latin typeface="Arial" panose="020B0604020202020204" pitchFamily="34" charset="0"/>
                 <a:cs typeface="Arial" panose="020B0604020202020204" pitchFamily="34" charset="0"/>
               </a:rPr>
               <a:t>  }</a:t>
@@ -9865,6 +10188,7 @@
                 <a:solidFill>
                   <a:schemeClr val="tx1"/>
                 </a:solidFill>
+                <a:latin typeface="Arial" panose="020B0604020202020204" pitchFamily="34" charset="0"/>
                 <a:cs typeface="Arial" panose="020B0604020202020204" pitchFamily="34" charset="0"/>
               </a:rPr>
               <a:t>}</a:t>
@@ -9881,6 +10205,7 @@
                 <a:solidFill>
                   <a:schemeClr val="tx1"/>
                 </a:solidFill>
+                <a:latin typeface="Arial" panose="020B0604020202020204" pitchFamily="34" charset="0"/>
                 <a:cs typeface="Arial" panose="020B0604020202020204" pitchFamily="34" charset="0"/>
               </a:rPr>
               <a:t>Có</a:t>
@@ -9890,6 +10215,7 @@
                 <a:solidFill>
                   <a:schemeClr val="tx1"/>
                 </a:solidFill>
+                <a:latin typeface="Arial" panose="020B0604020202020204" pitchFamily="34" charset="0"/>
                 <a:cs typeface="Arial" panose="020B0604020202020204" pitchFamily="34" charset="0"/>
               </a:rPr>
               <a:t> </a:t>
@@ -9899,6 +10225,7 @@
                 <a:solidFill>
                   <a:schemeClr val="tx1"/>
                 </a:solidFill>
+                <a:latin typeface="Arial" panose="020B0604020202020204" pitchFamily="34" charset="0"/>
                 <a:cs typeface="Arial" panose="020B0604020202020204" pitchFamily="34" charset="0"/>
               </a:rPr>
               <a:t>thể</a:t>
@@ -9908,6 +10235,7 @@
                 <a:solidFill>
                   <a:schemeClr val="tx1"/>
                 </a:solidFill>
+                <a:latin typeface="Arial" panose="020B0604020202020204" pitchFamily="34" charset="0"/>
                 <a:cs typeface="Arial" panose="020B0604020202020204" pitchFamily="34" charset="0"/>
               </a:rPr>
               <a:t> </a:t>
@@ -9917,6 +10245,7 @@
                 <a:solidFill>
                   <a:schemeClr val="tx1"/>
                 </a:solidFill>
+                <a:latin typeface="Arial" panose="020B0604020202020204" pitchFamily="34" charset="0"/>
                 <a:cs typeface="Arial" panose="020B0604020202020204" pitchFamily="34" charset="0"/>
               </a:rPr>
               <a:t>chuyển</a:t>
@@ -9926,6 +10255,7 @@
                 <a:solidFill>
                   <a:schemeClr val="tx1"/>
                 </a:solidFill>
+                <a:latin typeface="Arial" panose="020B0604020202020204" pitchFamily="34" charset="0"/>
                 <a:cs typeface="Arial" panose="020B0604020202020204" pitchFamily="34" charset="0"/>
               </a:rPr>
               <a:t> </a:t>
@@ -9935,6 +10265,7 @@
                 <a:solidFill>
                   <a:schemeClr val="tx1"/>
                 </a:solidFill>
+                <a:latin typeface="Arial" panose="020B0604020202020204" pitchFamily="34" charset="0"/>
                 <a:cs typeface="Arial" panose="020B0604020202020204" pitchFamily="34" charset="0"/>
               </a:rPr>
               <a:t>đổi</a:t>
@@ -9944,6 +10275,7 @@
                 <a:solidFill>
                   <a:schemeClr val="tx1"/>
                 </a:solidFill>
+                <a:latin typeface="Arial" panose="020B0604020202020204" pitchFamily="34" charset="0"/>
                 <a:cs typeface="Arial" panose="020B0604020202020204" pitchFamily="34" charset="0"/>
               </a:rPr>
               <a:t> function </a:t>
@@ -9953,6 +10285,7 @@
                 <a:solidFill>
                   <a:schemeClr val="tx1"/>
                 </a:solidFill>
+                <a:latin typeface="Arial" panose="020B0604020202020204" pitchFamily="34" charset="0"/>
                 <a:cs typeface="Arial" panose="020B0604020202020204" pitchFamily="34" charset="0"/>
               </a:rPr>
               <a:t>productReducer</a:t>
@@ -9962,6 +10295,7 @@
                 <a:solidFill>
                   <a:schemeClr val="tx1"/>
                 </a:solidFill>
+                <a:latin typeface="Arial" panose="020B0604020202020204" pitchFamily="34" charset="0"/>
                 <a:cs typeface="Arial" panose="020B0604020202020204" pitchFamily="34" charset="0"/>
               </a:rPr>
               <a:t> </a:t>
@@ -9971,6 +10305,7 @@
                 <a:solidFill>
                   <a:schemeClr val="tx1"/>
                 </a:solidFill>
+                <a:latin typeface="Arial" panose="020B0604020202020204" pitchFamily="34" charset="0"/>
                 <a:cs typeface="Arial" panose="020B0604020202020204" pitchFamily="34" charset="0"/>
               </a:rPr>
               <a:t>thành</a:t>
@@ -9980,25 +10315,11 @@
                 <a:solidFill>
                   <a:schemeClr val="tx1"/>
                 </a:solidFill>
-                <a:cs typeface="Arial" panose="020B0604020202020204" pitchFamily="34" charset="0"/>
-              </a:rPr>
-              <a:t> “</a:t>
-            </a:r>
-            <a:r>
-              <a:rPr lang="en-US" sz="2000">
-                <a:solidFill>
-                  <a:schemeClr val="tx1"/>
-                </a:solidFill>
-                <a:cs typeface="Arial" panose="020B0604020202020204" pitchFamily="34" charset="0"/>
-              </a:rPr>
-              <a:t>arrow function”</a:t>
-            </a:r>
-            <a:endParaRPr lang="en-US" sz="2000" dirty="0">
-              <a:solidFill>
-                <a:schemeClr val="tx1"/>
-              </a:solidFill>
-              <a:cs typeface="Arial" panose="020B0604020202020204" pitchFamily="34" charset="0"/>
-            </a:endParaRPr>
+                <a:latin typeface="Arial" panose="020B0604020202020204" pitchFamily="34" charset="0"/>
+                <a:cs typeface="Arial" panose="020B0604020202020204" pitchFamily="34" charset="0"/>
+              </a:rPr>
+              <a:t> “arrow function”</a:t>
+            </a:r>
           </a:p>
         </p:txBody>
       </p:sp>
@@ -10006,6 +10327,2677 @@
     <p:extLst>
       <p:ext uri="{BB962C8B-B14F-4D97-AF65-F5344CB8AC3E}">
         <p14:creationId xmlns:p14="http://schemas.microsoft.com/office/powerpoint/2010/main" val="264021295"/>
+      </p:ext>
+    </p:extLst>
+  </p:cSld>
+  <p:clrMapOvr>
+    <a:masterClrMapping/>
+  </p:clrMapOvr>
+</p:sld>
+</file>
+
+<file path=ppt/slides/slide6.xml><?xml version="1.0" encoding="utf-8"?>
+<p:sld xmlns:a="http://schemas.openxmlformats.org/drawingml/2006/main" xmlns:r="http://schemas.openxmlformats.org/officeDocument/2006/relationships" xmlns:p="http://schemas.openxmlformats.org/presentationml/2006/main">
+  <p:cSld>
+    <p:spTree>
+      <p:nvGrpSpPr>
+        <p:cNvPr id="1" name=""/>
+        <p:cNvGrpSpPr/>
+        <p:nvPr/>
+      </p:nvGrpSpPr>
+      <p:grpSpPr>
+        <a:xfrm>
+          <a:off x="0" y="0"/>
+          <a:ext cx="0" cy="0"/>
+          <a:chOff x="0" y="0"/>
+          <a:chExt cx="0" cy="0"/>
+        </a:xfrm>
+      </p:grpSpPr>
+      <p:sp>
+        <p:nvSpPr>
+          <p:cNvPr id="2" name="Title 1"/>
+          <p:cNvSpPr>
+            <a:spLocks noGrp="1"/>
+          </p:cNvSpPr>
+          <p:nvPr>
+            <p:ph type="ctrTitle"/>
+          </p:nvPr>
+        </p:nvSpPr>
+        <p:spPr>
+          <a:xfrm>
+            <a:off x="0" y="63969"/>
+            <a:ext cx="12192000" cy="1040441"/>
+          </a:xfrm>
+        </p:spPr>
+        <p:txBody>
+          <a:bodyPr/>
+          <a:lstStyle/>
+          <a:p>
+            <a:pPr algn="ctr"/>
+            <a:r>
+              <a:rPr lang="en-US" sz="5000" b="1" dirty="0">
+                <a:solidFill>
+                  <a:schemeClr val="tx1"/>
+                </a:solidFill>
+                <a:latin typeface="Arial" panose="020B0604020202020204" pitchFamily="34" charset="0"/>
+                <a:cs typeface="Arial" panose="020B0604020202020204" pitchFamily="34" charset="0"/>
+              </a:rPr>
+              <a:t>Reducers </a:t>
+            </a:r>
+            <a:r>
+              <a:rPr lang="en-US" sz="5000" b="1" dirty="0" err="1">
+                <a:solidFill>
+                  <a:schemeClr val="tx1"/>
+                </a:solidFill>
+                <a:latin typeface="Arial" panose="020B0604020202020204" pitchFamily="34" charset="0"/>
+                <a:cs typeface="Arial" panose="020B0604020202020204" pitchFamily="34" charset="0"/>
+              </a:rPr>
+              <a:t>trong</a:t>
+            </a:r>
+            <a:r>
+              <a:rPr lang="en-US" sz="5000" b="1" dirty="0">
+                <a:solidFill>
+                  <a:schemeClr val="tx1"/>
+                </a:solidFill>
+                <a:latin typeface="Arial" panose="020B0604020202020204" pitchFamily="34" charset="0"/>
+                <a:cs typeface="Arial" panose="020B0604020202020204" pitchFamily="34" charset="0"/>
+              </a:rPr>
+              <a:t> Redux</a:t>
+            </a:r>
+            <a:endParaRPr lang="en-US" sz="5000" dirty="0">
+              <a:solidFill>
+                <a:schemeClr val="tx1"/>
+              </a:solidFill>
+              <a:latin typeface="Arial" panose="020B0604020202020204" pitchFamily="34" charset="0"/>
+              <a:cs typeface="Arial" panose="020B0604020202020204" pitchFamily="34" charset="0"/>
+            </a:endParaRPr>
+          </a:p>
+        </p:txBody>
+      </p:sp>
+      <p:pic>
+        <p:nvPicPr>
+          <p:cNvPr id="4" name="Picture 3"/>
+          <p:cNvPicPr>
+            <a:picLocks noChangeAspect="1"/>
+          </p:cNvPicPr>
+          <p:nvPr/>
+        </p:nvPicPr>
+        <p:blipFill>
+          <a:blip r:embed="rId2"/>
+          <a:stretch>
+            <a:fillRect/>
+          </a:stretch>
+        </p:blipFill>
+        <p:spPr>
+          <a:xfrm>
+            <a:off x="0" y="5977096"/>
+            <a:ext cx="3517697" cy="816935"/>
+          </a:xfrm>
+          <a:prstGeom prst="rect">
+            <a:avLst/>
+          </a:prstGeom>
+        </p:spPr>
+      </p:pic>
+      <p:sp>
+        <p:nvSpPr>
+          <p:cNvPr id="6" name="Subtitle 2">
+            <a:extLst>
+              <a:ext uri="{FF2B5EF4-FFF2-40B4-BE49-F238E27FC236}">
+                <a16:creationId xmlns:a16="http://schemas.microsoft.com/office/drawing/2014/main" id="{2C0EC2AE-7AB0-BE4A-BEEF-BB88F0CB5C7E}"/>
+              </a:ext>
+            </a:extLst>
+          </p:cNvPr>
+          <p:cNvSpPr>
+            <a:spLocks noGrp="1"/>
+          </p:cNvSpPr>
+          <p:nvPr>
+            <p:ph type="subTitle" idx="1"/>
+          </p:nvPr>
+        </p:nvSpPr>
+        <p:spPr>
+          <a:xfrm>
+            <a:off x="500680" y="1047481"/>
+            <a:ext cx="10826944" cy="5061398"/>
+          </a:xfrm>
+        </p:spPr>
+        <p:txBody>
+          <a:bodyPr>
+            <a:noAutofit/>
+          </a:bodyPr>
+          <a:lstStyle/>
+          <a:p>
+            <a:pPr algn="l">
+              <a:spcBef>
+                <a:spcPts val="500"/>
+              </a:spcBef>
+            </a:pPr>
+            <a:r>
+              <a:rPr lang="en-US" sz="2000" b="1" dirty="0">
+                <a:solidFill>
+                  <a:schemeClr val="tx1"/>
+                </a:solidFill>
+                <a:latin typeface="Arial" panose="020B0604020202020204" pitchFamily="34" charset="0"/>
+                <a:cs typeface="Arial" panose="020B0604020202020204" pitchFamily="34" charset="0"/>
+              </a:rPr>
+              <a:t>Reducers</a:t>
+            </a:r>
+            <a:r>
+              <a:rPr lang="vi-VN" sz="2000" dirty="0">
+                <a:solidFill>
+                  <a:schemeClr val="tx1"/>
+                </a:solidFill>
+                <a:latin typeface="Arial" panose="020B0604020202020204" pitchFamily="34" charset="0"/>
+                <a:cs typeface="Arial" panose="020B0604020202020204" pitchFamily="34" charset="0"/>
+              </a:rPr>
+              <a:t>: </a:t>
+            </a:r>
+            <a:r>
+              <a:rPr lang="en-US" sz="2000" dirty="0" err="1">
+                <a:solidFill>
+                  <a:schemeClr val="tx1"/>
+                </a:solidFill>
+                <a:latin typeface="Arial" panose="020B0604020202020204" pitchFamily="34" charset="0"/>
+                <a:cs typeface="Arial" panose="020B0604020202020204" pitchFamily="34" charset="0"/>
+              </a:rPr>
+              <a:t>Là</a:t>
+            </a:r>
+            <a:r>
+              <a:rPr lang="en-US" sz="2000" dirty="0">
+                <a:solidFill>
+                  <a:schemeClr val="tx1"/>
+                </a:solidFill>
+                <a:latin typeface="Arial" panose="020B0604020202020204" pitchFamily="34" charset="0"/>
+                <a:cs typeface="Arial" panose="020B0604020202020204" pitchFamily="34" charset="0"/>
+              </a:rPr>
+              <a:t> </a:t>
+            </a:r>
+            <a:r>
+              <a:rPr lang="en-US" sz="2000" dirty="0" err="1">
+                <a:solidFill>
+                  <a:schemeClr val="tx1"/>
+                </a:solidFill>
+                <a:latin typeface="Arial" panose="020B0604020202020204" pitchFamily="34" charset="0"/>
+                <a:cs typeface="Arial" panose="020B0604020202020204" pitchFamily="34" charset="0"/>
+              </a:rPr>
+              <a:t>các</a:t>
+            </a:r>
+            <a:r>
+              <a:rPr lang="en-US" sz="2000" dirty="0">
+                <a:solidFill>
+                  <a:schemeClr val="tx1"/>
+                </a:solidFill>
+                <a:latin typeface="Arial" panose="020B0604020202020204" pitchFamily="34" charset="0"/>
+                <a:cs typeface="Arial" panose="020B0604020202020204" pitchFamily="34" charset="0"/>
+              </a:rPr>
+              <a:t> function </a:t>
+            </a:r>
+            <a:r>
+              <a:rPr lang="en-US" sz="2000" dirty="0" err="1">
+                <a:solidFill>
+                  <a:schemeClr val="tx1"/>
+                </a:solidFill>
+                <a:latin typeface="Arial" panose="020B0604020202020204" pitchFamily="34" charset="0"/>
+                <a:cs typeface="Arial" panose="020B0604020202020204" pitchFamily="34" charset="0"/>
+              </a:rPr>
+              <a:t>với</a:t>
+            </a:r>
+            <a:r>
+              <a:rPr lang="en-US" sz="2000" dirty="0">
+                <a:solidFill>
+                  <a:schemeClr val="tx1"/>
+                </a:solidFill>
+                <a:latin typeface="Arial" panose="020B0604020202020204" pitchFamily="34" charset="0"/>
+                <a:cs typeface="Arial" panose="020B0604020202020204" pitchFamily="34" charset="0"/>
+              </a:rPr>
+              <a:t> </a:t>
+            </a:r>
+            <a:r>
+              <a:rPr lang="en-US" sz="2000" b="1" dirty="0">
+                <a:solidFill>
+                  <a:schemeClr val="tx1"/>
+                </a:solidFill>
+                <a:latin typeface="Arial" panose="020B0604020202020204" pitchFamily="34" charset="0"/>
+                <a:cs typeface="Arial" panose="020B0604020202020204" pitchFamily="34" charset="0"/>
+              </a:rPr>
+              <a:t>input</a:t>
+            </a:r>
+            <a:r>
+              <a:rPr lang="en-US" sz="2000" dirty="0">
+                <a:solidFill>
+                  <a:schemeClr val="tx1"/>
+                </a:solidFill>
+                <a:latin typeface="Arial" panose="020B0604020202020204" pitchFamily="34" charset="0"/>
+                <a:cs typeface="Arial" panose="020B0604020202020204" pitchFamily="34" charset="0"/>
+              </a:rPr>
+              <a:t> </a:t>
+            </a:r>
+            <a:r>
+              <a:rPr lang="en-US" sz="2000" dirty="0" err="1">
+                <a:solidFill>
+                  <a:schemeClr val="tx1"/>
+                </a:solidFill>
+                <a:latin typeface="Arial" panose="020B0604020202020204" pitchFamily="34" charset="0"/>
+                <a:cs typeface="Arial" panose="020B0604020202020204" pitchFamily="34" charset="0"/>
+              </a:rPr>
+              <a:t>là</a:t>
+            </a:r>
+            <a:r>
+              <a:rPr lang="en-US" sz="2000" dirty="0">
+                <a:solidFill>
+                  <a:schemeClr val="tx1"/>
+                </a:solidFill>
+                <a:latin typeface="Arial" panose="020B0604020202020204" pitchFamily="34" charset="0"/>
+                <a:cs typeface="Arial" panose="020B0604020202020204" pitchFamily="34" charset="0"/>
+              </a:rPr>
+              <a:t> “old state”, </a:t>
+            </a:r>
+            <a:r>
+              <a:rPr lang="en-US" sz="2000" b="1" dirty="0">
+                <a:solidFill>
+                  <a:schemeClr val="tx1"/>
+                </a:solidFill>
+                <a:latin typeface="Arial" panose="020B0604020202020204" pitchFamily="34" charset="0"/>
+                <a:cs typeface="Arial" panose="020B0604020202020204" pitchFamily="34" charset="0"/>
+              </a:rPr>
+              <a:t>output</a:t>
+            </a:r>
+            <a:r>
+              <a:rPr lang="en-US" sz="2000" dirty="0">
+                <a:solidFill>
+                  <a:schemeClr val="tx1"/>
+                </a:solidFill>
+                <a:latin typeface="Arial" panose="020B0604020202020204" pitchFamily="34" charset="0"/>
+                <a:cs typeface="Arial" panose="020B0604020202020204" pitchFamily="34" charset="0"/>
+              </a:rPr>
+              <a:t> </a:t>
+            </a:r>
+            <a:r>
+              <a:rPr lang="en-US" sz="2000" dirty="0" err="1">
+                <a:solidFill>
+                  <a:schemeClr val="tx1"/>
+                </a:solidFill>
+                <a:latin typeface="Arial" panose="020B0604020202020204" pitchFamily="34" charset="0"/>
+                <a:cs typeface="Arial" panose="020B0604020202020204" pitchFamily="34" charset="0"/>
+              </a:rPr>
+              <a:t>là</a:t>
+            </a:r>
+            <a:r>
+              <a:rPr lang="en-US" sz="2000" dirty="0">
+                <a:solidFill>
+                  <a:schemeClr val="tx1"/>
+                </a:solidFill>
+                <a:latin typeface="Arial" panose="020B0604020202020204" pitchFamily="34" charset="0"/>
+                <a:cs typeface="Arial" panose="020B0604020202020204" pitchFamily="34" charset="0"/>
+              </a:rPr>
+              <a:t> “new state”</a:t>
+            </a:r>
+          </a:p>
+          <a:p>
+            <a:pPr algn="l">
+              <a:spcBef>
+                <a:spcPts val="500"/>
+              </a:spcBef>
+            </a:pPr>
+            <a:r>
+              <a:rPr lang="en-US" sz="2000" dirty="0">
+                <a:solidFill>
+                  <a:schemeClr val="tx1"/>
+                </a:solidFill>
+                <a:latin typeface="Arial" panose="020B0604020202020204" pitchFamily="34" charset="0"/>
+                <a:cs typeface="Arial" panose="020B0604020202020204" pitchFamily="34" charset="0"/>
+              </a:rPr>
+              <a:t>function </a:t>
+            </a:r>
+            <a:r>
+              <a:rPr lang="en-US" sz="2000" b="1" dirty="0" err="1">
+                <a:solidFill>
+                  <a:schemeClr val="tx1"/>
+                </a:solidFill>
+                <a:latin typeface="Arial" panose="020B0604020202020204" pitchFamily="34" charset="0"/>
+                <a:cs typeface="Arial" panose="020B0604020202020204" pitchFamily="34" charset="0"/>
+              </a:rPr>
+              <a:t>productReducer</a:t>
+            </a:r>
+            <a:r>
+              <a:rPr lang="en-US" sz="2000" dirty="0">
+                <a:solidFill>
+                  <a:schemeClr val="tx1"/>
+                </a:solidFill>
+                <a:latin typeface="Arial" panose="020B0604020202020204" pitchFamily="34" charset="0"/>
+                <a:cs typeface="Arial" panose="020B0604020202020204" pitchFamily="34" charset="0"/>
+              </a:rPr>
+              <a:t>(state = </a:t>
+            </a:r>
+            <a:r>
+              <a:rPr lang="en-US" sz="2000" dirty="0" err="1">
+                <a:solidFill>
+                  <a:schemeClr val="tx1"/>
+                </a:solidFill>
+                <a:latin typeface="Arial" panose="020B0604020202020204" pitchFamily="34" charset="0"/>
+                <a:cs typeface="Arial" panose="020B0604020202020204" pitchFamily="34" charset="0"/>
+              </a:rPr>
+              <a:t>initialState</a:t>
+            </a:r>
+            <a:r>
+              <a:rPr lang="en-US" sz="2000" dirty="0">
+                <a:solidFill>
+                  <a:schemeClr val="tx1"/>
+                </a:solidFill>
+                <a:latin typeface="Arial" panose="020B0604020202020204" pitchFamily="34" charset="0"/>
+                <a:cs typeface="Arial" panose="020B0604020202020204" pitchFamily="34" charset="0"/>
+              </a:rPr>
+              <a:t>, action) {</a:t>
+            </a:r>
+          </a:p>
+          <a:p>
+            <a:pPr algn="l">
+              <a:spcBef>
+                <a:spcPts val="500"/>
+              </a:spcBef>
+            </a:pPr>
+            <a:r>
+              <a:rPr lang="en-US" sz="2000" dirty="0">
+                <a:solidFill>
+                  <a:schemeClr val="tx1"/>
+                </a:solidFill>
+                <a:latin typeface="Arial" panose="020B0604020202020204" pitchFamily="34" charset="0"/>
+                <a:cs typeface="Arial" panose="020B0604020202020204" pitchFamily="34" charset="0"/>
+              </a:rPr>
+              <a:t>  switch (</a:t>
+            </a:r>
+            <a:r>
+              <a:rPr lang="en-US" sz="2000" dirty="0" err="1">
+                <a:solidFill>
+                  <a:schemeClr val="tx1"/>
+                </a:solidFill>
+                <a:latin typeface="Arial" panose="020B0604020202020204" pitchFamily="34" charset="0"/>
+                <a:cs typeface="Arial" panose="020B0604020202020204" pitchFamily="34" charset="0"/>
+              </a:rPr>
+              <a:t>action.type</a:t>
+            </a:r>
+            <a:r>
+              <a:rPr lang="en-US" sz="2000" dirty="0">
+                <a:solidFill>
+                  <a:schemeClr val="tx1"/>
+                </a:solidFill>
+                <a:latin typeface="Arial" panose="020B0604020202020204" pitchFamily="34" charset="0"/>
+                <a:cs typeface="Arial" panose="020B0604020202020204" pitchFamily="34" charset="0"/>
+              </a:rPr>
+              <a:t>) {</a:t>
+            </a:r>
+          </a:p>
+          <a:p>
+            <a:pPr algn="l">
+              <a:spcBef>
+                <a:spcPts val="500"/>
+              </a:spcBef>
+            </a:pPr>
+            <a:r>
+              <a:rPr lang="en-US" sz="2000" dirty="0">
+                <a:solidFill>
+                  <a:schemeClr val="tx1"/>
+                </a:solidFill>
+                <a:latin typeface="Arial" panose="020B0604020202020204" pitchFamily="34" charset="0"/>
+                <a:cs typeface="Arial" panose="020B0604020202020204" pitchFamily="34" charset="0"/>
+              </a:rPr>
+              <a:t>	case “ADD_NEW_PRODUCT”:</a:t>
+            </a:r>
+          </a:p>
+          <a:p>
+            <a:pPr algn="l">
+              <a:spcBef>
+                <a:spcPts val="500"/>
+              </a:spcBef>
+            </a:pPr>
+            <a:r>
+              <a:rPr lang="en-US" sz="2000" dirty="0">
+                <a:solidFill>
+                  <a:schemeClr val="tx1"/>
+                </a:solidFill>
+                <a:latin typeface="Arial" panose="020B0604020202020204" pitchFamily="34" charset="0"/>
+                <a:cs typeface="Arial" panose="020B0604020202020204" pitchFamily="34" charset="0"/>
+              </a:rPr>
+              <a:t>          return </a:t>
+            </a:r>
+            <a:r>
+              <a:rPr lang="en-US" sz="2000" dirty="0" err="1">
+                <a:solidFill>
+                  <a:schemeClr val="tx1"/>
+                </a:solidFill>
+                <a:latin typeface="Arial" panose="020B0604020202020204" pitchFamily="34" charset="0"/>
+                <a:cs typeface="Arial" panose="020B0604020202020204" pitchFamily="34" charset="0"/>
+              </a:rPr>
+              <a:t>Object.assign</a:t>
+            </a:r>
+            <a:r>
+              <a:rPr lang="en-US" sz="2000" dirty="0">
+                <a:solidFill>
+                  <a:schemeClr val="tx1"/>
+                </a:solidFill>
+                <a:latin typeface="Arial" panose="020B0604020202020204" pitchFamily="34" charset="0"/>
+                <a:cs typeface="Arial" panose="020B0604020202020204" pitchFamily="34" charset="0"/>
+              </a:rPr>
+              <a:t>({}, state, {</a:t>
+            </a:r>
+          </a:p>
+          <a:p>
+            <a:pPr algn="l">
+              <a:spcBef>
+                <a:spcPts val="500"/>
+              </a:spcBef>
+            </a:pPr>
+            <a:r>
+              <a:rPr lang="en-US" sz="2000" dirty="0">
+                <a:solidFill>
+                  <a:schemeClr val="tx1"/>
+                </a:solidFill>
+                <a:latin typeface="Arial" panose="020B0604020202020204" pitchFamily="34" charset="0"/>
+                <a:cs typeface="Arial" panose="020B0604020202020204" pitchFamily="34" charset="0"/>
+              </a:rPr>
+              <a:t>              products: [...</a:t>
+            </a:r>
+            <a:r>
+              <a:rPr lang="en-US" sz="2000" dirty="0" err="1">
+                <a:solidFill>
+                  <a:schemeClr val="tx1"/>
+                </a:solidFill>
+                <a:latin typeface="Arial" panose="020B0604020202020204" pitchFamily="34" charset="0"/>
+                <a:cs typeface="Arial" panose="020B0604020202020204" pitchFamily="34" charset="0"/>
+              </a:rPr>
+              <a:t>state.todos</a:t>
+            </a:r>
+            <a:r>
+              <a:rPr lang="en-US" sz="2000" dirty="0">
+                <a:solidFill>
+                  <a:schemeClr val="tx1"/>
+                </a:solidFill>
+                <a:latin typeface="Arial" panose="020B0604020202020204" pitchFamily="34" charset="0"/>
+                <a:cs typeface="Arial" panose="020B0604020202020204" pitchFamily="34" charset="0"/>
+              </a:rPr>
+              <a:t>, {</a:t>
+            </a:r>
+            <a:r>
+              <a:rPr lang="en-US" sz="2000" dirty="0" err="1">
+                <a:solidFill>
+                  <a:schemeClr val="tx1"/>
+                </a:solidFill>
+                <a:latin typeface="Arial" panose="020B0604020202020204" pitchFamily="34" charset="0"/>
+                <a:cs typeface="Arial" panose="020B0604020202020204" pitchFamily="34" charset="0"/>
+              </a:rPr>
+              <a:t>productName</a:t>
+            </a:r>
+            <a:r>
+              <a:rPr lang="en-US" sz="2000" dirty="0">
+                <a:solidFill>
+                  <a:schemeClr val="tx1"/>
+                </a:solidFill>
+                <a:latin typeface="Arial" panose="020B0604020202020204" pitchFamily="34" charset="0"/>
+                <a:cs typeface="Arial" panose="020B0604020202020204" pitchFamily="34" charset="0"/>
+              </a:rPr>
+              <a:t>: </a:t>
+            </a:r>
+            <a:r>
+              <a:rPr lang="en-US" sz="2000" dirty="0" err="1">
+                <a:solidFill>
+                  <a:schemeClr val="tx1"/>
+                </a:solidFill>
+                <a:latin typeface="Arial" panose="020B0604020202020204" pitchFamily="34" charset="0"/>
+                <a:cs typeface="Arial" panose="020B0604020202020204" pitchFamily="34" charset="0"/>
+              </a:rPr>
+              <a:t>action.productName</a:t>
+            </a:r>
+            <a:r>
+              <a:rPr lang="en-US" sz="2000" dirty="0">
+                <a:solidFill>
+                  <a:schemeClr val="tx1"/>
+                </a:solidFill>
+                <a:latin typeface="Arial" panose="020B0604020202020204" pitchFamily="34" charset="0"/>
+                <a:cs typeface="Arial" panose="020B0604020202020204" pitchFamily="34" charset="0"/>
+              </a:rPr>
+              <a:t>, year: </a:t>
+            </a:r>
+            <a:r>
+              <a:rPr lang="en-US" sz="2000" dirty="0" err="1">
+                <a:solidFill>
+                  <a:schemeClr val="tx1"/>
+                </a:solidFill>
+                <a:latin typeface="Arial" panose="020B0604020202020204" pitchFamily="34" charset="0"/>
+                <a:cs typeface="Arial" panose="020B0604020202020204" pitchFamily="34" charset="0"/>
+              </a:rPr>
+              <a:t>action.year</a:t>
+            </a:r>
+            <a:r>
+              <a:rPr lang="en-US" sz="2000" dirty="0">
+                <a:solidFill>
+                  <a:schemeClr val="tx1"/>
+                </a:solidFill>
+                <a:latin typeface="Arial" panose="020B0604020202020204" pitchFamily="34" charset="0"/>
+                <a:cs typeface="Arial" panose="020B0604020202020204" pitchFamily="34" charset="0"/>
+              </a:rPr>
+              <a:t>}]</a:t>
+            </a:r>
+          </a:p>
+          <a:p>
+            <a:pPr algn="l">
+              <a:spcBef>
+                <a:spcPts val="500"/>
+              </a:spcBef>
+            </a:pPr>
+            <a:r>
+              <a:rPr lang="en-US" sz="2000" dirty="0">
+                <a:solidFill>
+                  <a:schemeClr val="tx1"/>
+                </a:solidFill>
+                <a:latin typeface="Arial" panose="020B0604020202020204" pitchFamily="34" charset="0"/>
+                <a:cs typeface="Arial" panose="020B0604020202020204" pitchFamily="34" charset="0"/>
+              </a:rPr>
+              <a:t>          })</a:t>
+            </a:r>
+          </a:p>
+          <a:p>
+            <a:pPr algn="l">
+              <a:spcBef>
+                <a:spcPts val="500"/>
+              </a:spcBef>
+            </a:pPr>
+            <a:r>
+              <a:rPr lang="en-US" sz="2000" dirty="0">
+                <a:solidFill>
+                  <a:schemeClr val="tx1"/>
+                </a:solidFill>
+                <a:latin typeface="Arial" panose="020B0604020202020204" pitchFamily="34" charset="0"/>
+                <a:cs typeface="Arial" panose="020B0604020202020204" pitchFamily="34" charset="0"/>
+              </a:rPr>
+              <a:t>    default: //Tr</a:t>
+            </a:r>
+            <a:r>
+              <a:rPr lang="vi-VN" sz="2000" dirty="0">
+                <a:solidFill>
+                  <a:schemeClr val="tx1"/>
+                </a:solidFill>
+                <a:latin typeface="Arial" panose="020B0604020202020204" pitchFamily="34" charset="0"/>
+                <a:cs typeface="Arial" panose="020B0604020202020204" pitchFamily="34" charset="0"/>
+              </a:rPr>
+              <a:t>ư</a:t>
+            </a:r>
+            <a:r>
+              <a:rPr lang="en-US" sz="2000" dirty="0" err="1">
+                <a:solidFill>
+                  <a:schemeClr val="tx1"/>
+                </a:solidFill>
+                <a:latin typeface="Arial" panose="020B0604020202020204" pitchFamily="34" charset="0"/>
+                <a:cs typeface="Arial" panose="020B0604020202020204" pitchFamily="34" charset="0"/>
+              </a:rPr>
+              <a:t>ờng</a:t>
+            </a:r>
+            <a:r>
+              <a:rPr lang="en-US" sz="2000" dirty="0">
+                <a:solidFill>
+                  <a:schemeClr val="tx1"/>
+                </a:solidFill>
+                <a:latin typeface="Arial" panose="020B0604020202020204" pitchFamily="34" charset="0"/>
+                <a:cs typeface="Arial" panose="020B0604020202020204" pitchFamily="34" charset="0"/>
+              </a:rPr>
+              <a:t> </a:t>
+            </a:r>
+            <a:r>
+              <a:rPr lang="en-US" sz="2000" dirty="0" err="1">
+                <a:solidFill>
+                  <a:schemeClr val="tx1"/>
+                </a:solidFill>
+                <a:latin typeface="Arial" panose="020B0604020202020204" pitchFamily="34" charset="0"/>
+                <a:cs typeface="Arial" panose="020B0604020202020204" pitchFamily="34" charset="0"/>
+              </a:rPr>
+              <a:t>hợp</a:t>
+            </a:r>
+            <a:r>
+              <a:rPr lang="en-US" sz="2000" dirty="0">
+                <a:solidFill>
+                  <a:schemeClr val="tx1"/>
+                </a:solidFill>
+                <a:latin typeface="Arial" panose="020B0604020202020204" pitchFamily="34" charset="0"/>
+                <a:cs typeface="Arial" panose="020B0604020202020204" pitchFamily="34" charset="0"/>
+              </a:rPr>
+              <a:t> ko </a:t>
+            </a:r>
+            <a:r>
+              <a:rPr lang="en-US" sz="2000" dirty="0" err="1">
+                <a:solidFill>
+                  <a:schemeClr val="tx1"/>
+                </a:solidFill>
+                <a:latin typeface="Arial" panose="020B0604020202020204" pitchFamily="34" charset="0"/>
+                <a:cs typeface="Arial" panose="020B0604020202020204" pitchFamily="34" charset="0"/>
+              </a:rPr>
+              <a:t>có</a:t>
+            </a:r>
+            <a:r>
+              <a:rPr lang="en-US" sz="2000" dirty="0">
+                <a:solidFill>
+                  <a:schemeClr val="tx1"/>
+                </a:solidFill>
+                <a:latin typeface="Arial" panose="020B0604020202020204" pitchFamily="34" charset="0"/>
+                <a:cs typeface="Arial" panose="020B0604020202020204" pitchFamily="34" charset="0"/>
+              </a:rPr>
+              <a:t> action </a:t>
+            </a:r>
+            <a:r>
+              <a:rPr lang="en-US" sz="2000" dirty="0" err="1">
+                <a:solidFill>
+                  <a:schemeClr val="tx1"/>
+                </a:solidFill>
+                <a:latin typeface="Arial" panose="020B0604020202020204" pitchFamily="34" charset="0"/>
+                <a:cs typeface="Arial" panose="020B0604020202020204" pitchFamily="34" charset="0"/>
+              </a:rPr>
+              <a:t>nào</a:t>
+            </a:r>
+            <a:r>
+              <a:rPr lang="en-US" sz="2000" dirty="0">
+                <a:solidFill>
+                  <a:schemeClr val="tx1"/>
+                </a:solidFill>
+                <a:latin typeface="Arial" panose="020B0604020202020204" pitchFamily="34" charset="0"/>
+                <a:cs typeface="Arial" panose="020B0604020202020204" pitchFamily="34" charset="0"/>
+              </a:rPr>
+              <a:t> </a:t>
+            </a:r>
+            <a:r>
+              <a:rPr lang="en-US" sz="2000" dirty="0" err="1">
+                <a:solidFill>
+                  <a:schemeClr val="tx1"/>
+                </a:solidFill>
+                <a:latin typeface="Arial" panose="020B0604020202020204" pitchFamily="34" charset="0"/>
+                <a:cs typeface="Arial" panose="020B0604020202020204" pitchFamily="34" charset="0"/>
+              </a:rPr>
+              <a:t>thỏa</a:t>
+            </a:r>
+            <a:r>
+              <a:rPr lang="en-US" sz="2000" dirty="0">
+                <a:solidFill>
+                  <a:schemeClr val="tx1"/>
+                </a:solidFill>
+                <a:latin typeface="Arial" panose="020B0604020202020204" pitchFamily="34" charset="0"/>
+                <a:cs typeface="Arial" panose="020B0604020202020204" pitchFamily="34" charset="0"/>
+              </a:rPr>
+              <a:t> </a:t>
+            </a:r>
+            <a:r>
+              <a:rPr lang="en-US" sz="2000" dirty="0" err="1">
+                <a:solidFill>
+                  <a:schemeClr val="tx1"/>
+                </a:solidFill>
+                <a:latin typeface="Arial" panose="020B0604020202020204" pitchFamily="34" charset="0"/>
+                <a:cs typeface="Arial" panose="020B0604020202020204" pitchFamily="34" charset="0"/>
+              </a:rPr>
+              <a:t>mãn</a:t>
+            </a:r>
+            <a:r>
+              <a:rPr lang="en-US" sz="2000" dirty="0">
+                <a:solidFill>
+                  <a:schemeClr val="tx1"/>
+                </a:solidFill>
+                <a:latin typeface="Arial" panose="020B0604020202020204" pitchFamily="34" charset="0"/>
+                <a:cs typeface="Arial" panose="020B0604020202020204" pitchFamily="34" charset="0"/>
+              </a:rPr>
+              <a:t>, “new state” = “old state”</a:t>
+            </a:r>
+          </a:p>
+          <a:p>
+            <a:pPr algn="l">
+              <a:spcBef>
+                <a:spcPts val="500"/>
+              </a:spcBef>
+            </a:pPr>
+            <a:r>
+              <a:rPr lang="en-US" sz="2000" dirty="0">
+                <a:solidFill>
+                  <a:schemeClr val="tx1"/>
+                </a:solidFill>
+                <a:latin typeface="Arial" panose="020B0604020202020204" pitchFamily="34" charset="0"/>
+                <a:cs typeface="Arial" panose="020B0604020202020204" pitchFamily="34" charset="0"/>
+              </a:rPr>
+              <a:t>      return state</a:t>
+            </a:r>
+          </a:p>
+          <a:p>
+            <a:pPr algn="l">
+              <a:spcBef>
+                <a:spcPts val="500"/>
+              </a:spcBef>
+            </a:pPr>
+            <a:r>
+              <a:rPr lang="en-US" sz="2000" dirty="0">
+                <a:solidFill>
+                  <a:schemeClr val="tx1"/>
+                </a:solidFill>
+                <a:latin typeface="Arial" panose="020B0604020202020204" pitchFamily="34" charset="0"/>
+                <a:cs typeface="Arial" panose="020B0604020202020204" pitchFamily="34" charset="0"/>
+              </a:rPr>
+              <a:t>  }</a:t>
+            </a:r>
+          </a:p>
+          <a:p>
+            <a:pPr algn="l">
+              <a:spcBef>
+                <a:spcPts val="500"/>
+              </a:spcBef>
+            </a:pPr>
+            <a:r>
+              <a:rPr lang="en-US" sz="2000" dirty="0">
+                <a:solidFill>
+                  <a:schemeClr val="tx1"/>
+                </a:solidFill>
+                <a:latin typeface="Arial" panose="020B0604020202020204" pitchFamily="34" charset="0"/>
+                <a:cs typeface="Arial" panose="020B0604020202020204" pitchFamily="34" charset="0"/>
+              </a:rPr>
+              <a:t>}</a:t>
+            </a:r>
+          </a:p>
+          <a:p>
+            <a:pPr algn="l">
+              <a:spcBef>
+                <a:spcPts val="500"/>
+              </a:spcBef>
+            </a:pPr>
+            <a:r>
+              <a:rPr lang="en-US" sz="2000" dirty="0" err="1">
+                <a:solidFill>
+                  <a:schemeClr val="tx1"/>
+                </a:solidFill>
+                <a:latin typeface="Arial" panose="020B0604020202020204" pitchFamily="34" charset="0"/>
+                <a:cs typeface="Arial" panose="020B0604020202020204" pitchFamily="34" charset="0"/>
+              </a:rPr>
+              <a:t>Gộp</a:t>
+            </a:r>
+            <a:r>
+              <a:rPr lang="en-US" sz="2000" dirty="0">
+                <a:solidFill>
+                  <a:schemeClr val="tx1"/>
+                </a:solidFill>
+                <a:latin typeface="Arial" panose="020B0604020202020204" pitchFamily="34" charset="0"/>
+                <a:cs typeface="Arial" panose="020B0604020202020204" pitchFamily="34" charset="0"/>
+              </a:rPr>
+              <a:t> </a:t>
+            </a:r>
+            <a:r>
+              <a:rPr lang="en-US" sz="2000" dirty="0" err="1">
+                <a:solidFill>
+                  <a:schemeClr val="tx1"/>
+                </a:solidFill>
+                <a:latin typeface="Arial" panose="020B0604020202020204" pitchFamily="34" charset="0"/>
+                <a:cs typeface="Arial" panose="020B0604020202020204" pitchFamily="34" charset="0"/>
+              </a:rPr>
+              <a:t>các</a:t>
+            </a:r>
+            <a:r>
+              <a:rPr lang="en-US" sz="2000" dirty="0">
+                <a:solidFill>
+                  <a:schemeClr val="tx1"/>
+                </a:solidFill>
+                <a:latin typeface="Arial" panose="020B0604020202020204" pitchFamily="34" charset="0"/>
+                <a:cs typeface="Arial" panose="020B0604020202020204" pitchFamily="34" charset="0"/>
+              </a:rPr>
+              <a:t> Reducers: import { </a:t>
+            </a:r>
+            <a:r>
+              <a:rPr lang="en-US" sz="2000" b="1" dirty="0" err="1">
+                <a:solidFill>
+                  <a:schemeClr val="tx1"/>
+                </a:solidFill>
+                <a:latin typeface="Arial" panose="020B0604020202020204" pitchFamily="34" charset="0"/>
+                <a:cs typeface="Arial" panose="020B0604020202020204" pitchFamily="34" charset="0"/>
+              </a:rPr>
+              <a:t>combineReducers</a:t>
+            </a:r>
+            <a:r>
+              <a:rPr lang="en-US" sz="2000" dirty="0">
+                <a:solidFill>
+                  <a:schemeClr val="tx1"/>
+                </a:solidFill>
+                <a:latin typeface="Arial" panose="020B0604020202020204" pitchFamily="34" charset="0"/>
+                <a:cs typeface="Arial" panose="020B0604020202020204" pitchFamily="34" charset="0"/>
+              </a:rPr>
+              <a:t> } from 'redux’</a:t>
+            </a:r>
+          </a:p>
+          <a:p>
+            <a:pPr algn="l">
+              <a:spcBef>
+                <a:spcPts val="500"/>
+              </a:spcBef>
+            </a:pPr>
+            <a:r>
+              <a:rPr lang="en-US" sz="2000" dirty="0">
+                <a:solidFill>
+                  <a:schemeClr val="tx1"/>
+                </a:solidFill>
+                <a:latin typeface="Arial" panose="020B0604020202020204" pitchFamily="34" charset="0"/>
+                <a:cs typeface="Arial" panose="020B0604020202020204" pitchFamily="34" charset="0"/>
+              </a:rPr>
+              <a:t>export </a:t>
+            </a:r>
+            <a:r>
+              <a:rPr lang="en-US" sz="2000" dirty="0" err="1">
+                <a:solidFill>
+                  <a:schemeClr val="tx1"/>
+                </a:solidFill>
+                <a:latin typeface="Arial" panose="020B0604020202020204" pitchFamily="34" charset="0"/>
+                <a:cs typeface="Arial" panose="020B0604020202020204" pitchFamily="34" charset="0"/>
+              </a:rPr>
+              <a:t>const</a:t>
+            </a:r>
+            <a:r>
+              <a:rPr lang="en-US" sz="2000" dirty="0">
+                <a:solidFill>
+                  <a:schemeClr val="tx1"/>
+                </a:solidFill>
+                <a:latin typeface="Arial" panose="020B0604020202020204" pitchFamily="34" charset="0"/>
+                <a:cs typeface="Arial" panose="020B0604020202020204" pitchFamily="34" charset="0"/>
+              </a:rPr>
+              <a:t> </a:t>
+            </a:r>
+            <a:r>
+              <a:rPr lang="en-US" sz="2000" b="1" dirty="0" err="1">
+                <a:solidFill>
+                  <a:schemeClr val="tx1"/>
+                </a:solidFill>
+                <a:latin typeface="Arial" panose="020B0604020202020204" pitchFamily="34" charset="0"/>
+                <a:cs typeface="Arial" panose="020B0604020202020204" pitchFamily="34" charset="0"/>
+              </a:rPr>
+              <a:t>rootReducer</a:t>
+            </a:r>
+            <a:r>
+              <a:rPr lang="en-US" sz="2000" dirty="0">
+                <a:solidFill>
+                  <a:schemeClr val="tx1"/>
+                </a:solidFill>
+                <a:latin typeface="Arial" panose="020B0604020202020204" pitchFamily="34" charset="0"/>
+                <a:cs typeface="Arial" panose="020B0604020202020204" pitchFamily="34" charset="0"/>
+              </a:rPr>
+              <a:t> = </a:t>
+            </a:r>
+            <a:r>
+              <a:rPr lang="en-US" sz="2000" b="1" dirty="0" err="1">
+                <a:solidFill>
+                  <a:schemeClr val="tx1"/>
+                </a:solidFill>
+                <a:latin typeface="Arial" panose="020B0604020202020204" pitchFamily="34" charset="0"/>
+                <a:cs typeface="Arial" panose="020B0604020202020204" pitchFamily="34" charset="0"/>
+              </a:rPr>
+              <a:t>combineReducers</a:t>
+            </a:r>
+            <a:r>
+              <a:rPr lang="en-US" sz="2000" dirty="0">
+                <a:solidFill>
+                  <a:schemeClr val="tx1"/>
+                </a:solidFill>
+                <a:latin typeface="Arial" panose="020B0604020202020204" pitchFamily="34" charset="0"/>
+                <a:cs typeface="Arial" panose="020B0604020202020204" pitchFamily="34" charset="0"/>
+              </a:rPr>
+              <a:t>({</a:t>
+            </a:r>
+            <a:r>
+              <a:rPr lang="en-US" sz="2000" dirty="0" err="1">
+                <a:solidFill>
+                  <a:schemeClr val="tx1"/>
+                </a:solidFill>
+                <a:latin typeface="Arial" panose="020B0604020202020204" pitchFamily="34" charset="0"/>
+                <a:cs typeface="Arial" panose="020B0604020202020204" pitchFamily="34" charset="0"/>
+              </a:rPr>
+              <a:t>productReducer</a:t>
+            </a:r>
+            <a:r>
+              <a:rPr lang="en-US" sz="2000" dirty="0">
+                <a:solidFill>
+                  <a:schemeClr val="tx1"/>
+                </a:solidFill>
+                <a:latin typeface="Arial" panose="020B0604020202020204" pitchFamily="34" charset="0"/>
+                <a:cs typeface="Arial" panose="020B0604020202020204" pitchFamily="34" charset="0"/>
+              </a:rPr>
+              <a:t>, </a:t>
+            </a:r>
+            <a:r>
+              <a:rPr lang="en-US" sz="2000" dirty="0" err="1">
+                <a:solidFill>
+                  <a:schemeClr val="tx1"/>
+                </a:solidFill>
+                <a:latin typeface="Arial" panose="020B0604020202020204" pitchFamily="34" charset="0"/>
+                <a:cs typeface="Arial" panose="020B0604020202020204" pitchFamily="34" charset="0"/>
+              </a:rPr>
+              <a:t>userReducer</a:t>
+            </a:r>
+            <a:r>
+              <a:rPr lang="en-US" sz="2000" dirty="0">
+                <a:solidFill>
+                  <a:schemeClr val="tx1"/>
+                </a:solidFill>
+                <a:latin typeface="Arial" panose="020B0604020202020204" pitchFamily="34" charset="0"/>
+                <a:cs typeface="Arial" panose="020B0604020202020204" pitchFamily="34" charset="0"/>
+              </a:rPr>
+              <a:t>})</a:t>
+            </a:r>
+          </a:p>
+        </p:txBody>
+      </p:sp>
+    </p:spTree>
+    <p:extLst>
+      <p:ext uri="{BB962C8B-B14F-4D97-AF65-F5344CB8AC3E}">
+        <p14:creationId xmlns:p14="http://schemas.microsoft.com/office/powerpoint/2010/main" val="1967468696"/>
+      </p:ext>
+    </p:extLst>
+  </p:cSld>
+  <p:clrMapOvr>
+    <a:masterClrMapping/>
+  </p:clrMapOvr>
+</p:sld>
+</file>
+
+<file path=ppt/slides/slide7.xml><?xml version="1.0" encoding="utf-8"?>
+<p:sld xmlns:a="http://schemas.openxmlformats.org/drawingml/2006/main" xmlns:r="http://schemas.openxmlformats.org/officeDocument/2006/relationships" xmlns:p="http://schemas.openxmlformats.org/presentationml/2006/main">
+  <p:cSld>
+    <p:spTree>
+      <p:nvGrpSpPr>
+        <p:cNvPr id="1" name=""/>
+        <p:cNvGrpSpPr/>
+        <p:nvPr/>
+      </p:nvGrpSpPr>
+      <p:grpSpPr>
+        <a:xfrm>
+          <a:off x="0" y="0"/>
+          <a:ext cx="0" cy="0"/>
+          <a:chOff x="0" y="0"/>
+          <a:chExt cx="0" cy="0"/>
+        </a:xfrm>
+      </p:grpSpPr>
+      <p:sp>
+        <p:nvSpPr>
+          <p:cNvPr id="2" name="Title 1"/>
+          <p:cNvSpPr>
+            <a:spLocks noGrp="1"/>
+          </p:cNvSpPr>
+          <p:nvPr>
+            <p:ph type="ctrTitle"/>
+          </p:nvPr>
+        </p:nvSpPr>
+        <p:spPr>
+          <a:xfrm>
+            <a:off x="0" y="63969"/>
+            <a:ext cx="12192000" cy="1040441"/>
+          </a:xfrm>
+        </p:spPr>
+        <p:txBody>
+          <a:bodyPr/>
+          <a:lstStyle/>
+          <a:p>
+            <a:pPr algn="ctr"/>
+            <a:r>
+              <a:rPr lang="en-US" sz="5000" b="1" dirty="0">
+                <a:solidFill>
+                  <a:schemeClr val="tx1"/>
+                </a:solidFill>
+                <a:latin typeface="Arial" panose="020B0604020202020204" pitchFamily="34" charset="0"/>
+                <a:cs typeface="Arial" panose="020B0604020202020204" pitchFamily="34" charset="0"/>
+              </a:rPr>
+              <a:t>Store </a:t>
+            </a:r>
+            <a:r>
+              <a:rPr lang="en-US" sz="5000" b="1" dirty="0" err="1">
+                <a:solidFill>
+                  <a:schemeClr val="tx1"/>
+                </a:solidFill>
+                <a:latin typeface="Arial" panose="020B0604020202020204" pitchFamily="34" charset="0"/>
+                <a:cs typeface="Arial" panose="020B0604020202020204" pitchFamily="34" charset="0"/>
+              </a:rPr>
+              <a:t>trong</a:t>
+            </a:r>
+            <a:r>
+              <a:rPr lang="en-US" sz="5000" b="1" dirty="0">
+                <a:solidFill>
+                  <a:schemeClr val="tx1"/>
+                </a:solidFill>
+                <a:latin typeface="Arial" panose="020B0604020202020204" pitchFamily="34" charset="0"/>
+                <a:cs typeface="Arial" panose="020B0604020202020204" pitchFamily="34" charset="0"/>
+              </a:rPr>
+              <a:t> Redux</a:t>
+            </a:r>
+            <a:endParaRPr lang="en-US" sz="5000" dirty="0">
+              <a:solidFill>
+                <a:schemeClr val="tx1"/>
+              </a:solidFill>
+              <a:latin typeface="Arial" panose="020B0604020202020204" pitchFamily="34" charset="0"/>
+              <a:cs typeface="Arial" panose="020B0604020202020204" pitchFamily="34" charset="0"/>
+            </a:endParaRPr>
+          </a:p>
+        </p:txBody>
+      </p:sp>
+      <p:pic>
+        <p:nvPicPr>
+          <p:cNvPr id="4" name="Picture 3"/>
+          <p:cNvPicPr>
+            <a:picLocks noChangeAspect="1"/>
+          </p:cNvPicPr>
+          <p:nvPr/>
+        </p:nvPicPr>
+        <p:blipFill>
+          <a:blip r:embed="rId2"/>
+          <a:stretch>
+            <a:fillRect/>
+          </a:stretch>
+        </p:blipFill>
+        <p:spPr>
+          <a:xfrm>
+            <a:off x="0" y="5977096"/>
+            <a:ext cx="3517697" cy="816935"/>
+          </a:xfrm>
+          <a:prstGeom prst="rect">
+            <a:avLst/>
+          </a:prstGeom>
+        </p:spPr>
+      </p:pic>
+      <p:sp>
+        <p:nvSpPr>
+          <p:cNvPr id="6" name="Subtitle 2">
+            <a:extLst>
+              <a:ext uri="{FF2B5EF4-FFF2-40B4-BE49-F238E27FC236}">
+                <a16:creationId xmlns:a16="http://schemas.microsoft.com/office/drawing/2014/main" id="{2C0EC2AE-7AB0-BE4A-BEEF-BB88F0CB5C7E}"/>
+              </a:ext>
+            </a:extLst>
+          </p:cNvPr>
+          <p:cNvSpPr>
+            <a:spLocks noGrp="1"/>
+          </p:cNvSpPr>
+          <p:nvPr>
+            <p:ph type="subTitle" idx="1"/>
+          </p:nvPr>
+        </p:nvSpPr>
+        <p:spPr>
+          <a:xfrm>
+            <a:off x="500680" y="1047481"/>
+            <a:ext cx="10826944" cy="5061398"/>
+          </a:xfrm>
+        </p:spPr>
+        <p:txBody>
+          <a:bodyPr>
+            <a:noAutofit/>
+          </a:bodyPr>
+          <a:lstStyle/>
+          <a:p>
+            <a:pPr algn="l">
+              <a:lnSpc>
+                <a:spcPct val="150000"/>
+              </a:lnSpc>
+              <a:spcBef>
+                <a:spcPts val="0"/>
+              </a:spcBef>
+            </a:pPr>
+            <a:r>
+              <a:rPr lang="en-US" sz="2000" b="1" dirty="0">
+                <a:solidFill>
+                  <a:schemeClr val="tx1"/>
+                </a:solidFill>
+                <a:latin typeface="Arial" panose="020B0604020202020204" pitchFamily="34" charset="0"/>
+                <a:cs typeface="Arial" panose="020B0604020202020204" pitchFamily="34" charset="0"/>
+              </a:rPr>
+              <a:t>Store</a:t>
+            </a:r>
+            <a:r>
+              <a:rPr lang="vi-VN" sz="2000" dirty="0">
+                <a:solidFill>
+                  <a:schemeClr val="tx1"/>
+                </a:solidFill>
+                <a:latin typeface="Arial" panose="020B0604020202020204" pitchFamily="34" charset="0"/>
+                <a:cs typeface="Arial" panose="020B0604020202020204" pitchFamily="34" charset="0"/>
+              </a:rPr>
+              <a:t>:</a:t>
+            </a:r>
+            <a:r>
+              <a:rPr lang="en-US" sz="2000" dirty="0">
+                <a:solidFill>
+                  <a:schemeClr val="tx1"/>
+                </a:solidFill>
+                <a:latin typeface="Arial" panose="020B0604020202020204" pitchFamily="34" charset="0"/>
+                <a:cs typeface="Arial" panose="020B0604020202020204" pitchFamily="34" charset="0"/>
+              </a:rPr>
+              <a:t> </a:t>
+            </a:r>
+            <a:r>
+              <a:rPr lang="en-US" sz="2000" dirty="0" err="1">
+                <a:solidFill>
+                  <a:schemeClr val="tx1"/>
+                </a:solidFill>
+                <a:latin typeface="Arial" panose="020B0604020202020204" pitchFamily="34" charset="0"/>
+                <a:cs typeface="Arial" panose="020B0604020202020204" pitchFamily="34" charset="0"/>
+              </a:rPr>
+              <a:t>chứa</a:t>
+            </a:r>
+            <a:r>
+              <a:rPr lang="en-US" sz="2000" dirty="0">
+                <a:solidFill>
+                  <a:schemeClr val="tx1"/>
+                </a:solidFill>
+                <a:latin typeface="Arial" panose="020B0604020202020204" pitchFamily="34" charset="0"/>
+                <a:cs typeface="Arial" panose="020B0604020202020204" pitchFamily="34" charset="0"/>
+              </a:rPr>
+              <a:t> </a:t>
+            </a:r>
+            <a:r>
+              <a:rPr lang="en-US" sz="2000" dirty="0" err="1">
+                <a:solidFill>
+                  <a:schemeClr val="tx1"/>
+                </a:solidFill>
+                <a:latin typeface="Arial" panose="020B0604020202020204" pitchFamily="34" charset="0"/>
+                <a:cs typeface="Arial" panose="020B0604020202020204" pitchFamily="34" charset="0"/>
+              </a:rPr>
+              <a:t>và</a:t>
+            </a:r>
+            <a:r>
+              <a:rPr lang="en-US" sz="2000" dirty="0">
+                <a:solidFill>
+                  <a:schemeClr val="tx1"/>
+                </a:solidFill>
+                <a:latin typeface="Arial" panose="020B0604020202020204" pitchFamily="34" charset="0"/>
+                <a:cs typeface="Arial" panose="020B0604020202020204" pitchFamily="34" charset="0"/>
+              </a:rPr>
+              <a:t> </a:t>
+            </a:r>
+            <a:r>
+              <a:rPr lang="vi-VN" sz="2000" dirty="0">
+                <a:solidFill>
+                  <a:schemeClr val="tx1"/>
+                </a:solidFill>
+                <a:cs typeface="Arial" panose="020B0604020202020204" pitchFamily="34" charset="0"/>
+              </a:rPr>
+              <a:t>quản lý State</a:t>
+            </a:r>
+          </a:p>
+          <a:p>
+            <a:pPr algn="l">
+              <a:lnSpc>
+                <a:spcPct val="150000"/>
+              </a:lnSpc>
+              <a:spcBef>
+                <a:spcPts val="0"/>
+              </a:spcBef>
+            </a:pPr>
+            <a:r>
+              <a:rPr lang="en-US" sz="2000" dirty="0">
+                <a:solidFill>
+                  <a:schemeClr val="tx1"/>
+                </a:solidFill>
+                <a:latin typeface="Arial" panose="020B0604020202020204" pitchFamily="34" charset="0"/>
+                <a:cs typeface="Arial" panose="020B0604020202020204" pitchFamily="34" charset="0"/>
+              </a:rPr>
+              <a:t>import { </a:t>
+            </a:r>
+            <a:r>
+              <a:rPr lang="en-US" sz="2000" dirty="0" err="1">
+                <a:solidFill>
+                  <a:schemeClr val="tx1"/>
+                </a:solidFill>
+                <a:latin typeface="Arial" panose="020B0604020202020204" pitchFamily="34" charset="0"/>
+                <a:cs typeface="Arial" panose="020B0604020202020204" pitchFamily="34" charset="0"/>
+              </a:rPr>
+              <a:t>createStore</a:t>
+            </a:r>
+            <a:r>
+              <a:rPr lang="en-US" sz="2000" dirty="0">
+                <a:solidFill>
+                  <a:schemeClr val="tx1"/>
+                </a:solidFill>
+                <a:latin typeface="Arial" panose="020B0604020202020204" pitchFamily="34" charset="0"/>
+                <a:cs typeface="Arial" panose="020B0604020202020204" pitchFamily="34" charset="0"/>
+              </a:rPr>
+              <a:t> } from 'redux’ </a:t>
+            </a:r>
+          </a:p>
+          <a:p>
+            <a:pPr algn="l">
+              <a:lnSpc>
+                <a:spcPct val="150000"/>
+              </a:lnSpc>
+              <a:spcBef>
+                <a:spcPts val="0"/>
+              </a:spcBef>
+            </a:pPr>
+            <a:r>
+              <a:rPr lang="en-US" sz="2000" dirty="0">
+                <a:solidFill>
+                  <a:schemeClr val="tx1"/>
+                </a:solidFill>
+                <a:latin typeface="Arial" panose="020B0604020202020204" pitchFamily="34" charset="0"/>
+                <a:cs typeface="Arial" panose="020B0604020202020204" pitchFamily="34" charset="0"/>
+              </a:rPr>
+              <a:t>import </a:t>
+            </a:r>
+            <a:r>
+              <a:rPr lang="en-US" sz="2000" dirty="0" err="1">
+                <a:solidFill>
+                  <a:schemeClr val="tx1"/>
+                </a:solidFill>
+                <a:latin typeface="Arial" panose="020B0604020202020204" pitchFamily="34" charset="0"/>
+                <a:cs typeface="Arial" panose="020B0604020202020204" pitchFamily="34" charset="0"/>
+              </a:rPr>
+              <a:t>rootReducer</a:t>
+            </a:r>
+            <a:r>
+              <a:rPr lang="en-US" sz="2000" dirty="0">
+                <a:solidFill>
+                  <a:schemeClr val="tx1"/>
+                </a:solidFill>
+                <a:latin typeface="Arial" panose="020B0604020202020204" pitchFamily="34" charset="0"/>
+                <a:cs typeface="Arial" panose="020B0604020202020204" pitchFamily="34" charset="0"/>
+              </a:rPr>
+              <a:t> from './reducers’ </a:t>
+            </a:r>
+          </a:p>
+          <a:p>
+            <a:pPr algn="l">
+              <a:lnSpc>
+                <a:spcPct val="150000"/>
+              </a:lnSpc>
+              <a:spcBef>
+                <a:spcPts val="0"/>
+              </a:spcBef>
+            </a:pPr>
+            <a:r>
+              <a:rPr lang="en-US" sz="2000" dirty="0">
+                <a:solidFill>
+                  <a:schemeClr val="tx1"/>
+                </a:solidFill>
+                <a:latin typeface="Arial" panose="020B0604020202020204" pitchFamily="34" charset="0"/>
+                <a:cs typeface="Arial" panose="020B0604020202020204" pitchFamily="34" charset="0"/>
+              </a:rPr>
+              <a:t>export </a:t>
+            </a:r>
+            <a:r>
+              <a:rPr lang="en-US" sz="2000" dirty="0" err="1">
+                <a:solidFill>
+                  <a:schemeClr val="tx1"/>
+                </a:solidFill>
+                <a:latin typeface="Arial" panose="020B0604020202020204" pitchFamily="34" charset="0"/>
+                <a:cs typeface="Arial" panose="020B0604020202020204" pitchFamily="34" charset="0"/>
+              </a:rPr>
+              <a:t>const</a:t>
+            </a:r>
+            <a:r>
+              <a:rPr lang="en-US" sz="2000" dirty="0">
+                <a:solidFill>
+                  <a:schemeClr val="tx1"/>
+                </a:solidFill>
+                <a:latin typeface="Arial" panose="020B0604020202020204" pitchFamily="34" charset="0"/>
+                <a:cs typeface="Arial" panose="020B0604020202020204" pitchFamily="34" charset="0"/>
+              </a:rPr>
+              <a:t> store = </a:t>
+            </a:r>
+            <a:r>
+              <a:rPr lang="en-US" sz="2000" dirty="0" err="1">
+                <a:solidFill>
+                  <a:schemeClr val="tx1"/>
+                </a:solidFill>
+                <a:latin typeface="Arial" panose="020B0604020202020204" pitchFamily="34" charset="0"/>
+                <a:cs typeface="Arial" panose="020B0604020202020204" pitchFamily="34" charset="0"/>
+              </a:rPr>
+              <a:t>createStore</a:t>
+            </a:r>
+            <a:r>
+              <a:rPr lang="en-US" sz="2000" dirty="0">
+                <a:solidFill>
+                  <a:schemeClr val="tx1"/>
+                </a:solidFill>
+                <a:latin typeface="Arial" panose="020B0604020202020204" pitchFamily="34" charset="0"/>
+                <a:cs typeface="Arial" panose="020B0604020202020204" pitchFamily="34" charset="0"/>
+              </a:rPr>
+              <a:t>(</a:t>
+            </a:r>
+            <a:r>
+              <a:rPr lang="en-US" sz="2000" dirty="0" err="1">
+                <a:solidFill>
+                  <a:schemeClr val="tx1"/>
+                </a:solidFill>
+                <a:latin typeface="Arial" panose="020B0604020202020204" pitchFamily="34" charset="0"/>
+                <a:cs typeface="Arial" panose="020B0604020202020204" pitchFamily="34" charset="0"/>
+              </a:rPr>
+              <a:t>rootReducer</a:t>
+            </a:r>
+            <a:r>
+              <a:rPr lang="en-US" sz="2000" dirty="0">
+                <a:solidFill>
+                  <a:schemeClr val="tx1"/>
+                </a:solidFill>
+                <a:latin typeface="Arial" panose="020B0604020202020204" pitchFamily="34" charset="0"/>
+                <a:cs typeface="Arial" panose="020B0604020202020204" pitchFamily="34" charset="0"/>
+              </a:rPr>
+              <a:t>)</a:t>
+            </a:r>
+          </a:p>
+          <a:p>
+            <a:pPr algn="l">
+              <a:lnSpc>
+                <a:spcPct val="150000"/>
+              </a:lnSpc>
+              <a:spcBef>
+                <a:spcPts val="0"/>
+              </a:spcBef>
+            </a:pPr>
+            <a:r>
+              <a:rPr lang="en-US" sz="2000" dirty="0">
+                <a:solidFill>
+                  <a:schemeClr val="tx1"/>
+                </a:solidFill>
+                <a:latin typeface="Arial" panose="020B0604020202020204" pitchFamily="34" charset="0"/>
+                <a:cs typeface="Arial" panose="020B0604020202020204" pitchFamily="34" charset="0"/>
+              </a:rPr>
+              <a:t>//</a:t>
+            </a:r>
+            <a:r>
+              <a:rPr lang="en-US" sz="2000" dirty="0" err="1">
+                <a:solidFill>
+                  <a:schemeClr val="tx1"/>
+                </a:solidFill>
+                <a:latin typeface="Arial" panose="020B0604020202020204" pitchFamily="34" charset="0"/>
+                <a:cs typeface="Arial" panose="020B0604020202020204" pitchFamily="34" charset="0"/>
+              </a:rPr>
+              <a:t>Thử</a:t>
+            </a:r>
+            <a:r>
+              <a:rPr lang="en-US" sz="2000" dirty="0">
+                <a:solidFill>
+                  <a:schemeClr val="tx1"/>
+                </a:solidFill>
+                <a:latin typeface="Arial" panose="020B0604020202020204" pitchFamily="34" charset="0"/>
+                <a:cs typeface="Arial" panose="020B0604020202020204" pitchFamily="34" charset="0"/>
+              </a:rPr>
+              <a:t> </a:t>
+            </a:r>
+            <a:r>
+              <a:rPr lang="en-US" sz="2000" dirty="0" err="1">
+                <a:solidFill>
+                  <a:schemeClr val="tx1"/>
+                </a:solidFill>
+                <a:latin typeface="Arial" panose="020B0604020202020204" pitchFamily="34" charset="0"/>
+                <a:cs typeface="Arial" panose="020B0604020202020204" pitchFamily="34" charset="0"/>
+              </a:rPr>
+              <a:t>lấy</a:t>
+            </a:r>
+            <a:r>
+              <a:rPr lang="en-US" sz="2000" dirty="0">
+                <a:solidFill>
+                  <a:schemeClr val="tx1"/>
+                </a:solidFill>
+                <a:latin typeface="Arial" panose="020B0604020202020204" pitchFamily="34" charset="0"/>
+                <a:cs typeface="Arial" panose="020B0604020202020204" pitchFamily="34" charset="0"/>
+              </a:rPr>
+              <a:t> </a:t>
+            </a:r>
+            <a:r>
+              <a:rPr lang="en-US" sz="2000" dirty="0" err="1">
+                <a:solidFill>
+                  <a:schemeClr val="tx1"/>
+                </a:solidFill>
+                <a:latin typeface="Arial" panose="020B0604020202020204" pitchFamily="34" charset="0"/>
+                <a:cs typeface="Arial" panose="020B0604020202020204" pitchFamily="34" charset="0"/>
+              </a:rPr>
+              <a:t>thông</a:t>
+            </a:r>
+            <a:r>
+              <a:rPr lang="en-US" sz="2000" dirty="0">
+                <a:solidFill>
+                  <a:schemeClr val="tx1"/>
+                </a:solidFill>
+                <a:latin typeface="Arial" panose="020B0604020202020204" pitchFamily="34" charset="0"/>
+                <a:cs typeface="Arial" panose="020B0604020202020204" pitchFamily="34" charset="0"/>
+              </a:rPr>
+              <a:t> tin </a:t>
+            </a:r>
+            <a:r>
+              <a:rPr lang="en-US" sz="2000" dirty="0" err="1">
+                <a:solidFill>
+                  <a:schemeClr val="tx1"/>
+                </a:solidFill>
+                <a:latin typeface="Arial" panose="020B0604020202020204" pitchFamily="34" charset="0"/>
+                <a:cs typeface="Arial" panose="020B0604020202020204" pitchFamily="34" charset="0"/>
+              </a:rPr>
+              <a:t>các</a:t>
+            </a:r>
+            <a:r>
+              <a:rPr lang="en-US" sz="2000" dirty="0">
+                <a:solidFill>
+                  <a:schemeClr val="tx1"/>
+                </a:solidFill>
+                <a:latin typeface="Arial" panose="020B0604020202020204" pitchFamily="34" charset="0"/>
+                <a:cs typeface="Arial" panose="020B0604020202020204" pitchFamily="34" charset="0"/>
+              </a:rPr>
+              <a:t> state:</a:t>
+            </a:r>
+          </a:p>
+          <a:p>
+            <a:pPr algn="l">
+              <a:lnSpc>
+                <a:spcPct val="150000"/>
+              </a:lnSpc>
+              <a:spcBef>
+                <a:spcPts val="0"/>
+              </a:spcBef>
+            </a:pPr>
+            <a:r>
+              <a:rPr lang="en-US" sz="2000" dirty="0" err="1">
+                <a:solidFill>
+                  <a:schemeClr val="tx1"/>
+                </a:solidFill>
+                <a:latin typeface="Arial" panose="020B0604020202020204" pitchFamily="34" charset="0"/>
+                <a:cs typeface="Arial" panose="020B0604020202020204" pitchFamily="34" charset="0"/>
+              </a:rPr>
+              <a:t>console.log</a:t>
+            </a:r>
+            <a:r>
+              <a:rPr lang="en-US" sz="2000" dirty="0">
+                <a:solidFill>
+                  <a:schemeClr val="tx1"/>
+                </a:solidFill>
+                <a:latin typeface="Arial" panose="020B0604020202020204" pitchFamily="34" charset="0"/>
+                <a:cs typeface="Arial" panose="020B0604020202020204" pitchFamily="34" charset="0"/>
+              </a:rPr>
+              <a:t>(</a:t>
+            </a:r>
+            <a:r>
+              <a:rPr lang="en-US" sz="2000" dirty="0" err="1">
+                <a:solidFill>
+                  <a:schemeClr val="tx1"/>
+                </a:solidFill>
+                <a:latin typeface="Arial" panose="020B0604020202020204" pitchFamily="34" charset="0"/>
+                <a:cs typeface="Arial" panose="020B0604020202020204" pitchFamily="34" charset="0"/>
+              </a:rPr>
+              <a:t>store.getState</a:t>
+            </a:r>
+            <a:r>
+              <a:rPr lang="en-US" sz="2000" dirty="0">
+                <a:solidFill>
+                  <a:schemeClr val="tx1"/>
+                </a:solidFill>
+                <a:latin typeface="Arial" panose="020B0604020202020204" pitchFamily="34" charset="0"/>
+                <a:cs typeface="Arial" panose="020B0604020202020204" pitchFamily="34" charset="0"/>
+              </a:rPr>
+              <a:t>())</a:t>
+            </a:r>
+          </a:p>
+          <a:p>
+            <a:pPr algn="l">
+              <a:lnSpc>
+                <a:spcPct val="150000"/>
+              </a:lnSpc>
+              <a:spcBef>
+                <a:spcPts val="0"/>
+              </a:spcBef>
+            </a:pPr>
+            <a:r>
+              <a:rPr lang="en-US" sz="2000" dirty="0">
+                <a:solidFill>
+                  <a:schemeClr val="tx1"/>
+                </a:solidFill>
+                <a:latin typeface="Arial" panose="020B0604020202020204" pitchFamily="34" charset="0"/>
+                <a:cs typeface="Arial" panose="020B0604020202020204" pitchFamily="34" charset="0"/>
+              </a:rPr>
+              <a:t>//Dispatch </a:t>
+            </a:r>
+            <a:r>
+              <a:rPr lang="en-US" sz="2000" dirty="0" err="1">
+                <a:solidFill>
+                  <a:schemeClr val="tx1"/>
+                </a:solidFill>
+                <a:latin typeface="Arial" panose="020B0604020202020204" pitchFamily="34" charset="0"/>
+                <a:cs typeface="Arial" panose="020B0604020202020204" pitchFamily="34" charset="0"/>
+              </a:rPr>
+              <a:t>thử</a:t>
+            </a:r>
+            <a:r>
+              <a:rPr lang="en-US" sz="2000" dirty="0">
+                <a:solidFill>
+                  <a:schemeClr val="tx1"/>
+                </a:solidFill>
+                <a:latin typeface="Arial" panose="020B0604020202020204" pitchFamily="34" charset="0"/>
+                <a:cs typeface="Arial" panose="020B0604020202020204" pitchFamily="34" charset="0"/>
+              </a:rPr>
+              <a:t> </a:t>
+            </a:r>
+            <a:r>
+              <a:rPr lang="en-US" sz="2000" dirty="0" err="1">
+                <a:solidFill>
+                  <a:schemeClr val="tx1"/>
+                </a:solidFill>
+                <a:latin typeface="Arial" panose="020B0604020202020204" pitchFamily="34" charset="0"/>
+                <a:cs typeface="Arial" panose="020B0604020202020204" pitchFamily="34" charset="0"/>
+              </a:rPr>
+              <a:t>các</a:t>
+            </a:r>
+            <a:r>
+              <a:rPr lang="en-US" sz="2000" dirty="0">
+                <a:solidFill>
+                  <a:schemeClr val="tx1"/>
+                </a:solidFill>
+                <a:latin typeface="Arial" panose="020B0604020202020204" pitchFamily="34" charset="0"/>
+                <a:cs typeface="Arial" panose="020B0604020202020204" pitchFamily="34" charset="0"/>
+              </a:rPr>
+              <a:t> action:</a:t>
+            </a:r>
+          </a:p>
+          <a:p>
+            <a:pPr algn="l">
+              <a:lnSpc>
+                <a:spcPct val="150000"/>
+              </a:lnSpc>
+              <a:spcBef>
+                <a:spcPts val="0"/>
+              </a:spcBef>
+            </a:pPr>
+            <a:r>
+              <a:rPr lang="en-US" sz="2000" dirty="0" err="1">
+                <a:solidFill>
+                  <a:schemeClr val="tx1"/>
+                </a:solidFill>
+                <a:latin typeface="Arial" panose="020B0604020202020204" pitchFamily="34" charset="0"/>
+                <a:cs typeface="Arial" panose="020B0604020202020204" pitchFamily="34" charset="0"/>
+              </a:rPr>
+              <a:t>store.dispatch</a:t>
+            </a:r>
+            <a:r>
+              <a:rPr lang="en-US" sz="2000" dirty="0">
+                <a:solidFill>
+                  <a:schemeClr val="tx1"/>
+                </a:solidFill>
+                <a:latin typeface="Arial" panose="020B0604020202020204" pitchFamily="34" charset="0"/>
+                <a:cs typeface="Arial" panose="020B0604020202020204" pitchFamily="34" charset="0"/>
+              </a:rPr>
+              <a:t>(</a:t>
+            </a:r>
+            <a:r>
+              <a:rPr lang="en-GB" sz="2000" b="1" dirty="0" err="1">
+                <a:solidFill>
+                  <a:schemeClr val="tx1"/>
+                </a:solidFill>
+                <a:latin typeface="Arial" panose="020B0604020202020204" pitchFamily="34" charset="0"/>
+                <a:cs typeface="Arial" panose="020B0604020202020204" pitchFamily="34" charset="0"/>
+              </a:rPr>
+              <a:t>addNewProduct</a:t>
+            </a:r>
+            <a:r>
+              <a:rPr lang="en-GB" sz="2000" dirty="0">
+                <a:solidFill>
+                  <a:schemeClr val="tx1"/>
+                </a:solidFill>
+                <a:latin typeface="Arial" panose="020B0604020202020204" pitchFamily="34" charset="0"/>
+                <a:cs typeface="Arial" panose="020B0604020202020204" pitchFamily="34" charset="0"/>
+              </a:rPr>
+              <a:t>(“</a:t>
+            </a:r>
+            <a:r>
+              <a:rPr lang="en-GB" sz="2000" dirty="0" err="1">
+                <a:solidFill>
+                  <a:schemeClr val="tx1"/>
+                </a:solidFill>
+                <a:latin typeface="Arial" panose="020B0604020202020204" pitchFamily="34" charset="0"/>
+                <a:cs typeface="Arial" panose="020B0604020202020204" pitchFamily="34" charset="0"/>
+              </a:rPr>
+              <a:t>iphone</a:t>
+            </a:r>
+            <a:r>
+              <a:rPr lang="en-GB" sz="2000" dirty="0">
+                <a:solidFill>
+                  <a:schemeClr val="tx1"/>
+                </a:solidFill>
+                <a:latin typeface="Arial" panose="020B0604020202020204" pitchFamily="34" charset="0"/>
+                <a:cs typeface="Arial" panose="020B0604020202020204" pitchFamily="34" charset="0"/>
+              </a:rPr>
+              <a:t> X”, 2018, “This is a phone”)</a:t>
+            </a:r>
+            <a:r>
+              <a:rPr lang="en-US" sz="2000" dirty="0">
+                <a:solidFill>
+                  <a:schemeClr val="tx1"/>
+                </a:solidFill>
+                <a:latin typeface="Arial" panose="020B0604020202020204" pitchFamily="34" charset="0"/>
+                <a:cs typeface="Arial" panose="020B0604020202020204" pitchFamily="34" charset="0"/>
+              </a:rPr>
+              <a:t>)</a:t>
+            </a:r>
+          </a:p>
+          <a:p>
+            <a:pPr algn="l">
+              <a:lnSpc>
+                <a:spcPct val="150000"/>
+              </a:lnSpc>
+              <a:spcBef>
+                <a:spcPts val="0"/>
+              </a:spcBef>
+            </a:pPr>
+            <a:r>
+              <a:rPr lang="en-US" sz="2000" dirty="0">
+                <a:solidFill>
+                  <a:schemeClr val="tx1"/>
+                </a:solidFill>
+                <a:latin typeface="Arial" panose="020B0604020202020204" pitchFamily="34" charset="0"/>
+                <a:cs typeface="Arial" panose="020B0604020202020204" pitchFamily="34" charset="0"/>
+              </a:rPr>
+              <a:t>//</a:t>
+            </a:r>
+            <a:r>
+              <a:rPr lang="en-US" sz="2000" dirty="0" err="1">
+                <a:solidFill>
+                  <a:schemeClr val="tx1"/>
+                </a:solidFill>
+                <a:latin typeface="Arial" panose="020B0604020202020204" pitchFamily="34" charset="0"/>
+                <a:cs typeface="Arial" panose="020B0604020202020204" pitchFamily="34" charset="0"/>
+              </a:rPr>
+              <a:t>Lưu</a:t>
+            </a:r>
+            <a:r>
+              <a:rPr lang="en-US" sz="2000" dirty="0">
+                <a:solidFill>
+                  <a:schemeClr val="tx1"/>
+                </a:solidFill>
+                <a:latin typeface="Arial" panose="020B0604020202020204" pitchFamily="34" charset="0"/>
+                <a:cs typeface="Arial" panose="020B0604020202020204" pitchFamily="34" charset="0"/>
+              </a:rPr>
+              <a:t> </a:t>
+            </a:r>
+            <a:r>
+              <a:rPr lang="en-US" sz="2000" dirty="0" err="1">
+                <a:solidFill>
+                  <a:schemeClr val="tx1"/>
+                </a:solidFill>
+                <a:latin typeface="Arial" panose="020B0604020202020204" pitchFamily="34" charset="0"/>
+                <a:cs typeface="Arial" panose="020B0604020202020204" pitchFamily="34" charset="0"/>
+              </a:rPr>
+              <a:t>lại</a:t>
+            </a:r>
+            <a:r>
+              <a:rPr lang="en-US" sz="2000" dirty="0">
+                <a:solidFill>
+                  <a:schemeClr val="tx1"/>
+                </a:solidFill>
+                <a:latin typeface="Arial" panose="020B0604020202020204" pitchFamily="34" charset="0"/>
+                <a:cs typeface="Arial" panose="020B0604020202020204" pitchFamily="34" charset="0"/>
+              </a:rPr>
+              <a:t> log </a:t>
+            </a:r>
+            <a:r>
+              <a:rPr lang="en-US" sz="2000" dirty="0" err="1">
+                <a:solidFill>
+                  <a:schemeClr val="tx1"/>
+                </a:solidFill>
+                <a:latin typeface="Arial" panose="020B0604020202020204" pitchFamily="34" charset="0"/>
+                <a:cs typeface="Arial" panose="020B0604020202020204" pitchFamily="34" charset="0"/>
+              </a:rPr>
+              <a:t>mỗi</a:t>
+            </a:r>
+            <a:r>
+              <a:rPr lang="en-US" sz="2000" dirty="0">
+                <a:solidFill>
+                  <a:schemeClr val="tx1"/>
+                </a:solidFill>
+                <a:latin typeface="Arial" panose="020B0604020202020204" pitchFamily="34" charset="0"/>
+                <a:cs typeface="Arial" panose="020B0604020202020204" pitchFamily="34" charset="0"/>
+              </a:rPr>
+              <a:t> </a:t>
+            </a:r>
+            <a:r>
+              <a:rPr lang="en-US" sz="2000" dirty="0" err="1">
+                <a:solidFill>
+                  <a:schemeClr val="tx1"/>
+                </a:solidFill>
+                <a:latin typeface="Arial" panose="020B0604020202020204" pitchFamily="34" charset="0"/>
+                <a:cs typeface="Arial" panose="020B0604020202020204" pitchFamily="34" charset="0"/>
+              </a:rPr>
+              <a:t>lần</a:t>
+            </a:r>
+            <a:r>
+              <a:rPr lang="en-US" sz="2000" dirty="0">
+                <a:solidFill>
+                  <a:schemeClr val="tx1"/>
+                </a:solidFill>
+                <a:latin typeface="Arial" panose="020B0604020202020204" pitchFamily="34" charset="0"/>
+                <a:cs typeface="Arial" panose="020B0604020202020204" pitchFamily="34" charset="0"/>
+              </a:rPr>
+              <a:t> state </a:t>
+            </a:r>
+            <a:r>
+              <a:rPr lang="en-US" sz="2000" dirty="0" err="1">
+                <a:solidFill>
+                  <a:schemeClr val="tx1"/>
+                </a:solidFill>
+                <a:latin typeface="Arial" panose="020B0604020202020204" pitchFamily="34" charset="0"/>
+                <a:cs typeface="Arial" panose="020B0604020202020204" pitchFamily="34" charset="0"/>
+              </a:rPr>
+              <a:t>thay</a:t>
+            </a:r>
+            <a:r>
+              <a:rPr lang="en-US" sz="2000" dirty="0">
+                <a:solidFill>
+                  <a:schemeClr val="tx1"/>
+                </a:solidFill>
+                <a:latin typeface="Arial" panose="020B0604020202020204" pitchFamily="34" charset="0"/>
+                <a:cs typeface="Arial" panose="020B0604020202020204" pitchFamily="34" charset="0"/>
+              </a:rPr>
+              <a:t> </a:t>
+            </a:r>
+            <a:r>
+              <a:rPr lang="en-US" sz="2000" dirty="0" err="1">
+                <a:solidFill>
+                  <a:schemeClr val="tx1"/>
+                </a:solidFill>
+                <a:latin typeface="Arial" panose="020B0604020202020204" pitchFamily="34" charset="0"/>
+                <a:cs typeface="Arial" panose="020B0604020202020204" pitchFamily="34" charset="0"/>
+              </a:rPr>
+              <a:t>đổi</a:t>
+            </a:r>
+            <a:r>
+              <a:rPr lang="en-US" sz="2000" dirty="0">
+                <a:solidFill>
+                  <a:schemeClr val="tx1"/>
+                </a:solidFill>
+                <a:latin typeface="Arial" panose="020B0604020202020204" pitchFamily="34" charset="0"/>
+                <a:cs typeface="Arial" panose="020B0604020202020204" pitchFamily="34" charset="0"/>
+              </a:rPr>
+              <a:t>: </a:t>
+            </a:r>
+          </a:p>
+          <a:p>
+            <a:pPr algn="l">
+              <a:lnSpc>
+                <a:spcPct val="150000"/>
+              </a:lnSpc>
+              <a:spcBef>
+                <a:spcPts val="0"/>
+              </a:spcBef>
+            </a:pPr>
+            <a:r>
+              <a:rPr lang="en-US" sz="2000" dirty="0" err="1">
+                <a:solidFill>
+                  <a:schemeClr val="tx1"/>
+                </a:solidFill>
+                <a:latin typeface="Arial" panose="020B0604020202020204" pitchFamily="34" charset="0"/>
+                <a:cs typeface="Arial" panose="020B0604020202020204" pitchFamily="34" charset="0"/>
+              </a:rPr>
+              <a:t>store.subscribe</a:t>
+            </a:r>
+            <a:r>
+              <a:rPr lang="en-US" sz="2000" dirty="0">
+                <a:solidFill>
+                  <a:schemeClr val="tx1"/>
+                </a:solidFill>
+                <a:latin typeface="Arial" panose="020B0604020202020204" pitchFamily="34" charset="0"/>
+                <a:cs typeface="Arial" panose="020B0604020202020204" pitchFamily="34" charset="0"/>
+              </a:rPr>
+              <a:t>(() =&gt; </a:t>
+            </a:r>
+            <a:r>
+              <a:rPr lang="en-US" sz="2000" dirty="0" err="1">
+                <a:solidFill>
+                  <a:schemeClr val="tx1"/>
+                </a:solidFill>
+                <a:latin typeface="Arial" panose="020B0604020202020204" pitchFamily="34" charset="0"/>
+                <a:cs typeface="Arial" panose="020B0604020202020204" pitchFamily="34" charset="0"/>
+              </a:rPr>
+              <a:t>console.log</a:t>
+            </a:r>
+            <a:r>
+              <a:rPr lang="en-US" sz="2000" dirty="0">
+                <a:solidFill>
+                  <a:schemeClr val="tx1"/>
+                </a:solidFill>
+                <a:latin typeface="Arial" panose="020B0604020202020204" pitchFamily="34" charset="0"/>
+                <a:cs typeface="Arial" panose="020B0604020202020204" pitchFamily="34" charset="0"/>
+              </a:rPr>
+              <a:t>(</a:t>
+            </a:r>
+            <a:r>
+              <a:rPr lang="en-US" sz="2000" dirty="0" err="1">
+                <a:solidFill>
+                  <a:schemeClr val="tx1"/>
+                </a:solidFill>
+                <a:latin typeface="Arial" panose="020B0604020202020204" pitchFamily="34" charset="0"/>
+                <a:cs typeface="Arial" panose="020B0604020202020204" pitchFamily="34" charset="0"/>
+              </a:rPr>
+              <a:t>store.getState</a:t>
+            </a:r>
+            <a:r>
+              <a:rPr lang="en-US" sz="2000" dirty="0">
+                <a:solidFill>
+                  <a:schemeClr val="tx1"/>
+                </a:solidFill>
+                <a:latin typeface="Arial" panose="020B0604020202020204" pitchFamily="34" charset="0"/>
+                <a:cs typeface="Arial" panose="020B0604020202020204" pitchFamily="34" charset="0"/>
+              </a:rPr>
+              <a:t>()))</a:t>
+            </a:r>
+          </a:p>
+        </p:txBody>
+      </p:sp>
+    </p:spTree>
+    <p:extLst>
+      <p:ext uri="{BB962C8B-B14F-4D97-AF65-F5344CB8AC3E}">
+        <p14:creationId xmlns:p14="http://schemas.microsoft.com/office/powerpoint/2010/main" val="4012421466"/>
+      </p:ext>
+    </p:extLst>
+  </p:cSld>
+  <p:clrMapOvr>
+    <a:masterClrMapping/>
+  </p:clrMapOvr>
+</p:sld>
+</file>
+
+<file path=ppt/slides/slide8.xml><?xml version="1.0" encoding="utf-8"?>
+<p:sld xmlns:a="http://schemas.openxmlformats.org/drawingml/2006/main" xmlns:r="http://schemas.openxmlformats.org/officeDocument/2006/relationships" xmlns:p="http://schemas.openxmlformats.org/presentationml/2006/main">
+  <p:cSld>
+    <p:spTree>
+      <p:nvGrpSpPr>
+        <p:cNvPr id="1" name=""/>
+        <p:cNvGrpSpPr/>
+        <p:nvPr/>
+      </p:nvGrpSpPr>
+      <p:grpSpPr>
+        <a:xfrm>
+          <a:off x="0" y="0"/>
+          <a:ext cx="0" cy="0"/>
+          <a:chOff x="0" y="0"/>
+          <a:chExt cx="0" cy="0"/>
+        </a:xfrm>
+      </p:grpSpPr>
+      <p:sp>
+        <p:nvSpPr>
+          <p:cNvPr id="2" name="Title 1"/>
+          <p:cNvSpPr>
+            <a:spLocks noGrp="1"/>
+          </p:cNvSpPr>
+          <p:nvPr>
+            <p:ph type="ctrTitle"/>
+          </p:nvPr>
+        </p:nvSpPr>
+        <p:spPr>
+          <a:xfrm>
+            <a:off x="0" y="63969"/>
+            <a:ext cx="12192000" cy="1040441"/>
+          </a:xfrm>
+        </p:spPr>
+        <p:txBody>
+          <a:bodyPr/>
+          <a:lstStyle/>
+          <a:p>
+            <a:pPr algn="ctr"/>
+            <a:r>
+              <a:rPr lang="en-US" sz="5000" b="1" dirty="0">
+                <a:solidFill>
+                  <a:schemeClr val="tx1"/>
+                </a:solidFill>
+                <a:latin typeface="Arial" panose="020B0604020202020204" pitchFamily="34" charset="0"/>
+                <a:cs typeface="Arial" panose="020B0604020202020204" pitchFamily="34" charset="0"/>
+              </a:rPr>
+              <a:t>Container </a:t>
+            </a:r>
+            <a:r>
+              <a:rPr lang="en-US" sz="5000" b="1" dirty="0" err="1">
+                <a:solidFill>
+                  <a:schemeClr val="tx1"/>
+                </a:solidFill>
+                <a:latin typeface="Arial" panose="020B0604020202020204" pitchFamily="34" charset="0"/>
+                <a:cs typeface="Arial" panose="020B0604020202020204" pitchFamily="34" charset="0"/>
+              </a:rPr>
+              <a:t>trong</a:t>
+            </a:r>
+            <a:r>
+              <a:rPr lang="en-US" sz="5000" b="1" dirty="0">
+                <a:solidFill>
+                  <a:schemeClr val="tx1"/>
+                </a:solidFill>
+                <a:latin typeface="Arial" panose="020B0604020202020204" pitchFamily="34" charset="0"/>
+                <a:cs typeface="Arial" panose="020B0604020202020204" pitchFamily="34" charset="0"/>
+              </a:rPr>
+              <a:t> Redux</a:t>
+            </a:r>
+            <a:endParaRPr lang="en-US" sz="5000" dirty="0">
+              <a:solidFill>
+                <a:schemeClr val="tx1"/>
+              </a:solidFill>
+              <a:latin typeface="Arial" panose="020B0604020202020204" pitchFamily="34" charset="0"/>
+              <a:cs typeface="Arial" panose="020B0604020202020204" pitchFamily="34" charset="0"/>
+            </a:endParaRPr>
+          </a:p>
+        </p:txBody>
+      </p:sp>
+      <p:pic>
+        <p:nvPicPr>
+          <p:cNvPr id="4" name="Picture 3"/>
+          <p:cNvPicPr>
+            <a:picLocks noChangeAspect="1"/>
+          </p:cNvPicPr>
+          <p:nvPr/>
+        </p:nvPicPr>
+        <p:blipFill>
+          <a:blip r:embed="rId2"/>
+          <a:stretch>
+            <a:fillRect/>
+          </a:stretch>
+        </p:blipFill>
+        <p:spPr>
+          <a:xfrm>
+            <a:off x="0" y="5977096"/>
+            <a:ext cx="3517697" cy="816935"/>
+          </a:xfrm>
+          <a:prstGeom prst="rect">
+            <a:avLst/>
+          </a:prstGeom>
+        </p:spPr>
+      </p:pic>
+      <p:sp>
+        <p:nvSpPr>
+          <p:cNvPr id="6" name="Subtitle 2">
+            <a:extLst>
+              <a:ext uri="{FF2B5EF4-FFF2-40B4-BE49-F238E27FC236}">
+                <a16:creationId xmlns:a16="http://schemas.microsoft.com/office/drawing/2014/main" id="{2C0EC2AE-7AB0-BE4A-BEEF-BB88F0CB5C7E}"/>
+              </a:ext>
+            </a:extLst>
+          </p:cNvPr>
+          <p:cNvSpPr>
+            <a:spLocks noGrp="1"/>
+          </p:cNvSpPr>
+          <p:nvPr>
+            <p:ph type="subTitle" idx="1"/>
+          </p:nvPr>
+        </p:nvSpPr>
+        <p:spPr>
+          <a:xfrm>
+            <a:off x="500680" y="1335136"/>
+            <a:ext cx="10826944" cy="4773742"/>
+          </a:xfrm>
+        </p:spPr>
+        <p:txBody>
+          <a:bodyPr>
+            <a:noAutofit/>
+          </a:bodyPr>
+          <a:lstStyle/>
+          <a:p>
+            <a:pPr algn="l">
+              <a:spcBef>
+                <a:spcPts val="500"/>
+              </a:spcBef>
+            </a:pPr>
+            <a:r>
+              <a:rPr lang="en-US" sz="2000" b="1" dirty="0">
+                <a:solidFill>
+                  <a:schemeClr val="tx1"/>
+                </a:solidFill>
+                <a:latin typeface="Arial" panose="020B0604020202020204" pitchFamily="34" charset="0"/>
+                <a:cs typeface="Arial" panose="020B0604020202020204" pitchFamily="34" charset="0"/>
+              </a:rPr>
+              <a:t>Container</a:t>
+            </a:r>
+            <a:r>
+              <a:rPr lang="vi-VN" sz="2000" dirty="0">
+                <a:solidFill>
+                  <a:schemeClr val="tx1"/>
+                </a:solidFill>
+                <a:latin typeface="Arial" panose="020B0604020202020204" pitchFamily="34" charset="0"/>
+                <a:cs typeface="Arial" panose="020B0604020202020204" pitchFamily="34" charset="0"/>
+              </a:rPr>
+              <a:t>:</a:t>
+            </a:r>
+            <a:r>
+              <a:rPr lang="en-US" sz="2000" dirty="0">
+                <a:solidFill>
+                  <a:schemeClr val="tx1"/>
+                </a:solidFill>
+                <a:latin typeface="Arial" panose="020B0604020202020204" pitchFamily="34" charset="0"/>
+                <a:cs typeface="Arial" panose="020B0604020202020204" pitchFamily="34" charset="0"/>
+              </a:rPr>
+              <a:t> </a:t>
+            </a:r>
+            <a:r>
+              <a:rPr lang="vi-VN" sz="2000" dirty="0">
+                <a:solidFill>
+                  <a:schemeClr val="tx1"/>
+                </a:solidFill>
+                <a:latin typeface="Arial" panose="020B0604020202020204" pitchFamily="34" charset="0"/>
+                <a:cs typeface="Arial" panose="020B0604020202020204" pitchFamily="34" charset="0"/>
+              </a:rPr>
+              <a:t>Component bỏ đi state, thay bằng props</a:t>
+            </a:r>
+            <a:endParaRPr lang="vi-VN" sz="2000" dirty="0">
+              <a:solidFill>
+                <a:schemeClr val="tx1"/>
+              </a:solidFill>
+              <a:cs typeface="Arial" panose="020B0604020202020204" pitchFamily="34" charset="0"/>
+            </a:endParaRPr>
+          </a:p>
+          <a:p>
+            <a:pPr algn="l">
+              <a:spcBef>
+                <a:spcPts val="500"/>
+              </a:spcBef>
+            </a:pPr>
+            <a:r>
+              <a:rPr lang="en-US" sz="2000" dirty="0">
+                <a:solidFill>
+                  <a:schemeClr val="tx1"/>
+                </a:solidFill>
+                <a:latin typeface="Arial" panose="020B0604020202020204" pitchFamily="34" charset="0"/>
+                <a:cs typeface="Arial" panose="020B0604020202020204" pitchFamily="34" charset="0"/>
+              </a:rPr>
+              <a:t>import { </a:t>
+            </a:r>
+            <a:r>
+              <a:rPr lang="en-US" sz="2000" b="1" dirty="0">
+                <a:solidFill>
+                  <a:schemeClr val="tx1"/>
+                </a:solidFill>
+                <a:latin typeface="Arial" panose="020B0604020202020204" pitchFamily="34" charset="0"/>
+                <a:cs typeface="Arial" panose="020B0604020202020204" pitchFamily="34" charset="0"/>
+              </a:rPr>
+              <a:t>connect</a:t>
+            </a:r>
+            <a:r>
+              <a:rPr lang="en-US" sz="2000" dirty="0">
+                <a:solidFill>
+                  <a:schemeClr val="tx1"/>
+                </a:solidFill>
+                <a:latin typeface="Arial" panose="020B0604020202020204" pitchFamily="34" charset="0"/>
+                <a:cs typeface="Arial" panose="020B0604020202020204" pitchFamily="34" charset="0"/>
+              </a:rPr>
+              <a:t> } from 'react-redux’</a:t>
+            </a:r>
+          </a:p>
+          <a:p>
+            <a:pPr algn="l">
+              <a:spcBef>
+                <a:spcPts val="500"/>
+              </a:spcBef>
+            </a:pPr>
+            <a:r>
+              <a:rPr lang="en-US" sz="2000" dirty="0">
+                <a:solidFill>
+                  <a:schemeClr val="tx1"/>
+                </a:solidFill>
+                <a:latin typeface="Arial" panose="020B0604020202020204" pitchFamily="34" charset="0"/>
+                <a:cs typeface="Arial" panose="020B0604020202020204" pitchFamily="34" charset="0"/>
+              </a:rPr>
+              <a:t>class </a:t>
+            </a:r>
+            <a:r>
+              <a:rPr lang="en-US" sz="2000" b="1" dirty="0" err="1">
+                <a:solidFill>
+                  <a:schemeClr val="tx1"/>
+                </a:solidFill>
+                <a:latin typeface="Arial" panose="020B0604020202020204" pitchFamily="34" charset="0"/>
+                <a:cs typeface="Arial" panose="020B0604020202020204" pitchFamily="34" charset="0"/>
+              </a:rPr>
+              <a:t>ComponentA</a:t>
+            </a:r>
+            <a:r>
+              <a:rPr lang="en-US" sz="2000" dirty="0">
+                <a:solidFill>
+                  <a:schemeClr val="tx1"/>
+                </a:solidFill>
+                <a:latin typeface="Arial" panose="020B0604020202020204" pitchFamily="34" charset="0"/>
+                <a:cs typeface="Arial" panose="020B0604020202020204" pitchFamily="34" charset="0"/>
+              </a:rPr>
+              <a:t> extends Component {….}</a:t>
+            </a:r>
+          </a:p>
+          <a:p>
+            <a:pPr algn="l">
+              <a:spcBef>
+                <a:spcPts val="500"/>
+              </a:spcBef>
+            </a:pPr>
+            <a:endParaRPr lang="en-US" sz="2000" dirty="0">
+              <a:solidFill>
+                <a:schemeClr val="tx1"/>
+              </a:solidFill>
+              <a:latin typeface="Arial" panose="020B0604020202020204" pitchFamily="34" charset="0"/>
+              <a:cs typeface="Arial" panose="020B0604020202020204" pitchFamily="34" charset="0"/>
+            </a:endParaRPr>
+          </a:p>
+          <a:p>
+            <a:pPr algn="l">
+              <a:spcBef>
+                <a:spcPts val="500"/>
+              </a:spcBef>
+            </a:pPr>
+            <a:r>
+              <a:rPr lang="en-US" sz="2000" dirty="0" err="1">
+                <a:solidFill>
+                  <a:schemeClr val="tx1"/>
+                </a:solidFill>
+                <a:latin typeface="Arial" panose="020B0604020202020204" pitchFamily="34" charset="0"/>
+                <a:cs typeface="Arial" panose="020B0604020202020204" pitchFamily="34" charset="0"/>
+              </a:rPr>
+              <a:t>const</a:t>
+            </a:r>
+            <a:r>
+              <a:rPr lang="en-US" sz="2000" dirty="0">
+                <a:solidFill>
+                  <a:schemeClr val="tx1"/>
+                </a:solidFill>
+                <a:latin typeface="Arial" panose="020B0604020202020204" pitchFamily="34" charset="0"/>
+                <a:cs typeface="Arial" panose="020B0604020202020204" pitchFamily="34" charset="0"/>
+              </a:rPr>
+              <a:t> </a:t>
+            </a:r>
+            <a:r>
+              <a:rPr lang="en-US" sz="2000" b="1" dirty="0" err="1">
+                <a:solidFill>
+                  <a:schemeClr val="tx1"/>
+                </a:solidFill>
+                <a:latin typeface="Arial" panose="020B0604020202020204" pitchFamily="34" charset="0"/>
+                <a:cs typeface="Arial" panose="020B0604020202020204" pitchFamily="34" charset="0"/>
+              </a:rPr>
+              <a:t>mapStateToProps</a:t>
+            </a:r>
+            <a:r>
+              <a:rPr lang="en-US" sz="2000" dirty="0">
+                <a:solidFill>
+                  <a:schemeClr val="tx1"/>
+                </a:solidFill>
+                <a:latin typeface="Arial" panose="020B0604020202020204" pitchFamily="34" charset="0"/>
+                <a:cs typeface="Arial" panose="020B0604020202020204" pitchFamily="34" charset="0"/>
+              </a:rPr>
+              <a:t> = (state) =&gt; ({products: </a:t>
+            </a:r>
+            <a:r>
+              <a:rPr lang="en-US" sz="2000" dirty="0" err="1">
+                <a:solidFill>
+                  <a:schemeClr val="tx1"/>
+                </a:solidFill>
+                <a:latin typeface="Arial" panose="020B0604020202020204" pitchFamily="34" charset="0"/>
+                <a:cs typeface="Arial" panose="020B0604020202020204" pitchFamily="34" charset="0"/>
+              </a:rPr>
+              <a:t>state.products</a:t>
+            </a:r>
+            <a:r>
+              <a:rPr lang="en-US" sz="2000" dirty="0">
+                <a:solidFill>
+                  <a:schemeClr val="tx1"/>
+                </a:solidFill>
+                <a:latin typeface="Arial" panose="020B0604020202020204" pitchFamily="34" charset="0"/>
+                <a:cs typeface="Arial" panose="020B0604020202020204" pitchFamily="34" charset="0"/>
+              </a:rPr>
+              <a:t>}) </a:t>
+            </a:r>
+          </a:p>
+          <a:p>
+            <a:pPr algn="l">
+              <a:spcBef>
+                <a:spcPts val="500"/>
+              </a:spcBef>
+            </a:pPr>
+            <a:r>
+              <a:rPr lang="en-US" sz="2000" dirty="0" err="1">
+                <a:solidFill>
+                  <a:schemeClr val="tx1"/>
+                </a:solidFill>
+                <a:latin typeface="Arial" panose="020B0604020202020204" pitchFamily="34" charset="0"/>
+                <a:cs typeface="Arial" panose="020B0604020202020204" pitchFamily="34" charset="0"/>
+              </a:rPr>
+              <a:t>const</a:t>
+            </a:r>
+            <a:r>
+              <a:rPr lang="en-US" sz="2000" dirty="0">
+                <a:solidFill>
+                  <a:schemeClr val="tx1"/>
+                </a:solidFill>
+                <a:latin typeface="Arial" panose="020B0604020202020204" pitchFamily="34" charset="0"/>
+                <a:cs typeface="Arial" panose="020B0604020202020204" pitchFamily="34" charset="0"/>
+              </a:rPr>
+              <a:t> </a:t>
+            </a:r>
+            <a:r>
+              <a:rPr lang="en-US" sz="2000" b="1" dirty="0" err="1">
+                <a:solidFill>
+                  <a:schemeClr val="tx1"/>
+                </a:solidFill>
+                <a:latin typeface="Arial" panose="020B0604020202020204" pitchFamily="34" charset="0"/>
+                <a:cs typeface="Arial" panose="020B0604020202020204" pitchFamily="34" charset="0"/>
+              </a:rPr>
+              <a:t>mapDispatchToProps</a:t>
+            </a:r>
+            <a:r>
+              <a:rPr lang="en-US" sz="2000" dirty="0">
+                <a:solidFill>
+                  <a:schemeClr val="tx1"/>
+                </a:solidFill>
+                <a:latin typeface="Arial" panose="020B0604020202020204" pitchFamily="34" charset="0"/>
+                <a:cs typeface="Arial" panose="020B0604020202020204" pitchFamily="34" charset="0"/>
+              </a:rPr>
+              <a:t> = dispatch =&gt; ({ </a:t>
+            </a:r>
+          </a:p>
+          <a:p>
+            <a:pPr algn="l">
+              <a:spcBef>
+                <a:spcPts val="500"/>
+              </a:spcBef>
+            </a:pPr>
+            <a:r>
+              <a:rPr lang="en-US" sz="2000" dirty="0">
+                <a:solidFill>
+                  <a:schemeClr val="tx1"/>
+                </a:solidFill>
+                <a:latin typeface="Arial" panose="020B0604020202020204" pitchFamily="34" charset="0"/>
+                <a:cs typeface="Arial" panose="020B0604020202020204" pitchFamily="34" charset="0"/>
+              </a:rPr>
+              <a:t>     </a:t>
+            </a:r>
+            <a:r>
+              <a:rPr lang="en-US" sz="2000" dirty="0" err="1">
+                <a:solidFill>
+                  <a:schemeClr val="tx1"/>
+                </a:solidFill>
+                <a:latin typeface="Arial" panose="020B0604020202020204" pitchFamily="34" charset="0"/>
+                <a:cs typeface="Arial" panose="020B0604020202020204" pitchFamily="34" charset="0"/>
+              </a:rPr>
+              <a:t>addNewProduct</a:t>
+            </a:r>
+            <a:r>
+              <a:rPr lang="en-US" sz="2000" dirty="0">
+                <a:solidFill>
+                  <a:schemeClr val="tx1"/>
+                </a:solidFill>
+                <a:latin typeface="Arial" panose="020B0604020202020204" pitchFamily="34" charset="0"/>
+                <a:cs typeface="Arial" panose="020B0604020202020204" pitchFamily="34" charset="0"/>
+              </a:rPr>
+              <a:t>: (</a:t>
+            </a:r>
+            <a:r>
+              <a:rPr lang="en-US" sz="2000" dirty="0" err="1">
+                <a:solidFill>
+                  <a:schemeClr val="tx1"/>
+                </a:solidFill>
+                <a:latin typeface="Arial" panose="020B0604020202020204" pitchFamily="34" charset="0"/>
+                <a:cs typeface="Arial" panose="020B0604020202020204" pitchFamily="34" charset="0"/>
+              </a:rPr>
+              <a:t>productName</a:t>
+            </a:r>
+            <a:r>
+              <a:rPr lang="en-US" sz="2000" dirty="0">
+                <a:solidFill>
+                  <a:schemeClr val="tx1"/>
+                </a:solidFill>
+                <a:latin typeface="Arial" panose="020B0604020202020204" pitchFamily="34" charset="0"/>
+                <a:cs typeface="Arial" panose="020B0604020202020204" pitchFamily="34" charset="0"/>
+              </a:rPr>
+              <a:t>, year,..)=&gt; dispatch(</a:t>
+            </a:r>
+            <a:r>
+              <a:rPr lang="en-US" sz="2000" dirty="0" err="1">
+                <a:solidFill>
+                  <a:schemeClr val="tx1"/>
+                </a:solidFill>
+                <a:latin typeface="Arial" panose="020B0604020202020204" pitchFamily="34" charset="0"/>
+                <a:cs typeface="Arial" panose="020B0604020202020204" pitchFamily="34" charset="0"/>
+              </a:rPr>
+              <a:t>addNewProduct</a:t>
+            </a:r>
+            <a:r>
+              <a:rPr lang="en-US" sz="2000" dirty="0">
+                <a:solidFill>
+                  <a:schemeClr val="tx1"/>
+                </a:solidFill>
+                <a:latin typeface="Arial" panose="020B0604020202020204" pitchFamily="34" charset="0"/>
+                <a:cs typeface="Arial" panose="020B0604020202020204" pitchFamily="34" charset="0"/>
+              </a:rPr>
+              <a:t>(</a:t>
+            </a:r>
+            <a:r>
+              <a:rPr lang="en-US" sz="2000" dirty="0" err="1">
+                <a:solidFill>
+                  <a:schemeClr val="tx1"/>
+                </a:solidFill>
+                <a:latin typeface="Arial" panose="020B0604020202020204" pitchFamily="34" charset="0"/>
+                <a:cs typeface="Arial" panose="020B0604020202020204" pitchFamily="34" charset="0"/>
+              </a:rPr>
+              <a:t>productName</a:t>
+            </a:r>
+            <a:r>
+              <a:rPr lang="en-US" sz="2000" dirty="0">
+                <a:solidFill>
+                  <a:schemeClr val="tx1"/>
+                </a:solidFill>
+                <a:latin typeface="Arial" panose="020B0604020202020204" pitchFamily="34" charset="0"/>
+                <a:cs typeface="Arial" panose="020B0604020202020204" pitchFamily="34" charset="0"/>
+              </a:rPr>
+              <a:t>, year,..)) </a:t>
+            </a:r>
+          </a:p>
+          <a:p>
+            <a:pPr algn="l">
+              <a:spcBef>
+                <a:spcPts val="500"/>
+              </a:spcBef>
+            </a:pPr>
+            <a:r>
+              <a:rPr lang="en-US" sz="2000" dirty="0">
+                <a:solidFill>
+                  <a:schemeClr val="tx1"/>
+                </a:solidFill>
+                <a:latin typeface="Arial" panose="020B0604020202020204" pitchFamily="34" charset="0"/>
+                <a:cs typeface="Arial" panose="020B0604020202020204" pitchFamily="34" charset="0"/>
+              </a:rPr>
+              <a:t>})</a:t>
+            </a:r>
+          </a:p>
+          <a:p>
+            <a:pPr algn="l">
+              <a:spcBef>
+                <a:spcPts val="500"/>
+              </a:spcBef>
+            </a:pPr>
+            <a:r>
+              <a:rPr lang="en-US" sz="2000" dirty="0">
+                <a:solidFill>
+                  <a:schemeClr val="tx1"/>
+                </a:solidFill>
+                <a:latin typeface="Arial" panose="020B0604020202020204" pitchFamily="34" charset="0"/>
+                <a:cs typeface="Arial" panose="020B0604020202020204" pitchFamily="34" charset="0"/>
+              </a:rPr>
+              <a:t>State </a:t>
+            </a:r>
+            <a:r>
+              <a:rPr lang="en-US" sz="2000" dirty="0" err="1">
+                <a:solidFill>
+                  <a:schemeClr val="tx1"/>
+                </a:solidFill>
+                <a:latin typeface="Arial" panose="020B0604020202020204" pitchFamily="34" charset="0"/>
+                <a:cs typeface="Arial" panose="020B0604020202020204" pitchFamily="34" charset="0"/>
+              </a:rPr>
+              <a:t>biến</a:t>
+            </a:r>
+            <a:r>
+              <a:rPr lang="en-US" sz="2000" dirty="0">
+                <a:solidFill>
+                  <a:schemeClr val="tx1"/>
+                </a:solidFill>
+                <a:latin typeface="Arial" panose="020B0604020202020204" pitchFamily="34" charset="0"/>
+                <a:cs typeface="Arial" panose="020B0604020202020204" pitchFamily="34" charset="0"/>
+              </a:rPr>
+              <a:t> </a:t>
+            </a:r>
+            <a:r>
+              <a:rPr lang="en-US" sz="2000" dirty="0" err="1">
+                <a:solidFill>
+                  <a:schemeClr val="tx1"/>
+                </a:solidFill>
+                <a:latin typeface="Arial" panose="020B0604020202020204" pitchFamily="34" charset="0"/>
+                <a:cs typeface="Arial" panose="020B0604020202020204" pitchFamily="34" charset="0"/>
+              </a:rPr>
+              <a:t>thành</a:t>
+            </a:r>
+            <a:r>
+              <a:rPr lang="en-US" sz="2000" dirty="0">
+                <a:solidFill>
+                  <a:schemeClr val="tx1"/>
+                </a:solidFill>
+                <a:latin typeface="Arial" panose="020B0604020202020204" pitchFamily="34" charset="0"/>
+                <a:cs typeface="Arial" panose="020B0604020202020204" pitchFamily="34" charset="0"/>
+              </a:rPr>
+              <a:t> props =&gt; </a:t>
+            </a:r>
+            <a:r>
+              <a:rPr lang="en-US" sz="2000" dirty="0" err="1">
+                <a:solidFill>
+                  <a:schemeClr val="tx1"/>
+                </a:solidFill>
+                <a:latin typeface="Arial" panose="020B0604020202020204" pitchFamily="34" charset="0"/>
+                <a:cs typeface="Arial" panose="020B0604020202020204" pitchFamily="34" charset="0"/>
+              </a:rPr>
+              <a:t>this.props.addNewProduct</a:t>
+            </a:r>
+            <a:r>
+              <a:rPr lang="en-US" sz="2000">
+                <a:solidFill>
+                  <a:schemeClr val="tx1"/>
+                </a:solidFill>
+                <a:latin typeface="Arial" panose="020B0604020202020204" pitchFamily="34" charset="0"/>
+                <a:cs typeface="Arial" panose="020B0604020202020204" pitchFamily="34" charset="0"/>
+              </a:rPr>
+              <a:t>(…)</a:t>
+            </a:r>
+            <a:br>
+              <a:rPr lang="en-US" sz="2000" dirty="0">
+                <a:solidFill>
+                  <a:schemeClr val="tx1"/>
+                </a:solidFill>
+                <a:latin typeface="Arial" panose="020B0604020202020204" pitchFamily="34" charset="0"/>
+                <a:cs typeface="Arial" panose="020B0604020202020204" pitchFamily="34" charset="0"/>
+              </a:rPr>
+            </a:br>
+            <a:r>
+              <a:rPr lang="en-US" sz="2000" dirty="0">
+                <a:solidFill>
+                  <a:schemeClr val="tx1"/>
+                </a:solidFill>
+                <a:latin typeface="Arial" panose="020B0604020202020204" pitchFamily="34" charset="0"/>
+                <a:cs typeface="Arial" panose="020B0604020202020204" pitchFamily="34" charset="0"/>
+              </a:rPr>
+              <a:t>export default </a:t>
+            </a:r>
+            <a:r>
+              <a:rPr lang="en-US" sz="2000" dirty="0" err="1">
+                <a:solidFill>
+                  <a:schemeClr val="tx1"/>
+                </a:solidFill>
+                <a:latin typeface="Arial" panose="020B0604020202020204" pitchFamily="34" charset="0"/>
+                <a:cs typeface="Arial" panose="020B0604020202020204" pitchFamily="34" charset="0"/>
+              </a:rPr>
+              <a:t>const</a:t>
+            </a:r>
+            <a:r>
+              <a:rPr lang="en-US" sz="2000" dirty="0">
+                <a:solidFill>
+                  <a:schemeClr val="tx1"/>
+                </a:solidFill>
+                <a:latin typeface="Arial" panose="020B0604020202020204" pitchFamily="34" charset="0"/>
+                <a:cs typeface="Arial" panose="020B0604020202020204" pitchFamily="34" charset="0"/>
+              </a:rPr>
+              <a:t> connect(</a:t>
+            </a:r>
+            <a:r>
+              <a:rPr lang="en-US" sz="2000" b="1" dirty="0" err="1">
+                <a:solidFill>
+                  <a:schemeClr val="tx1"/>
+                </a:solidFill>
+                <a:latin typeface="Arial" panose="020B0604020202020204" pitchFamily="34" charset="0"/>
+                <a:cs typeface="Arial" panose="020B0604020202020204" pitchFamily="34" charset="0"/>
+              </a:rPr>
+              <a:t>mapStateToProps</a:t>
+            </a:r>
+            <a:r>
+              <a:rPr lang="en-US" sz="2000" b="1" dirty="0">
+                <a:solidFill>
+                  <a:schemeClr val="tx1"/>
+                </a:solidFill>
+                <a:latin typeface="Arial" panose="020B0604020202020204" pitchFamily="34" charset="0"/>
+                <a:cs typeface="Arial" panose="020B0604020202020204" pitchFamily="34" charset="0"/>
+              </a:rPr>
+              <a:t>, </a:t>
+            </a:r>
+            <a:r>
+              <a:rPr lang="en-US" sz="2000" b="1" dirty="0" err="1">
+                <a:solidFill>
+                  <a:schemeClr val="tx1"/>
+                </a:solidFill>
+                <a:latin typeface="Arial" panose="020B0604020202020204" pitchFamily="34" charset="0"/>
+                <a:cs typeface="Arial" panose="020B0604020202020204" pitchFamily="34" charset="0"/>
+              </a:rPr>
+              <a:t>mapDispatchToProps</a:t>
+            </a:r>
+            <a:r>
+              <a:rPr lang="en-US" sz="2000" dirty="0">
+                <a:solidFill>
+                  <a:schemeClr val="tx1"/>
+                </a:solidFill>
+                <a:latin typeface="Arial" panose="020B0604020202020204" pitchFamily="34" charset="0"/>
+                <a:cs typeface="Arial" panose="020B0604020202020204" pitchFamily="34" charset="0"/>
+              </a:rPr>
+              <a:t>)(</a:t>
+            </a:r>
+            <a:r>
+              <a:rPr lang="en-US" sz="2000" b="1" dirty="0" err="1">
+                <a:solidFill>
+                  <a:schemeClr val="tx1"/>
+                </a:solidFill>
+                <a:latin typeface="Arial" panose="020B0604020202020204" pitchFamily="34" charset="0"/>
+                <a:cs typeface="Arial" panose="020B0604020202020204" pitchFamily="34" charset="0"/>
+              </a:rPr>
+              <a:t>ComponentA</a:t>
+            </a:r>
+            <a:r>
+              <a:rPr lang="en-US" sz="2000" dirty="0">
+                <a:solidFill>
+                  <a:schemeClr val="tx1"/>
+                </a:solidFill>
+                <a:latin typeface="Arial" panose="020B0604020202020204" pitchFamily="34" charset="0"/>
+                <a:cs typeface="Arial" panose="020B0604020202020204" pitchFamily="34" charset="0"/>
+              </a:rPr>
+              <a:t>)</a:t>
+            </a:r>
+          </a:p>
+          <a:p>
+            <a:pPr algn="l">
+              <a:spcBef>
+                <a:spcPts val="500"/>
+              </a:spcBef>
+            </a:pPr>
+            <a:r>
+              <a:rPr lang="en-US" sz="2000" dirty="0" err="1">
+                <a:solidFill>
+                  <a:schemeClr val="tx1"/>
+                </a:solidFill>
+                <a:latin typeface="Arial" panose="020B0604020202020204" pitchFamily="34" charset="0"/>
+                <a:cs typeface="Arial" panose="020B0604020202020204" pitchFamily="34" charset="0"/>
+              </a:rPr>
+              <a:t>ComponentA</a:t>
+            </a:r>
+            <a:r>
+              <a:rPr lang="en-US" sz="2000" dirty="0">
+                <a:solidFill>
+                  <a:schemeClr val="tx1"/>
+                </a:solidFill>
+                <a:latin typeface="Arial" panose="020B0604020202020204" pitchFamily="34" charset="0"/>
+                <a:cs typeface="Arial" panose="020B0604020202020204" pitchFamily="34" charset="0"/>
+              </a:rPr>
+              <a:t> “</a:t>
+            </a:r>
+            <a:r>
+              <a:rPr lang="en-US" sz="2000" dirty="0" err="1">
+                <a:solidFill>
+                  <a:schemeClr val="tx1"/>
+                </a:solidFill>
+                <a:latin typeface="Arial" panose="020B0604020202020204" pitchFamily="34" charset="0"/>
+                <a:cs typeface="Arial" panose="020B0604020202020204" pitchFamily="34" charset="0"/>
+              </a:rPr>
+              <a:t>tham</a:t>
+            </a:r>
+            <a:r>
+              <a:rPr lang="en-US" sz="2000" dirty="0">
+                <a:solidFill>
+                  <a:schemeClr val="tx1"/>
+                </a:solidFill>
+                <a:latin typeface="Arial" panose="020B0604020202020204" pitchFamily="34" charset="0"/>
+                <a:cs typeface="Arial" panose="020B0604020202020204" pitchFamily="34" charset="0"/>
+              </a:rPr>
+              <a:t> </a:t>
+            </a:r>
+            <a:r>
+              <a:rPr lang="en-US" sz="2000" dirty="0" err="1">
+                <a:solidFill>
+                  <a:schemeClr val="tx1"/>
+                </a:solidFill>
+                <a:latin typeface="Arial" panose="020B0604020202020204" pitchFamily="34" charset="0"/>
+                <a:cs typeface="Arial" panose="020B0604020202020204" pitchFamily="34" charset="0"/>
+              </a:rPr>
+              <a:t>gia</a:t>
+            </a:r>
+            <a:r>
+              <a:rPr lang="en-US" sz="2000" dirty="0">
+                <a:solidFill>
+                  <a:schemeClr val="tx1"/>
+                </a:solidFill>
+                <a:latin typeface="Arial" panose="020B0604020202020204" pitchFamily="34" charset="0"/>
+                <a:cs typeface="Arial" panose="020B0604020202020204" pitchFamily="34" charset="0"/>
+              </a:rPr>
+              <a:t> Redux”:</a:t>
+            </a:r>
+          </a:p>
+          <a:p>
+            <a:pPr algn="l">
+              <a:spcBef>
+                <a:spcPts val="500"/>
+              </a:spcBef>
+            </a:pPr>
+            <a:r>
+              <a:rPr lang="en-US" sz="2000" dirty="0">
+                <a:solidFill>
+                  <a:schemeClr val="tx1"/>
+                </a:solidFill>
+                <a:latin typeface="Arial" panose="020B0604020202020204" pitchFamily="34" charset="0"/>
+                <a:cs typeface="Arial" panose="020B0604020202020204" pitchFamily="34" charset="0"/>
+              </a:rPr>
+              <a:t>&lt;</a:t>
+            </a:r>
+            <a:r>
+              <a:rPr lang="en-US" sz="2000" b="1" dirty="0">
+                <a:solidFill>
+                  <a:schemeClr val="tx1"/>
+                </a:solidFill>
+                <a:latin typeface="Arial" panose="020B0604020202020204" pitchFamily="34" charset="0"/>
+                <a:cs typeface="Arial" panose="020B0604020202020204" pitchFamily="34" charset="0"/>
+              </a:rPr>
+              <a:t>Provider</a:t>
+            </a:r>
+            <a:r>
+              <a:rPr lang="en-US" sz="2000" dirty="0">
+                <a:solidFill>
+                  <a:schemeClr val="tx1"/>
+                </a:solidFill>
+                <a:latin typeface="Arial" panose="020B0604020202020204" pitchFamily="34" charset="0"/>
+                <a:cs typeface="Arial" panose="020B0604020202020204" pitchFamily="34" charset="0"/>
+              </a:rPr>
+              <a:t> store={store}&gt; &lt; </a:t>
+            </a:r>
+            <a:r>
+              <a:rPr lang="en-US" sz="2000" dirty="0" err="1">
+                <a:solidFill>
+                  <a:schemeClr val="tx1"/>
+                </a:solidFill>
+                <a:latin typeface="Arial" panose="020B0604020202020204" pitchFamily="34" charset="0"/>
+                <a:cs typeface="Arial" panose="020B0604020202020204" pitchFamily="34" charset="0"/>
+              </a:rPr>
+              <a:t>ComponentA</a:t>
+            </a:r>
+            <a:r>
+              <a:rPr lang="en-US" sz="2000" dirty="0">
+                <a:solidFill>
+                  <a:schemeClr val="tx1"/>
+                </a:solidFill>
+                <a:latin typeface="Arial" panose="020B0604020202020204" pitchFamily="34" charset="0"/>
+                <a:cs typeface="Arial" panose="020B0604020202020204" pitchFamily="34" charset="0"/>
+              </a:rPr>
+              <a:t> /&gt; </a:t>
+            </a:r>
+            <a:r>
+              <a:rPr lang="en-US" sz="2000" b="1" dirty="0">
+                <a:solidFill>
+                  <a:schemeClr val="tx1"/>
+                </a:solidFill>
+                <a:latin typeface="Arial" panose="020B0604020202020204" pitchFamily="34" charset="0"/>
+                <a:cs typeface="Arial" panose="020B0604020202020204" pitchFamily="34" charset="0"/>
+              </a:rPr>
+              <a:t>&lt;/Provider&gt;</a:t>
+            </a:r>
+          </a:p>
+        </p:txBody>
+      </p:sp>
+    </p:spTree>
+    <p:extLst>
+      <p:ext uri="{BB962C8B-B14F-4D97-AF65-F5344CB8AC3E}">
+        <p14:creationId xmlns:p14="http://schemas.microsoft.com/office/powerpoint/2010/main" val="4233507478"/>
       </p:ext>
     </p:extLst>
   </p:cSld>

--- a/Phần 5-Quản lý State với Redux.pptx
+++ b/Phần 5-Quản lý State với Redux.pptx
@@ -13,6 +13,11 @@
     <p:sldId id="267" r:id="rId7"/>
     <p:sldId id="268" r:id="rId8"/>
     <p:sldId id="269" r:id="rId9"/>
+    <p:sldId id="271" r:id="rId10"/>
+    <p:sldId id="272" r:id="rId11"/>
+    <p:sldId id="273" r:id="rId12"/>
+    <p:sldId id="274" r:id="rId13"/>
+    <p:sldId id="275" r:id="rId14"/>
   </p:sldIdLst>
   <p:sldSz cx="12192000" cy="6858000"/>
   <p:notesSz cx="6858000" cy="9144000"/>
@@ -876,7 +881,7 @@
             <a:fld id="{B61BEF0D-F0BB-DE4B-95CE-6DB70DBA9567}" type="datetimeFigureOut">
               <a:rPr lang="en-US" dirty="0"/>
               <a:pPr/>
-              <a:t>3/18/19</a:t>
+              <a:t>3/19/2019</a:t>
             </a:fld>
             <a:endParaRPr lang="en-US" dirty="0"/>
           </a:p>
@@ -1124,7 +1129,7 @@
             <a:fld id="{B61BEF0D-F0BB-DE4B-95CE-6DB70DBA9567}" type="datetimeFigureOut">
               <a:rPr lang="en-US" dirty="0"/>
               <a:pPr/>
-              <a:t>3/18/19</a:t>
+              <a:t>3/19/2019</a:t>
             </a:fld>
             <a:endParaRPr lang="en-US" dirty="0"/>
           </a:p>
@@ -1435,7 +1440,7 @@
             <a:fld id="{B61BEF0D-F0BB-DE4B-95CE-6DB70DBA9567}" type="datetimeFigureOut">
               <a:rPr lang="en-US" dirty="0"/>
               <a:pPr/>
-              <a:t>3/18/19</a:t>
+              <a:t>3/19/2019</a:t>
             </a:fld>
             <a:endParaRPr lang="en-US" dirty="0"/>
           </a:p>
@@ -1765,7 +1770,7 @@
             <a:fld id="{B61BEF0D-F0BB-DE4B-95CE-6DB70DBA9567}" type="datetimeFigureOut">
               <a:rPr lang="en-US" dirty="0"/>
               <a:pPr/>
-              <a:t>3/18/19</a:t>
+              <a:t>3/19/2019</a:t>
             </a:fld>
             <a:endParaRPr lang="en-US" dirty="0"/>
           </a:p>
@@ -2076,7 +2081,7 @@
             <a:fld id="{B61BEF0D-F0BB-DE4B-95CE-6DB70DBA9567}" type="datetimeFigureOut">
               <a:rPr lang="en-US" dirty="0"/>
               <a:pPr/>
-              <a:t>3/18/19</a:t>
+              <a:t>3/19/2019</a:t>
             </a:fld>
             <a:endParaRPr lang="en-US" dirty="0"/>
           </a:p>
@@ -2466,7 +2471,7 @@
             <a:fld id="{B61BEF0D-F0BB-DE4B-95CE-6DB70DBA9567}" type="datetimeFigureOut">
               <a:rPr lang="en-US" dirty="0"/>
               <a:pPr/>
-              <a:t>3/18/19</a:t>
+              <a:t>3/19/2019</a:t>
             </a:fld>
             <a:endParaRPr lang="en-US" dirty="0"/>
           </a:p>
@@ -2633,7 +2638,7 @@
             <a:fld id="{55C6B4A9-1611-4792-9094-5F34BCA07E0B}" type="datetimeFigureOut">
               <a:rPr lang="en-US" dirty="0"/>
               <a:pPr/>
-              <a:t>3/18/19</a:t>
+              <a:t>3/19/2019</a:t>
             </a:fld>
             <a:endParaRPr lang="en-US" dirty="0"/>
           </a:p>
@@ -2810,7 +2815,7 @@
             <a:fld id="{B61BEF0D-F0BB-DE4B-95CE-6DB70DBA9567}" type="datetimeFigureOut">
               <a:rPr lang="en-US" dirty="0"/>
               <a:pPr/>
-              <a:t>3/18/19</a:t>
+              <a:t>3/19/2019</a:t>
             </a:fld>
             <a:endParaRPr lang="en-US" dirty="0"/>
           </a:p>
@@ -2977,7 +2982,7 @@
             <a:fld id="{42A54C80-263E-416B-A8E0-580EDEADCBDC}" type="datetimeFigureOut">
               <a:rPr lang="en-US" dirty="0"/>
               <a:pPr/>
-              <a:t>3/18/19</a:t>
+              <a:t>3/19/2019</a:t>
             </a:fld>
             <a:endParaRPr lang="en-US" dirty="0"/>
           </a:p>
@@ -3221,7 +3226,7 @@
             <a:fld id="{B61BEF0D-F0BB-DE4B-95CE-6DB70DBA9567}" type="datetimeFigureOut">
               <a:rPr lang="en-US" dirty="0"/>
               <a:pPr/>
-              <a:t>3/18/19</a:t>
+              <a:t>3/19/2019</a:t>
             </a:fld>
             <a:endParaRPr lang="en-US" dirty="0"/>
           </a:p>
@@ -3450,7 +3455,7 @@
             <a:fld id="{42A54C80-263E-416B-A8E0-580EDEADCBDC}" type="datetimeFigureOut">
               <a:rPr lang="en-US" dirty="0"/>
               <a:pPr/>
-              <a:t>3/18/19</a:t>
+              <a:t>3/19/2019</a:t>
             </a:fld>
             <a:endParaRPr lang="en-US" dirty="0"/>
           </a:p>
@@ -3821,7 +3826,7 @@
             <a:fld id="{B61BEF0D-F0BB-DE4B-95CE-6DB70DBA9567}" type="datetimeFigureOut">
               <a:rPr lang="en-US" dirty="0"/>
               <a:pPr/>
-              <a:t>3/18/19</a:t>
+              <a:t>3/19/2019</a:t>
             </a:fld>
             <a:endParaRPr lang="en-US" dirty="0"/>
           </a:p>
@@ -3941,7 +3946,7 @@
             <a:fld id="{B61BEF0D-F0BB-DE4B-95CE-6DB70DBA9567}" type="datetimeFigureOut">
               <a:rPr lang="en-US" dirty="0"/>
               <a:pPr/>
-              <a:t>3/18/19</a:t>
+              <a:t>3/19/2019</a:t>
             </a:fld>
             <a:endParaRPr lang="en-US" dirty="0"/>
           </a:p>
@@ -4033,7 +4038,7 @@
             <a:fld id="{B61BEF0D-F0BB-DE4B-95CE-6DB70DBA9567}" type="datetimeFigureOut">
               <a:rPr lang="en-US" dirty="0"/>
               <a:pPr/>
-              <a:t>3/18/19</a:t>
+              <a:t>3/19/2019</a:t>
             </a:fld>
             <a:endParaRPr lang="en-US" dirty="0"/>
           </a:p>
@@ -4285,7 +4290,7 @@
             <a:fld id="{42A54C80-263E-416B-A8E0-580EDEADCBDC}" type="datetimeFigureOut">
               <a:rPr lang="en-US" dirty="0"/>
               <a:pPr/>
-              <a:t>3/18/19</a:t>
+              <a:t>3/19/2019</a:t>
             </a:fld>
             <a:endParaRPr lang="en-US" dirty="0"/>
           </a:p>
@@ -4588,7 +4593,7 @@
             <a:fld id="{B61BEF0D-F0BB-DE4B-95CE-6DB70DBA9567}" type="datetimeFigureOut">
               <a:rPr lang="en-US" dirty="0"/>
               <a:pPr/>
-              <a:t>3/18/19</a:t>
+              <a:t>3/19/2019</a:t>
             </a:fld>
             <a:endParaRPr lang="en-US" dirty="0"/>
           </a:p>
@@ -5286,7 +5291,7 @@
             <a:fld id="{B61BEF0D-F0BB-DE4B-95CE-6DB70DBA9567}" type="datetimeFigureOut">
               <a:rPr lang="en-US" dirty="0"/>
               <a:pPr/>
-              <a:t>3/18/19</a:t>
+              <a:t>3/19/2019</a:t>
             </a:fld>
             <a:endParaRPr lang="en-US" dirty="0"/>
           </a:p>
@@ -5939,8 +5944,8 @@
         </p:nvSpPr>
         <p:spPr>
           <a:xfrm>
-            <a:off x="577953" y="1583098"/>
-            <a:ext cx="10826944" cy="4240385"/>
+            <a:off x="577953" y="1545466"/>
+            <a:ext cx="10826944" cy="4278018"/>
           </a:xfrm>
         </p:spPr>
         <p:txBody>
@@ -6438,6 +6443,40 @@
               </a:rPr>
               <a:t>s</a:t>
             </a:r>
+            <a:endParaRPr lang="vi-VN" sz="2600" dirty="0">
+              <a:solidFill>
+                <a:schemeClr val="tx1"/>
+              </a:solidFill>
+              <a:latin typeface="Arial" panose="020B0604020202020204" pitchFamily="34" charset="0"/>
+              <a:cs typeface="Arial" panose="020B0604020202020204" pitchFamily="34" charset="0"/>
+            </a:endParaRPr>
+          </a:p>
+          <a:p>
+            <a:pPr algn="l">
+              <a:spcBef>
+                <a:spcPts val="500"/>
+              </a:spcBef>
+              <a:spcAft>
+                <a:spcPts val="500"/>
+              </a:spcAft>
+            </a:pPr>
+            <a:r>
+              <a:rPr lang="vi-VN" sz="2600" dirty="0">
+                <a:solidFill>
+                  <a:schemeClr val="tx1"/>
+                </a:solidFill>
+                <a:latin typeface="Arial" panose="020B0604020202020204" pitchFamily="34" charset="0"/>
+                <a:cs typeface="Arial" panose="020B0604020202020204" pitchFamily="34" charset="0"/>
+              </a:rPr>
+              <a:t>- Khi một Component “tham gia Redux” thì các state sẽ chuyển thành props</a:t>
+            </a:r>
+            <a:endParaRPr lang="en-US" sz="2600" dirty="0">
+              <a:solidFill>
+                <a:schemeClr val="tx1"/>
+              </a:solidFill>
+              <a:latin typeface="Arial" panose="020B0604020202020204" pitchFamily="34" charset="0"/>
+              <a:cs typeface="Arial" panose="020B0604020202020204" pitchFamily="34" charset="0"/>
+            </a:endParaRPr>
           </a:p>
           <a:p>
             <a:pPr algn="l">
@@ -6462,6 +6501,2566 @@
     <p:extLst>
       <p:ext uri="{BB962C8B-B14F-4D97-AF65-F5344CB8AC3E}">
         <p14:creationId xmlns:p14="http://schemas.microsoft.com/office/powerpoint/2010/main" val="1107664930"/>
+      </p:ext>
+    </p:extLst>
+  </p:cSld>
+  <p:clrMapOvr>
+    <a:masterClrMapping/>
+  </p:clrMapOvr>
+</p:sld>
+</file>
+
+<file path=ppt/slides/slide10.xml><?xml version="1.0" encoding="utf-8"?>
+<p:sld xmlns:a="http://schemas.openxmlformats.org/drawingml/2006/main" xmlns:r="http://schemas.openxmlformats.org/officeDocument/2006/relationships" xmlns:p="http://schemas.openxmlformats.org/presentationml/2006/main">
+  <p:cSld>
+    <p:spTree>
+      <p:nvGrpSpPr>
+        <p:cNvPr id="1" name=""/>
+        <p:cNvGrpSpPr/>
+        <p:nvPr/>
+      </p:nvGrpSpPr>
+      <p:grpSpPr>
+        <a:xfrm>
+          <a:off x="0" y="0"/>
+          <a:ext cx="0" cy="0"/>
+          <a:chOff x="0" y="0"/>
+          <a:chExt cx="0" cy="0"/>
+        </a:xfrm>
+      </p:grpSpPr>
+      <p:sp>
+        <p:nvSpPr>
+          <p:cNvPr id="2" name="Title 1"/>
+          <p:cNvSpPr>
+            <a:spLocks noGrp="1"/>
+          </p:cNvSpPr>
+          <p:nvPr>
+            <p:ph type="ctrTitle"/>
+          </p:nvPr>
+        </p:nvSpPr>
+        <p:spPr>
+          <a:xfrm>
+            <a:off x="0" y="63969"/>
+            <a:ext cx="12192000" cy="1040441"/>
+          </a:xfrm>
+        </p:spPr>
+        <p:txBody>
+          <a:bodyPr/>
+          <a:lstStyle/>
+          <a:p>
+            <a:pPr algn="ctr"/>
+            <a:r>
+              <a:rPr lang="en-US" sz="5000" b="1" dirty="0" err="1">
+                <a:solidFill>
+                  <a:schemeClr val="tx1"/>
+                </a:solidFill>
+                <a:latin typeface="Arial" panose="020B0604020202020204" pitchFamily="34" charset="0"/>
+                <a:cs typeface="Arial" panose="020B0604020202020204" pitchFamily="34" charset="0"/>
+              </a:rPr>
+              <a:t>Lấy</a:t>
+            </a:r>
+            <a:r>
+              <a:rPr lang="en-US" sz="5000" b="1" dirty="0">
+                <a:solidFill>
+                  <a:schemeClr val="tx1"/>
+                </a:solidFill>
+                <a:latin typeface="Arial" panose="020B0604020202020204" pitchFamily="34" charset="0"/>
+                <a:cs typeface="Arial" panose="020B0604020202020204" pitchFamily="34" charset="0"/>
+              </a:rPr>
+              <a:t> data </a:t>
+            </a:r>
+            <a:r>
+              <a:rPr lang="en-US" sz="5000" b="1" dirty="0" err="1">
+                <a:solidFill>
+                  <a:schemeClr val="tx1"/>
+                </a:solidFill>
+                <a:latin typeface="Arial" panose="020B0604020202020204" pitchFamily="34" charset="0"/>
+                <a:cs typeface="Arial" panose="020B0604020202020204" pitchFamily="34" charset="0"/>
+              </a:rPr>
+              <a:t>từ</a:t>
+            </a:r>
+            <a:r>
+              <a:rPr lang="en-US" sz="5000" b="1" dirty="0">
+                <a:solidFill>
+                  <a:schemeClr val="tx1"/>
+                </a:solidFill>
+                <a:latin typeface="Arial" panose="020B0604020202020204" pitchFamily="34" charset="0"/>
+                <a:cs typeface="Arial" panose="020B0604020202020204" pitchFamily="34" charset="0"/>
+              </a:rPr>
+              <a:t> Server</a:t>
+            </a:r>
+            <a:endParaRPr lang="en-US" sz="5000" dirty="0">
+              <a:solidFill>
+                <a:schemeClr val="tx1"/>
+              </a:solidFill>
+              <a:latin typeface="Arial" panose="020B0604020202020204" pitchFamily="34" charset="0"/>
+              <a:cs typeface="Arial" panose="020B0604020202020204" pitchFamily="34" charset="0"/>
+            </a:endParaRPr>
+          </a:p>
+        </p:txBody>
+      </p:sp>
+      <p:pic>
+        <p:nvPicPr>
+          <p:cNvPr id="4" name="Picture 3"/>
+          <p:cNvPicPr>
+            <a:picLocks noChangeAspect="1"/>
+          </p:cNvPicPr>
+          <p:nvPr/>
+        </p:nvPicPr>
+        <p:blipFill>
+          <a:blip r:embed="rId2"/>
+          <a:stretch>
+            <a:fillRect/>
+          </a:stretch>
+        </p:blipFill>
+        <p:spPr>
+          <a:xfrm>
+            <a:off x="0" y="5977096"/>
+            <a:ext cx="3517697" cy="816935"/>
+          </a:xfrm>
+          <a:prstGeom prst="rect">
+            <a:avLst/>
+          </a:prstGeom>
+        </p:spPr>
+      </p:pic>
+      <p:sp>
+        <p:nvSpPr>
+          <p:cNvPr id="6" name="Subtitle 2">
+            <a:extLst>
+              <a:ext uri="{FF2B5EF4-FFF2-40B4-BE49-F238E27FC236}">
+                <a16:creationId xmlns:a16="http://schemas.microsoft.com/office/drawing/2014/main" id="{2C0EC2AE-7AB0-BE4A-BEEF-BB88F0CB5C7E}"/>
+              </a:ext>
+            </a:extLst>
+          </p:cNvPr>
+          <p:cNvSpPr>
+            <a:spLocks noGrp="1"/>
+          </p:cNvSpPr>
+          <p:nvPr>
+            <p:ph type="subTitle" idx="1"/>
+          </p:nvPr>
+        </p:nvSpPr>
+        <p:spPr>
+          <a:xfrm>
+            <a:off x="526438" y="1317964"/>
+            <a:ext cx="10826944" cy="4773742"/>
+          </a:xfrm>
+        </p:spPr>
+        <p:txBody>
+          <a:bodyPr>
+            <a:noAutofit/>
+          </a:bodyPr>
+          <a:lstStyle/>
+          <a:p>
+            <a:pPr algn="l">
+              <a:lnSpc>
+                <a:spcPct val="150000"/>
+              </a:lnSpc>
+              <a:spcBef>
+                <a:spcPts val="500"/>
+              </a:spcBef>
+            </a:pPr>
+            <a:r>
+              <a:rPr lang="en-US" sz="2300" dirty="0" err="1">
+                <a:solidFill>
+                  <a:schemeClr val="tx1"/>
+                </a:solidFill>
+                <a:latin typeface="Arial" panose="020B0604020202020204" pitchFamily="34" charset="0"/>
+                <a:cs typeface="Arial" panose="020B0604020202020204" pitchFamily="34" charset="0"/>
+              </a:rPr>
+              <a:t>Các</a:t>
+            </a:r>
+            <a:r>
+              <a:rPr lang="en-US" sz="2300" dirty="0">
+                <a:solidFill>
+                  <a:schemeClr val="tx1"/>
+                </a:solidFill>
+                <a:latin typeface="Arial" panose="020B0604020202020204" pitchFamily="34" charset="0"/>
+                <a:cs typeface="Arial" panose="020B0604020202020204" pitchFamily="34" charset="0"/>
+              </a:rPr>
+              <a:t> </a:t>
+            </a:r>
+            <a:r>
+              <a:rPr lang="en-US" sz="2300" dirty="0" err="1">
+                <a:solidFill>
+                  <a:schemeClr val="tx1"/>
+                </a:solidFill>
+                <a:latin typeface="Arial" panose="020B0604020202020204" pitchFamily="34" charset="0"/>
+                <a:cs typeface="Arial" panose="020B0604020202020204" pitchFamily="34" charset="0"/>
+              </a:rPr>
+              <a:t>ph</a:t>
+            </a:r>
+            <a:r>
+              <a:rPr lang="vi-VN" sz="2300" dirty="0">
+                <a:solidFill>
+                  <a:schemeClr val="tx1"/>
+                </a:solidFill>
+                <a:latin typeface="Arial" panose="020B0604020202020204" pitchFamily="34" charset="0"/>
+                <a:cs typeface="Arial" panose="020B0604020202020204" pitchFamily="34" charset="0"/>
+              </a:rPr>
+              <a:t>ư</a:t>
+            </a:r>
+            <a:r>
+              <a:rPr lang="en-US" sz="2300" dirty="0" err="1">
+                <a:solidFill>
+                  <a:schemeClr val="tx1"/>
+                </a:solidFill>
+                <a:latin typeface="Arial" panose="020B0604020202020204" pitchFamily="34" charset="0"/>
+                <a:cs typeface="Arial" panose="020B0604020202020204" pitchFamily="34" charset="0"/>
+              </a:rPr>
+              <a:t>ơng</a:t>
+            </a:r>
+            <a:r>
+              <a:rPr lang="en-US" sz="2300" dirty="0">
+                <a:solidFill>
+                  <a:schemeClr val="tx1"/>
+                </a:solidFill>
+                <a:latin typeface="Arial" panose="020B0604020202020204" pitchFamily="34" charset="0"/>
+                <a:cs typeface="Arial" panose="020B0604020202020204" pitchFamily="34" charset="0"/>
+              </a:rPr>
+              <a:t> </a:t>
+            </a:r>
+            <a:r>
+              <a:rPr lang="en-US" sz="2300" dirty="0" err="1">
+                <a:solidFill>
+                  <a:schemeClr val="tx1"/>
+                </a:solidFill>
+                <a:latin typeface="Arial" panose="020B0604020202020204" pitchFamily="34" charset="0"/>
+                <a:cs typeface="Arial" panose="020B0604020202020204" pitchFamily="34" charset="0"/>
+              </a:rPr>
+              <a:t>thức</a:t>
+            </a:r>
+            <a:r>
+              <a:rPr lang="en-US" sz="2300" dirty="0">
+                <a:solidFill>
+                  <a:schemeClr val="tx1"/>
+                </a:solidFill>
+                <a:latin typeface="Arial" panose="020B0604020202020204" pitchFamily="34" charset="0"/>
+                <a:cs typeface="Arial" panose="020B0604020202020204" pitchFamily="34" charset="0"/>
+              </a:rPr>
+              <a:t>(method) hay </a:t>
+            </a:r>
+            <a:r>
+              <a:rPr lang="en-US" sz="2300" dirty="0" err="1">
+                <a:solidFill>
+                  <a:schemeClr val="tx1"/>
+                </a:solidFill>
+                <a:latin typeface="Arial" panose="020B0604020202020204" pitchFamily="34" charset="0"/>
+                <a:cs typeface="Arial" panose="020B0604020202020204" pitchFamily="34" charset="0"/>
+              </a:rPr>
+              <a:t>sử</a:t>
+            </a:r>
+            <a:r>
+              <a:rPr lang="en-US" sz="2300" dirty="0">
+                <a:solidFill>
+                  <a:schemeClr val="tx1"/>
+                </a:solidFill>
+                <a:latin typeface="Arial" panose="020B0604020202020204" pitchFamily="34" charset="0"/>
+                <a:cs typeface="Arial" panose="020B0604020202020204" pitchFamily="34" charset="0"/>
+              </a:rPr>
+              <a:t> </a:t>
+            </a:r>
+            <a:r>
+              <a:rPr lang="en-US" sz="2300" dirty="0" err="1">
+                <a:solidFill>
+                  <a:schemeClr val="tx1"/>
+                </a:solidFill>
+                <a:latin typeface="Arial" panose="020B0604020202020204" pitchFamily="34" charset="0"/>
+                <a:cs typeface="Arial" panose="020B0604020202020204" pitchFamily="34" charset="0"/>
+              </a:rPr>
+              <a:t>dụng</a:t>
+            </a:r>
+            <a:r>
+              <a:rPr lang="en-US" sz="2300" dirty="0">
+                <a:solidFill>
+                  <a:schemeClr val="tx1"/>
+                </a:solidFill>
+                <a:latin typeface="Arial" panose="020B0604020202020204" pitchFamily="34" charset="0"/>
+                <a:cs typeface="Arial" panose="020B0604020202020204" pitchFamily="34" charset="0"/>
+              </a:rPr>
+              <a:t> </a:t>
+            </a:r>
+            <a:r>
+              <a:rPr lang="en-US" sz="2300" dirty="0" err="1">
+                <a:solidFill>
+                  <a:schemeClr val="tx1"/>
+                </a:solidFill>
+                <a:latin typeface="Arial" panose="020B0604020202020204" pitchFamily="34" charset="0"/>
+                <a:cs typeface="Arial" panose="020B0604020202020204" pitchFamily="34" charset="0"/>
+              </a:rPr>
+              <a:t>để</a:t>
+            </a:r>
+            <a:r>
+              <a:rPr lang="en-US" sz="2300" dirty="0">
+                <a:solidFill>
+                  <a:schemeClr val="tx1"/>
+                </a:solidFill>
+                <a:latin typeface="Arial" panose="020B0604020202020204" pitchFamily="34" charset="0"/>
+                <a:cs typeface="Arial" panose="020B0604020202020204" pitchFamily="34" charset="0"/>
+              </a:rPr>
+              <a:t> </a:t>
+            </a:r>
+            <a:r>
+              <a:rPr lang="en-US" sz="2300" dirty="0" err="1">
+                <a:solidFill>
+                  <a:schemeClr val="tx1"/>
+                </a:solidFill>
+                <a:latin typeface="Arial" panose="020B0604020202020204" pitchFamily="34" charset="0"/>
+                <a:cs typeface="Arial" panose="020B0604020202020204" pitchFamily="34" charset="0"/>
+              </a:rPr>
+              <a:t>giao</a:t>
+            </a:r>
+            <a:r>
+              <a:rPr lang="en-US" sz="2300" dirty="0">
+                <a:solidFill>
+                  <a:schemeClr val="tx1"/>
+                </a:solidFill>
+                <a:latin typeface="Arial" panose="020B0604020202020204" pitchFamily="34" charset="0"/>
+                <a:cs typeface="Arial" panose="020B0604020202020204" pitchFamily="34" charset="0"/>
+              </a:rPr>
+              <a:t> </a:t>
+            </a:r>
+            <a:r>
+              <a:rPr lang="en-US" sz="2300" dirty="0" err="1">
+                <a:solidFill>
+                  <a:schemeClr val="tx1"/>
+                </a:solidFill>
+                <a:latin typeface="Arial" panose="020B0604020202020204" pitchFamily="34" charset="0"/>
+                <a:cs typeface="Arial" panose="020B0604020202020204" pitchFamily="34" charset="0"/>
+              </a:rPr>
+              <a:t>tiếp</a:t>
+            </a:r>
+            <a:r>
+              <a:rPr lang="en-US" sz="2300" dirty="0">
+                <a:solidFill>
+                  <a:schemeClr val="tx1"/>
+                </a:solidFill>
+                <a:latin typeface="Arial" panose="020B0604020202020204" pitchFamily="34" charset="0"/>
+                <a:cs typeface="Arial" panose="020B0604020202020204" pitchFamily="34" charset="0"/>
+              </a:rPr>
+              <a:t> </a:t>
+            </a:r>
+            <a:r>
+              <a:rPr lang="en-US" sz="2300" dirty="0" err="1">
+                <a:solidFill>
+                  <a:schemeClr val="tx1"/>
+                </a:solidFill>
+                <a:latin typeface="Arial" panose="020B0604020202020204" pitchFamily="34" charset="0"/>
+                <a:cs typeface="Arial" panose="020B0604020202020204" pitchFamily="34" charset="0"/>
+              </a:rPr>
+              <a:t>với</a:t>
+            </a:r>
+            <a:r>
+              <a:rPr lang="en-US" sz="2300" dirty="0">
+                <a:solidFill>
+                  <a:schemeClr val="tx1"/>
+                </a:solidFill>
+                <a:latin typeface="Arial" panose="020B0604020202020204" pitchFamily="34" charset="0"/>
+                <a:cs typeface="Arial" panose="020B0604020202020204" pitchFamily="34" charset="0"/>
+              </a:rPr>
+              <a:t> Server:</a:t>
+            </a:r>
+          </a:p>
+          <a:p>
+            <a:pPr algn="l">
+              <a:lnSpc>
+                <a:spcPct val="150000"/>
+              </a:lnSpc>
+              <a:spcBef>
+                <a:spcPts val="500"/>
+              </a:spcBef>
+            </a:pPr>
+            <a:r>
+              <a:rPr lang="vi-VN" sz="2300" dirty="0">
+                <a:solidFill>
+                  <a:schemeClr val="tx1"/>
+                </a:solidFill>
+                <a:latin typeface="Arial" panose="020B0604020202020204" pitchFamily="34" charset="0"/>
+                <a:cs typeface="Arial" panose="020B0604020202020204" pitchFamily="34" charset="0"/>
+              </a:rPr>
+              <a:t>GET: được sử dụng để lấy thông tin từ sever</a:t>
+            </a:r>
+            <a:r>
+              <a:rPr lang="en-US" sz="2300" dirty="0">
+                <a:solidFill>
+                  <a:schemeClr val="tx1"/>
+                </a:solidFill>
+                <a:latin typeface="Arial" panose="020B0604020202020204" pitchFamily="34" charset="0"/>
+                <a:cs typeface="Arial" panose="020B0604020202020204" pitchFamily="34" charset="0"/>
+              </a:rPr>
+              <a:t>.VD: </a:t>
+            </a:r>
+            <a:r>
+              <a:rPr lang="en-US" sz="2300" dirty="0" err="1">
+                <a:solidFill>
+                  <a:schemeClr val="tx1"/>
+                </a:solidFill>
+                <a:latin typeface="Arial" panose="020B0604020202020204" pitchFamily="34" charset="0"/>
+                <a:cs typeface="Arial" panose="020B0604020202020204" pitchFamily="34" charset="0"/>
+              </a:rPr>
+              <a:t>danh</a:t>
+            </a:r>
+            <a:r>
+              <a:rPr lang="en-US" sz="2300" dirty="0">
+                <a:solidFill>
+                  <a:schemeClr val="tx1"/>
+                </a:solidFill>
+                <a:latin typeface="Arial" panose="020B0604020202020204" pitchFamily="34" charset="0"/>
+                <a:cs typeface="Arial" panose="020B0604020202020204" pitchFamily="34" charset="0"/>
+              </a:rPr>
+              <a:t> </a:t>
+            </a:r>
+            <a:r>
+              <a:rPr lang="en-US" sz="2300" dirty="0" err="1">
+                <a:solidFill>
+                  <a:schemeClr val="tx1"/>
+                </a:solidFill>
+                <a:latin typeface="Arial" panose="020B0604020202020204" pitchFamily="34" charset="0"/>
+                <a:cs typeface="Arial" panose="020B0604020202020204" pitchFamily="34" charset="0"/>
+              </a:rPr>
+              <a:t>sách</a:t>
+            </a:r>
+            <a:r>
+              <a:rPr lang="en-US" sz="2300" dirty="0">
+                <a:solidFill>
+                  <a:schemeClr val="tx1"/>
+                </a:solidFill>
+                <a:latin typeface="Arial" panose="020B0604020202020204" pitchFamily="34" charset="0"/>
+                <a:cs typeface="Arial" panose="020B0604020202020204" pitchFamily="34" charset="0"/>
+              </a:rPr>
+              <a:t> </a:t>
+            </a:r>
+            <a:r>
+              <a:rPr lang="en-US" sz="2300" dirty="0" err="1">
+                <a:solidFill>
+                  <a:schemeClr val="tx1"/>
+                </a:solidFill>
+                <a:latin typeface="Arial" panose="020B0604020202020204" pitchFamily="34" charset="0"/>
+                <a:cs typeface="Arial" panose="020B0604020202020204" pitchFamily="34" charset="0"/>
+              </a:rPr>
+              <a:t>các</a:t>
+            </a:r>
+            <a:r>
+              <a:rPr lang="en-US" sz="2300" dirty="0">
+                <a:solidFill>
+                  <a:schemeClr val="tx1"/>
+                </a:solidFill>
+                <a:latin typeface="Arial" panose="020B0604020202020204" pitchFamily="34" charset="0"/>
+                <a:cs typeface="Arial" panose="020B0604020202020204" pitchFamily="34" charset="0"/>
+              </a:rPr>
+              <a:t> products, </a:t>
+            </a:r>
+            <a:r>
+              <a:rPr lang="en-US" sz="2300" dirty="0" err="1">
+                <a:solidFill>
+                  <a:schemeClr val="tx1"/>
+                </a:solidFill>
+                <a:latin typeface="Arial" panose="020B0604020202020204" pitchFamily="34" charset="0"/>
+                <a:cs typeface="Arial" panose="020B0604020202020204" pitchFamily="34" charset="0"/>
+              </a:rPr>
+              <a:t>kèm</a:t>
+            </a:r>
+            <a:r>
+              <a:rPr lang="en-US" sz="2300" dirty="0">
+                <a:solidFill>
+                  <a:schemeClr val="tx1"/>
+                </a:solidFill>
+                <a:latin typeface="Arial" panose="020B0604020202020204" pitchFamily="34" charset="0"/>
+                <a:cs typeface="Arial" panose="020B0604020202020204" pitchFamily="34" charset="0"/>
+              </a:rPr>
+              <a:t> paging</a:t>
+            </a:r>
+            <a:endParaRPr lang="vi-VN" sz="2300" dirty="0">
+              <a:solidFill>
+                <a:schemeClr val="tx1"/>
+              </a:solidFill>
+              <a:latin typeface="Arial" panose="020B0604020202020204" pitchFamily="34" charset="0"/>
+              <a:cs typeface="Arial" panose="020B0604020202020204" pitchFamily="34" charset="0"/>
+            </a:endParaRPr>
+          </a:p>
+          <a:p>
+            <a:pPr algn="l">
+              <a:lnSpc>
+                <a:spcPct val="150000"/>
+              </a:lnSpc>
+              <a:spcBef>
+                <a:spcPts val="500"/>
+              </a:spcBef>
+            </a:pPr>
+            <a:r>
+              <a:rPr lang="vi-VN" sz="2300" dirty="0">
+                <a:solidFill>
+                  <a:schemeClr val="tx1"/>
+                </a:solidFill>
+                <a:latin typeface="Arial" panose="020B0604020202020204" pitchFamily="34" charset="0"/>
+                <a:cs typeface="Arial" panose="020B0604020202020204" pitchFamily="34" charset="0"/>
+              </a:rPr>
+              <a:t>POST: gửi thông tin tới se</a:t>
+            </a:r>
+            <a:r>
+              <a:rPr lang="en-US" sz="2300" dirty="0">
+                <a:solidFill>
+                  <a:schemeClr val="tx1"/>
+                </a:solidFill>
+                <a:latin typeface="Arial" panose="020B0604020202020204" pitchFamily="34" charset="0"/>
+                <a:cs typeface="Arial" panose="020B0604020202020204" pitchFamily="34" charset="0"/>
+              </a:rPr>
+              <a:t>r</a:t>
+            </a:r>
+            <a:r>
+              <a:rPr lang="vi-VN" sz="2300" dirty="0">
+                <a:solidFill>
+                  <a:schemeClr val="tx1"/>
+                </a:solidFill>
+                <a:latin typeface="Arial" panose="020B0604020202020204" pitchFamily="34" charset="0"/>
+                <a:cs typeface="Arial" panose="020B0604020202020204" pitchFamily="34" charset="0"/>
+              </a:rPr>
+              <a:t>ver</a:t>
+            </a:r>
+            <a:r>
+              <a:rPr lang="en-US" sz="2300" dirty="0">
+                <a:solidFill>
+                  <a:schemeClr val="tx1"/>
+                </a:solidFill>
+                <a:latin typeface="Arial" panose="020B0604020202020204" pitchFamily="34" charset="0"/>
+                <a:cs typeface="Arial" panose="020B0604020202020204" pitchFamily="34" charset="0"/>
+              </a:rPr>
+              <a:t>, </a:t>
+            </a:r>
+            <a:r>
+              <a:rPr lang="en-US" sz="2300" dirty="0" err="1">
+                <a:solidFill>
+                  <a:schemeClr val="tx1"/>
+                </a:solidFill>
+                <a:latin typeface="Arial" panose="020B0604020202020204" pitchFamily="34" charset="0"/>
+                <a:cs typeface="Arial" panose="020B0604020202020204" pitchFamily="34" charset="0"/>
+              </a:rPr>
+              <a:t>thêm</a:t>
+            </a:r>
+            <a:r>
+              <a:rPr lang="en-US" sz="2300" dirty="0">
+                <a:solidFill>
+                  <a:schemeClr val="tx1"/>
+                </a:solidFill>
+                <a:latin typeface="Arial" panose="020B0604020202020204" pitchFamily="34" charset="0"/>
+                <a:cs typeface="Arial" panose="020B0604020202020204" pitchFamily="34" charset="0"/>
+              </a:rPr>
+              <a:t> </a:t>
+            </a:r>
+            <a:r>
+              <a:rPr lang="en-US" sz="2300" dirty="0" err="1">
+                <a:solidFill>
+                  <a:schemeClr val="tx1"/>
+                </a:solidFill>
+                <a:latin typeface="Arial" panose="020B0604020202020204" pitchFamily="34" charset="0"/>
+                <a:cs typeface="Arial" panose="020B0604020202020204" pitchFamily="34" charset="0"/>
+              </a:rPr>
+              <a:t>dữ</a:t>
+            </a:r>
+            <a:r>
+              <a:rPr lang="en-US" sz="2300" dirty="0">
+                <a:solidFill>
+                  <a:schemeClr val="tx1"/>
+                </a:solidFill>
+                <a:latin typeface="Arial" panose="020B0604020202020204" pitchFamily="34" charset="0"/>
+                <a:cs typeface="Arial" panose="020B0604020202020204" pitchFamily="34" charset="0"/>
+              </a:rPr>
+              <a:t> </a:t>
+            </a:r>
+            <a:r>
+              <a:rPr lang="en-US" sz="2300" dirty="0" err="1">
+                <a:solidFill>
+                  <a:schemeClr val="tx1"/>
+                </a:solidFill>
+                <a:latin typeface="Arial" panose="020B0604020202020204" pitchFamily="34" charset="0"/>
+                <a:cs typeface="Arial" panose="020B0604020202020204" pitchFamily="34" charset="0"/>
+              </a:rPr>
+              <a:t>liệu</a:t>
+            </a:r>
+            <a:r>
+              <a:rPr lang="en-US" sz="2300" dirty="0">
+                <a:solidFill>
+                  <a:schemeClr val="tx1"/>
+                </a:solidFill>
+                <a:latin typeface="Arial" panose="020B0604020202020204" pitchFamily="34" charset="0"/>
+                <a:cs typeface="Arial" panose="020B0604020202020204" pitchFamily="34" charset="0"/>
+              </a:rPr>
+              <a:t>. VD: </a:t>
+            </a:r>
+            <a:r>
+              <a:rPr lang="en-US" sz="2300" dirty="0" err="1">
+                <a:solidFill>
+                  <a:schemeClr val="tx1"/>
+                </a:solidFill>
+                <a:latin typeface="Arial" panose="020B0604020202020204" pitchFamily="34" charset="0"/>
+                <a:cs typeface="Arial" panose="020B0604020202020204" pitchFamily="34" charset="0"/>
+              </a:rPr>
+              <a:t>đăng</a:t>
+            </a:r>
+            <a:r>
+              <a:rPr lang="en-US" sz="2300" dirty="0">
+                <a:solidFill>
+                  <a:schemeClr val="tx1"/>
+                </a:solidFill>
+                <a:latin typeface="Arial" panose="020B0604020202020204" pitchFamily="34" charset="0"/>
+                <a:cs typeface="Arial" panose="020B0604020202020204" pitchFamily="34" charset="0"/>
+              </a:rPr>
+              <a:t> </a:t>
+            </a:r>
+            <a:r>
+              <a:rPr lang="en-US" sz="2300" dirty="0" err="1">
+                <a:solidFill>
+                  <a:schemeClr val="tx1"/>
+                </a:solidFill>
+                <a:latin typeface="Arial" panose="020B0604020202020204" pitchFamily="34" charset="0"/>
+                <a:cs typeface="Arial" panose="020B0604020202020204" pitchFamily="34" charset="0"/>
+              </a:rPr>
+              <a:t>ký</a:t>
+            </a:r>
+            <a:r>
+              <a:rPr lang="en-US" sz="2300" dirty="0">
+                <a:solidFill>
+                  <a:schemeClr val="tx1"/>
+                </a:solidFill>
+                <a:latin typeface="Arial" panose="020B0604020202020204" pitchFamily="34" charset="0"/>
+                <a:cs typeface="Arial" panose="020B0604020202020204" pitchFamily="34" charset="0"/>
+              </a:rPr>
+              <a:t> user, </a:t>
+            </a:r>
+            <a:r>
+              <a:rPr lang="en-US" sz="2300" dirty="0" err="1">
+                <a:solidFill>
+                  <a:schemeClr val="tx1"/>
+                </a:solidFill>
+                <a:latin typeface="Arial" panose="020B0604020202020204" pitchFamily="34" charset="0"/>
+                <a:cs typeface="Arial" panose="020B0604020202020204" pitchFamily="34" charset="0"/>
+              </a:rPr>
+              <a:t>thêm</a:t>
+            </a:r>
+            <a:r>
+              <a:rPr lang="en-US" sz="2300" dirty="0">
+                <a:solidFill>
+                  <a:schemeClr val="tx1"/>
+                </a:solidFill>
+                <a:latin typeface="Arial" panose="020B0604020202020204" pitchFamily="34" charset="0"/>
+                <a:cs typeface="Arial" panose="020B0604020202020204" pitchFamily="34" charset="0"/>
+              </a:rPr>
+              <a:t> 1 product </a:t>
+            </a:r>
+            <a:r>
+              <a:rPr lang="en-US" sz="2300" dirty="0" err="1">
+                <a:solidFill>
+                  <a:schemeClr val="tx1"/>
+                </a:solidFill>
+                <a:latin typeface="Arial" panose="020B0604020202020204" pitchFamily="34" charset="0"/>
+                <a:cs typeface="Arial" panose="020B0604020202020204" pitchFamily="34" charset="0"/>
+              </a:rPr>
+              <a:t>vào</a:t>
+            </a:r>
+            <a:r>
+              <a:rPr lang="en-US" sz="2300" dirty="0">
+                <a:solidFill>
+                  <a:schemeClr val="tx1"/>
+                </a:solidFill>
+                <a:latin typeface="Arial" panose="020B0604020202020204" pitchFamily="34" charset="0"/>
+                <a:cs typeface="Arial" panose="020B0604020202020204" pitchFamily="34" charset="0"/>
+              </a:rPr>
+              <a:t> </a:t>
+            </a:r>
+            <a:r>
+              <a:rPr lang="en-US" sz="2300" dirty="0" err="1">
+                <a:solidFill>
+                  <a:schemeClr val="tx1"/>
+                </a:solidFill>
+                <a:latin typeface="Arial" panose="020B0604020202020204" pitchFamily="34" charset="0"/>
+                <a:cs typeface="Arial" panose="020B0604020202020204" pitchFamily="34" charset="0"/>
+              </a:rPr>
+              <a:t>danh</a:t>
+            </a:r>
+            <a:r>
+              <a:rPr lang="en-US" sz="2300" dirty="0">
+                <a:solidFill>
+                  <a:schemeClr val="tx1"/>
+                </a:solidFill>
+                <a:latin typeface="Arial" panose="020B0604020202020204" pitchFamily="34" charset="0"/>
+                <a:cs typeface="Arial" panose="020B0604020202020204" pitchFamily="34" charset="0"/>
+              </a:rPr>
+              <a:t> </a:t>
+            </a:r>
+            <a:r>
+              <a:rPr lang="en-US" sz="2300" dirty="0" err="1">
+                <a:solidFill>
+                  <a:schemeClr val="tx1"/>
+                </a:solidFill>
+                <a:latin typeface="Arial" panose="020B0604020202020204" pitchFamily="34" charset="0"/>
+                <a:cs typeface="Arial" panose="020B0604020202020204" pitchFamily="34" charset="0"/>
+              </a:rPr>
+              <a:t>sách</a:t>
+            </a:r>
+            <a:endParaRPr lang="vi-VN" sz="2300" dirty="0">
+              <a:solidFill>
+                <a:schemeClr val="tx1"/>
+              </a:solidFill>
+              <a:latin typeface="Arial" panose="020B0604020202020204" pitchFamily="34" charset="0"/>
+              <a:cs typeface="Arial" panose="020B0604020202020204" pitchFamily="34" charset="0"/>
+            </a:endParaRPr>
+          </a:p>
+          <a:p>
+            <a:pPr algn="l">
+              <a:lnSpc>
+                <a:spcPct val="150000"/>
+              </a:lnSpc>
+              <a:spcBef>
+                <a:spcPts val="500"/>
+              </a:spcBef>
+            </a:pPr>
+            <a:r>
+              <a:rPr lang="vi-VN" sz="2300" dirty="0">
+                <a:solidFill>
+                  <a:schemeClr val="tx1"/>
+                </a:solidFill>
+                <a:latin typeface="Arial" panose="020B0604020202020204" pitchFamily="34" charset="0"/>
+                <a:cs typeface="Arial" panose="020B0604020202020204" pitchFamily="34" charset="0"/>
+              </a:rPr>
+              <a:t>PUT: </a:t>
+            </a:r>
+            <a:r>
+              <a:rPr lang="en-US" sz="2300" dirty="0" err="1">
+                <a:solidFill>
+                  <a:schemeClr val="tx1"/>
+                </a:solidFill>
+                <a:latin typeface="Arial" panose="020B0604020202020204" pitchFamily="34" charset="0"/>
+                <a:cs typeface="Arial" panose="020B0604020202020204" pitchFamily="34" charset="0"/>
+              </a:rPr>
+              <a:t>Cập</a:t>
+            </a:r>
+            <a:r>
+              <a:rPr lang="en-US" sz="2300" dirty="0">
+                <a:solidFill>
+                  <a:schemeClr val="tx1"/>
+                </a:solidFill>
+                <a:latin typeface="Arial" panose="020B0604020202020204" pitchFamily="34" charset="0"/>
+                <a:cs typeface="Arial" panose="020B0604020202020204" pitchFamily="34" charset="0"/>
+              </a:rPr>
+              <a:t> </a:t>
+            </a:r>
+            <a:r>
+              <a:rPr lang="en-US" sz="2300" dirty="0" err="1">
+                <a:solidFill>
+                  <a:schemeClr val="tx1"/>
+                </a:solidFill>
+                <a:latin typeface="Arial" panose="020B0604020202020204" pitchFamily="34" charset="0"/>
+                <a:cs typeface="Arial" panose="020B0604020202020204" pitchFamily="34" charset="0"/>
+              </a:rPr>
+              <a:t>nhật</a:t>
+            </a:r>
+            <a:r>
+              <a:rPr lang="vi-VN" sz="2300" dirty="0">
+                <a:solidFill>
+                  <a:schemeClr val="tx1"/>
+                </a:solidFill>
+                <a:latin typeface="Arial" panose="020B0604020202020204" pitchFamily="34" charset="0"/>
+                <a:cs typeface="Arial" panose="020B0604020202020204" pitchFamily="34" charset="0"/>
+              </a:rPr>
+              <a:t> thông tin của đối tượng</a:t>
+            </a:r>
+            <a:r>
+              <a:rPr lang="en-US" sz="2300" dirty="0">
+                <a:solidFill>
+                  <a:schemeClr val="tx1"/>
+                </a:solidFill>
+                <a:latin typeface="Arial" panose="020B0604020202020204" pitchFamily="34" charset="0"/>
+                <a:cs typeface="Arial" panose="020B0604020202020204" pitchFamily="34" charset="0"/>
+              </a:rPr>
+              <a:t>.VD: update user profile</a:t>
+            </a:r>
+            <a:endParaRPr lang="vi-VN" sz="2300" dirty="0">
+              <a:solidFill>
+                <a:schemeClr val="tx1"/>
+              </a:solidFill>
+              <a:latin typeface="Arial" panose="020B0604020202020204" pitchFamily="34" charset="0"/>
+              <a:cs typeface="Arial" panose="020B0604020202020204" pitchFamily="34" charset="0"/>
+            </a:endParaRPr>
+          </a:p>
+          <a:p>
+            <a:pPr algn="l">
+              <a:lnSpc>
+                <a:spcPct val="150000"/>
+              </a:lnSpc>
+              <a:spcBef>
+                <a:spcPts val="500"/>
+              </a:spcBef>
+            </a:pPr>
+            <a:r>
+              <a:rPr lang="vi-VN" sz="2300" dirty="0">
+                <a:solidFill>
+                  <a:schemeClr val="tx1"/>
+                </a:solidFill>
+                <a:latin typeface="Arial" panose="020B0604020202020204" pitchFamily="34" charset="0"/>
+                <a:cs typeface="Arial" panose="020B0604020202020204" pitchFamily="34" charset="0"/>
+              </a:rPr>
+              <a:t>PATCH:</a:t>
+            </a:r>
+            <a:r>
+              <a:rPr lang="en-US" sz="2300" dirty="0">
+                <a:solidFill>
+                  <a:schemeClr val="tx1"/>
+                </a:solidFill>
+                <a:latin typeface="Arial" panose="020B0604020202020204" pitchFamily="34" charset="0"/>
+                <a:cs typeface="Arial" panose="020B0604020202020204" pitchFamily="34" charset="0"/>
+              </a:rPr>
+              <a:t> </a:t>
+            </a:r>
+            <a:r>
+              <a:rPr lang="en-US" sz="2300" dirty="0" err="1">
+                <a:solidFill>
+                  <a:schemeClr val="tx1"/>
+                </a:solidFill>
+                <a:latin typeface="Arial" panose="020B0604020202020204" pitchFamily="34" charset="0"/>
+                <a:cs typeface="Arial" panose="020B0604020202020204" pitchFamily="34" charset="0"/>
+              </a:rPr>
+              <a:t>Cập</a:t>
+            </a:r>
+            <a:r>
+              <a:rPr lang="en-US" sz="2300" dirty="0">
+                <a:solidFill>
+                  <a:schemeClr val="tx1"/>
+                </a:solidFill>
+                <a:latin typeface="Arial" panose="020B0604020202020204" pitchFamily="34" charset="0"/>
+                <a:cs typeface="Arial" panose="020B0604020202020204" pitchFamily="34" charset="0"/>
+              </a:rPr>
+              <a:t> </a:t>
+            </a:r>
+            <a:r>
+              <a:rPr lang="en-US" sz="2300" dirty="0" err="1">
+                <a:solidFill>
+                  <a:schemeClr val="tx1"/>
+                </a:solidFill>
+                <a:latin typeface="Arial" panose="020B0604020202020204" pitchFamily="34" charset="0"/>
+                <a:cs typeface="Arial" panose="020B0604020202020204" pitchFamily="34" charset="0"/>
+              </a:rPr>
+              <a:t>nhật</a:t>
+            </a:r>
+            <a:r>
+              <a:rPr lang="en-US" sz="2300" dirty="0">
+                <a:solidFill>
+                  <a:schemeClr val="tx1"/>
+                </a:solidFill>
+                <a:latin typeface="Arial" panose="020B0604020202020204" pitchFamily="34" charset="0"/>
+                <a:cs typeface="Arial" panose="020B0604020202020204" pitchFamily="34" charset="0"/>
+              </a:rPr>
+              <a:t> </a:t>
+            </a:r>
+            <a:r>
+              <a:rPr lang="en-US" sz="2300" dirty="0" err="1">
+                <a:solidFill>
+                  <a:schemeClr val="tx1"/>
+                </a:solidFill>
+                <a:latin typeface="Arial" panose="020B0604020202020204" pitchFamily="34" charset="0"/>
+                <a:cs typeface="Arial" panose="020B0604020202020204" pitchFamily="34" charset="0"/>
+              </a:rPr>
+              <a:t>thông</a:t>
+            </a:r>
+            <a:r>
+              <a:rPr lang="en-US" sz="2300" dirty="0">
+                <a:solidFill>
+                  <a:schemeClr val="tx1"/>
+                </a:solidFill>
+                <a:latin typeface="Arial" panose="020B0604020202020204" pitchFamily="34" charset="0"/>
+                <a:cs typeface="Arial" panose="020B0604020202020204" pitchFamily="34" charset="0"/>
+              </a:rPr>
+              <a:t> tin object, </a:t>
+            </a:r>
+            <a:r>
+              <a:rPr lang="en-US" sz="2300" dirty="0" err="1">
+                <a:solidFill>
+                  <a:schemeClr val="tx1"/>
+                </a:solidFill>
+                <a:latin typeface="Arial" panose="020B0604020202020204" pitchFamily="34" charset="0"/>
+                <a:cs typeface="Arial" panose="020B0604020202020204" pitchFamily="34" charset="0"/>
+              </a:rPr>
+              <a:t>nếu</a:t>
+            </a:r>
+            <a:r>
+              <a:rPr lang="en-US" sz="2300" dirty="0">
+                <a:solidFill>
+                  <a:schemeClr val="tx1"/>
+                </a:solidFill>
+                <a:latin typeface="Arial" panose="020B0604020202020204" pitchFamily="34" charset="0"/>
+                <a:cs typeface="Arial" panose="020B0604020202020204" pitchFamily="34" charset="0"/>
+              </a:rPr>
+              <a:t> object </a:t>
+            </a:r>
+            <a:r>
+              <a:rPr lang="en-US" sz="2300" dirty="0" err="1">
+                <a:solidFill>
+                  <a:schemeClr val="tx1"/>
+                </a:solidFill>
+                <a:latin typeface="Arial" panose="020B0604020202020204" pitchFamily="34" charset="0"/>
+                <a:cs typeface="Arial" panose="020B0604020202020204" pitchFamily="34" charset="0"/>
+              </a:rPr>
+              <a:t>ch</a:t>
+            </a:r>
+            <a:r>
+              <a:rPr lang="vi-VN" sz="2300" dirty="0">
+                <a:solidFill>
+                  <a:schemeClr val="tx1"/>
+                </a:solidFill>
+                <a:latin typeface="Arial" panose="020B0604020202020204" pitchFamily="34" charset="0"/>
+                <a:cs typeface="Arial" panose="020B0604020202020204" pitchFamily="34" charset="0"/>
+              </a:rPr>
+              <a:t>ư</a:t>
+            </a:r>
+            <a:r>
+              <a:rPr lang="en-US" sz="2300" dirty="0">
+                <a:solidFill>
+                  <a:schemeClr val="tx1"/>
+                </a:solidFill>
+                <a:latin typeface="Arial" panose="020B0604020202020204" pitchFamily="34" charset="0"/>
+                <a:cs typeface="Arial" panose="020B0604020202020204" pitchFamily="34" charset="0"/>
+              </a:rPr>
+              <a:t>a </a:t>
+            </a:r>
+            <a:r>
+              <a:rPr lang="en-US" sz="2300" dirty="0" err="1">
+                <a:solidFill>
+                  <a:schemeClr val="tx1"/>
+                </a:solidFill>
+                <a:latin typeface="Arial" panose="020B0604020202020204" pitchFamily="34" charset="0"/>
+                <a:cs typeface="Arial" panose="020B0604020202020204" pitchFamily="34" charset="0"/>
+              </a:rPr>
+              <a:t>tồn</a:t>
+            </a:r>
+            <a:r>
+              <a:rPr lang="en-US" sz="2300" dirty="0">
+                <a:solidFill>
+                  <a:schemeClr val="tx1"/>
+                </a:solidFill>
+                <a:latin typeface="Arial" panose="020B0604020202020204" pitchFamily="34" charset="0"/>
+                <a:cs typeface="Arial" panose="020B0604020202020204" pitchFamily="34" charset="0"/>
+              </a:rPr>
+              <a:t> </a:t>
+            </a:r>
+            <a:r>
+              <a:rPr lang="en-US" sz="2300" dirty="0" err="1">
+                <a:solidFill>
+                  <a:schemeClr val="tx1"/>
+                </a:solidFill>
+                <a:latin typeface="Arial" panose="020B0604020202020204" pitchFamily="34" charset="0"/>
+                <a:cs typeface="Arial" panose="020B0604020202020204" pitchFamily="34" charset="0"/>
+              </a:rPr>
+              <a:t>tại</a:t>
+            </a:r>
+            <a:r>
+              <a:rPr lang="en-US" sz="2300" dirty="0">
+                <a:solidFill>
+                  <a:schemeClr val="tx1"/>
+                </a:solidFill>
+                <a:latin typeface="Arial" panose="020B0604020202020204" pitchFamily="34" charset="0"/>
+                <a:cs typeface="Arial" panose="020B0604020202020204" pitchFamily="34" charset="0"/>
+              </a:rPr>
+              <a:t> </a:t>
+            </a:r>
+            <a:r>
+              <a:rPr lang="en-US" sz="2300" dirty="0" err="1">
+                <a:solidFill>
+                  <a:schemeClr val="tx1"/>
+                </a:solidFill>
+                <a:latin typeface="Arial" panose="020B0604020202020204" pitchFamily="34" charset="0"/>
+                <a:cs typeface="Arial" panose="020B0604020202020204" pitchFamily="34" charset="0"/>
+              </a:rPr>
+              <a:t>thì</a:t>
+            </a:r>
+            <a:r>
+              <a:rPr lang="en-US" sz="2300" dirty="0">
+                <a:solidFill>
+                  <a:schemeClr val="tx1"/>
+                </a:solidFill>
+                <a:latin typeface="Arial" panose="020B0604020202020204" pitchFamily="34" charset="0"/>
+                <a:cs typeface="Arial" panose="020B0604020202020204" pitchFamily="34" charset="0"/>
+              </a:rPr>
+              <a:t> </a:t>
+            </a:r>
+            <a:r>
+              <a:rPr lang="en-US" sz="2300" dirty="0" err="1">
+                <a:solidFill>
+                  <a:schemeClr val="tx1"/>
+                </a:solidFill>
+                <a:latin typeface="Arial" panose="020B0604020202020204" pitchFamily="34" charset="0"/>
+                <a:cs typeface="Arial" panose="020B0604020202020204" pitchFamily="34" charset="0"/>
+              </a:rPr>
+              <a:t>thêm</a:t>
+            </a:r>
+            <a:r>
+              <a:rPr lang="en-US" sz="2300" dirty="0">
+                <a:solidFill>
+                  <a:schemeClr val="tx1"/>
+                </a:solidFill>
+                <a:latin typeface="Arial" panose="020B0604020202020204" pitchFamily="34" charset="0"/>
+                <a:cs typeface="Arial" panose="020B0604020202020204" pitchFamily="34" charset="0"/>
+              </a:rPr>
+              <a:t> </a:t>
+            </a:r>
+            <a:r>
+              <a:rPr lang="en-US" sz="2300" dirty="0" err="1">
+                <a:solidFill>
+                  <a:schemeClr val="tx1"/>
+                </a:solidFill>
+                <a:latin typeface="Arial" panose="020B0604020202020204" pitchFamily="34" charset="0"/>
+                <a:cs typeface="Arial" panose="020B0604020202020204" pitchFamily="34" charset="0"/>
+              </a:rPr>
+              <a:t>mới</a:t>
+            </a:r>
+            <a:r>
+              <a:rPr lang="en-US" sz="2300" dirty="0">
+                <a:solidFill>
+                  <a:schemeClr val="tx1"/>
+                </a:solidFill>
+                <a:latin typeface="Arial" panose="020B0604020202020204" pitchFamily="34" charset="0"/>
+                <a:cs typeface="Arial" panose="020B0604020202020204" pitchFamily="34" charset="0"/>
+              </a:rPr>
+              <a:t> </a:t>
+            </a:r>
+            <a:r>
+              <a:rPr lang="vi-VN" sz="2300" dirty="0">
+                <a:solidFill>
+                  <a:schemeClr val="tx1"/>
+                </a:solidFill>
+                <a:latin typeface="Arial" panose="020B0604020202020204" pitchFamily="34" charset="0"/>
+                <a:cs typeface="Arial" panose="020B0604020202020204" pitchFamily="34" charset="0"/>
+              </a:rPr>
+              <a:t>.</a:t>
+            </a:r>
+          </a:p>
+          <a:p>
+            <a:pPr algn="l">
+              <a:lnSpc>
+                <a:spcPct val="150000"/>
+              </a:lnSpc>
+              <a:spcBef>
+                <a:spcPts val="500"/>
+              </a:spcBef>
+            </a:pPr>
+            <a:r>
+              <a:rPr lang="vi-VN" sz="2300" dirty="0">
+                <a:solidFill>
+                  <a:schemeClr val="tx1"/>
+                </a:solidFill>
+                <a:latin typeface="Arial" panose="020B0604020202020204" pitchFamily="34" charset="0"/>
+                <a:cs typeface="Arial" panose="020B0604020202020204" pitchFamily="34" charset="0"/>
+              </a:rPr>
+              <a:t>DELETE: xóa tài nguyên trên server.</a:t>
+            </a:r>
+            <a:endParaRPr lang="en-US" sz="2300" dirty="0">
+              <a:solidFill>
+                <a:schemeClr val="tx1"/>
+              </a:solidFill>
+              <a:latin typeface="Arial" panose="020B0604020202020204" pitchFamily="34" charset="0"/>
+              <a:cs typeface="Arial" panose="020B0604020202020204" pitchFamily="34" charset="0"/>
+            </a:endParaRPr>
+          </a:p>
+        </p:txBody>
+      </p:sp>
+    </p:spTree>
+    <p:extLst>
+      <p:ext uri="{BB962C8B-B14F-4D97-AF65-F5344CB8AC3E}">
+        <p14:creationId xmlns:p14="http://schemas.microsoft.com/office/powerpoint/2010/main" val="3814074010"/>
+      </p:ext>
+    </p:extLst>
+  </p:cSld>
+  <p:clrMapOvr>
+    <a:masterClrMapping/>
+  </p:clrMapOvr>
+</p:sld>
+</file>
+
+<file path=ppt/slides/slide11.xml><?xml version="1.0" encoding="utf-8"?>
+<p:sld xmlns:a="http://schemas.openxmlformats.org/drawingml/2006/main" xmlns:r="http://schemas.openxmlformats.org/officeDocument/2006/relationships" xmlns:p="http://schemas.openxmlformats.org/presentationml/2006/main">
+  <p:cSld>
+    <p:spTree>
+      <p:nvGrpSpPr>
+        <p:cNvPr id="1" name=""/>
+        <p:cNvGrpSpPr/>
+        <p:nvPr/>
+      </p:nvGrpSpPr>
+      <p:grpSpPr>
+        <a:xfrm>
+          <a:off x="0" y="0"/>
+          <a:ext cx="0" cy="0"/>
+          <a:chOff x="0" y="0"/>
+          <a:chExt cx="0" cy="0"/>
+        </a:xfrm>
+      </p:grpSpPr>
+      <p:sp>
+        <p:nvSpPr>
+          <p:cNvPr id="2" name="Title 1"/>
+          <p:cNvSpPr>
+            <a:spLocks noGrp="1"/>
+          </p:cNvSpPr>
+          <p:nvPr>
+            <p:ph type="ctrTitle"/>
+          </p:nvPr>
+        </p:nvSpPr>
+        <p:spPr>
+          <a:xfrm>
+            <a:off x="0" y="63969"/>
+            <a:ext cx="12192000" cy="1040441"/>
+          </a:xfrm>
+        </p:spPr>
+        <p:txBody>
+          <a:bodyPr/>
+          <a:lstStyle/>
+          <a:p>
+            <a:pPr algn="ctr"/>
+            <a:r>
+              <a:rPr lang="en-US" sz="5000" b="1" dirty="0" err="1">
+                <a:solidFill>
+                  <a:schemeClr val="tx1"/>
+                </a:solidFill>
+                <a:latin typeface="Arial" panose="020B0604020202020204" pitchFamily="34" charset="0"/>
+                <a:cs typeface="Arial" panose="020B0604020202020204" pitchFamily="34" charset="0"/>
+              </a:rPr>
+              <a:t>Lấy</a:t>
+            </a:r>
+            <a:r>
+              <a:rPr lang="en-US" sz="5000" b="1" dirty="0">
+                <a:solidFill>
+                  <a:schemeClr val="tx1"/>
+                </a:solidFill>
+                <a:latin typeface="Arial" panose="020B0604020202020204" pitchFamily="34" charset="0"/>
+                <a:cs typeface="Arial" panose="020B0604020202020204" pitchFamily="34" charset="0"/>
+              </a:rPr>
+              <a:t> data </a:t>
+            </a:r>
+            <a:r>
+              <a:rPr lang="en-US" sz="5000" b="1" dirty="0" err="1">
+                <a:solidFill>
+                  <a:schemeClr val="tx1"/>
+                </a:solidFill>
+                <a:latin typeface="Arial" panose="020B0604020202020204" pitchFamily="34" charset="0"/>
+                <a:cs typeface="Arial" panose="020B0604020202020204" pitchFamily="34" charset="0"/>
+              </a:rPr>
+              <a:t>từ</a:t>
+            </a:r>
+            <a:r>
+              <a:rPr lang="en-US" sz="5000" b="1" dirty="0">
+                <a:solidFill>
+                  <a:schemeClr val="tx1"/>
+                </a:solidFill>
+                <a:latin typeface="Arial" panose="020B0604020202020204" pitchFamily="34" charset="0"/>
+                <a:cs typeface="Arial" panose="020B0604020202020204" pitchFamily="34" charset="0"/>
+              </a:rPr>
+              <a:t> Server </a:t>
+            </a:r>
+            <a:r>
+              <a:rPr lang="en-US" sz="5000" b="1" dirty="0" err="1">
+                <a:solidFill>
+                  <a:schemeClr val="tx1"/>
+                </a:solidFill>
+                <a:latin typeface="Arial" panose="020B0604020202020204" pitchFamily="34" charset="0"/>
+                <a:cs typeface="Arial" panose="020B0604020202020204" pitchFamily="34" charset="0"/>
+              </a:rPr>
+              <a:t>với</a:t>
+            </a:r>
+            <a:r>
+              <a:rPr lang="en-US" sz="5000" b="1" dirty="0">
+                <a:solidFill>
+                  <a:schemeClr val="tx1"/>
+                </a:solidFill>
+                <a:latin typeface="Arial" panose="020B0604020202020204" pitchFamily="34" charset="0"/>
+                <a:cs typeface="Arial" panose="020B0604020202020204" pitchFamily="34" charset="0"/>
+              </a:rPr>
+              <a:t> fetch</a:t>
+            </a:r>
+            <a:endParaRPr lang="en-US" sz="5000" dirty="0">
+              <a:solidFill>
+                <a:schemeClr val="tx1"/>
+              </a:solidFill>
+              <a:latin typeface="Arial" panose="020B0604020202020204" pitchFamily="34" charset="0"/>
+              <a:cs typeface="Arial" panose="020B0604020202020204" pitchFamily="34" charset="0"/>
+            </a:endParaRPr>
+          </a:p>
+        </p:txBody>
+      </p:sp>
+      <p:pic>
+        <p:nvPicPr>
+          <p:cNvPr id="4" name="Picture 3"/>
+          <p:cNvPicPr>
+            <a:picLocks noChangeAspect="1"/>
+          </p:cNvPicPr>
+          <p:nvPr/>
+        </p:nvPicPr>
+        <p:blipFill>
+          <a:blip r:embed="rId2"/>
+          <a:stretch>
+            <a:fillRect/>
+          </a:stretch>
+        </p:blipFill>
+        <p:spPr>
+          <a:xfrm>
+            <a:off x="0" y="5977096"/>
+            <a:ext cx="3517697" cy="816935"/>
+          </a:xfrm>
+          <a:prstGeom prst="rect">
+            <a:avLst/>
+          </a:prstGeom>
+        </p:spPr>
+      </p:pic>
+      <p:sp>
+        <p:nvSpPr>
+          <p:cNvPr id="6" name="Subtitle 2">
+            <a:extLst>
+              <a:ext uri="{FF2B5EF4-FFF2-40B4-BE49-F238E27FC236}">
+                <a16:creationId xmlns:a16="http://schemas.microsoft.com/office/drawing/2014/main" id="{2C0EC2AE-7AB0-BE4A-BEEF-BB88F0CB5C7E}"/>
+              </a:ext>
+            </a:extLst>
+          </p:cNvPr>
+          <p:cNvSpPr>
+            <a:spLocks noGrp="1"/>
+          </p:cNvSpPr>
+          <p:nvPr>
+            <p:ph type="subTitle" idx="1"/>
+          </p:nvPr>
+        </p:nvSpPr>
+        <p:spPr>
+          <a:xfrm>
+            <a:off x="526438" y="1317964"/>
+            <a:ext cx="10826944" cy="4773742"/>
+          </a:xfrm>
+        </p:spPr>
+        <p:txBody>
+          <a:bodyPr>
+            <a:noAutofit/>
+          </a:bodyPr>
+          <a:lstStyle/>
+          <a:p>
+            <a:pPr algn="l">
+              <a:spcBef>
+                <a:spcPts val="500"/>
+              </a:spcBef>
+            </a:pPr>
+            <a:r>
+              <a:rPr lang="en-US" sz="2300" dirty="0" err="1">
+                <a:solidFill>
+                  <a:schemeClr val="tx1"/>
+                </a:solidFill>
+                <a:latin typeface="Arial" panose="020B0604020202020204" pitchFamily="34" charset="0"/>
+                <a:cs typeface="Arial" panose="020B0604020202020204" pitchFamily="34" charset="0"/>
+              </a:rPr>
+              <a:t>Gửi</a:t>
+            </a:r>
+            <a:r>
+              <a:rPr lang="en-US" sz="2300" dirty="0">
+                <a:solidFill>
+                  <a:schemeClr val="tx1"/>
+                </a:solidFill>
+                <a:latin typeface="Arial" panose="020B0604020202020204" pitchFamily="34" charset="0"/>
+                <a:cs typeface="Arial" panose="020B0604020202020204" pitchFamily="34" charset="0"/>
+              </a:rPr>
+              <a:t> data </a:t>
+            </a:r>
+            <a:r>
+              <a:rPr lang="en-US" sz="2300" dirty="0" err="1">
+                <a:solidFill>
+                  <a:schemeClr val="tx1"/>
+                </a:solidFill>
+                <a:latin typeface="Arial" panose="020B0604020202020204" pitchFamily="34" charset="0"/>
+                <a:cs typeface="Arial" panose="020B0604020202020204" pitchFamily="34" charset="0"/>
+              </a:rPr>
+              <a:t>với</a:t>
+            </a:r>
+            <a:r>
+              <a:rPr lang="en-US" sz="2300" dirty="0">
+                <a:solidFill>
+                  <a:schemeClr val="tx1"/>
+                </a:solidFill>
+                <a:latin typeface="Arial" panose="020B0604020202020204" pitchFamily="34" charset="0"/>
+                <a:cs typeface="Arial" panose="020B0604020202020204" pitchFamily="34" charset="0"/>
+              </a:rPr>
+              <a:t> </a:t>
+            </a:r>
+            <a:r>
+              <a:rPr lang="en-US" sz="2300" dirty="0" err="1">
+                <a:solidFill>
+                  <a:schemeClr val="tx1"/>
+                </a:solidFill>
+                <a:latin typeface="Arial" panose="020B0604020202020204" pitchFamily="34" charset="0"/>
+                <a:cs typeface="Arial" panose="020B0604020202020204" pitchFamily="34" charset="0"/>
+              </a:rPr>
+              <a:t>phư</a:t>
+            </a:r>
+            <a:r>
+              <a:rPr lang="vi-VN" sz="2300" dirty="0">
+                <a:solidFill>
+                  <a:schemeClr val="tx1"/>
+                </a:solidFill>
+                <a:latin typeface="Arial" panose="020B0604020202020204" pitchFamily="34" charset="0"/>
+                <a:cs typeface="Arial" panose="020B0604020202020204" pitchFamily="34" charset="0"/>
+              </a:rPr>
+              <a:t>ơ</a:t>
+            </a:r>
+            <a:r>
+              <a:rPr lang="en-US" sz="2300" dirty="0">
+                <a:solidFill>
+                  <a:schemeClr val="tx1"/>
+                </a:solidFill>
+                <a:latin typeface="Arial" panose="020B0604020202020204" pitchFamily="34" charset="0"/>
+                <a:cs typeface="Arial" panose="020B0604020202020204" pitchFamily="34" charset="0"/>
+              </a:rPr>
+              <a:t>ng </a:t>
+            </a:r>
+            <a:r>
+              <a:rPr lang="en-US" sz="2300" dirty="0" err="1">
+                <a:solidFill>
+                  <a:schemeClr val="tx1"/>
+                </a:solidFill>
+                <a:latin typeface="Arial" panose="020B0604020202020204" pitchFamily="34" charset="0"/>
+                <a:cs typeface="Arial" panose="020B0604020202020204" pitchFamily="34" charset="0"/>
+              </a:rPr>
+              <a:t>thức</a:t>
+            </a:r>
+            <a:r>
+              <a:rPr lang="en-US" sz="2300" dirty="0">
+                <a:solidFill>
+                  <a:schemeClr val="tx1"/>
+                </a:solidFill>
+                <a:latin typeface="Arial" panose="020B0604020202020204" pitchFamily="34" charset="0"/>
+                <a:cs typeface="Arial" panose="020B0604020202020204" pitchFamily="34" charset="0"/>
+              </a:rPr>
+              <a:t> GET:</a:t>
+            </a:r>
+          </a:p>
+          <a:p>
+            <a:pPr algn="l">
+              <a:spcBef>
+                <a:spcPts val="500"/>
+              </a:spcBef>
+            </a:pPr>
+            <a:r>
+              <a:rPr lang="en-US" sz="2300" dirty="0">
+                <a:solidFill>
+                  <a:schemeClr val="tx1"/>
+                </a:solidFill>
+                <a:latin typeface="Arial" panose="020B0604020202020204" pitchFamily="34" charset="0"/>
+                <a:cs typeface="Arial" panose="020B0604020202020204" pitchFamily="34" charset="0"/>
+              </a:rPr>
+              <a:t>async function </a:t>
+            </a:r>
+            <a:r>
+              <a:rPr lang="en-US" sz="2300" b="1" dirty="0" err="1">
+                <a:solidFill>
+                  <a:schemeClr val="tx1"/>
+                </a:solidFill>
+                <a:latin typeface="Arial" panose="020B0604020202020204" pitchFamily="34" charset="0"/>
+                <a:cs typeface="Arial" panose="020B0604020202020204" pitchFamily="34" charset="0"/>
+              </a:rPr>
+              <a:t>getMoviesFromApi</a:t>
+            </a:r>
+            <a:r>
+              <a:rPr lang="en-US" sz="2300" dirty="0">
+                <a:solidFill>
+                  <a:schemeClr val="tx1"/>
+                </a:solidFill>
+                <a:latin typeface="Arial" panose="020B0604020202020204" pitchFamily="34" charset="0"/>
+                <a:cs typeface="Arial" panose="020B0604020202020204" pitchFamily="34" charset="0"/>
+              </a:rPr>
+              <a:t>() {</a:t>
+            </a:r>
+          </a:p>
+          <a:p>
+            <a:pPr algn="l">
+              <a:spcBef>
+                <a:spcPts val="500"/>
+              </a:spcBef>
+            </a:pPr>
+            <a:r>
+              <a:rPr lang="en-US" sz="2300" dirty="0">
+                <a:solidFill>
+                  <a:schemeClr val="tx1"/>
+                </a:solidFill>
+                <a:latin typeface="Arial" panose="020B0604020202020204" pitchFamily="34" charset="0"/>
+                <a:cs typeface="Arial" panose="020B0604020202020204" pitchFamily="34" charset="0"/>
+              </a:rPr>
+              <a:t>  try {</a:t>
+            </a:r>
+          </a:p>
+          <a:p>
+            <a:pPr algn="l">
+              <a:spcBef>
+                <a:spcPts val="500"/>
+              </a:spcBef>
+            </a:pPr>
+            <a:r>
+              <a:rPr lang="en-US" sz="2300" dirty="0">
+                <a:solidFill>
+                  <a:schemeClr val="tx1"/>
+                </a:solidFill>
+                <a:latin typeface="Arial" panose="020B0604020202020204" pitchFamily="34" charset="0"/>
+                <a:cs typeface="Arial" panose="020B0604020202020204" pitchFamily="34" charset="0"/>
+              </a:rPr>
+              <a:t>    let </a:t>
+            </a:r>
+            <a:r>
+              <a:rPr lang="en-US" sz="2300" b="1" dirty="0">
+                <a:solidFill>
+                  <a:schemeClr val="tx1"/>
+                </a:solidFill>
+                <a:latin typeface="Arial" panose="020B0604020202020204" pitchFamily="34" charset="0"/>
+                <a:cs typeface="Arial" panose="020B0604020202020204" pitchFamily="34" charset="0"/>
+              </a:rPr>
+              <a:t>response</a:t>
+            </a:r>
+            <a:r>
+              <a:rPr lang="en-US" sz="2300" dirty="0">
+                <a:solidFill>
+                  <a:schemeClr val="tx1"/>
+                </a:solidFill>
+                <a:latin typeface="Arial" panose="020B0604020202020204" pitchFamily="34" charset="0"/>
+                <a:cs typeface="Arial" panose="020B0604020202020204" pitchFamily="34" charset="0"/>
+              </a:rPr>
+              <a:t> = await </a:t>
+            </a:r>
+            <a:r>
+              <a:rPr lang="en-US" sz="2300" b="1" dirty="0">
+                <a:solidFill>
+                  <a:schemeClr val="tx1"/>
+                </a:solidFill>
+                <a:latin typeface="Arial" panose="020B0604020202020204" pitchFamily="34" charset="0"/>
+                <a:cs typeface="Arial" panose="020B0604020202020204" pitchFamily="34" charset="0"/>
+              </a:rPr>
+              <a:t>fetch</a:t>
+            </a:r>
+            <a:r>
+              <a:rPr lang="en-US" sz="2300" dirty="0">
+                <a:solidFill>
+                  <a:schemeClr val="tx1"/>
+                </a:solidFill>
+                <a:latin typeface="Arial" panose="020B0604020202020204" pitchFamily="34" charset="0"/>
+                <a:cs typeface="Arial" panose="020B0604020202020204" pitchFamily="34" charset="0"/>
+              </a:rPr>
+              <a:t>('https://facebook.github.io/react-native/</a:t>
+            </a:r>
+            <a:r>
+              <a:rPr lang="en-US" sz="2300" dirty="0" err="1">
+                <a:solidFill>
+                  <a:schemeClr val="tx1"/>
+                </a:solidFill>
+                <a:latin typeface="Arial" panose="020B0604020202020204" pitchFamily="34" charset="0"/>
+                <a:cs typeface="Arial" panose="020B0604020202020204" pitchFamily="34" charset="0"/>
+              </a:rPr>
+              <a:t>movies.json</a:t>
+            </a:r>
+            <a:r>
+              <a:rPr lang="en-US" sz="2300" dirty="0">
+                <a:solidFill>
+                  <a:schemeClr val="tx1"/>
+                </a:solidFill>
+                <a:latin typeface="Arial" panose="020B0604020202020204" pitchFamily="34" charset="0"/>
+                <a:cs typeface="Arial" panose="020B0604020202020204" pitchFamily="34" charset="0"/>
+              </a:rPr>
+              <a:t>')</a:t>
+            </a:r>
+          </a:p>
+          <a:p>
+            <a:pPr algn="l">
+              <a:spcBef>
+                <a:spcPts val="500"/>
+              </a:spcBef>
+            </a:pPr>
+            <a:r>
+              <a:rPr lang="en-US" sz="2300" dirty="0">
+                <a:solidFill>
+                  <a:schemeClr val="tx1"/>
+                </a:solidFill>
+                <a:latin typeface="Arial" panose="020B0604020202020204" pitchFamily="34" charset="0"/>
+                <a:cs typeface="Arial" panose="020B0604020202020204" pitchFamily="34" charset="0"/>
+              </a:rPr>
+              <a:t>    let </a:t>
+            </a:r>
+            <a:r>
+              <a:rPr lang="en-US" sz="2300" dirty="0" err="1">
+                <a:solidFill>
+                  <a:schemeClr val="tx1"/>
+                </a:solidFill>
+                <a:latin typeface="Arial" panose="020B0604020202020204" pitchFamily="34" charset="0"/>
+                <a:cs typeface="Arial" panose="020B0604020202020204" pitchFamily="34" charset="0"/>
+              </a:rPr>
+              <a:t>responseJson</a:t>
+            </a:r>
+            <a:r>
+              <a:rPr lang="en-US" sz="2300" dirty="0">
+                <a:solidFill>
+                  <a:schemeClr val="tx1"/>
+                </a:solidFill>
+                <a:latin typeface="Arial" panose="020B0604020202020204" pitchFamily="34" charset="0"/>
+                <a:cs typeface="Arial" panose="020B0604020202020204" pitchFamily="34" charset="0"/>
+              </a:rPr>
+              <a:t> = await </a:t>
+            </a:r>
+            <a:r>
+              <a:rPr lang="en-US" sz="2300" b="1" dirty="0" err="1">
+                <a:solidFill>
+                  <a:schemeClr val="tx1"/>
+                </a:solidFill>
+                <a:latin typeface="Arial" panose="020B0604020202020204" pitchFamily="34" charset="0"/>
+                <a:cs typeface="Arial" panose="020B0604020202020204" pitchFamily="34" charset="0"/>
+              </a:rPr>
+              <a:t>response</a:t>
+            </a:r>
+            <a:r>
+              <a:rPr lang="en-US" sz="2300" dirty="0" err="1">
+                <a:solidFill>
+                  <a:schemeClr val="tx1"/>
+                </a:solidFill>
+                <a:latin typeface="Arial" panose="020B0604020202020204" pitchFamily="34" charset="0"/>
+                <a:cs typeface="Arial" panose="020B0604020202020204" pitchFamily="34" charset="0"/>
+              </a:rPr>
+              <a:t>.json</a:t>
+            </a:r>
+            <a:r>
+              <a:rPr lang="en-US" sz="2300" dirty="0">
+                <a:solidFill>
+                  <a:schemeClr val="tx1"/>
+                </a:solidFill>
+                <a:latin typeface="Arial" panose="020B0604020202020204" pitchFamily="34" charset="0"/>
+                <a:cs typeface="Arial" panose="020B0604020202020204" pitchFamily="34" charset="0"/>
+              </a:rPr>
+              <a:t>()</a:t>
+            </a:r>
+          </a:p>
+          <a:p>
+            <a:pPr algn="l">
+              <a:spcBef>
+                <a:spcPts val="500"/>
+              </a:spcBef>
+            </a:pPr>
+            <a:r>
+              <a:rPr lang="en-US" sz="2300" dirty="0">
+                <a:solidFill>
+                  <a:schemeClr val="tx1"/>
+                </a:solidFill>
+                <a:latin typeface="Arial" panose="020B0604020202020204" pitchFamily="34" charset="0"/>
+                <a:cs typeface="Arial" panose="020B0604020202020204" pitchFamily="34" charset="0"/>
+              </a:rPr>
+              <a:t>    return </a:t>
+            </a:r>
+            <a:r>
+              <a:rPr lang="en-US" sz="2300" b="1" dirty="0" err="1">
+                <a:solidFill>
+                  <a:schemeClr val="tx1"/>
+                </a:solidFill>
+                <a:latin typeface="Arial" panose="020B0604020202020204" pitchFamily="34" charset="0"/>
+                <a:cs typeface="Arial" panose="020B0604020202020204" pitchFamily="34" charset="0"/>
+              </a:rPr>
+              <a:t>responseJson</a:t>
+            </a:r>
+            <a:r>
+              <a:rPr lang="en-US" sz="2300" dirty="0" err="1">
+                <a:solidFill>
+                  <a:schemeClr val="tx1"/>
+                </a:solidFill>
+                <a:latin typeface="Arial" panose="020B0604020202020204" pitchFamily="34" charset="0"/>
+                <a:cs typeface="Arial" panose="020B0604020202020204" pitchFamily="34" charset="0"/>
+              </a:rPr>
+              <a:t>.movies</a:t>
+            </a:r>
+            <a:endParaRPr lang="en-US" sz="2300" dirty="0">
+              <a:solidFill>
+                <a:schemeClr val="tx1"/>
+              </a:solidFill>
+              <a:latin typeface="Arial" panose="020B0604020202020204" pitchFamily="34" charset="0"/>
+              <a:cs typeface="Arial" panose="020B0604020202020204" pitchFamily="34" charset="0"/>
+            </a:endParaRPr>
+          </a:p>
+          <a:p>
+            <a:pPr algn="l">
+              <a:spcBef>
+                <a:spcPts val="500"/>
+              </a:spcBef>
+            </a:pPr>
+            <a:r>
+              <a:rPr lang="en-US" sz="2300" dirty="0">
+                <a:solidFill>
+                  <a:schemeClr val="tx1"/>
+                </a:solidFill>
+                <a:latin typeface="Arial" panose="020B0604020202020204" pitchFamily="34" charset="0"/>
+                <a:cs typeface="Arial" panose="020B0604020202020204" pitchFamily="34" charset="0"/>
+              </a:rPr>
+              <a:t>    //</a:t>
+            </a:r>
+            <a:r>
+              <a:rPr lang="en-US" sz="2300" dirty="0" err="1">
+                <a:solidFill>
+                  <a:schemeClr val="tx1"/>
+                </a:solidFill>
+                <a:latin typeface="Arial" panose="020B0604020202020204" pitchFamily="34" charset="0"/>
+                <a:cs typeface="Arial" panose="020B0604020202020204" pitchFamily="34" charset="0"/>
+              </a:rPr>
+              <a:t>Có</a:t>
+            </a:r>
+            <a:r>
+              <a:rPr lang="en-US" sz="2300" dirty="0">
+                <a:solidFill>
+                  <a:schemeClr val="tx1"/>
+                </a:solidFill>
+                <a:latin typeface="Arial" panose="020B0604020202020204" pitchFamily="34" charset="0"/>
+                <a:cs typeface="Arial" panose="020B0604020202020204" pitchFamily="34" charset="0"/>
+              </a:rPr>
+              <a:t> </a:t>
+            </a:r>
+            <a:r>
+              <a:rPr lang="en-US" sz="2300" dirty="0" err="1">
+                <a:solidFill>
+                  <a:schemeClr val="tx1"/>
+                </a:solidFill>
+                <a:latin typeface="Arial" panose="020B0604020202020204" pitchFamily="34" charset="0"/>
+                <a:cs typeface="Arial" panose="020B0604020202020204" pitchFamily="34" charset="0"/>
+              </a:rPr>
+              <a:t>thể</a:t>
+            </a:r>
+            <a:r>
+              <a:rPr lang="en-US" sz="2300" dirty="0">
+                <a:solidFill>
+                  <a:schemeClr val="tx1"/>
+                </a:solidFill>
+                <a:latin typeface="Arial" panose="020B0604020202020204" pitchFamily="34" charset="0"/>
+                <a:cs typeface="Arial" panose="020B0604020202020204" pitchFamily="34" charset="0"/>
+              </a:rPr>
+              <a:t> dispatch action “</a:t>
+            </a:r>
+            <a:r>
+              <a:rPr lang="en-US" sz="2300" b="1" dirty="0">
+                <a:solidFill>
+                  <a:schemeClr val="tx1"/>
+                </a:solidFill>
+                <a:latin typeface="Arial" panose="020B0604020202020204" pitchFamily="34" charset="0"/>
+                <a:cs typeface="Arial" panose="020B0604020202020204" pitchFamily="34" charset="0"/>
+              </a:rPr>
+              <a:t>GET_MOVIES_SUCCESS</a:t>
+            </a:r>
+            <a:r>
+              <a:rPr lang="en-US" sz="2300" dirty="0">
+                <a:solidFill>
+                  <a:schemeClr val="tx1"/>
+                </a:solidFill>
+                <a:latin typeface="Arial" panose="020B0604020202020204" pitchFamily="34" charset="0"/>
+                <a:cs typeface="Arial" panose="020B0604020202020204" pitchFamily="34" charset="0"/>
+              </a:rPr>
+              <a:t>” ở </a:t>
+            </a:r>
+            <a:r>
+              <a:rPr lang="en-US" sz="2300" dirty="0" err="1">
+                <a:solidFill>
+                  <a:schemeClr val="tx1"/>
+                </a:solidFill>
+                <a:latin typeface="Arial" panose="020B0604020202020204" pitchFamily="34" charset="0"/>
+                <a:cs typeface="Arial" panose="020B0604020202020204" pitchFamily="34" charset="0"/>
+              </a:rPr>
+              <a:t>đây</a:t>
+            </a:r>
+            <a:endParaRPr lang="en-US" sz="2300" dirty="0">
+              <a:solidFill>
+                <a:schemeClr val="tx1"/>
+              </a:solidFill>
+              <a:latin typeface="Arial" panose="020B0604020202020204" pitchFamily="34" charset="0"/>
+              <a:cs typeface="Arial" panose="020B0604020202020204" pitchFamily="34" charset="0"/>
+            </a:endParaRPr>
+          </a:p>
+          <a:p>
+            <a:pPr algn="l">
+              <a:spcBef>
+                <a:spcPts val="500"/>
+              </a:spcBef>
+            </a:pPr>
+            <a:r>
+              <a:rPr lang="en-US" sz="2300" dirty="0">
+                <a:solidFill>
+                  <a:schemeClr val="tx1"/>
+                </a:solidFill>
+                <a:latin typeface="Arial" panose="020B0604020202020204" pitchFamily="34" charset="0"/>
+                <a:cs typeface="Arial" panose="020B0604020202020204" pitchFamily="34" charset="0"/>
+              </a:rPr>
+              <a:t>  } catch (error) {</a:t>
+            </a:r>
+          </a:p>
+          <a:p>
+            <a:pPr algn="l">
+              <a:spcBef>
+                <a:spcPts val="500"/>
+              </a:spcBef>
+            </a:pPr>
+            <a:r>
+              <a:rPr lang="en-US" sz="2300" dirty="0">
+                <a:solidFill>
+                  <a:schemeClr val="tx1"/>
+                </a:solidFill>
+                <a:latin typeface="Arial" panose="020B0604020202020204" pitchFamily="34" charset="0"/>
+                <a:cs typeface="Arial" panose="020B0604020202020204" pitchFamily="34" charset="0"/>
+              </a:rPr>
+              <a:t>    </a:t>
+            </a:r>
+            <a:r>
+              <a:rPr lang="en-US" sz="2300" dirty="0" err="1">
+                <a:solidFill>
+                  <a:schemeClr val="tx1"/>
+                </a:solidFill>
+                <a:latin typeface="Arial" panose="020B0604020202020204" pitchFamily="34" charset="0"/>
+                <a:cs typeface="Arial" panose="020B0604020202020204" pitchFamily="34" charset="0"/>
+              </a:rPr>
+              <a:t>console.error</a:t>
+            </a:r>
+            <a:r>
+              <a:rPr lang="en-US" sz="2300" dirty="0">
+                <a:solidFill>
+                  <a:schemeClr val="tx1"/>
+                </a:solidFill>
+                <a:latin typeface="Arial" panose="020B0604020202020204" pitchFamily="34" charset="0"/>
+                <a:cs typeface="Arial" panose="020B0604020202020204" pitchFamily="34" charset="0"/>
+              </a:rPr>
+              <a:t>(error)</a:t>
+            </a:r>
+          </a:p>
+          <a:p>
+            <a:pPr algn="l">
+              <a:spcBef>
+                <a:spcPts val="500"/>
+              </a:spcBef>
+            </a:pPr>
+            <a:r>
+              <a:rPr lang="en-US" sz="2300" dirty="0">
+                <a:solidFill>
+                  <a:schemeClr val="tx1"/>
+                </a:solidFill>
+                <a:latin typeface="Arial" panose="020B0604020202020204" pitchFamily="34" charset="0"/>
+                <a:cs typeface="Arial" panose="020B0604020202020204" pitchFamily="34" charset="0"/>
+              </a:rPr>
+              <a:t>    //</a:t>
+            </a:r>
+            <a:r>
+              <a:rPr lang="en-US" sz="2300" dirty="0" err="1">
+                <a:solidFill>
+                  <a:schemeClr val="tx1"/>
+                </a:solidFill>
+                <a:latin typeface="Arial" panose="020B0604020202020204" pitchFamily="34" charset="0"/>
+                <a:cs typeface="Arial" panose="020B0604020202020204" pitchFamily="34" charset="0"/>
+              </a:rPr>
+              <a:t>Có</a:t>
+            </a:r>
+            <a:r>
+              <a:rPr lang="en-US" sz="2300" dirty="0">
+                <a:solidFill>
+                  <a:schemeClr val="tx1"/>
+                </a:solidFill>
+                <a:latin typeface="Arial" panose="020B0604020202020204" pitchFamily="34" charset="0"/>
+                <a:cs typeface="Arial" panose="020B0604020202020204" pitchFamily="34" charset="0"/>
+              </a:rPr>
+              <a:t> </a:t>
+            </a:r>
+            <a:r>
+              <a:rPr lang="en-US" sz="2300" dirty="0" err="1">
+                <a:solidFill>
+                  <a:schemeClr val="tx1"/>
+                </a:solidFill>
+                <a:latin typeface="Arial" panose="020B0604020202020204" pitchFamily="34" charset="0"/>
+                <a:cs typeface="Arial" panose="020B0604020202020204" pitchFamily="34" charset="0"/>
+              </a:rPr>
+              <a:t>thể</a:t>
+            </a:r>
+            <a:r>
+              <a:rPr lang="en-US" sz="2300" dirty="0">
+                <a:solidFill>
+                  <a:schemeClr val="tx1"/>
+                </a:solidFill>
+                <a:latin typeface="Arial" panose="020B0604020202020204" pitchFamily="34" charset="0"/>
+                <a:cs typeface="Arial" panose="020B0604020202020204" pitchFamily="34" charset="0"/>
+              </a:rPr>
+              <a:t> dispatch action “</a:t>
+            </a:r>
+            <a:r>
+              <a:rPr lang="en-US" sz="2300" b="1" dirty="0">
+                <a:solidFill>
+                  <a:schemeClr val="tx1"/>
+                </a:solidFill>
+                <a:latin typeface="Arial" panose="020B0604020202020204" pitchFamily="34" charset="0"/>
+                <a:cs typeface="Arial" panose="020B0604020202020204" pitchFamily="34" charset="0"/>
+              </a:rPr>
+              <a:t>GET_MOVIES_FAILED</a:t>
+            </a:r>
+            <a:r>
+              <a:rPr lang="en-US" sz="2300" dirty="0">
+                <a:solidFill>
+                  <a:schemeClr val="tx1"/>
+                </a:solidFill>
+                <a:latin typeface="Arial" panose="020B0604020202020204" pitchFamily="34" charset="0"/>
+                <a:cs typeface="Arial" panose="020B0604020202020204" pitchFamily="34" charset="0"/>
+              </a:rPr>
+              <a:t>” ở </a:t>
+            </a:r>
+            <a:r>
+              <a:rPr lang="en-US" sz="2300" dirty="0" err="1">
+                <a:solidFill>
+                  <a:schemeClr val="tx1"/>
+                </a:solidFill>
+                <a:latin typeface="Arial" panose="020B0604020202020204" pitchFamily="34" charset="0"/>
+                <a:cs typeface="Arial" panose="020B0604020202020204" pitchFamily="34" charset="0"/>
+              </a:rPr>
+              <a:t>đây</a:t>
+            </a:r>
+            <a:r>
+              <a:rPr lang="en-US" sz="2300" dirty="0">
+                <a:solidFill>
+                  <a:schemeClr val="tx1"/>
+                </a:solidFill>
+                <a:latin typeface="Arial" panose="020B0604020202020204" pitchFamily="34" charset="0"/>
+                <a:cs typeface="Arial" panose="020B0604020202020204" pitchFamily="34" charset="0"/>
+              </a:rPr>
+              <a:t>    </a:t>
+            </a:r>
+          </a:p>
+          <a:p>
+            <a:pPr algn="l">
+              <a:spcBef>
+                <a:spcPts val="500"/>
+              </a:spcBef>
+            </a:pPr>
+            <a:r>
+              <a:rPr lang="en-US" sz="2300" dirty="0">
+                <a:solidFill>
+                  <a:schemeClr val="tx1"/>
+                </a:solidFill>
+                <a:latin typeface="Arial" panose="020B0604020202020204" pitchFamily="34" charset="0"/>
+                <a:cs typeface="Arial" panose="020B0604020202020204" pitchFamily="34" charset="0"/>
+              </a:rPr>
+              <a:t>  }</a:t>
+            </a:r>
+          </a:p>
+          <a:p>
+            <a:pPr algn="l">
+              <a:spcBef>
+                <a:spcPts val="500"/>
+              </a:spcBef>
+            </a:pPr>
+            <a:r>
+              <a:rPr lang="en-US" sz="2300" dirty="0">
+                <a:solidFill>
+                  <a:schemeClr val="tx1"/>
+                </a:solidFill>
+                <a:latin typeface="Arial" panose="020B0604020202020204" pitchFamily="34" charset="0"/>
+                <a:cs typeface="Arial" panose="020B0604020202020204" pitchFamily="34" charset="0"/>
+              </a:rPr>
+              <a:t>}</a:t>
+            </a:r>
+          </a:p>
+        </p:txBody>
+      </p:sp>
+    </p:spTree>
+    <p:extLst>
+      <p:ext uri="{BB962C8B-B14F-4D97-AF65-F5344CB8AC3E}">
+        <p14:creationId xmlns:p14="http://schemas.microsoft.com/office/powerpoint/2010/main" val="3760520178"/>
+      </p:ext>
+    </p:extLst>
+  </p:cSld>
+  <p:clrMapOvr>
+    <a:masterClrMapping/>
+  </p:clrMapOvr>
+</p:sld>
+</file>
+
+<file path=ppt/slides/slide12.xml><?xml version="1.0" encoding="utf-8"?>
+<p:sld xmlns:a="http://schemas.openxmlformats.org/drawingml/2006/main" xmlns:r="http://schemas.openxmlformats.org/officeDocument/2006/relationships" xmlns:p="http://schemas.openxmlformats.org/presentationml/2006/main">
+  <p:cSld>
+    <p:spTree>
+      <p:nvGrpSpPr>
+        <p:cNvPr id="1" name=""/>
+        <p:cNvGrpSpPr/>
+        <p:nvPr/>
+      </p:nvGrpSpPr>
+      <p:grpSpPr>
+        <a:xfrm>
+          <a:off x="0" y="0"/>
+          <a:ext cx="0" cy="0"/>
+          <a:chOff x="0" y="0"/>
+          <a:chExt cx="0" cy="0"/>
+        </a:xfrm>
+      </p:grpSpPr>
+      <p:sp>
+        <p:nvSpPr>
+          <p:cNvPr id="2" name="Title 1"/>
+          <p:cNvSpPr>
+            <a:spLocks noGrp="1"/>
+          </p:cNvSpPr>
+          <p:nvPr>
+            <p:ph type="ctrTitle"/>
+          </p:nvPr>
+        </p:nvSpPr>
+        <p:spPr>
+          <a:xfrm>
+            <a:off x="0" y="63969"/>
+            <a:ext cx="12192000" cy="1040441"/>
+          </a:xfrm>
+        </p:spPr>
+        <p:txBody>
+          <a:bodyPr/>
+          <a:lstStyle/>
+          <a:p>
+            <a:pPr algn="ctr"/>
+            <a:r>
+              <a:rPr lang="en-US" sz="5000" b="1" dirty="0">
+                <a:solidFill>
+                  <a:schemeClr val="tx1"/>
+                </a:solidFill>
+                <a:latin typeface="Arial" panose="020B0604020202020204" pitchFamily="34" charset="0"/>
+                <a:cs typeface="Arial" panose="020B0604020202020204" pitchFamily="34" charset="0"/>
+              </a:rPr>
+              <a:t>Fetch data </a:t>
+            </a:r>
+            <a:r>
+              <a:rPr lang="en-US" sz="5000" b="1" dirty="0" err="1">
+                <a:solidFill>
+                  <a:schemeClr val="tx1"/>
+                </a:solidFill>
+                <a:latin typeface="Arial" panose="020B0604020202020204" pitchFamily="34" charset="0"/>
+                <a:cs typeface="Arial" panose="020B0604020202020204" pitchFamily="34" charset="0"/>
+              </a:rPr>
+              <a:t>với</a:t>
+            </a:r>
+            <a:r>
+              <a:rPr lang="en-US" sz="5000" b="1" dirty="0">
+                <a:solidFill>
+                  <a:schemeClr val="tx1"/>
+                </a:solidFill>
+                <a:latin typeface="Arial" panose="020B0604020202020204" pitchFamily="34" charset="0"/>
+                <a:cs typeface="Arial" panose="020B0604020202020204" pitchFamily="34" charset="0"/>
+              </a:rPr>
+              <a:t> POST method</a:t>
+            </a:r>
+            <a:endParaRPr lang="en-US" sz="5000" dirty="0">
+              <a:solidFill>
+                <a:schemeClr val="tx1"/>
+              </a:solidFill>
+              <a:latin typeface="Arial" panose="020B0604020202020204" pitchFamily="34" charset="0"/>
+              <a:cs typeface="Arial" panose="020B0604020202020204" pitchFamily="34" charset="0"/>
+            </a:endParaRPr>
+          </a:p>
+        </p:txBody>
+      </p:sp>
+      <p:pic>
+        <p:nvPicPr>
+          <p:cNvPr id="4" name="Picture 3"/>
+          <p:cNvPicPr>
+            <a:picLocks noChangeAspect="1"/>
+          </p:cNvPicPr>
+          <p:nvPr/>
+        </p:nvPicPr>
+        <p:blipFill>
+          <a:blip r:embed="rId2"/>
+          <a:stretch>
+            <a:fillRect/>
+          </a:stretch>
+        </p:blipFill>
+        <p:spPr>
+          <a:xfrm>
+            <a:off x="0" y="5977096"/>
+            <a:ext cx="3517697" cy="816935"/>
+          </a:xfrm>
+          <a:prstGeom prst="rect">
+            <a:avLst/>
+          </a:prstGeom>
+        </p:spPr>
+      </p:pic>
+      <p:sp>
+        <p:nvSpPr>
+          <p:cNvPr id="6" name="Subtitle 2">
+            <a:extLst>
+              <a:ext uri="{FF2B5EF4-FFF2-40B4-BE49-F238E27FC236}">
+                <a16:creationId xmlns:a16="http://schemas.microsoft.com/office/drawing/2014/main" id="{2C0EC2AE-7AB0-BE4A-BEEF-BB88F0CB5C7E}"/>
+              </a:ext>
+            </a:extLst>
+          </p:cNvPr>
+          <p:cNvSpPr>
+            <a:spLocks noGrp="1"/>
+          </p:cNvSpPr>
+          <p:nvPr>
+            <p:ph type="subTitle" idx="1"/>
+          </p:nvPr>
+        </p:nvSpPr>
+        <p:spPr>
+          <a:xfrm>
+            <a:off x="526438" y="1317964"/>
+            <a:ext cx="10826944" cy="4773742"/>
+          </a:xfrm>
+        </p:spPr>
+        <p:txBody>
+          <a:bodyPr>
+            <a:noAutofit/>
+          </a:bodyPr>
+          <a:lstStyle/>
+          <a:p>
+            <a:pPr algn="l">
+              <a:spcBef>
+                <a:spcPts val="1200"/>
+              </a:spcBef>
+            </a:pPr>
+            <a:r>
+              <a:rPr lang="en-US" sz="2300" dirty="0" err="1">
+                <a:solidFill>
+                  <a:schemeClr val="tx1"/>
+                </a:solidFill>
+                <a:latin typeface="Arial" panose="020B0604020202020204" pitchFamily="34" charset="0"/>
+                <a:cs typeface="Arial" panose="020B0604020202020204" pitchFamily="34" charset="0"/>
+              </a:rPr>
+              <a:t>Gửi</a:t>
+            </a:r>
+            <a:r>
+              <a:rPr lang="en-US" sz="2300" dirty="0">
+                <a:solidFill>
+                  <a:schemeClr val="tx1"/>
+                </a:solidFill>
+                <a:latin typeface="Arial" panose="020B0604020202020204" pitchFamily="34" charset="0"/>
+                <a:cs typeface="Arial" panose="020B0604020202020204" pitchFamily="34" charset="0"/>
+              </a:rPr>
+              <a:t> data </a:t>
+            </a:r>
+            <a:r>
+              <a:rPr lang="en-US" sz="2300" dirty="0" err="1">
+                <a:solidFill>
+                  <a:schemeClr val="tx1"/>
+                </a:solidFill>
+                <a:latin typeface="Arial" panose="020B0604020202020204" pitchFamily="34" charset="0"/>
+                <a:cs typeface="Arial" panose="020B0604020202020204" pitchFamily="34" charset="0"/>
+              </a:rPr>
+              <a:t>với</a:t>
+            </a:r>
+            <a:r>
+              <a:rPr lang="en-US" sz="2300" dirty="0">
+                <a:solidFill>
+                  <a:schemeClr val="tx1"/>
+                </a:solidFill>
+                <a:latin typeface="Arial" panose="020B0604020202020204" pitchFamily="34" charset="0"/>
+                <a:cs typeface="Arial" panose="020B0604020202020204" pitchFamily="34" charset="0"/>
+              </a:rPr>
+              <a:t> </a:t>
+            </a:r>
+            <a:r>
+              <a:rPr lang="en-US" sz="2300" dirty="0" err="1">
+                <a:solidFill>
+                  <a:schemeClr val="tx1"/>
+                </a:solidFill>
+                <a:latin typeface="Arial" panose="020B0604020202020204" pitchFamily="34" charset="0"/>
+                <a:cs typeface="Arial" panose="020B0604020202020204" pitchFamily="34" charset="0"/>
+              </a:rPr>
+              <a:t>phư</a:t>
+            </a:r>
+            <a:r>
+              <a:rPr lang="vi-VN" sz="2300" dirty="0">
+                <a:solidFill>
+                  <a:schemeClr val="tx1"/>
+                </a:solidFill>
+                <a:latin typeface="Arial" panose="020B0604020202020204" pitchFamily="34" charset="0"/>
+                <a:cs typeface="Arial" panose="020B0604020202020204" pitchFamily="34" charset="0"/>
+              </a:rPr>
+              <a:t>ơ</a:t>
+            </a:r>
+            <a:r>
+              <a:rPr lang="en-US" sz="2300" dirty="0">
+                <a:solidFill>
+                  <a:schemeClr val="tx1"/>
+                </a:solidFill>
+                <a:latin typeface="Arial" panose="020B0604020202020204" pitchFamily="34" charset="0"/>
+                <a:cs typeface="Arial" panose="020B0604020202020204" pitchFamily="34" charset="0"/>
+              </a:rPr>
+              <a:t>ng </a:t>
+            </a:r>
+            <a:r>
+              <a:rPr lang="en-US" sz="2300" dirty="0" err="1">
+                <a:solidFill>
+                  <a:schemeClr val="tx1"/>
+                </a:solidFill>
+                <a:latin typeface="Arial" panose="020B0604020202020204" pitchFamily="34" charset="0"/>
+                <a:cs typeface="Arial" panose="020B0604020202020204" pitchFamily="34" charset="0"/>
+              </a:rPr>
+              <a:t>thức</a:t>
+            </a:r>
+            <a:r>
+              <a:rPr lang="en-US" sz="2300" dirty="0">
+                <a:solidFill>
+                  <a:schemeClr val="tx1"/>
+                </a:solidFill>
+                <a:latin typeface="Arial" panose="020B0604020202020204" pitchFamily="34" charset="0"/>
+                <a:cs typeface="Arial" panose="020B0604020202020204" pitchFamily="34" charset="0"/>
+              </a:rPr>
+              <a:t> POST:</a:t>
+            </a:r>
+          </a:p>
+          <a:p>
+            <a:pPr algn="l">
+              <a:spcBef>
+                <a:spcPts val="1200"/>
+              </a:spcBef>
+            </a:pPr>
+            <a:r>
+              <a:rPr lang="en-US" sz="2300" b="1" dirty="0">
+                <a:solidFill>
+                  <a:schemeClr val="tx1"/>
+                </a:solidFill>
+                <a:latin typeface="Arial" panose="020B0604020202020204" pitchFamily="34" charset="0"/>
+                <a:cs typeface="Arial" panose="020B0604020202020204" pitchFamily="34" charset="0"/>
+              </a:rPr>
+              <a:t>fetch</a:t>
+            </a:r>
+            <a:r>
+              <a:rPr lang="en-US" sz="2300" dirty="0">
+                <a:solidFill>
+                  <a:schemeClr val="tx1"/>
+                </a:solidFill>
+                <a:latin typeface="Arial" panose="020B0604020202020204" pitchFamily="34" charset="0"/>
+                <a:cs typeface="Arial" panose="020B0604020202020204" pitchFamily="34" charset="0"/>
+              </a:rPr>
+              <a:t>('https://mywebsite.com/endpoint/', {</a:t>
+            </a:r>
+          </a:p>
+          <a:p>
+            <a:pPr algn="l">
+              <a:spcBef>
+                <a:spcPts val="1200"/>
+              </a:spcBef>
+            </a:pPr>
+            <a:r>
+              <a:rPr lang="en-US" sz="2300" dirty="0">
+                <a:solidFill>
+                  <a:schemeClr val="tx1"/>
+                </a:solidFill>
+                <a:latin typeface="Arial" panose="020B0604020202020204" pitchFamily="34" charset="0"/>
+                <a:cs typeface="Arial" panose="020B0604020202020204" pitchFamily="34" charset="0"/>
+              </a:rPr>
+              <a:t>  </a:t>
+            </a:r>
+            <a:r>
+              <a:rPr lang="en-US" sz="2300" b="1" dirty="0">
+                <a:solidFill>
+                  <a:schemeClr val="tx1"/>
+                </a:solidFill>
+                <a:latin typeface="Arial" panose="020B0604020202020204" pitchFamily="34" charset="0"/>
+                <a:cs typeface="Arial" panose="020B0604020202020204" pitchFamily="34" charset="0"/>
+              </a:rPr>
+              <a:t>method</a:t>
+            </a:r>
+            <a:r>
+              <a:rPr lang="en-US" sz="2300" dirty="0">
+                <a:solidFill>
+                  <a:schemeClr val="tx1"/>
+                </a:solidFill>
+                <a:latin typeface="Arial" panose="020B0604020202020204" pitchFamily="34" charset="0"/>
+                <a:cs typeface="Arial" panose="020B0604020202020204" pitchFamily="34" charset="0"/>
+              </a:rPr>
+              <a:t>: 'POST’,</a:t>
+            </a:r>
+            <a:r>
+              <a:rPr lang="vi-VN" sz="2300" dirty="0">
+                <a:solidFill>
+                  <a:schemeClr val="tx1"/>
+                </a:solidFill>
+                <a:latin typeface="Arial" panose="020B0604020202020204" pitchFamily="34" charset="0"/>
+                <a:cs typeface="Arial" panose="020B0604020202020204" pitchFamily="34" charset="0"/>
+              </a:rPr>
+              <a:t>//Làm tương tự với các phương thức PUT, DELETE</a:t>
+            </a:r>
+            <a:endParaRPr lang="en-US" sz="2300" dirty="0">
+              <a:solidFill>
+                <a:schemeClr val="tx1"/>
+              </a:solidFill>
+              <a:latin typeface="Arial" panose="020B0604020202020204" pitchFamily="34" charset="0"/>
+              <a:cs typeface="Arial" panose="020B0604020202020204" pitchFamily="34" charset="0"/>
+            </a:endParaRPr>
+          </a:p>
+          <a:p>
+            <a:pPr algn="l">
+              <a:spcBef>
+                <a:spcPts val="1200"/>
+              </a:spcBef>
+            </a:pPr>
+            <a:r>
+              <a:rPr lang="en-US" sz="2300" dirty="0">
+                <a:solidFill>
+                  <a:schemeClr val="tx1"/>
+                </a:solidFill>
+                <a:latin typeface="Arial" panose="020B0604020202020204" pitchFamily="34" charset="0"/>
+                <a:cs typeface="Arial" panose="020B0604020202020204" pitchFamily="34" charset="0"/>
+              </a:rPr>
+              <a:t>  </a:t>
+            </a:r>
+            <a:r>
+              <a:rPr lang="en-US" sz="2300" b="1" dirty="0">
+                <a:solidFill>
+                  <a:schemeClr val="tx1"/>
+                </a:solidFill>
+                <a:latin typeface="Arial" panose="020B0604020202020204" pitchFamily="34" charset="0"/>
+                <a:cs typeface="Arial" panose="020B0604020202020204" pitchFamily="34" charset="0"/>
+              </a:rPr>
+              <a:t>headers</a:t>
+            </a:r>
+            <a:r>
+              <a:rPr lang="en-US" sz="2300" dirty="0">
+                <a:solidFill>
+                  <a:schemeClr val="tx1"/>
+                </a:solidFill>
+                <a:latin typeface="Arial" panose="020B0604020202020204" pitchFamily="34" charset="0"/>
+                <a:cs typeface="Arial" panose="020B0604020202020204" pitchFamily="34" charset="0"/>
+              </a:rPr>
+              <a:t>: {</a:t>
+            </a:r>
+          </a:p>
+          <a:p>
+            <a:pPr algn="l">
+              <a:spcBef>
+                <a:spcPts val="1200"/>
+              </a:spcBef>
+            </a:pPr>
+            <a:r>
+              <a:rPr lang="en-US" sz="2300" dirty="0">
+                <a:solidFill>
+                  <a:schemeClr val="tx1"/>
+                </a:solidFill>
+                <a:latin typeface="Arial" panose="020B0604020202020204" pitchFamily="34" charset="0"/>
+                <a:cs typeface="Arial" panose="020B0604020202020204" pitchFamily="34" charset="0"/>
+              </a:rPr>
+              <a:t>    Accept: 'application/json',</a:t>
+            </a:r>
+          </a:p>
+          <a:p>
+            <a:pPr algn="l">
+              <a:spcBef>
+                <a:spcPts val="1200"/>
+              </a:spcBef>
+            </a:pPr>
+            <a:r>
+              <a:rPr lang="en-US" sz="2300" dirty="0">
+                <a:solidFill>
+                  <a:schemeClr val="tx1"/>
+                </a:solidFill>
+                <a:latin typeface="Arial" panose="020B0604020202020204" pitchFamily="34" charset="0"/>
+                <a:cs typeface="Arial" panose="020B0604020202020204" pitchFamily="34" charset="0"/>
+              </a:rPr>
+              <a:t>    'Content-Type': 'application/json',</a:t>
+            </a:r>
+          </a:p>
+          <a:p>
+            <a:pPr algn="l">
+              <a:spcBef>
+                <a:spcPts val="1200"/>
+              </a:spcBef>
+            </a:pPr>
+            <a:r>
+              <a:rPr lang="en-US" sz="2300" dirty="0">
+                <a:solidFill>
+                  <a:schemeClr val="tx1"/>
+                </a:solidFill>
+                <a:latin typeface="Arial" panose="020B0604020202020204" pitchFamily="34" charset="0"/>
+                <a:cs typeface="Arial" panose="020B0604020202020204" pitchFamily="34" charset="0"/>
+              </a:rPr>
+              <a:t>  },</a:t>
+            </a:r>
+          </a:p>
+          <a:p>
+            <a:pPr algn="l">
+              <a:spcBef>
+                <a:spcPts val="1200"/>
+              </a:spcBef>
+            </a:pPr>
+            <a:r>
+              <a:rPr lang="en-US" sz="2300" dirty="0">
+                <a:solidFill>
+                  <a:schemeClr val="tx1"/>
+                </a:solidFill>
+                <a:latin typeface="Arial" panose="020B0604020202020204" pitchFamily="34" charset="0"/>
+                <a:cs typeface="Arial" panose="020B0604020202020204" pitchFamily="34" charset="0"/>
+              </a:rPr>
+              <a:t>  </a:t>
+            </a:r>
+            <a:r>
+              <a:rPr lang="en-US" sz="2300" b="1" dirty="0">
+                <a:solidFill>
+                  <a:schemeClr val="tx1"/>
+                </a:solidFill>
+                <a:latin typeface="Arial" panose="020B0604020202020204" pitchFamily="34" charset="0"/>
+                <a:cs typeface="Arial" panose="020B0604020202020204" pitchFamily="34" charset="0"/>
+              </a:rPr>
+              <a:t>body</a:t>
+            </a:r>
+            <a:r>
+              <a:rPr lang="en-US" sz="2300" dirty="0">
+                <a:solidFill>
+                  <a:schemeClr val="tx1"/>
+                </a:solidFill>
+                <a:latin typeface="Arial" panose="020B0604020202020204" pitchFamily="34" charset="0"/>
+                <a:cs typeface="Arial" panose="020B0604020202020204" pitchFamily="34" charset="0"/>
+              </a:rPr>
+              <a:t>: </a:t>
+            </a:r>
+            <a:r>
+              <a:rPr lang="en-US" sz="2300" dirty="0" err="1">
+                <a:solidFill>
+                  <a:schemeClr val="tx1"/>
+                </a:solidFill>
+                <a:latin typeface="Arial" panose="020B0604020202020204" pitchFamily="34" charset="0"/>
+                <a:cs typeface="Arial" panose="020B0604020202020204" pitchFamily="34" charset="0"/>
+              </a:rPr>
+              <a:t>JSON.stringify</a:t>
+            </a:r>
+            <a:r>
+              <a:rPr lang="en-US" sz="2300" dirty="0">
+                <a:solidFill>
+                  <a:schemeClr val="tx1"/>
+                </a:solidFill>
+                <a:latin typeface="Arial" panose="020B0604020202020204" pitchFamily="34" charset="0"/>
+                <a:cs typeface="Arial" panose="020B0604020202020204" pitchFamily="34" charset="0"/>
+              </a:rPr>
+              <a:t>({</a:t>
+            </a:r>
+            <a:r>
+              <a:rPr lang="en-US" sz="2300" dirty="0" err="1">
+                <a:solidFill>
+                  <a:schemeClr val="tx1"/>
+                </a:solidFill>
+                <a:latin typeface="Arial" panose="020B0604020202020204" pitchFamily="34" charset="0"/>
+                <a:cs typeface="Arial" panose="020B0604020202020204" pitchFamily="34" charset="0"/>
+              </a:rPr>
+              <a:t>productName</a:t>
+            </a:r>
+            <a:r>
+              <a:rPr lang="en-US" sz="2300" dirty="0">
+                <a:solidFill>
+                  <a:schemeClr val="tx1"/>
+                </a:solidFill>
+                <a:latin typeface="Arial" panose="020B0604020202020204" pitchFamily="34" charset="0"/>
+                <a:cs typeface="Arial" panose="020B0604020202020204" pitchFamily="34" charset="0"/>
+              </a:rPr>
+              <a:t>: ‘</a:t>
+            </a:r>
+            <a:r>
+              <a:rPr lang="en-US" sz="2300" dirty="0" err="1">
+                <a:solidFill>
+                  <a:schemeClr val="tx1"/>
+                </a:solidFill>
+                <a:latin typeface="Arial" panose="020B0604020202020204" pitchFamily="34" charset="0"/>
+                <a:cs typeface="Arial" panose="020B0604020202020204" pitchFamily="34" charset="0"/>
+              </a:rPr>
+              <a:t>iphone</a:t>
+            </a:r>
+            <a:r>
+              <a:rPr lang="en-US" sz="2300" dirty="0">
+                <a:solidFill>
+                  <a:schemeClr val="tx1"/>
+                </a:solidFill>
+                <a:latin typeface="Arial" panose="020B0604020202020204" pitchFamily="34" charset="0"/>
+                <a:cs typeface="Arial" panose="020B0604020202020204" pitchFamily="34" charset="0"/>
+              </a:rPr>
+              <a:t> X', year: 2018}),</a:t>
+            </a:r>
+          </a:p>
+          <a:p>
+            <a:pPr algn="l">
+              <a:spcBef>
+                <a:spcPts val="1200"/>
+              </a:spcBef>
+            </a:pPr>
+            <a:r>
+              <a:rPr lang="en-US" sz="2300" dirty="0">
+                <a:solidFill>
+                  <a:schemeClr val="tx1"/>
+                </a:solidFill>
+                <a:latin typeface="Arial" panose="020B0604020202020204" pitchFamily="34" charset="0"/>
+                <a:cs typeface="Arial" panose="020B0604020202020204" pitchFamily="34" charset="0"/>
+              </a:rPr>
+              <a:t>})</a:t>
+            </a:r>
+          </a:p>
+        </p:txBody>
+      </p:sp>
+    </p:spTree>
+    <p:extLst>
+      <p:ext uri="{BB962C8B-B14F-4D97-AF65-F5344CB8AC3E}">
+        <p14:creationId xmlns:p14="http://schemas.microsoft.com/office/powerpoint/2010/main" val="2148890012"/>
+      </p:ext>
+    </p:extLst>
+  </p:cSld>
+  <p:clrMapOvr>
+    <a:masterClrMapping/>
+  </p:clrMapOvr>
+</p:sld>
+</file>
+
+<file path=ppt/slides/slide13.xml><?xml version="1.0" encoding="utf-8"?>
+<p:sld xmlns:a="http://schemas.openxmlformats.org/drawingml/2006/main" xmlns:r="http://schemas.openxmlformats.org/officeDocument/2006/relationships" xmlns:p="http://schemas.openxmlformats.org/presentationml/2006/main">
+  <p:cSld>
+    <p:spTree>
+      <p:nvGrpSpPr>
+        <p:cNvPr id="1" name=""/>
+        <p:cNvGrpSpPr/>
+        <p:nvPr/>
+      </p:nvGrpSpPr>
+      <p:grpSpPr>
+        <a:xfrm>
+          <a:off x="0" y="0"/>
+          <a:ext cx="0" cy="0"/>
+          <a:chOff x="0" y="0"/>
+          <a:chExt cx="0" cy="0"/>
+        </a:xfrm>
+      </p:grpSpPr>
+      <p:sp>
+        <p:nvSpPr>
+          <p:cNvPr id="2" name="Title 1"/>
+          <p:cNvSpPr>
+            <a:spLocks noGrp="1"/>
+          </p:cNvSpPr>
+          <p:nvPr>
+            <p:ph type="ctrTitle"/>
+          </p:nvPr>
+        </p:nvSpPr>
+        <p:spPr>
+          <a:xfrm>
+            <a:off x="0" y="63969"/>
+            <a:ext cx="12192000" cy="1040441"/>
+          </a:xfrm>
+        </p:spPr>
+        <p:txBody>
+          <a:bodyPr/>
+          <a:lstStyle/>
+          <a:p>
+            <a:pPr algn="ctr"/>
+            <a:r>
+              <a:rPr lang="vi-VN" sz="5000" b="1" dirty="0">
+                <a:solidFill>
+                  <a:schemeClr val="tx1"/>
+                </a:solidFill>
+                <a:latin typeface="Arial" panose="020B0604020202020204" pitchFamily="34" charset="0"/>
+                <a:cs typeface="Arial" panose="020B0604020202020204" pitchFamily="34" charset="0"/>
+              </a:rPr>
+              <a:t>Bài tập</a:t>
+            </a:r>
+            <a:endParaRPr lang="en-US" sz="5000" dirty="0">
+              <a:solidFill>
+                <a:schemeClr val="tx1"/>
+              </a:solidFill>
+              <a:latin typeface="Arial" panose="020B0604020202020204" pitchFamily="34" charset="0"/>
+              <a:cs typeface="Arial" panose="020B0604020202020204" pitchFamily="34" charset="0"/>
+            </a:endParaRPr>
+          </a:p>
+        </p:txBody>
+      </p:sp>
+      <p:pic>
+        <p:nvPicPr>
+          <p:cNvPr id="4" name="Picture 3"/>
+          <p:cNvPicPr>
+            <a:picLocks noChangeAspect="1"/>
+          </p:cNvPicPr>
+          <p:nvPr/>
+        </p:nvPicPr>
+        <p:blipFill>
+          <a:blip r:embed="rId2"/>
+          <a:stretch>
+            <a:fillRect/>
+          </a:stretch>
+        </p:blipFill>
+        <p:spPr>
+          <a:xfrm>
+            <a:off x="0" y="5977096"/>
+            <a:ext cx="3517697" cy="816935"/>
+          </a:xfrm>
+          <a:prstGeom prst="rect">
+            <a:avLst/>
+          </a:prstGeom>
+        </p:spPr>
+      </p:pic>
+      <p:sp>
+        <p:nvSpPr>
+          <p:cNvPr id="6" name="Subtitle 2">
+            <a:extLst>
+              <a:ext uri="{FF2B5EF4-FFF2-40B4-BE49-F238E27FC236}">
+                <a16:creationId xmlns:a16="http://schemas.microsoft.com/office/drawing/2014/main" id="{2C0EC2AE-7AB0-BE4A-BEEF-BB88F0CB5C7E}"/>
+              </a:ext>
+            </a:extLst>
+          </p:cNvPr>
+          <p:cNvSpPr>
+            <a:spLocks noGrp="1"/>
+          </p:cNvSpPr>
+          <p:nvPr>
+            <p:ph type="subTitle" idx="1"/>
+          </p:nvPr>
+        </p:nvSpPr>
+        <p:spPr>
+          <a:xfrm>
+            <a:off x="526438" y="1317964"/>
+            <a:ext cx="10826944" cy="4773742"/>
+          </a:xfrm>
+        </p:spPr>
+        <p:txBody>
+          <a:bodyPr>
+            <a:noAutofit/>
+          </a:bodyPr>
+          <a:lstStyle/>
+          <a:p>
+            <a:pPr algn="l">
+              <a:spcBef>
+                <a:spcPts val="1200"/>
+              </a:spcBef>
+            </a:pPr>
+            <a:r>
+              <a:rPr lang="vi-VN" sz="2300" dirty="0">
+                <a:solidFill>
+                  <a:schemeClr val="tx1"/>
+                </a:solidFill>
+                <a:latin typeface="Arial" panose="020B0604020202020204" pitchFamily="34" charset="0"/>
+                <a:cs typeface="Arial" panose="020B0604020202020204" pitchFamily="34" charset="0"/>
+              </a:rPr>
+              <a:t>5.1. Viết trang Counter sử dụng Redux: Page có 2 nút Increase(Tăng), Decrease(Giảm), Label hiển thị giá trị counter tăng giảm.</a:t>
+            </a:r>
+          </a:p>
+          <a:p>
+            <a:pPr algn="l">
+              <a:spcBef>
+                <a:spcPts val="1200"/>
+              </a:spcBef>
+            </a:pPr>
+            <a:r>
+              <a:rPr lang="vi-VN" sz="2300" dirty="0">
+                <a:solidFill>
+                  <a:schemeClr val="tx1"/>
+                </a:solidFill>
+                <a:latin typeface="Arial" panose="020B0604020202020204" pitchFamily="34" charset="0"/>
+                <a:cs typeface="Arial" panose="020B0604020202020204" pitchFamily="34" charset="0"/>
+              </a:rPr>
+              <a:t>5.2.Viết lại ứng dụng CRUD products có các Component ProductList, AddProduct, sử dụng Redux</a:t>
+            </a:r>
+          </a:p>
+          <a:p>
+            <a:pPr algn="l">
+              <a:spcBef>
+                <a:spcPts val="1200"/>
+              </a:spcBef>
+            </a:pPr>
+            <a:r>
+              <a:rPr lang="vi-VN" sz="2300" dirty="0">
+                <a:solidFill>
+                  <a:schemeClr val="tx1"/>
+                </a:solidFill>
+                <a:latin typeface="Arial" panose="020B0604020202020204" pitchFamily="34" charset="0"/>
+                <a:cs typeface="Arial" panose="020B0604020202020204" pitchFamily="34" charset="0"/>
+              </a:rPr>
+              <a:t>5.3.Viết lại ứng dụng ở bài 5.2, dữ liệu lấy từ Server(sẽ cung cấp backend bằng Nodejs+Postgres). Viết các async actions xử lý các sự kiện trước và sau khi gửi Request lên server.</a:t>
+            </a:r>
+            <a:endParaRPr lang="en-US" sz="2300" dirty="0">
+              <a:solidFill>
+                <a:schemeClr val="tx1"/>
+              </a:solidFill>
+              <a:latin typeface="Arial" panose="020B0604020202020204" pitchFamily="34" charset="0"/>
+              <a:cs typeface="Arial" panose="020B0604020202020204" pitchFamily="34" charset="0"/>
+            </a:endParaRPr>
+          </a:p>
+        </p:txBody>
+      </p:sp>
+    </p:spTree>
+    <p:extLst>
+      <p:ext uri="{BB962C8B-B14F-4D97-AF65-F5344CB8AC3E}">
+        <p14:creationId xmlns:p14="http://schemas.microsoft.com/office/powerpoint/2010/main" val="3726859069"/>
       </p:ext>
     </p:extLst>
   </p:cSld>
@@ -12998,6 +15597,1481 @@
     <p:extLst>
       <p:ext uri="{BB962C8B-B14F-4D97-AF65-F5344CB8AC3E}">
         <p14:creationId xmlns:p14="http://schemas.microsoft.com/office/powerpoint/2010/main" val="4233507478"/>
+      </p:ext>
+    </p:extLst>
+  </p:cSld>
+  <p:clrMapOvr>
+    <a:masterClrMapping/>
+  </p:clrMapOvr>
+</p:sld>
+</file>
+
+<file path=ppt/slides/slide9.xml><?xml version="1.0" encoding="utf-8"?>
+<p:sld xmlns:a="http://schemas.openxmlformats.org/drawingml/2006/main" xmlns:r="http://schemas.openxmlformats.org/officeDocument/2006/relationships" xmlns:p="http://schemas.openxmlformats.org/presentationml/2006/main">
+  <p:cSld>
+    <p:spTree>
+      <p:nvGrpSpPr>
+        <p:cNvPr id="1" name=""/>
+        <p:cNvGrpSpPr/>
+        <p:nvPr/>
+      </p:nvGrpSpPr>
+      <p:grpSpPr>
+        <a:xfrm>
+          <a:off x="0" y="0"/>
+          <a:ext cx="0" cy="0"/>
+          <a:chOff x="0" y="0"/>
+          <a:chExt cx="0" cy="0"/>
+        </a:xfrm>
+      </p:grpSpPr>
+      <p:sp>
+        <p:nvSpPr>
+          <p:cNvPr id="2" name="Title 1"/>
+          <p:cNvSpPr>
+            <a:spLocks noGrp="1"/>
+          </p:cNvSpPr>
+          <p:nvPr>
+            <p:ph type="ctrTitle"/>
+          </p:nvPr>
+        </p:nvSpPr>
+        <p:spPr>
+          <a:xfrm>
+            <a:off x="0" y="63969"/>
+            <a:ext cx="12192000" cy="1040441"/>
+          </a:xfrm>
+        </p:spPr>
+        <p:txBody>
+          <a:bodyPr/>
+          <a:lstStyle/>
+          <a:p>
+            <a:pPr algn="ctr"/>
+            <a:r>
+              <a:rPr lang="en-US" sz="5000" b="1" dirty="0">
+                <a:solidFill>
+                  <a:schemeClr val="tx1"/>
+                </a:solidFill>
+                <a:latin typeface="Arial" panose="020B0604020202020204" pitchFamily="34" charset="0"/>
+                <a:cs typeface="Arial" panose="020B0604020202020204" pitchFamily="34" charset="0"/>
+              </a:rPr>
+              <a:t>Async Actions </a:t>
+            </a:r>
+            <a:r>
+              <a:rPr lang="en-US" sz="5000" b="1" dirty="0" err="1">
+                <a:solidFill>
+                  <a:schemeClr val="tx1"/>
+                </a:solidFill>
+                <a:latin typeface="Arial" panose="020B0604020202020204" pitchFamily="34" charset="0"/>
+                <a:cs typeface="Arial" panose="020B0604020202020204" pitchFamily="34" charset="0"/>
+              </a:rPr>
+              <a:t>trong</a:t>
+            </a:r>
+            <a:r>
+              <a:rPr lang="en-US" sz="5000" b="1" dirty="0">
+                <a:solidFill>
+                  <a:schemeClr val="tx1"/>
+                </a:solidFill>
+                <a:latin typeface="Arial" panose="020B0604020202020204" pitchFamily="34" charset="0"/>
+                <a:cs typeface="Arial" panose="020B0604020202020204" pitchFamily="34" charset="0"/>
+              </a:rPr>
+              <a:t> Redux</a:t>
+            </a:r>
+            <a:endParaRPr lang="en-US" sz="5000" dirty="0">
+              <a:solidFill>
+                <a:schemeClr val="tx1"/>
+              </a:solidFill>
+              <a:latin typeface="Arial" panose="020B0604020202020204" pitchFamily="34" charset="0"/>
+              <a:cs typeface="Arial" panose="020B0604020202020204" pitchFamily="34" charset="0"/>
+            </a:endParaRPr>
+          </a:p>
+        </p:txBody>
+      </p:sp>
+      <p:pic>
+        <p:nvPicPr>
+          <p:cNvPr id="4" name="Picture 3"/>
+          <p:cNvPicPr>
+            <a:picLocks noChangeAspect="1"/>
+          </p:cNvPicPr>
+          <p:nvPr/>
+        </p:nvPicPr>
+        <p:blipFill>
+          <a:blip r:embed="rId2"/>
+          <a:stretch>
+            <a:fillRect/>
+          </a:stretch>
+        </p:blipFill>
+        <p:spPr>
+          <a:xfrm>
+            <a:off x="0" y="5977096"/>
+            <a:ext cx="3517697" cy="816935"/>
+          </a:xfrm>
+          <a:prstGeom prst="rect">
+            <a:avLst/>
+          </a:prstGeom>
+        </p:spPr>
+      </p:pic>
+      <p:sp>
+        <p:nvSpPr>
+          <p:cNvPr id="6" name="Subtitle 2">
+            <a:extLst>
+              <a:ext uri="{FF2B5EF4-FFF2-40B4-BE49-F238E27FC236}">
+                <a16:creationId xmlns:a16="http://schemas.microsoft.com/office/drawing/2014/main" id="{2C0EC2AE-7AB0-BE4A-BEEF-BB88F0CB5C7E}"/>
+              </a:ext>
+            </a:extLst>
+          </p:cNvPr>
+          <p:cNvSpPr>
+            <a:spLocks noGrp="1"/>
+          </p:cNvSpPr>
+          <p:nvPr>
+            <p:ph type="subTitle" idx="1"/>
+          </p:nvPr>
+        </p:nvSpPr>
+        <p:spPr>
+          <a:xfrm>
+            <a:off x="539317" y="1203354"/>
+            <a:ext cx="10826944" cy="4773742"/>
+          </a:xfrm>
+        </p:spPr>
+        <p:txBody>
+          <a:bodyPr>
+            <a:noAutofit/>
+          </a:bodyPr>
+          <a:lstStyle/>
+          <a:p>
+            <a:pPr algn="l">
+              <a:spcBef>
+                <a:spcPts val="1200"/>
+              </a:spcBef>
+            </a:pPr>
+            <a:r>
+              <a:rPr lang="vi-VN" sz="2000" dirty="0">
+                <a:solidFill>
+                  <a:schemeClr val="tx1"/>
+                </a:solidFill>
+                <a:latin typeface="Arial" panose="020B0604020202020204" pitchFamily="34" charset="0"/>
+                <a:cs typeface="Arial" panose="020B0604020202020204" pitchFamily="34" charset="0"/>
+              </a:rPr>
+              <a:t>Bản chất là sử dụng linh hoạt các action khác nhau cho</a:t>
+            </a:r>
+            <a:r>
+              <a:rPr lang="en-US" sz="2000" dirty="0">
+                <a:solidFill>
+                  <a:schemeClr val="tx1"/>
+                </a:solidFill>
+                <a:latin typeface="Arial" panose="020B0604020202020204" pitchFamily="34" charset="0"/>
+                <a:cs typeface="Arial" panose="020B0604020202020204" pitchFamily="34" charset="0"/>
+              </a:rPr>
+              <a:t> Action</a:t>
+            </a:r>
+            <a:r>
+              <a:rPr lang="vi-VN" sz="2000" dirty="0">
+                <a:solidFill>
+                  <a:schemeClr val="tx1"/>
+                </a:solidFill>
+                <a:latin typeface="Arial" panose="020B0604020202020204" pitchFamily="34" charset="0"/>
+                <a:cs typeface="Arial" panose="020B0604020202020204" pitchFamily="34" charset="0"/>
+              </a:rPr>
+              <a:t>. </a:t>
+            </a:r>
+            <a:endParaRPr lang="en-US" sz="2000" dirty="0">
+              <a:solidFill>
+                <a:schemeClr val="tx1"/>
+              </a:solidFill>
+              <a:latin typeface="Arial" panose="020B0604020202020204" pitchFamily="34" charset="0"/>
+              <a:cs typeface="Arial" panose="020B0604020202020204" pitchFamily="34" charset="0"/>
+            </a:endParaRPr>
+          </a:p>
+          <a:p>
+            <a:pPr algn="l">
+              <a:spcBef>
+                <a:spcPts val="1200"/>
+              </a:spcBef>
+            </a:pPr>
+            <a:r>
+              <a:rPr lang="vi-VN" sz="2000" dirty="0">
+                <a:solidFill>
+                  <a:schemeClr val="tx1"/>
+                </a:solidFill>
+                <a:latin typeface="Arial" panose="020B0604020202020204" pitchFamily="34" charset="0"/>
+                <a:cs typeface="Arial" panose="020B0604020202020204" pitchFamily="34" charset="0"/>
+              </a:rPr>
+              <a:t>Lúc bắt đầu một hành động async</a:t>
+            </a:r>
+            <a:r>
+              <a:rPr lang="en-US" sz="2000" dirty="0">
+                <a:solidFill>
+                  <a:schemeClr val="tx1"/>
+                </a:solidFill>
+                <a:latin typeface="Arial" panose="020B0604020202020204" pitchFamily="34" charset="0"/>
+                <a:cs typeface="Arial" panose="020B0604020202020204" pitchFamily="34" charset="0"/>
+              </a:rPr>
+              <a:t>(VD: </a:t>
+            </a:r>
+            <a:r>
+              <a:rPr lang="en-US" sz="2000" dirty="0" err="1">
+                <a:solidFill>
+                  <a:schemeClr val="tx1"/>
+                </a:solidFill>
+                <a:latin typeface="Arial" panose="020B0604020202020204" pitchFamily="34" charset="0"/>
+                <a:cs typeface="Arial" panose="020B0604020202020204" pitchFamily="34" charset="0"/>
+              </a:rPr>
+              <a:t>gọi</a:t>
+            </a:r>
+            <a:r>
+              <a:rPr lang="en-US" sz="2000" dirty="0">
+                <a:solidFill>
+                  <a:schemeClr val="tx1"/>
+                </a:solidFill>
+                <a:latin typeface="Arial" panose="020B0604020202020204" pitchFamily="34" charset="0"/>
+                <a:cs typeface="Arial" panose="020B0604020202020204" pitchFamily="34" charset="0"/>
+              </a:rPr>
+              <a:t> </a:t>
+            </a:r>
+            <a:r>
+              <a:rPr lang="en-US" sz="2000" dirty="0" err="1">
+                <a:solidFill>
+                  <a:schemeClr val="tx1"/>
+                </a:solidFill>
+                <a:latin typeface="Arial" panose="020B0604020202020204" pitchFamily="34" charset="0"/>
+                <a:cs typeface="Arial" panose="020B0604020202020204" pitchFamily="34" charset="0"/>
+              </a:rPr>
+              <a:t>api</a:t>
+            </a:r>
+            <a:r>
+              <a:rPr lang="en-US" sz="2000" dirty="0">
+                <a:solidFill>
+                  <a:schemeClr val="tx1"/>
+                </a:solidFill>
+                <a:latin typeface="Arial" panose="020B0604020202020204" pitchFamily="34" charset="0"/>
+                <a:cs typeface="Arial" panose="020B0604020202020204" pitchFamily="34" charset="0"/>
+              </a:rPr>
+              <a:t> </a:t>
+            </a:r>
+            <a:r>
+              <a:rPr lang="en-US" sz="2000" dirty="0" err="1">
+                <a:solidFill>
+                  <a:schemeClr val="tx1"/>
+                </a:solidFill>
+                <a:latin typeface="Arial" panose="020B0604020202020204" pitchFamily="34" charset="0"/>
+                <a:cs typeface="Arial" panose="020B0604020202020204" pitchFamily="34" charset="0"/>
+              </a:rPr>
+              <a:t>lấy</a:t>
+            </a:r>
+            <a:r>
+              <a:rPr lang="en-US" sz="2000" dirty="0">
+                <a:solidFill>
+                  <a:schemeClr val="tx1"/>
+                </a:solidFill>
+                <a:latin typeface="Arial" panose="020B0604020202020204" pitchFamily="34" charset="0"/>
+                <a:cs typeface="Arial" panose="020B0604020202020204" pitchFamily="34" charset="0"/>
+              </a:rPr>
+              <a:t> </a:t>
+            </a:r>
+            <a:r>
+              <a:rPr lang="en-US" sz="2000" dirty="0" err="1">
+                <a:solidFill>
+                  <a:schemeClr val="tx1"/>
+                </a:solidFill>
+                <a:latin typeface="Arial" panose="020B0604020202020204" pitchFamily="34" charset="0"/>
+                <a:cs typeface="Arial" panose="020B0604020202020204" pitchFamily="34" charset="0"/>
+              </a:rPr>
+              <a:t>dữ</a:t>
+            </a:r>
+            <a:r>
+              <a:rPr lang="en-US" sz="2000" dirty="0">
+                <a:solidFill>
+                  <a:schemeClr val="tx1"/>
+                </a:solidFill>
+                <a:latin typeface="Arial" panose="020B0604020202020204" pitchFamily="34" charset="0"/>
+                <a:cs typeface="Arial" panose="020B0604020202020204" pitchFamily="34" charset="0"/>
+              </a:rPr>
+              <a:t> </a:t>
+            </a:r>
+            <a:r>
+              <a:rPr lang="en-US" sz="2000" dirty="0" err="1">
+                <a:solidFill>
+                  <a:schemeClr val="tx1"/>
+                </a:solidFill>
+                <a:latin typeface="Arial" panose="020B0604020202020204" pitchFamily="34" charset="0"/>
+                <a:cs typeface="Arial" panose="020B0604020202020204" pitchFamily="34" charset="0"/>
+              </a:rPr>
+              <a:t>liệu</a:t>
+            </a:r>
+            <a:r>
+              <a:rPr lang="en-US" sz="2000" dirty="0">
+                <a:solidFill>
+                  <a:schemeClr val="tx1"/>
+                </a:solidFill>
+                <a:latin typeface="Arial" panose="020B0604020202020204" pitchFamily="34" charset="0"/>
+                <a:cs typeface="Arial" panose="020B0604020202020204" pitchFamily="34" charset="0"/>
+              </a:rPr>
+              <a:t> </a:t>
+            </a:r>
+            <a:r>
+              <a:rPr lang="en-US" sz="2000" dirty="0" err="1">
+                <a:solidFill>
+                  <a:schemeClr val="tx1"/>
+                </a:solidFill>
+                <a:latin typeface="Arial" panose="020B0604020202020204" pitchFamily="34" charset="0"/>
+                <a:cs typeface="Arial" panose="020B0604020202020204" pitchFamily="34" charset="0"/>
+              </a:rPr>
+              <a:t>từ</a:t>
+            </a:r>
+            <a:r>
+              <a:rPr lang="en-US" sz="2000" dirty="0">
+                <a:solidFill>
+                  <a:schemeClr val="tx1"/>
+                </a:solidFill>
+                <a:latin typeface="Arial" panose="020B0604020202020204" pitchFamily="34" charset="0"/>
+                <a:cs typeface="Arial" panose="020B0604020202020204" pitchFamily="34" charset="0"/>
+              </a:rPr>
+              <a:t> server)</a:t>
+            </a:r>
+            <a:r>
+              <a:rPr lang="vi-VN" sz="2000" dirty="0">
+                <a:solidFill>
+                  <a:schemeClr val="tx1"/>
+                </a:solidFill>
+                <a:latin typeface="Arial" panose="020B0604020202020204" pitchFamily="34" charset="0"/>
+                <a:cs typeface="Arial" panose="020B0604020202020204" pitchFamily="34" charset="0"/>
+              </a:rPr>
+              <a:t>, dispatch một </a:t>
+            </a:r>
+            <a:r>
+              <a:rPr lang="en-US" sz="2000" dirty="0">
+                <a:solidFill>
+                  <a:schemeClr val="tx1"/>
+                </a:solidFill>
+                <a:latin typeface="Arial" panose="020B0604020202020204" pitchFamily="34" charset="0"/>
+                <a:cs typeface="Arial" panose="020B0604020202020204" pitchFamily="34" charset="0"/>
+              </a:rPr>
+              <a:t>A</a:t>
+            </a:r>
+            <a:r>
+              <a:rPr lang="vi-VN" sz="2000" dirty="0">
+                <a:solidFill>
+                  <a:schemeClr val="tx1"/>
+                </a:solidFill>
+                <a:latin typeface="Arial" panose="020B0604020202020204" pitchFamily="34" charset="0"/>
+                <a:cs typeface="Arial" panose="020B0604020202020204" pitchFamily="34" charset="0"/>
+              </a:rPr>
+              <a:t>ction có tác dụng thông báo với hệ thống </a:t>
+            </a:r>
+            <a:r>
+              <a:rPr lang="en-US" sz="2000" dirty="0">
+                <a:solidFill>
+                  <a:schemeClr val="tx1"/>
+                </a:solidFill>
+                <a:latin typeface="Arial" panose="020B0604020202020204" pitchFamily="34" charset="0"/>
+                <a:cs typeface="Arial" panose="020B0604020202020204" pitchFamily="34" charset="0"/>
+              </a:rPr>
+              <a:t>Component</a:t>
+            </a:r>
+            <a:r>
+              <a:rPr lang="vi-VN" sz="2000" dirty="0">
+                <a:solidFill>
+                  <a:schemeClr val="tx1"/>
+                </a:solidFill>
+                <a:latin typeface="Arial" panose="020B0604020202020204" pitchFamily="34" charset="0"/>
+                <a:cs typeface="Arial" panose="020B0604020202020204" pitchFamily="34" charset="0"/>
+              </a:rPr>
+              <a:t> này đang làm cái gì đó,</a:t>
+            </a:r>
+            <a:r>
+              <a:rPr lang="en-US" sz="2000" dirty="0" err="1">
+                <a:solidFill>
+                  <a:schemeClr val="tx1"/>
+                </a:solidFill>
+                <a:latin typeface="Arial" panose="020B0604020202020204" pitchFamily="34" charset="0"/>
+                <a:cs typeface="Arial" panose="020B0604020202020204" pitchFamily="34" charset="0"/>
+              </a:rPr>
+              <a:t>mất</a:t>
+            </a:r>
+            <a:r>
+              <a:rPr lang="en-US" sz="2000" dirty="0">
+                <a:solidFill>
+                  <a:schemeClr val="tx1"/>
+                </a:solidFill>
+                <a:latin typeface="Arial" panose="020B0604020202020204" pitchFamily="34" charset="0"/>
+                <a:cs typeface="Arial" panose="020B0604020202020204" pitchFamily="34" charset="0"/>
+              </a:rPr>
+              <a:t> </a:t>
+            </a:r>
+            <a:r>
+              <a:rPr lang="en-US" sz="2000" dirty="0" err="1">
+                <a:solidFill>
+                  <a:schemeClr val="tx1"/>
+                </a:solidFill>
+                <a:latin typeface="Arial" panose="020B0604020202020204" pitchFamily="34" charset="0"/>
+                <a:cs typeface="Arial" panose="020B0604020202020204" pitchFamily="34" charset="0"/>
+              </a:rPr>
+              <a:t>một</a:t>
+            </a:r>
+            <a:r>
+              <a:rPr lang="en-US" sz="2000" dirty="0">
+                <a:solidFill>
+                  <a:schemeClr val="tx1"/>
+                </a:solidFill>
+                <a:latin typeface="Arial" panose="020B0604020202020204" pitchFamily="34" charset="0"/>
+                <a:cs typeface="Arial" panose="020B0604020202020204" pitchFamily="34" charset="0"/>
+              </a:rPr>
+              <a:t> </a:t>
+            </a:r>
+            <a:r>
+              <a:rPr lang="en-US" sz="2000" dirty="0" err="1">
+                <a:solidFill>
+                  <a:schemeClr val="tx1"/>
+                </a:solidFill>
+                <a:latin typeface="Arial" panose="020B0604020202020204" pitchFamily="34" charset="0"/>
+                <a:cs typeface="Arial" panose="020B0604020202020204" pitchFamily="34" charset="0"/>
+              </a:rPr>
+              <a:t>khoảng</a:t>
+            </a:r>
+            <a:r>
+              <a:rPr lang="en-US" sz="2000" dirty="0">
+                <a:solidFill>
+                  <a:schemeClr val="tx1"/>
+                </a:solidFill>
+                <a:latin typeface="Arial" panose="020B0604020202020204" pitchFamily="34" charset="0"/>
+                <a:cs typeface="Arial" panose="020B0604020202020204" pitchFamily="34" charset="0"/>
+              </a:rPr>
+              <a:t> </a:t>
+            </a:r>
+            <a:r>
+              <a:rPr lang="en-US" sz="2000" dirty="0" err="1">
+                <a:solidFill>
+                  <a:schemeClr val="tx1"/>
+                </a:solidFill>
+                <a:latin typeface="Arial" panose="020B0604020202020204" pitchFamily="34" charset="0"/>
+                <a:cs typeface="Arial" panose="020B0604020202020204" pitchFamily="34" charset="0"/>
+              </a:rPr>
+              <a:t>thời</a:t>
+            </a:r>
+            <a:r>
+              <a:rPr lang="en-US" sz="2000" dirty="0">
+                <a:solidFill>
+                  <a:schemeClr val="tx1"/>
+                </a:solidFill>
+                <a:latin typeface="Arial" panose="020B0604020202020204" pitchFamily="34" charset="0"/>
+                <a:cs typeface="Arial" panose="020B0604020202020204" pitchFamily="34" charset="0"/>
+              </a:rPr>
+              <a:t> </a:t>
+            </a:r>
+            <a:r>
+              <a:rPr lang="en-US" sz="2000" dirty="0" err="1">
+                <a:solidFill>
+                  <a:schemeClr val="tx1"/>
+                </a:solidFill>
+                <a:latin typeface="Arial" panose="020B0604020202020204" pitchFamily="34" charset="0"/>
+                <a:cs typeface="Arial" panose="020B0604020202020204" pitchFamily="34" charset="0"/>
+              </a:rPr>
+              <a:t>gian</a:t>
+            </a:r>
+            <a:r>
+              <a:rPr lang="en-US" sz="2000" dirty="0">
+                <a:solidFill>
+                  <a:schemeClr val="tx1"/>
+                </a:solidFill>
+                <a:latin typeface="Arial" panose="020B0604020202020204" pitchFamily="34" charset="0"/>
+                <a:cs typeface="Arial" panose="020B0604020202020204" pitchFamily="34" charset="0"/>
+              </a:rPr>
+              <a:t> </a:t>
+            </a:r>
+            <a:r>
+              <a:rPr lang="en-US" sz="2000" dirty="0" err="1">
+                <a:solidFill>
+                  <a:schemeClr val="tx1"/>
+                </a:solidFill>
+                <a:latin typeface="Arial" panose="020B0604020202020204" pitchFamily="34" charset="0"/>
+                <a:cs typeface="Arial" panose="020B0604020202020204" pitchFamily="34" charset="0"/>
+              </a:rPr>
+              <a:t>nào</a:t>
+            </a:r>
+            <a:r>
+              <a:rPr lang="en-US" sz="2000" dirty="0">
+                <a:solidFill>
+                  <a:schemeClr val="tx1"/>
+                </a:solidFill>
+                <a:latin typeface="Arial" panose="020B0604020202020204" pitchFamily="34" charset="0"/>
+                <a:cs typeface="Arial" panose="020B0604020202020204" pitchFamily="34" charset="0"/>
+              </a:rPr>
+              <a:t> </a:t>
+            </a:r>
+            <a:r>
+              <a:rPr lang="en-US" sz="2000" dirty="0" err="1">
+                <a:solidFill>
+                  <a:schemeClr val="tx1"/>
+                </a:solidFill>
+                <a:latin typeface="Arial" panose="020B0604020202020204" pitchFamily="34" charset="0"/>
+                <a:cs typeface="Arial" panose="020B0604020202020204" pitchFamily="34" charset="0"/>
+              </a:rPr>
+              <a:t>đó</a:t>
+            </a:r>
+            <a:r>
+              <a:rPr lang="vi-VN" sz="2000" dirty="0">
+                <a:solidFill>
+                  <a:schemeClr val="tx1"/>
+                </a:solidFill>
+                <a:latin typeface="Arial" panose="020B0604020202020204" pitchFamily="34" charset="0"/>
+                <a:cs typeface="Arial" panose="020B0604020202020204" pitchFamily="34" charset="0"/>
+              </a:rPr>
+              <a:t> để Frontend </a:t>
+            </a:r>
+            <a:r>
+              <a:rPr lang="en-US" sz="2000" dirty="0" err="1">
+                <a:solidFill>
+                  <a:schemeClr val="tx1"/>
+                </a:solidFill>
+                <a:latin typeface="Arial" panose="020B0604020202020204" pitchFamily="34" charset="0"/>
+                <a:cs typeface="Arial" panose="020B0604020202020204" pitchFamily="34" charset="0"/>
+              </a:rPr>
+              <a:t>hiển</a:t>
+            </a:r>
+            <a:r>
+              <a:rPr lang="en-US" sz="2000" dirty="0">
+                <a:solidFill>
+                  <a:schemeClr val="tx1"/>
+                </a:solidFill>
+                <a:latin typeface="Arial" panose="020B0604020202020204" pitchFamily="34" charset="0"/>
+                <a:cs typeface="Arial" panose="020B0604020202020204" pitchFamily="34" charset="0"/>
+              </a:rPr>
+              <a:t> </a:t>
+            </a:r>
+            <a:r>
+              <a:rPr lang="en-US" sz="2000" dirty="0" err="1">
+                <a:solidFill>
+                  <a:schemeClr val="tx1"/>
+                </a:solidFill>
+                <a:latin typeface="Arial" panose="020B0604020202020204" pitchFamily="34" charset="0"/>
+                <a:cs typeface="Arial" panose="020B0604020202020204" pitchFamily="34" charset="0"/>
+              </a:rPr>
+              <a:t>thị</a:t>
+            </a:r>
+            <a:r>
+              <a:rPr lang="vi-VN" sz="2000" dirty="0">
+                <a:solidFill>
+                  <a:schemeClr val="tx1"/>
+                </a:solidFill>
+                <a:latin typeface="Arial" panose="020B0604020202020204" pitchFamily="34" charset="0"/>
+                <a:cs typeface="Arial" panose="020B0604020202020204" pitchFamily="34" charset="0"/>
+              </a:rPr>
+              <a:t> Loading</a:t>
+            </a:r>
+            <a:r>
+              <a:rPr lang="en-US" sz="2000" dirty="0">
+                <a:solidFill>
+                  <a:schemeClr val="tx1"/>
+                </a:solidFill>
+                <a:latin typeface="Arial" panose="020B0604020202020204" pitchFamily="34" charset="0"/>
+                <a:cs typeface="Arial" panose="020B0604020202020204" pitchFamily="34" charset="0"/>
+              </a:rPr>
+              <a:t>Component</a:t>
+            </a:r>
+            <a:r>
+              <a:rPr lang="vi-VN" sz="2000" dirty="0">
+                <a:solidFill>
+                  <a:schemeClr val="tx1"/>
+                </a:solidFill>
+                <a:latin typeface="Arial" panose="020B0604020202020204" pitchFamily="34" charset="0"/>
+                <a:cs typeface="Arial" panose="020B0604020202020204" pitchFamily="34" charset="0"/>
+              </a:rPr>
+              <a:t>. </a:t>
+            </a:r>
+            <a:endParaRPr lang="en-US" sz="2000" dirty="0">
+              <a:solidFill>
+                <a:schemeClr val="tx1"/>
+              </a:solidFill>
+              <a:latin typeface="Arial" panose="020B0604020202020204" pitchFamily="34" charset="0"/>
+              <a:cs typeface="Arial" panose="020B0604020202020204" pitchFamily="34" charset="0"/>
+            </a:endParaRPr>
+          </a:p>
+          <a:p>
+            <a:pPr algn="l">
+              <a:spcBef>
+                <a:spcPts val="1200"/>
+              </a:spcBef>
+            </a:pPr>
+            <a:r>
+              <a:rPr lang="en-US" sz="2000" dirty="0">
+                <a:solidFill>
+                  <a:schemeClr val="tx1"/>
+                </a:solidFill>
+                <a:latin typeface="Arial" panose="020B0604020202020204" pitchFamily="34" charset="0"/>
+                <a:cs typeface="Arial" panose="020B0604020202020204" pitchFamily="34" charset="0"/>
+              </a:rPr>
+              <a:t>S</a:t>
+            </a:r>
+            <a:r>
+              <a:rPr lang="vi-VN" sz="2000" dirty="0">
+                <a:solidFill>
+                  <a:schemeClr val="tx1"/>
+                </a:solidFill>
+                <a:latin typeface="Arial" panose="020B0604020202020204" pitchFamily="34" charset="0"/>
+                <a:cs typeface="Arial" panose="020B0604020202020204" pitchFamily="34" charset="0"/>
+              </a:rPr>
+              <a:t>au khi thực hiện xong tùy vào kết quả thành công hay thất bại dispatch hành động tương ứng để Store update lại state và Frontend update lại view.</a:t>
+            </a:r>
+            <a:endParaRPr lang="en-US" sz="2000" dirty="0">
+              <a:solidFill>
+                <a:schemeClr val="tx1"/>
+              </a:solidFill>
+              <a:latin typeface="Arial" panose="020B0604020202020204" pitchFamily="34" charset="0"/>
+              <a:cs typeface="Arial" panose="020B0604020202020204" pitchFamily="34" charset="0"/>
+            </a:endParaRPr>
+          </a:p>
+          <a:p>
+            <a:pPr algn="l">
+              <a:spcBef>
+                <a:spcPts val="1200"/>
+              </a:spcBef>
+            </a:pPr>
+            <a:r>
+              <a:rPr lang="en-US" sz="2000" dirty="0" err="1">
+                <a:solidFill>
+                  <a:schemeClr val="tx1"/>
+                </a:solidFill>
+                <a:latin typeface="Arial" panose="020B0604020202020204" pitchFamily="34" charset="0"/>
+                <a:cs typeface="Arial" panose="020B0604020202020204" pitchFamily="34" charset="0"/>
+              </a:rPr>
+              <a:t>Ví</a:t>
+            </a:r>
+            <a:r>
+              <a:rPr lang="en-US" sz="2000" dirty="0">
+                <a:solidFill>
+                  <a:schemeClr val="tx1"/>
+                </a:solidFill>
+                <a:latin typeface="Arial" panose="020B0604020202020204" pitchFamily="34" charset="0"/>
+                <a:cs typeface="Arial" panose="020B0604020202020204" pitchFamily="34" charset="0"/>
+              </a:rPr>
+              <a:t> </a:t>
+            </a:r>
+            <a:r>
+              <a:rPr lang="en-US" sz="2000" dirty="0" err="1">
+                <a:solidFill>
+                  <a:schemeClr val="tx1"/>
+                </a:solidFill>
+                <a:latin typeface="Arial" panose="020B0604020202020204" pitchFamily="34" charset="0"/>
+                <a:cs typeface="Arial" panose="020B0604020202020204" pitchFamily="34" charset="0"/>
+              </a:rPr>
+              <a:t>dụ</a:t>
+            </a:r>
+            <a:r>
+              <a:rPr lang="en-US" sz="2000" dirty="0">
+                <a:solidFill>
+                  <a:schemeClr val="tx1"/>
+                </a:solidFill>
+                <a:latin typeface="Arial" panose="020B0604020202020204" pitchFamily="34" charset="0"/>
+                <a:cs typeface="Arial" panose="020B0604020202020204" pitchFamily="34" charset="0"/>
+              </a:rPr>
+              <a:t> </a:t>
+            </a:r>
+            <a:r>
+              <a:rPr lang="en-US" sz="2000" dirty="0" err="1">
+                <a:solidFill>
+                  <a:schemeClr val="tx1"/>
+                </a:solidFill>
+                <a:latin typeface="Arial" panose="020B0604020202020204" pitchFamily="34" charset="0"/>
+                <a:cs typeface="Arial" panose="020B0604020202020204" pitchFamily="34" charset="0"/>
+              </a:rPr>
+              <a:t>về</a:t>
+            </a:r>
+            <a:r>
+              <a:rPr lang="en-US" sz="2000" dirty="0">
+                <a:solidFill>
+                  <a:schemeClr val="tx1"/>
+                </a:solidFill>
+                <a:latin typeface="Arial" panose="020B0604020202020204" pitchFamily="34" charset="0"/>
+                <a:cs typeface="Arial" panose="020B0604020202020204" pitchFamily="34" charset="0"/>
+              </a:rPr>
+              <a:t> Async Action:</a:t>
+            </a:r>
+          </a:p>
+          <a:p>
+            <a:pPr algn="l">
+              <a:spcBef>
+                <a:spcPts val="1200"/>
+              </a:spcBef>
+            </a:pPr>
+            <a:r>
+              <a:rPr lang="en-US" sz="2000" dirty="0">
+                <a:solidFill>
+                  <a:schemeClr val="tx1"/>
+                </a:solidFill>
+                <a:latin typeface="Arial" panose="020B0604020202020204" pitchFamily="34" charset="0"/>
+                <a:cs typeface="Arial" panose="020B0604020202020204" pitchFamily="34" charset="0"/>
+              </a:rPr>
+              <a:t>“START_ADD_PRODUCT” : Dispatch tr</a:t>
+            </a:r>
+            <a:r>
+              <a:rPr lang="vi-VN" sz="2000" dirty="0">
+                <a:solidFill>
+                  <a:schemeClr val="tx1"/>
+                </a:solidFill>
+                <a:latin typeface="Arial" panose="020B0604020202020204" pitchFamily="34" charset="0"/>
+                <a:cs typeface="Arial" panose="020B0604020202020204" pitchFamily="34" charset="0"/>
+              </a:rPr>
+              <a:t>ư</a:t>
+            </a:r>
+            <a:r>
+              <a:rPr lang="en-US" sz="2000" dirty="0" err="1">
+                <a:solidFill>
+                  <a:schemeClr val="tx1"/>
+                </a:solidFill>
+                <a:latin typeface="Arial" panose="020B0604020202020204" pitchFamily="34" charset="0"/>
+                <a:cs typeface="Arial" panose="020B0604020202020204" pitchFamily="34" charset="0"/>
+              </a:rPr>
+              <a:t>ớc</a:t>
+            </a:r>
+            <a:r>
+              <a:rPr lang="en-US" sz="2000" dirty="0">
+                <a:solidFill>
+                  <a:schemeClr val="tx1"/>
+                </a:solidFill>
+                <a:latin typeface="Arial" panose="020B0604020202020204" pitchFamily="34" charset="0"/>
+                <a:cs typeface="Arial" panose="020B0604020202020204" pitchFamily="34" charset="0"/>
+              </a:rPr>
+              <a:t> </a:t>
+            </a:r>
+            <a:r>
+              <a:rPr lang="en-US" sz="2000" dirty="0" err="1">
+                <a:solidFill>
+                  <a:schemeClr val="tx1"/>
+                </a:solidFill>
+                <a:latin typeface="Arial" panose="020B0604020202020204" pitchFamily="34" charset="0"/>
+                <a:cs typeface="Arial" panose="020B0604020202020204" pitchFamily="34" charset="0"/>
+              </a:rPr>
+              <a:t>khi</a:t>
+            </a:r>
+            <a:r>
+              <a:rPr lang="en-US" sz="2000" dirty="0">
+                <a:solidFill>
+                  <a:schemeClr val="tx1"/>
+                </a:solidFill>
+                <a:latin typeface="Arial" panose="020B0604020202020204" pitchFamily="34" charset="0"/>
+                <a:cs typeface="Arial" panose="020B0604020202020204" pitchFamily="34" charset="0"/>
+              </a:rPr>
+              <a:t> </a:t>
+            </a:r>
+            <a:r>
+              <a:rPr lang="en-US" sz="2000" dirty="0" err="1">
+                <a:solidFill>
+                  <a:schemeClr val="tx1"/>
+                </a:solidFill>
+                <a:latin typeface="Arial" panose="020B0604020202020204" pitchFamily="34" charset="0"/>
+                <a:cs typeface="Arial" panose="020B0604020202020204" pitchFamily="34" charset="0"/>
+              </a:rPr>
+              <a:t>gửi</a:t>
+            </a:r>
+            <a:r>
+              <a:rPr lang="en-US" sz="2000" dirty="0">
+                <a:solidFill>
+                  <a:schemeClr val="tx1"/>
+                </a:solidFill>
+                <a:latin typeface="Arial" panose="020B0604020202020204" pitchFamily="34" charset="0"/>
+                <a:cs typeface="Arial" panose="020B0604020202020204" pitchFamily="34" charset="0"/>
+              </a:rPr>
+              <a:t> </a:t>
+            </a:r>
+            <a:r>
+              <a:rPr lang="en-US" sz="2000" dirty="0" err="1">
+                <a:solidFill>
+                  <a:schemeClr val="tx1"/>
+                </a:solidFill>
+                <a:latin typeface="Arial" panose="020B0604020202020204" pitchFamily="34" charset="0"/>
+                <a:cs typeface="Arial" panose="020B0604020202020204" pitchFamily="34" charset="0"/>
+              </a:rPr>
+              <a:t>api</a:t>
+            </a:r>
+            <a:r>
+              <a:rPr lang="en-US" sz="2000" dirty="0">
+                <a:solidFill>
+                  <a:schemeClr val="tx1"/>
+                </a:solidFill>
+                <a:latin typeface="Arial" panose="020B0604020202020204" pitchFamily="34" charset="0"/>
+                <a:cs typeface="Arial" panose="020B0604020202020204" pitchFamily="34" charset="0"/>
+              </a:rPr>
+              <a:t> </a:t>
+            </a:r>
+            <a:r>
+              <a:rPr lang="en-US" sz="2000" dirty="0" err="1">
+                <a:solidFill>
+                  <a:schemeClr val="tx1"/>
+                </a:solidFill>
+                <a:latin typeface="Arial" panose="020B0604020202020204" pitchFamily="34" charset="0"/>
+                <a:cs typeface="Arial" panose="020B0604020202020204" pitchFamily="34" charset="0"/>
+              </a:rPr>
+              <a:t>lấy</a:t>
+            </a:r>
+            <a:r>
+              <a:rPr lang="en-US" sz="2000" dirty="0">
+                <a:solidFill>
+                  <a:schemeClr val="tx1"/>
+                </a:solidFill>
+                <a:latin typeface="Arial" panose="020B0604020202020204" pitchFamily="34" charset="0"/>
+                <a:cs typeface="Arial" panose="020B0604020202020204" pitchFamily="34" charset="0"/>
+              </a:rPr>
+              <a:t> </a:t>
+            </a:r>
+            <a:r>
+              <a:rPr lang="en-US" sz="2000" dirty="0" err="1">
+                <a:solidFill>
+                  <a:schemeClr val="tx1"/>
+                </a:solidFill>
+                <a:latin typeface="Arial" panose="020B0604020202020204" pitchFamily="34" charset="0"/>
+                <a:cs typeface="Arial" panose="020B0604020202020204" pitchFamily="34" charset="0"/>
+              </a:rPr>
+              <a:t>dữ</a:t>
+            </a:r>
+            <a:r>
+              <a:rPr lang="en-US" sz="2000" dirty="0">
+                <a:solidFill>
+                  <a:schemeClr val="tx1"/>
+                </a:solidFill>
+                <a:latin typeface="Arial" panose="020B0604020202020204" pitchFamily="34" charset="0"/>
+                <a:cs typeface="Arial" panose="020B0604020202020204" pitchFamily="34" charset="0"/>
+              </a:rPr>
+              <a:t> </a:t>
+            </a:r>
+            <a:r>
+              <a:rPr lang="en-US" sz="2000" dirty="0" err="1">
+                <a:solidFill>
+                  <a:schemeClr val="tx1"/>
+                </a:solidFill>
+                <a:latin typeface="Arial" panose="020B0604020202020204" pitchFamily="34" charset="0"/>
+                <a:cs typeface="Arial" panose="020B0604020202020204" pitchFamily="34" charset="0"/>
+              </a:rPr>
+              <a:t>liệu</a:t>
+            </a:r>
+            <a:r>
+              <a:rPr lang="en-US" sz="2000" dirty="0">
+                <a:solidFill>
+                  <a:schemeClr val="tx1"/>
+                </a:solidFill>
+                <a:latin typeface="Arial" panose="020B0604020202020204" pitchFamily="34" charset="0"/>
+                <a:cs typeface="Arial" panose="020B0604020202020204" pitchFamily="34" charset="0"/>
+              </a:rPr>
+              <a:t> </a:t>
+            </a:r>
+            <a:r>
+              <a:rPr lang="en-US" sz="2000" dirty="0" err="1">
+                <a:solidFill>
+                  <a:schemeClr val="tx1"/>
+                </a:solidFill>
+                <a:latin typeface="Arial" panose="020B0604020202020204" pitchFamily="34" charset="0"/>
+                <a:cs typeface="Arial" panose="020B0604020202020204" pitchFamily="34" charset="0"/>
+              </a:rPr>
+              <a:t>từ</a:t>
+            </a:r>
+            <a:r>
+              <a:rPr lang="en-US" sz="2000" dirty="0">
+                <a:solidFill>
+                  <a:schemeClr val="tx1"/>
+                </a:solidFill>
+                <a:latin typeface="Arial" panose="020B0604020202020204" pitchFamily="34" charset="0"/>
+                <a:cs typeface="Arial" panose="020B0604020202020204" pitchFamily="34" charset="0"/>
+              </a:rPr>
+              <a:t> Server</a:t>
+            </a:r>
+          </a:p>
+          <a:p>
+            <a:pPr algn="l">
+              <a:spcBef>
+                <a:spcPts val="1200"/>
+              </a:spcBef>
+            </a:pPr>
+            <a:r>
+              <a:rPr lang="en-US" sz="2000" dirty="0">
+                <a:solidFill>
+                  <a:schemeClr val="tx1"/>
+                </a:solidFill>
+                <a:latin typeface="Arial" panose="020B0604020202020204" pitchFamily="34" charset="0"/>
+                <a:cs typeface="Arial" panose="020B0604020202020204" pitchFamily="34" charset="0"/>
+              </a:rPr>
+              <a:t>Sau </a:t>
+            </a:r>
+            <a:r>
+              <a:rPr lang="en-US" sz="2000" dirty="0" err="1">
+                <a:solidFill>
+                  <a:schemeClr val="tx1"/>
+                </a:solidFill>
+                <a:latin typeface="Arial" panose="020B0604020202020204" pitchFamily="34" charset="0"/>
+                <a:cs typeface="Arial" panose="020B0604020202020204" pitchFamily="34" charset="0"/>
+              </a:rPr>
+              <a:t>khi</a:t>
+            </a:r>
+            <a:r>
+              <a:rPr lang="en-US" sz="2000" dirty="0">
+                <a:solidFill>
+                  <a:schemeClr val="tx1"/>
+                </a:solidFill>
+                <a:latin typeface="Arial" panose="020B0604020202020204" pitchFamily="34" charset="0"/>
+                <a:cs typeface="Arial" panose="020B0604020202020204" pitchFamily="34" charset="0"/>
+              </a:rPr>
+              <a:t> </a:t>
+            </a:r>
+            <a:r>
+              <a:rPr lang="en-US" sz="2000" dirty="0" err="1">
+                <a:solidFill>
+                  <a:schemeClr val="tx1"/>
+                </a:solidFill>
+                <a:latin typeface="Arial" panose="020B0604020202020204" pitchFamily="34" charset="0"/>
+                <a:cs typeface="Arial" panose="020B0604020202020204" pitchFamily="34" charset="0"/>
+              </a:rPr>
+              <a:t>hoàn</a:t>
+            </a:r>
+            <a:r>
+              <a:rPr lang="en-US" sz="2000" dirty="0">
+                <a:solidFill>
+                  <a:schemeClr val="tx1"/>
+                </a:solidFill>
+                <a:latin typeface="Arial" panose="020B0604020202020204" pitchFamily="34" charset="0"/>
+                <a:cs typeface="Arial" panose="020B0604020202020204" pitchFamily="34" charset="0"/>
+              </a:rPr>
+              <a:t> </a:t>
+            </a:r>
+            <a:r>
+              <a:rPr lang="en-US" sz="2000" dirty="0" err="1">
+                <a:solidFill>
+                  <a:schemeClr val="tx1"/>
+                </a:solidFill>
+                <a:latin typeface="Arial" panose="020B0604020202020204" pitchFamily="34" charset="0"/>
+                <a:cs typeface="Arial" panose="020B0604020202020204" pitchFamily="34" charset="0"/>
+              </a:rPr>
+              <a:t>thành</a:t>
+            </a:r>
+            <a:r>
+              <a:rPr lang="en-US" sz="2000" dirty="0">
+                <a:solidFill>
+                  <a:schemeClr val="tx1"/>
+                </a:solidFill>
+                <a:latin typeface="Arial" panose="020B0604020202020204" pitchFamily="34" charset="0"/>
+                <a:cs typeface="Arial" panose="020B0604020202020204" pitchFamily="34" charset="0"/>
+              </a:rPr>
+              <a:t>, dispatch 1 </a:t>
+            </a:r>
+            <a:r>
+              <a:rPr lang="en-US" sz="2000" dirty="0" err="1">
+                <a:solidFill>
+                  <a:schemeClr val="tx1"/>
+                </a:solidFill>
+                <a:latin typeface="Arial" panose="020B0604020202020204" pitchFamily="34" charset="0"/>
+                <a:cs typeface="Arial" panose="020B0604020202020204" pitchFamily="34" charset="0"/>
+              </a:rPr>
+              <a:t>trong</a:t>
+            </a:r>
+            <a:r>
+              <a:rPr lang="en-US" sz="2000" dirty="0">
+                <a:solidFill>
+                  <a:schemeClr val="tx1"/>
+                </a:solidFill>
+                <a:latin typeface="Arial" panose="020B0604020202020204" pitchFamily="34" charset="0"/>
+                <a:cs typeface="Arial" panose="020B0604020202020204" pitchFamily="34" charset="0"/>
+              </a:rPr>
+              <a:t> 2 </a:t>
+            </a:r>
+            <a:r>
+              <a:rPr lang="en-US" sz="2000" dirty="0" err="1">
+                <a:solidFill>
+                  <a:schemeClr val="tx1"/>
+                </a:solidFill>
+                <a:latin typeface="Arial" panose="020B0604020202020204" pitchFamily="34" charset="0"/>
+                <a:cs typeface="Arial" panose="020B0604020202020204" pitchFamily="34" charset="0"/>
+              </a:rPr>
+              <a:t>hành</a:t>
+            </a:r>
+            <a:r>
+              <a:rPr lang="en-US" sz="2000" dirty="0">
+                <a:solidFill>
+                  <a:schemeClr val="tx1"/>
+                </a:solidFill>
+                <a:latin typeface="Arial" panose="020B0604020202020204" pitchFamily="34" charset="0"/>
+                <a:cs typeface="Arial" panose="020B0604020202020204" pitchFamily="34" charset="0"/>
+              </a:rPr>
+              <a:t> </a:t>
+            </a:r>
+            <a:r>
+              <a:rPr lang="en-US" sz="2000" dirty="0" err="1">
+                <a:solidFill>
+                  <a:schemeClr val="tx1"/>
+                </a:solidFill>
+                <a:latin typeface="Arial" panose="020B0604020202020204" pitchFamily="34" charset="0"/>
+                <a:cs typeface="Arial" panose="020B0604020202020204" pitchFamily="34" charset="0"/>
+              </a:rPr>
+              <a:t>động</a:t>
+            </a:r>
+            <a:r>
+              <a:rPr lang="en-US" sz="2000" dirty="0">
+                <a:solidFill>
+                  <a:schemeClr val="tx1"/>
+                </a:solidFill>
+                <a:latin typeface="Arial" panose="020B0604020202020204" pitchFamily="34" charset="0"/>
+                <a:cs typeface="Arial" panose="020B0604020202020204" pitchFamily="34" charset="0"/>
+              </a:rPr>
+              <a:t> </a:t>
+            </a:r>
+            <a:r>
+              <a:rPr lang="en-US" sz="2000" dirty="0" err="1">
+                <a:solidFill>
+                  <a:schemeClr val="tx1"/>
+                </a:solidFill>
+                <a:latin typeface="Arial" panose="020B0604020202020204" pitchFamily="34" charset="0"/>
+                <a:cs typeface="Arial" panose="020B0604020202020204" pitchFamily="34" charset="0"/>
+              </a:rPr>
+              <a:t>sau</a:t>
+            </a:r>
+            <a:r>
+              <a:rPr lang="en-US" sz="2000" dirty="0">
+                <a:solidFill>
+                  <a:schemeClr val="tx1"/>
+                </a:solidFill>
+                <a:latin typeface="Arial" panose="020B0604020202020204" pitchFamily="34" charset="0"/>
+                <a:cs typeface="Arial" panose="020B0604020202020204" pitchFamily="34" charset="0"/>
+              </a:rPr>
+              <a:t> </a:t>
+            </a:r>
+            <a:r>
+              <a:rPr lang="en-US" sz="2000" dirty="0" err="1">
+                <a:solidFill>
+                  <a:schemeClr val="tx1"/>
+                </a:solidFill>
+                <a:latin typeface="Arial" panose="020B0604020202020204" pitchFamily="34" charset="0"/>
+                <a:cs typeface="Arial" panose="020B0604020202020204" pitchFamily="34" charset="0"/>
+              </a:rPr>
+              <a:t>đây</a:t>
+            </a:r>
+            <a:r>
+              <a:rPr lang="en-US" sz="2000" dirty="0">
+                <a:solidFill>
+                  <a:schemeClr val="tx1"/>
+                </a:solidFill>
+                <a:latin typeface="Arial" panose="020B0604020202020204" pitchFamily="34" charset="0"/>
+                <a:cs typeface="Arial" panose="020B0604020202020204" pitchFamily="34" charset="0"/>
+              </a:rPr>
+              <a:t>:</a:t>
+            </a:r>
+          </a:p>
+          <a:p>
+            <a:pPr algn="l">
+              <a:spcBef>
+                <a:spcPts val="1200"/>
+              </a:spcBef>
+            </a:pPr>
+            <a:r>
+              <a:rPr lang="en-US" sz="2000" dirty="0">
+                <a:solidFill>
+                  <a:schemeClr val="tx1"/>
+                </a:solidFill>
+                <a:latin typeface="Arial" panose="020B0604020202020204" pitchFamily="34" charset="0"/>
+                <a:cs typeface="Arial" panose="020B0604020202020204" pitchFamily="34" charset="0"/>
+              </a:rPr>
+              <a:t>“ADD_PRODUCT_SUCCESS”: </a:t>
+            </a:r>
+            <a:r>
+              <a:rPr lang="en-US" sz="2000" dirty="0" err="1">
+                <a:solidFill>
+                  <a:schemeClr val="tx1"/>
+                </a:solidFill>
+                <a:latin typeface="Arial" panose="020B0604020202020204" pitchFamily="34" charset="0"/>
+                <a:cs typeface="Arial" panose="020B0604020202020204" pitchFamily="34" charset="0"/>
+              </a:rPr>
+              <a:t>lấy</a:t>
+            </a:r>
+            <a:r>
+              <a:rPr lang="en-US" sz="2000" dirty="0">
+                <a:solidFill>
+                  <a:schemeClr val="tx1"/>
+                </a:solidFill>
+                <a:latin typeface="Arial" panose="020B0604020202020204" pitchFamily="34" charset="0"/>
+                <a:cs typeface="Arial" panose="020B0604020202020204" pitchFamily="34" charset="0"/>
+              </a:rPr>
+              <a:t> </a:t>
+            </a:r>
+            <a:r>
+              <a:rPr lang="en-US" sz="2000" dirty="0" err="1">
+                <a:solidFill>
+                  <a:schemeClr val="tx1"/>
+                </a:solidFill>
+                <a:latin typeface="Arial" panose="020B0604020202020204" pitchFamily="34" charset="0"/>
+                <a:cs typeface="Arial" panose="020B0604020202020204" pitchFamily="34" charset="0"/>
+              </a:rPr>
+              <a:t>dữ</a:t>
+            </a:r>
+            <a:r>
+              <a:rPr lang="en-US" sz="2000" dirty="0">
+                <a:solidFill>
+                  <a:schemeClr val="tx1"/>
+                </a:solidFill>
+                <a:latin typeface="Arial" panose="020B0604020202020204" pitchFamily="34" charset="0"/>
+                <a:cs typeface="Arial" panose="020B0604020202020204" pitchFamily="34" charset="0"/>
+              </a:rPr>
+              <a:t> </a:t>
+            </a:r>
+            <a:r>
+              <a:rPr lang="en-US" sz="2000" dirty="0" err="1">
+                <a:solidFill>
+                  <a:schemeClr val="tx1"/>
+                </a:solidFill>
+                <a:latin typeface="Arial" panose="020B0604020202020204" pitchFamily="34" charset="0"/>
+                <a:cs typeface="Arial" panose="020B0604020202020204" pitchFamily="34" charset="0"/>
+              </a:rPr>
+              <a:t>liệu</a:t>
+            </a:r>
+            <a:r>
+              <a:rPr lang="en-US" sz="2000" dirty="0">
+                <a:solidFill>
+                  <a:schemeClr val="tx1"/>
+                </a:solidFill>
+                <a:latin typeface="Arial" panose="020B0604020202020204" pitchFamily="34" charset="0"/>
+                <a:cs typeface="Arial" panose="020B0604020202020204" pitchFamily="34" charset="0"/>
+              </a:rPr>
+              <a:t> </a:t>
+            </a:r>
+            <a:r>
+              <a:rPr lang="en-US" sz="2000" dirty="0" err="1">
+                <a:solidFill>
+                  <a:schemeClr val="tx1"/>
+                </a:solidFill>
+                <a:latin typeface="Arial" panose="020B0604020202020204" pitchFamily="34" charset="0"/>
+                <a:cs typeface="Arial" panose="020B0604020202020204" pitchFamily="34" charset="0"/>
+              </a:rPr>
+              <a:t>thành</a:t>
+            </a:r>
+            <a:r>
+              <a:rPr lang="en-US" sz="2000" dirty="0">
+                <a:solidFill>
+                  <a:schemeClr val="tx1"/>
+                </a:solidFill>
+                <a:latin typeface="Arial" panose="020B0604020202020204" pitchFamily="34" charset="0"/>
+                <a:cs typeface="Arial" panose="020B0604020202020204" pitchFamily="34" charset="0"/>
+              </a:rPr>
+              <a:t> </a:t>
+            </a:r>
+            <a:r>
+              <a:rPr lang="en-US" sz="2000" dirty="0" err="1">
+                <a:solidFill>
+                  <a:schemeClr val="tx1"/>
+                </a:solidFill>
+                <a:latin typeface="Arial" panose="020B0604020202020204" pitchFamily="34" charset="0"/>
+                <a:cs typeface="Arial" panose="020B0604020202020204" pitchFamily="34" charset="0"/>
+              </a:rPr>
+              <a:t>công</a:t>
+            </a:r>
+            <a:r>
+              <a:rPr lang="en-US" sz="2000" dirty="0">
+                <a:solidFill>
+                  <a:schemeClr val="tx1"/>
+                </a:solidFill>
+                <a:latin typeface="Arial" panose="020B0604020202020204" pitchFamily="34" charset="0"/>
+                <a:cs typeface="Arial" panose="020B0604020202020204" pitchFamily="34" charset="0"/>
+              </a:rPr>
+              <a:t>, </a:t>
+            </a:r>
+            <a:r>
+              <a:rPr lang="en-US" sz="2000" dirty="0" err="1">
+                <a:solidFill>
+                  <a:schemeClr val="tx1"/>
+                </a:solidFill>
+                <a:latin typeface="Arial" panose="020B0604020202020204" pitchFamily="34" charset="0"/>
+                <a:cs typeface="Arial" panose="020B0604020202020204" pitchFamily="34" charset="0"/>
+              </a:rPr>
+              <a:t>phần</a:t>
+            </a:r>
+            <a:r>
+              <a:rPr lang="en-US" sz="2000" dirty="0">
+                <a:solidFill>
+                  <a:schemeClr val="tx1"/>
+                </a:solidFill>
+                <a:latin typeface="Arial" panose="020B0604020202020204" pitchFamily="34" charset="0"/>
+                <a:cs typeface="Arial" panose="020B0604020202020204" pitchFamily="34" charset="0"/>
+              </a:rPr>
+              <a:t> payload </a:t>
+            </a:r>
+            <a:r>
+              <a:rPr lang="en-US" sz="2000" dirty="0" err="1">
+                <a:solidFill>
+                  <a:schemeClr val="tx1"/>
+                </a:solidFill>
+                <a:latin typeface="Arial" panose="020B0604020202020204" pitchFamily="34" charset="0"/>
+                <a:cs typeface="Arial" panose="020B0604020202020204" pitchFamily="34" charset="0"/>
+              </a:rPr>
+              <a:t>của</a:t>
+            </a:r>
+            <a:r>
+              <a:rPr lang="en-US" sz="2000" dirty="0">
+                <a:solidFill>
+                  <a:schemeClr val="tx1"/>
+                </a:solidFill>
+                <a:latin typeface="Arial" panose="020B0604020202020204" pitchFamily="34" charset="0"/>
+                <a:cs typeface="Arial" panose="020B0604020202020204" pitchFamily="34" charset="0"/>
+              </a:rPr>
+              <a:t> action </a:t>
+            </a:r>
+            <a:r>
+              <a:rPr lang="en-US" sz="2000" dirty="0" err="1">
+                <a:solidFill>
+                  <a:schemeClr val="tx1"/>
+                </a:solidFill>
+                <a:latin typeface="Arial" panose="020B0604020202020204" pitchFamily="34" charset="0"/>
+                <a:cs typeface="Arial" panose="020B0604020202020204" pitchFamily="34" charset="0"/>
+              </a:rPr>
+              <a:t>chứa</a:t>
+            </a:r>
+            <a:r>
+              <a:rPr lang="en-US" sz="2000" dirty="0">
+                <a:solidFill>
+                  <a:schemeClr val="tx1"/>
+                </a:solidFill>
+                <a:latin typeface="Arial" panose="020B0604020202020204" pitchFamily="34" charset="0"/>
+                <a:cs typeface="Arial" panose="020B0604020202020204" pitchFamily="34" charset="0"/>
+              </a:rPr>
+              <a:t> </a:t>
+            </a:r>
+            <a:r>
+              <a:rPr lang="en-US" sz="2000" dirty="0" err="1">
+                <a:solidFill>
+                  <a:schemeClr val="tx1"/>
+                </a:solidFill>
+                <a:latin typeface="Arial" panose="020B0604020202020204" pitchFamily="34" charset="0"/>
+                <a:cs typeface="Arial" panose="020B0604020202020204" pitchFamily="34" charset="0"/>
+              </a:rPr>
+              <a:t>thông</a:t>
+            </a:r>
+            <a:r>
+              <a:rPr lang="en-US" sz="2000" dirty="0">
+                <a:solidFill>
+                  <a:schemeClr val="tx1"/>
+                </a:solidFill>
+                <a:latin typeface="Arial" panose="020B0604020202020204" pitchFamily="34" charset="0"/>
+                <a:cs typeface="Arial" panose="020B0604020202020204" pitchFamily="34" charset="0"/>
+              </a:rPr>
+              <a:t> tin </a:t>
+            </a:r>
+            <a:r>
+              <a:rPr lang="en-US" sz="2000" dirty="0" err="1">
+                <a:solidFill>
+                  <a:schemeClr val="tx1"/>
+                </a:solidFill>
+                <a:latin typeface="Arial" panose="020B0604020202020204" pitchFamily="34" charset="0"/>
+                <a:cs typeface="Arial" panose="020B0604020202020204" pitchFamily="34" charset="0"/>
+              </a:rPr>
+              <a:t>trả</a:t>
+            </a:r>
+            <a:r>
+              <a:rPr lang="en-US" sz="2000" dirty="0">
+                <a:solidFill>
+                  <a:schemeClr val="tx1"/>
+                </a:solidFill>
+                <a:latin typeface="Arial" panose="020B0604020202020204" pitchFamily="34" charset="0"/>
+                <a:cs typeface="Arial" panose="020B0604020202020204" pitchFamily="34" charset="0"/>
+              </a:rPr>
+              <a:t> </a:t>
+            </a:r>
+            <a:r>
+              <a:rPr lang="en-US" sz="2000" dirty="0" err="1">
+                <a:solidFill>
+                  <a:schemeClr val="tx1"/>
+                </a:solidFill>
+                <a:latin typeface="Arial" panose="020B0604020202020204" pitchFamily="34" charset="0"/>
+                <a:cs typeface="Arial" panose="020B0604020202020204" pitchFamily="34" charset="0"/>
+              </a:rPr>
+              <a:t>về</a:t>
+            </a:r>
+            <a:r>
+              <a:rPr lang="en-US" sz="2000" dirty="0">
+                <a:solidFill>
+                  <a:schemeClr val="tx1"/>
+                </a:solidFill>
+                <a:latin typeface="Arial" panose="020B0604020202020204" pitchFamily="34" charset="0"/>
+                <a:cs typeface="Arial" panose="020B0604020202020204" pitchFamily="34" charset="0"/>
+              </a:rPr>
+              <a:t> </a:t>
+            </a:r>
+            <a:r>
+              <a:rPr lang="en-US" sz="2000" dirty="0" err="1">
+                <a:solidFill>
+                  <a:schemeClr val="tx1"/>
+                </a:solidFill>
+                <a:latin typeface="Arial" panose="020B0604020202020204" pitchFamily="34" charset="0"/>
+                <a:cs typeface="Arial" panose="020B0604020202020204" pitchFamily="34" charset="0"/>
+              </a:rPr>
+              <a:t>từ</a:t>
+            </a:r>
+            <a:r>
+              <a:rPr lang="en-US" sz="2000" dirty="0">
+                <a:solidFill>
+                  <a:schemeClr val="tx1"/>
+                </a:solidFill>
+                <a:latin typeface="Arial" panose="020B0604020202020204" pitchFamily="34" charset="0"/>
+                <a:cs typeface="Arial" panose="020B0604020202020204" pitchFamily="34" charset="0"/>
+              </a:rPr>
+              <a:t> Server</a:t>
+            </a:r>
+          </a:p>
+          <a:p>
+            <a:pPr algn="l">
+              <a:spcBef>
+                <a:spcPts val="1200"/>
+              </a:spcBef>
+            </a:pPr>
+            <a:r>
+              <a:rPr lang="en-US" sz="2000" dirty="0">
+                <a:solidFill>
+                  <a:schemeClr val="tx1"/>
+                </a:solidFill>
+                <a:latin typeface="Arial" panose="020B0604020202020204" pitchFamily="34" charset="0"/>
+                <a:cs typeface="Arial" panose="020B0604020202020204" pitchFamily="34" charset="0"/>
+              </a:rPr>
+              <a:t>“ADD_PRODUCT_FAILED”: Ko </a:t>
+            </a:r>
+            <a:r>
+              <a:rPr lang="en-US" sz="2000" dirty="0" err="1">
+                <a:solidFill>
+                  <a:schemeClr val="tx1"/>
+                </a:solidFill>
+                <a:latin typeface="Arial" panose="020B0604020202020204" pitchFamily="34" charset="0"/>
+                <a:cs typeface="Arial" panose="020B0604020202020204" pitchFamily="34" charset="0"/>
+              </a:rPr>
+              <a:t>lấy</a:t>
+            </a:r>
+            <a:r>
+              <a:rPr lang="en-US" sz="2000" dirty="0">
+                <a:solidFill>
+                  <a:schemeClr val="tx1"/>
+                </a:solidFill>
+                <a:latin typeface="Arial" panose="020B0604020202020204" pitchFamily="34" charset="0"/>
+                <a:cs typeface="Arial" panose="020B0604020202020204" pitchFamily="34" charset="0"/>
+              </a:rPr>
+              <a:t> đ</a:t>
+            </a:r>
+            <a:r>
+              <a:rPr lang="vi-VN" sz="2000" dirty="0">
+                <a:solidFill>
+                  <a:schemeClr val="tx1"/>
+                </a:solidFill>
+                <a:latin typeface="Arial" panose="020B0604020202020204" pitchFamily="34" charset="0"/>
+                <a:cs typeface="Arial" panose="020B0604020202020204" pitchFamily="34" charset="0"/>
+              </a:rPr>
+              <a:t>ư</a:t>
+            </a:r>
+            <a:r>
+              <a:rPr lang="en-US" sz="2000" dirty="0" err="1">
+                <a:solidFill>
+                  <a:schemeClr val="tx1"/>
+                </a:solidFill>
+                <a:latin typeface="Arial" panose="020B0604020202020204" pitchFamily="34" charset="0"/>
+                <a:cs typeface="Arial" panose="020B0604020202020204" pitchFamily="34" charset="0"/>
+              </a:rPr>
+              <a:t>ợc</a:t>
+            </a:r>
+            <a:r>
+              <a:rPr lang="en-US" sz="2000" dirty="0">
+                <a:solidFill>
+                  <a:schemeClr val="tx1"/>
+                </a:solidFill>
+                <a:latin typeface="Arial" panose="020B0604020202020204" pitchFamily="34" charset="0"/>
+                <a:cs typeface="Arial" panose="020B0604020202020204" pitchFamily="34" charset="0"/>
+              </a:rPr>
+              <a:t> data, payload </a:t>
+            </a:r>
+            <a:r>
+              <a:rPr lang="en-US" sz="2000" dirty="0" err="1">
+                <a:solidFill>
+                  <a:schemeClr val="tx1"/>
+                </a:solidFill>
+                <a:latin typeface="Arial" panose="020B0604020202020204" pitchFamily="34" charset="0"/>
+                <a:cs typeface="Arial" panose="020B0604020202020204" pitchFamily="34" charset="0"/>
+              </a:rPr>
+              <a:t>chứa</a:t>
+            </a:r>
+            <a:r>
+              <a:rPr lang="en-US" sz="2000" dirty="0">
+                <a:solidFill>
+                  <a:schemeClr val="tx1"/>
+                </a:solidFill>
+                <a:latin typeface="Arial" panose="020B0604020202020204" pitchFamily="34" charset="0"/>
+                <a:cs typeface="Arial" panose="020B0604020202020204" pitchFamily="34" charset="0"/>
+              </a:rPr>
+              <a:t> </a:t>
+            </a:r>
+            <a:r>
+              <a:rPr lang="en-US" sz="2000" dirty="0" err="1">
+                <a:solidFill>
+                  <a:schemeClr val="tx1"/>
+                </a:solidFill>
+                <a:latin typeface="Arial" panose="020B0604020202020204" pitchFamily="34" charset="0"/>
+                <a:cs typeface="Arial" panose="020B0604020202020204" pitchFamily="34" charset="0"/>
+              </a:rPr>
+              <a:t>thông</a:t>
+            </a:r>
+            <a:r>
+              <a:rPr lang="en-US" sz="2000" dirty="0">
+                <a:solidFill>
+                  <a:schemeClr val="tx1"/>
+                </a:solidFill>
+                <a:latin typeface="Arial" panose="020B0604020202020204" pitchFamily="34" charset="0"/>
+                <a:cs typeface="Arial" panose="020B0604020202020204" pitchFamily="34" charset="0"/>
+              </a:rPr>
+              <a:t> tin chi </a:t>
+            </a:r>
+            <a:r>
+              <a:rPr lang="en-US" sz="2000" dirty="0" err="1">
+                <a:solidFill>
+                  <a:schemeClr val="tx1"/>
+                </a:solidFill>
+                <a:latin typeface="Arial" panose="020B0604020202020204" pitchFamily="34" charset="0"/>
+                <a:cs typeface="Arial" panose="020B0604020202020204" pitchFamily="34" charset="0"/>
+              </a:rPr>
+              <a:t>tiết</a:t>
+            </a:r>
+            <a:r>
+              <a:rPr lang="en-US" sz="2000" dirty="0">
+                <a:solidFill>
+                  <a:schemeClr val="tx1"/>
+                </a:solidFill>
+                <a:latin typeface="Arial" panose="020B0604020202020204" pitchFamily="34" charset="0"/>
+                <a:cs typeface="Arial" panose="020B0604020202020204" pitchFamily="34" charset="0"/>
+              </a:rPr>
+              <a:t> </a:t>
+            </a:r>
+            <a:r>
+              <a:rPr lang="en-US" sz="2000" dirty="0" err="1">
+                <a:solidFill>
+                  <a:schemeClr val="tx1"/>
+                </a:solidFill>
+                <a:latin typeface="Arial" panose="020B0604020202020204" pitchFamily="34" charset="0"/>
+                <a:cs typeface="Arial" panose="020B0604020202020204" pitchFamily="34" charset="0"/>
+              </a:rPr>
+              <a:t>về</a:t>
+            </a:r>
+            <a:r>
+              <a:rPr lang="en-US" sz="2000" dirty="0">
+                <a:solidFill>
+                  <a:schemeClr val="tx1"/>
+                </a:solidFill>
+                <a:latin typeface="Arial" panose="020B0604020202020204" pitchFamily="34" charset="0"/>
+                <a:cs typeface="Arial" panose="020B0604020202020204" pitchFamily="34" charset="0"/>
+              </a:rPr>
+              <a:t> error</a:t>
+            </a:r>
+          </a:p>
+          <a:p>
+            <a:pPr algn="l">
+              <a:spcBef>
+                <a:spcPts val="1200"/>
+              </a:spcBef>
+            </a:pPr>
+            <a:endParaRPr lang="en-US" sz="2000" dirty="0">
+              <a:solidFill>
+                <a:schemeClr val="tx1"/>
+              </a:solidFill>
+              <a:latin typeface="Arial" panose="020B0604020202020204" pitchFamily="34" charset="0"/>
+              <a:cs typeface="Arial" panose="020B0604020202020204" pitchFamily="34" charset="0"/>
+            </a:endParaRPr>
+          </a:p>
+        </p:txBody>
+      </p:sp>
+    </p:spTree>
+    <p:extLst>
+      <p:ext uri="{BB962C8B-B14F-4D97-AF65-F5344CB8AC3E}">
+        <p14:creationId xmlns:p14="http://schemas.microsoft.com/office/powerpoint/2010/main" val="987878317"/>
       </p:ext>
     </p:extLst>
   </p:cSld>
